--- a/Comparing Raft algorithm in go and Python.pptx
+++ b/Comparing Raft algorithm in go and Python.pptx
@@ -6,7 +6,7 @@
     <p:sldMasterId id="2147483661" r:id="rId2"/>
   </p:sldMasterIdLst>
   <p:notesMasterIdLst>
-    <p:notesMasterId r:id="rId13"/>
+    <p:notesMasterId r:id="rId15"/>
   </p:notesMasterIdLst>
   <p:sldIdLst>
     <p:sldId id="256" r:id="rId3"/>
@@ -16,9 +16,11 @@
     <p:sldId id="259" r:id="rId7"/>
     <p:sldId id="260" r:id="rId8"/>
     <p:sldId id="261" r:id="rId9"/>
-    <p:sldId id="264" r:id="rId10"/>
-    <p:sldId id="263" r:id="rId11"/>
-    <p:sldId id="262" r:id="rId12"/>
+    <p:sldId id="266" r:id="rId10"/>
+    <p:sldId id="267" r:id="rId11"/>
+    <p:sldId id="264" r:id="rId12"/>
+    <p:sldId id="263" r:id="rId13"/>
+    <p:sldId id="262" r:id="rId14"/>
   </p:sldIdLst>
   <p:sldSz cx="12192000" cy="6858000"/>
   <p:notesSz cx="6858000" cy="9144000"/>
@@ -505,7 +507,246 @@
           <a:bodyPr/>
           <a:lstStyle/>
           <a:p>
-            <a:endParaRPr lang="zxx" sz="2000" b="0" strike="noStrike" spc="-1">
+            <a:r>
+              <a:rPr lang="de-DE" sz="2000" b="0" strike="noStrike" spc="-1" dirty="0">
+                <a:latin typeface="Arial"/>
+              </a:rPr>
+              <a:t>- </a:t>
+            </a:r>
+            <a:r>
+              <a:rPr lang="de-DE" sz="2000" b="0" strike="noStrike" spc="-1" dirty="0" err="1">
+                <a:latin typeface="Arial"/>
+              </a:rPr>
+              <a:t>My</a:t>
+            </a:r>
+            <a:r>
+              <a:rPr lang="de-DE" sz="2000" b="0" strike="noStrike" spc="-1" dirty="0">
+                <a:latin typeface="Arial"/>
+              </a:rPr>
+              <a:t> </a:t>
+            </a:r>
+            <a:r>
+              <a:rPr lang="de-DE" sz="2000" b="0" strike="noStrike" spc="-1" dirty="0" err="1">
+                <a:latin typeface="Arial"/>
+              </a:rPr>
+              <a:t>presentation</a:t>
+            </a:r>
+            <a:r>
+              <a:rPr lang="de-DE" sz="2000" b="0" strike="noStrike" spc="-1" dirty="0">
+                <a:latin typeface="Arial"/>
+              </a:rPr>
+              <a:t> </a:t>
+            </a:r>
+            <a:r>
+              <a:rPr lang="de-DE" sz="2000" b="0" strike="noStrike" spc="-1" dirty="0" err="1">
+                <a:latin typeface="Arial"/>
+              </a:rPr>
+              <a:t>is</a:t>
+            </a:r>
+            <a:r>
+              <a:rPr lang="de-DE" sz="2000" b="0" strike="noStrike" spc="-1" dirty="0">
+                <a:latin typeface="Arial"/>
+              </a:rPr>
+              <a:t> </a:t>
+            </a:r>
+            <a:r>
+              <a:rPr lang="de-DE" sz="2000" b="0" strike="noStrike" spc="-1" dirty="0" err="1">
+                <a:latin typeface="Arial"/>
+              </a:rPr>
+              <a:t>about</a:t>
+            </a:r>
+            <a:r>
+              <a:rPr lang="de-DE" sz="2000" b="0" strike="noStrike" spc="-1" dirty="0">
+                <a:latin typeface="Arial"/>
+              </a:rPr>
+              <a:t> </a:t>
+            </a:r>
+            <a:r>
+              <a:rPr lang="de-DE" sz="2000" b="0" strike="noStrike" spc="-1" dirty="0" err="1">
+                <a:latin typeface="Arial"/>
+              </a:rPr>
+              <a:t>comparing</a:t>
+            </a:r>
+            <a:r>
+              <a:rPr lang="de-DE" sz="2000" b="0" strike="noStrike" spc="-1" dirty="0">
+                <a:latin typeface="Arial"/>
+              </a:rPr>
+              <a:t> </a:t>
+            </a:r>
+            <a:r>
+              <a:rPr lang="de-DE" sz="2000" b="0" strike="noStrike" spc="-1" dirty="0" err="1">
+                <a:latin typeface="Arial"/>
+              </a:rPr>
+              <a:t>go</a:t>
+            </a:r>
+            <a:r>
+              <a:rPr lang="de-DE" sz="2000" b="0" strike="noStrike" spc="-1" dirty="0">
+                <a:latin typeface="Arial"/>
+              </a:rPr>
+              <a:t> and </a:t>
+            </a:r>
+            <a:r>
+              <a:rPr lang="de-DE" sz="2000" b="0" strike="noStrike" spc="-1" dirty="0" err="1">
+                <a:latin typeface="Arial"/>
+              </a:rPr>
+              <a:t>python</a:t>
+            </a:r>
+            <a:r>
+              <a:rPr lang="de-DE" sz="2000" b="0" strike="noStrike" spc="-1" dirty="0">
+                <a:latin typeface="Arial"/>
+              </a:rPr>
+              <a:t> </a:t>
+            </a:r>
+            <a:r>
+              <a:rPr lang="de-DE" sz="2000" b="0" strike="noStrike" spc="-1" dirty="0" err="1">
+                <a:latin typeface="Arial"/>
+              </a:rPr>
+              <a:t>with</a:t>
+            </a:r>
+            <a:r>
+              <a:rPr lang="de-DE" sz="2000" b="0" strike="noStrike" spc="-1" dirty="0">
+                <a:latin typeface="Arial"/>
+              </a:rPr>
+              <a:t> </a:t>
+            </a:r>
+            <a:r>
+              <a:rPr lang="de-DE" sz="2000" b="0" strike="noStrike" spc="-1" dirty="0" err="1">
+                <a:latin typeface="Arial"/>
+              </a:rPr>
+              <a:t>raft</a:t>
+            </a:r>
+            <a:endParaRPr lang="de-DE" sz="2000" b="0" strike="noStrike" spc="-1" dirty="0">
+              <a:latin typeface="Arial"/>
+            </a:endParaRPr>
+          </a:p>
+          <a:p>
+            <a:r>
+              <a:rPr lang="de-DE" sz="2000" b="0" strike="noStrike" spc="-1" dirty="0">
+                <a:latin typeface="Arial"/>
+              </a:rPr>
+              <a:t>- </a:t>
+            </a:r>
+            <a:r>
+              <a:rPr lang="de-DE" sz="2000" b="0" strike="noStrike" spc="-1" dirty="0" err="1">
+                <a:latin typeface="Arial"/>
+              </a:rPr>
+              <a:t>For</a:t>
+            </a:r>
+            <a:r>
+              <a:rPr lang="de-DE" sz="2000" b="0" strike="noStrike" spc="-1" dirty="0">
+                <a:latin typeface="Arial"/>
+              </a:rPr>
+              <a:t> </a:t>
+            </a:r>
+            <a:r>
+              <a:rPr lang="de-DE" sz="2000" b="0" strike="noStrike" spc="-1" dirty="0" err="1">
+                <a:latin typeface="Arial"/>
+              </a:rPr>
+              <a:t>those</a:t>
+            </a:r>
+            <a:r>
+              <a:rPr lang="de-DE" sz="2000" b="0" strike="noStrike" spc="-1" dirty="0">
+                <a:latin typeface="Arial"/>
+              </a:rPr>
+              <a:t> </a:t>
+            </a:r>
+            <a:r>
+              <a:rPr lang="de-DE" sz="2000" b="0" strike="noStrike" spc="-1" dirty="0" err="1">
+                <a:latin typeface="Arial"/>
+              </a:rPr>
+              <a:t>of</a:t>
+            </a:r>
+            <a:r>
+              <a:rPr lang="de-DE" sz="2000" b="0" strike="noStrike" spc="-1" dirty="0">
+                <a:latin typeface="Arial"/>
+              </a:rPr>
+              <a:t> </a:t>
+            </a:r>
+            <a:r>
+              <a:rPr lang="de-DE" sz="2000" b="0" strike="noStrike" spc="-1" dirty="0" err="1">
+                <a:latin typeface="Arial"/>
+              </a:rPr>
+              <a:t>you</a:t>
+            </a:r>
+            <a:r>
+              <a:rPr lang="de-DE" sz="2000" b="0" strike="noStrike" spc="-1" dirty="0">
+                <a:latin typeface="Arial"/>
+              </a:rPr>
+              <a:t> </a:t>
+            </a:r>
+            <a:r>
+              <a:rPr lang="de-DE" sz="2000" b="0" strike="noStrike" spc="-1" dirty="0" err="1">
+                <a:latin typeface="Arial"/>
+              </a:rPr>
+              <a:t>that</a:t>
+            </a:r>
+            <a:r>
+              <a:rPr lang="de-DE" sz="2000" b="0" strike="noStrike" spc="-1" dirty="0">
+                <a:latin typeface="Arial"/>
+              </a:rPr>
+              <a:t> </a:t>
+            </a:r>
+            <a:r>
+              <a:rPr lang="de-DE" sz="2000" b="0" strike="noStrike" spc="-1" dirty="0" err="1">
+                <a:latin typeface="Arial"/>
+              </a:rPr>
+              <a:t>forgot</a:t>
+            </a:r>
+            <a:r>
+              <a:rPr lang="de-DE" sz="2000" b="0" strike="noStrike" spc="-1" dirty="0">
+                <a:latin typeface="Arial"/>
+              </a:rPr>
+              <a:t> </a:t>
+            </a:r>
+            <a:r>
+              <a:rPr lang="de-DE" sz="2000" b="0" strike="noStrike" spc="-1" dirty="0" err="1">
+                <a:latin typeface="Arial"/>
+              </a:rPr>
+              <a:t>about</a:t>
+            </a:r>
+            <a:r>
+              <a:rPr lang="de-DE" sz="2000" b="0" strike="noStrike" spc="-1" dirty="0">
+                <a:latin typeface="Arial"/>
+              </a:rPr>
+              <a:t> </a:t>
+            </a:r>
+            <a:r>
+              <a:rPr lang="de-DE" sz="2000" b="0" strike="noStrike" spc="-1" dirty="0" err="1">
+                <a:latin typeface="Arial"/>
+              </a:rPr>
+              <a:t>the</a:t>
+            </a:r>
+            <a:r>
+              <a:rPr lang="de-DE" sz="2000" b="0" strike="noStrike" spc="-1" dirty="0">
+                <a:latin typeface="Arial"/>
+              </a:rPr>
+              <a:t> </a:t>
+            </a:r>
+            <a:r>
+              <a:rPr lang="de-DE" sz="2000" b="0" strike="noStrike" spc="-1" dirty="0" err="1">
+                <a:latin typeface="Arial"/>
+              </a:rPr>
+              <a:t>raft</a:t>
+            </a:r>
+            <a:r>
+              <a:rPr lang="de-DE" sz="2000" b="0" strike="noStrike" spc="-1" dirty="0">
+                <a:latin typeface="Arial"/>
+              </a:rPr>
+              <a:t> </a:t>
+            </a:r>
+            <a:r>
+              <a:rPr lang="de-DE" sz="2000" b="0" strike="noStrike" spc="-1" dirty="0" err="1">
+                <a:latin typeface="Arial"/>
+              </a:rPr>
+              <a:t>algorithm</a:t>
+            </a:r>
+            <a:r>
+              <a:rPr lang="de-DE" sz="2000" b="0" strike="noStrike" spc="-1" dirty="0">
+                <a:latin typeface="Arial"/>
+              </a:rPr>
+              <a:t>…</a:t>
+            </a:r>
+            <a:endParaRPr lang="zxx" sz="2000" b="0" strike="noStrike" spc="-1" dirty="0">
               <a:latin typeface="Arial"/>
             </a:endParaRPr>
           </a:p>
@@ -559,7 +800,7 @@
 </p:notes>
 </file>
 
-<file path=ppt/notesSlides/notesSlide2.xml><?xml version="1.0" encoding="utf-8"?>
+<file path=ppt/notesSlides/notesSlide10.xml><?xml version="1.0" encoding="utf-8"?>
 <p:notes xmlns:a="http://schemas.openxmlformats.org/drawingml/2006/main" xmlns:r="http://schemas.openxmlformats.org/officeDocument/2006/relationships" xmlns:p="http://schemas.openxmlformats.org/presentationml/2006/main">
   <p:cSld>
     <p:spTree>
@@ -657,7 +898,7 @@
               <a:rPr lang="zxx" sz="1200" b="0" strike="noStrike" spc="-1">
                 <a:latin typeface="Times New Roman"/>
               </a:rPr>
-              <a:t>8</a:t>
+              <a:t>10</a:t>
             </a:fld>
             <a:endParaRPr lang="zxx" sz="1200" b="0" strike="noStrike" spc="-1">
               <a:latin typeface="Times New Roman"/>
@@ -678,7 +919,7 @@
 </p:notes>
 </file>
 
-<file path=ppt/notesSlides/notesSlide3.xml><?xml version="1.0" encoding="utf-8"?>
+<file path=ppt/notesSlides/notesSlide11.xml><?xml version="1.0" encoding="utf-8"?>
 <p:notes xmlns:a="http://schemas.openxmlformats.org/drawingml/2006/main" xmlns:r="http://schemas.openxmlformats.org/officeDocument/2006/relationships" xmlns:p="http://schemas.openxmlformats.org/presentationml/2006/main">
   <p:cSld>
     <p:spTree>
@@ -776,7 +1017,7 @@
               <a:rPr lang="zxx" sz="1200" b="0" strike="noStrike" spc="-1">
                 <a:latin typeface="Times New Roman"/>
               </a:rPr>
-              <a:t>9</a:t>
+              <a:t>11</a:t>
             </a:fld>
             <a:endParaRPr lang="zxx" sz="1200" b="0" strike="noStrike" spc="-1">
               <a:latin typeface="Times New Roman"/>
@@ -797,7 +1038,7 @@
 </p:notes>
 </file>
 
-<file path=ppt/notesSlides/notesSlide4.xml><?xml version="1.0" encoding="utf-8"?>
+<file path=ppt/notesSlides/notesSlide12.xml><?xml version="1.0" encoding="utf-8"?>
 <p:notes xmlns:a="http://schemas.openxmlformats.org/drawingml/2006/main" xmlns:r="http://schemas.openxmlformats.org/officeDocument/2006/relationships" xmlns:p="http://schemas.openxmlformats.org/presentationml/2006/main">
   <p:cSld>
     <p:spTree>
@@ -895,7 +1136,7 @@
               <a:rPr lang="zxx" sz="1200" b="0" strike="noStrike" spc="-1">
                 <a:latin typeface="Times New Roman"/>
               </a:rPr>
-              <a:t>10</a:t>
+              <a:t>12</a:t>
             </a:fld>
             <a:endParaRPr lang="zxx" sz="1200" b="0" strike="noStrike" spc="-1">
               <a:latin typeface="Times New Roman"/>
@@ -904,6 +1145,846 @@
         </p:txBody>
       </p:sp>
     </p:spTree>
+  </p:cSld>
+  <p:clrMapOvr>
+    <a:masterClrMapping/>
+  </p:clrMapOvr>
+</p:notes>
+</file>
+
+<file path=ppt/notesSlides/notesSlide2.xml><?xml version="1.0" encoding="utf-8"?>
+<p:notes xmlns:a="http://schemas.openxmlformats.org/drawingml/2006/main" xmlns:r="http://schemas.openxmlformats.org/officeDocument/2006/relationships" xmlns:p="http://schemas.openxmlformats.org/presentationml/2006/main">
+  <p:cSld>
+    <p:spTree>
+      <p:nvGrpSpPr>
+        <p:cNvPr id="1" name=""/>
+        <p:cNvGrpSpPr/>
+        <p:nvPr/>
+      </p:nvGrpSpPr>
+      <p:grpSpPr>
+        <a:xfrm>
+          <a:off x="0" y="0"/>
+          <a:ext cx="0" cy="0"/>
+          <a:chOff x="0" y="0"/>
+          <a:chExt cx="0" cy="0"/>
+        </a:xfrm>
+      </p:grpSpPr>
+      <p:sp>
+        <p:nvSpPr>
+          <p:cNvPr id="2" name="Folienbildplatzhalter 1"/>
+          <p:cNvSpPr>
+            <a:spLocks noGrp="1" noRot="1" noChangeAspect="1"/>
+          </p:cNvSpPr>
+          <p:nvPr>
+            <p:ph type="sldImg"/>
+          </p:nvPr>
+        </p:nvSpPr>
+        <p:spPr>
+          <a:xfrm>
+            <a:off x="217488" y="812800"/>
+            <a:ext cx="7124700" cy="4008438"/>
+          </a:xfrm>
+        </p:spPr>
+      </p:sp>
+      <p:sp>
+        <p:nvSpPr>
+          <p:cNvPr id="3" name="Notizenplatzhalter 2"/>
+          <p:cNvSpPr>
+            <a:spLocks noGrp="1"/>
+          </p:cNvSpPr>
+          <p:nvPr>
+            <p:ph type="body" idx="1"/>
+          </p:nvPr>
+        </p:nvSpPr>
+        <p:spPr/>
+        <p:txBody>
+          <a:bodyPr/>
+          <a:lstStyle/>
+          <a:p>
+            <a:r>
+              <a:rPr lang="en-US" dirty="0"/>
+              <a:t>- Spread out database elastic search</a:t>
+            </a:r>
+          </a:p>
+          <a:p>
+            <a:r>
+              <a:rPr lang="en-US" dirty="0"/>
+              <a:t>- Example: two nodes and different state</a:t>
+            </a:r>
+          </a:p>
+          <a:p>
+            <a:r>
+              <a:rPr lang="en-US" dirty="0"/>
+              <a:t>- Leader is responsible for updating the state</a:t>
+            </a:r>
+          </a:p>
+          <a:p>
+            <a:r>
+              <a:rPr lang="en-US" dirty="0"/>
+              <a:t>Cluster manages itself</a:t>
+            </a:r>
+          </a:p>
+        </p:txBody>
+      </p:sp>
+      <p:sp>
+        <p:nvSpPr>
+          <p:cNvPr id="4" name="Foliennummernplatzhalter 3"/>
+          <p:cNvSpPr>
+            <a:spLocks noGrp="1"/>
+          </p:cNvSpPr>
+          <p:nvPr>
+            <p:ph type="sldNum"/>
+          </p:nvPr>
+        </p:nvSpPr>
+        <p:spPr/>
+        <p:txBody>
+          <a:bodyPr/>
+          <a:lstStyle/>
+          <a:p>
+            <a:pPr algn="r"/>
+            <a:fld id="{0B9B55EE-F6A2-434A-B24E-8DD7F3BE64C7}" type="slidenum">
+              <a:rPr lang="zxx" sz="1400" b="0" strike="noStrike" spc="-1" smtClean="0">
+                <a:latin typeface="Times New Roman"/>
+              </a:rPr>
+              <a:t>2</a:t>
+            </a:fld>
+            <a:endParaRPr lang="zxx" sz="1400" b="0" strike="noStrike" spc="-1">
+              <a:latin typeface="Times New Roman"/>
+            </a:endParaRPr>
+          </a:p>
+        </p:txBody>
+      </p:sp>
+    </p:spTree>
+    <p:extLst>
+      <p:ext uri="{BB962C8B-B14F-4D97-AF65-F5344CB8AC3E}">
+        <p14:creationId xmlns:p14="http://schemas.microsoft.com/office/powerpoint/2010/main" val="263818207"/>
+      </p:ext>
+    </p:extLst>
+  </p:cSld>
+  <p:clrMapOvr>
+    <a:masterClrMapping/>
+  </p:clrMapOvr>
+</p:notes>
+</file>
+
+<file path=ppt/notesSlides/notesSlide3.xml><?xml version="1.0" encoding="utf-8"?>
+<p:notes xmlns:a="http://schemas.openxmlformats.org/drawingml/2006/main" xmlns:r="http://schemas.openxmlformats.org/officeDocument/2006/relationships" xmlns:p="http://schemas.openxmlformats.org/presentationml/2006/main">
+  <p:cSld>
+    <p:spTree>
+      <p:nvGrpSpPr>
+        <p:cNvPr id="1" name=""/>
+        <p:cNvGrpSpPr/>
+        <p:nvPr/>
+      </p:nvGrpSpPr>
+      <p:grpSpPr>
+        <a:xfrm>
+          <a:off x="0" y="0"/>
+          <a:ext cx="0" cy="0"/>
+          <a:chOff x="0" y="0"/>
+          <a:chExt cx="0" cy="0"/>
+        </a:xfrm>
+      </p:grpSpPr>
+      <p:sp>
+        <p:nvSpPr>
+          <p:cNvPr id="2" name="Folienbildplatzhalter 1"/>
+          <p:cNvSpPr>
+            <a:spLocks noGrp="1" noRot="1" noChangeAspect="1"/>
+          </p:cNvSpPr>
+          <p:nvPr>
+            <p:ph type="sldImg"/>
+          </p:nvPr>
+        </p:nvSpPr>
+        <p:spPr>
+          <a:xfrm>
+            <a:off x="217488" y="812800"/>
+            <a:ext cx="7124700" cy="4008438"/>
+          </a:xfrm>
+        </p:spPr>
+      </p:sp>
+      <p:sp>
+        <p:nvSpPr>
+          <p:cNvPr id="3" name="Notizenplatzhalter 2"/>
+          <p:cNvSpPr>
+            <a:spLocks noGrp="1"/>
+          </p:cNvSpPr>
+          <p:nvPr>
+            <p:ph type="body" idx="1"/>
+          </p:nvPr>
+        </p:nvSpPr>
+        <p:spPr/>
+        <p:txBody>
+          <a:bodyPr/>
+          <a:lstStyle/>
+          <a:p>
+            <a:r>
+              <a:rPr lang="en-US" dirty="0" err="1"/>
+              <a:t>Überleitung</a:t>
+            </a:r>
+            <a:r>
+              <a:rPr lang="en-US" dirty="0"/>
+              <a:t>: synchronized threads</a:t>
+            </a:r>
+          </a:p>
+        </p:txBody>
+      </p:sp>
+      <p:sp>
+        <p:nvSpPr>
+          <p:cNvPr id="4" name="Foliennummernplatzhalter 3"/>
+          <p:cNvSpPr>
+            <a:spLocks noGrp="1"/>
+          </p:cNvSpPr>
+          <p:nvPr>
+            <p:ph type="sldNum"/>
+          </p:nvPr>
+        </p:nvSpPr>
+        <p:spPr/>
+        <p:txBody>
+          <a:bodyPr/>
+          <a:lstStyle/>
+          <a:p>
+            <a:pPr algn="r"/>
+            <a:fld id="{0B9B55EE-F6A2-434A-B24E-8DD7F3BE64C7}" type="slidenum">
+              <a:rPr lang="zxx" sz="1400" b="0" strike="noStrike" spc="-1" smtClean="0">
+                <a:latin typeface="Times New Roman"/>
+              </a:rPr>
+              <a:t>3</a:t>
+            </a:fld>
+            <a:endParaRPr lang="zxx" sz="1400" b="0" strike="noStrike" spc="-1">
+              <a:latin typeface="Times New Roman"/>
+            </a:endParaRPr>
+          </a:p>
+        </p:txBody>
+      </p:sp>
+    </p:spTree>
+    <p:extLst>
+      <p:ext uri="{BB962C8B-B14F-4D97-AF65-F5344CB8AC3E}">
+        <p14:creationId xmlns:p14="http://schemas.microsoft.com/office/powerpoint/2010/main" val="3636932088"/>
+      </p:ext>
+    </p:extLst>
+  </p:cSld>
+  <p:clrMapOvr>
+    <a:masterClrMapping/>
+  </p:clrMapOvr>
+</p:notes>
+</file>
+
+<file path=ppt/notesSlides/notesSlide4.xml><?xml version="1.0" encoding="utf-8"?>
+<p:notes xmlns:a="http://schemas.openxmlformats.org/drawingml/2006/main" xmlns:r="http://schemas.openxmlformats.org/officeDocument/2006/relationships" xmlns:p="http://schemas.openxmlformats.org/presentationml/2006/main">
+  <p:cSld>
+    <p:spTree>
+      <p:nvGrpSpPr>
+        <p:cNvPr id="1" name=""/>
+        <p:cNvGrpSpPr/>
+        <p:nvPr/>
+      </p:nvGrpSpPr>
+      <p:grpSpPr>
+        <a:xfrm>
+          <a:off x="0" y="0"/>
+          <a:ext cx="0" cy="0"/>
+          <a:chOff x="0" y="0"/>
+          <a:chExt cx="0" cy="0"/>
+        </a:xfrm>
+      </p:grpSpPr>
+      <p:sp>
+        <p:nvSpPr>
+          <p:cNvPr id="2" name="Folienbildplatzhalter 1"/>
+          <p:cNvSpPr>
+            <a:spLocks noGrp="1" noRot="1" noChangeAspect="1"/>
+          </p:cNvSpPr>
+          <p:nvPr>
+            <p:ph type="sldImg"/>
+          </p:nvPr>
+        </p:nvSpPr>
+        <p:spPr>
+          <a:xfrm>
+            <a:off x="217488" y="812800"/>
+            <a:ext cx="7124700" cy="4008438"/>
+          </a:xfrm>
+        </p:spPr>
+      </p:sp>
+      <p:sp>
+        <p:nvSpPr>
+          <p:cNvPr id="3" name="Notizenplatzhalter 2"/>
+          <p:cNvSpPr>
+            <a:spLocks noGrp="1"/>
+          </p:cNvSpPr>
+          <p:nvPr>
+            <p:ph type="body" idx="1"/>
+          </p:nvPr>
+        </p:nvSpPr>
+        <p:spPr/>
+        <p:txBody>
+          <a:bodyPr/>
+          <a:lstStyle/>
+          <a:p>
+            <a:endParaRPr lang="en-US" dirty="0"/>
+          </a:p>
+        </p:txBody>
+      </p:sp>
+      <p:sp>
+        <p:nvSpPr>
+          <p:cNvPr id="4" name="Foliennummernplatzhalter 3"/>
+          <p:cNvSpPr>
+            <a:spLocks noGrp="1"/>
+          </p:cNvSpPr>
+          <p:nvPr>
+            <p:ph type="sldNum"/>
+          </p:nvPr>
+        </p:nvSpPr>
+        <p:spPr/>
+        <p:txBody>
+          <a:bodyPr/>
+          <a:lstStyle/>
+          <a:p>
+            <a:pPr algn="r"/>
+            <a:fld id="{0B9B55EE-F6A2-434A-B24E-8DD7F3BE64C7}" type="slidenum">
+              <a:rPr lang="zxx" sz="1400" b="0" strike="noStrike" spc="-1" smtClean="0">
+                <a:latin typeface="Times New Roman"/>
+              </a:rPr>
+              <a:t>4</a:t>
+            </a:fld>
+            <a:endParaRPr lang="zxx" sz="1400" b="0" strike="noStrike" spc="-1">
+              <a:latin typeface="Times New Roman"/>
+            </a:endParaRPr>
+          </a:p>
+        </p:txBody>
+      </p:sp>
+    </p:spTree>
+    <p:extLst>
+      <p:ext uri="{BB962C8B-B14F-4D97-AF65-F5344CB8AC3E}">
+        <p14:creationId xmlns:p14="http://schemas.microsoft.com/office/powerpoint/2010/main" val="2250797153"/>
+      </p:ext>
+    </p:extLst>
+  </p:cSld>
+  <p:clrMapOvr>
+    <a:masterClrMapping/>
+  </p:clrMapOvr>
+</p:notes>
+</file>
+
+<file path=ppt/notesSlides/notesSlide5.xml><?xml version="1.0" encoding="utf-8"?>
+<p:notes xmlns:a="http://schemas.openxmlformats.org/drawingml/2006/main" xmlns:r="http://schemas.openxmlformats.org/officeDocument/2006/relationships" xmlns:p="http://schemas.openxmlformats.org/presentationml/2006/main">
+  <p:cSld>
+    <p:spTree>
+      <p:nvGrpSpPr>
+        <p:cNvPr id="1" name=""/>
+        <p:cNvGrpSpPr/>
+        <p:nvPr/>
+      </p:nvGrpSpPr>
+      <p:grpSpPr>
+        <a:xfrm>
+          <a:off x="0" y="0"/>
+          <a:ext cx="0" cy="0"/>
+          <a:chOff x="0" y="0"/>
+          <a:chExt cx="0" cy="0"/>
+        </a:xfrm>
+      </p:grpSpPr>
+      <p:sp>
+        <p:nvSpPr>
+          <p:cNvPr id="2" name="Folienbildplatzhalter 1"/>
+          <p:cNvSpPr>
+            <a:spLocks noGrp="1" noRot="1" noChangeAspect="1"/>
+          </p:cNvSpPr>
+          <p:nvPr>
+            <p:ph type="sldImg"/>
+          </p:nvPr>
+        </p:nvSpPr>
+        <p:spPr>
+          <a:xfrm>
+            <a:off x="217488" y="812800"/>
+            <a:ext cx="7124700" cy="4008438"/>
+          </a:xfrm>
+        </p:spPr>
+      </p:sp>
+      <p:sp>
+        <p:nvSpPr>
+          <p:cNvPr id="3" name="Notizenplatzhalter 2"/>
+          <p:cNvSpPr>
+            <a:spLocks noGrp="1"/>
+          </p:cNvSpPr>
+          <p:nvPr>
+            <p:ph type="body" idx="1"/>
+          </p:nvPr>
+        </p:nvSpPr>
+        <p:spPr/>
+        <p:txBody>
+          <a:bodyPr/>
+          <a:lstStyle/>
+          <a:p>
+            <a:r>
+              <a:rPr lang="en-US" dirty="0"/>
+              <a:t>- Init is constructor</a:t>
+            </a:r>
+          </a:p>
+          <a:p>
+            <a:pPr marL="171450" indent="-171450">
+              <a:buFontTx/>
+              <a:buChar char="-"/>
+            </a:pPr>
+            <a:r>
+              <a:rPr lang="en-US" dirty="0"/>
+              <a:t>Run counts his counter down to 0 </a:t>
+            </a:r>
+          </a:p>
+          <a:p>
+            <a:pPr marL="171450" indent="-171450">
+              <a:buFontTx/>
+              <a:buChar char="-"/>
+            </a:pPr>
+            <a:r>
+              <a:rPr lang="en-US" dirty="0"/>
+              <a:t>Prints thread finished</a:t>
+            </a:r>
+          </a:p>
+        </p:txBody>
+      </p:sp>
+      <p:sp>
+        <p:nvSpPr>
+          <p:cNvPr id="4" name="Foliennummernplatzhalter 3"/>
+          <p:cNvSpPr>
+            <a:spLocks noGrp="1"/>
+          </p:cNvSpPr>
+          <p:nvPr>
+            <p:ph type="sldNum"/>
+          </p:nvPr>
+        </p:nvSpPr>
+        <p:spPr/>
+        <p:txBody>
+          <a:bodyPr/>
+          <a:lstStyle/>
+          <a:p>
+            <a:pPr algn="r"/>
+            <a:fld id="{0B9B55EE-F6A2-434A-B24E-8DD7F3BE64C7}" type="slidenum">
+              <a:rPr lang="zxx" sz="1400" b="0" strike="noStrike" spc="-1" smtClean="0">
+                <a:latin typeface="Times New Roman"/>
+              </a:rPr>
+              <a:t>5</a:t>
+            </a:fld>
+            <a:endParaRPr lang="zxx" sz="1400" b="0" strike="noStrike" spc="-1">
+              <a:latin typeface="Times New Roman"/>
+            </a:endParaRPr>
+          </a:p>
+        </p:txBody>
+      </p:sp>
+    </p:spTree>
+    <p:extLst>
+      <p:ext uri="{BB962C8B-B14F-4D97-AF65-F5344CB8AC3E}">
+        <p14:creationId xmlns:p14="http://schemas.microsoft.com/office/powerpoint/2010/main" val="3333017037"/>
+      </p:ext>
+    </p:extLst>
+  </p:cSld>
+  <p:clrMapOvr>
+    <a:masterClrMapping/>
+  </p:clrMapOvr>
+</p:notes>
+</file>
+
+<file path=ppt/notesSlides/notesSlide6.xml><?xml version="1.0" encoding="utf-8"?>
+<p:notes xmlns:a="http://schemas.openxmlformats.org/drawingml/2006/main" xmlns:r="http://schemas.openxmlformats.org/officeDocument/2006/relationships" xmlns:p="http://schemas.openxmlformats.org/presentationml/2006/main">
+  <p:cSld>
+    <p:spTree>
+      <p:nvGrpSpPr>
+        <p:cNvPr id="1" name=""/>
+        <p:cNvGrpSpPr/>
+        <p:nvPr/>
+      </p:nvGrpSpPr>
+      <p:grpSpPr>
+        <a:xfrm>
+          <a:off x="0" y="0"/>
+          <a:ext cx="0" cy="0"/>
+          <a:chOff x="0" y="0"/>
+          <a:chExt cx="0" cy="0"/>
+        </a:xfrm>
+      </p:grpSpPr>
+      <p:sp>
+        <p:nvSpPr>
+          <p:cNvPr id="2" name="Folienbildplatzhalter 1"/>
+          <p:cNvSpPr>
+            <a:spLocks noGrp="1" noRot="1" noChangeAspect="1"/>
+          </p:cNvSpPr>
+          <p:nvPr>
+            <p:ph type="sldImg"/>
+          </p:nvPr>
+        </p:nvSpPr>
+        <p:spPr>
+          <a:xfrm>
+            <a:off x="217488" y="812800"/>
+            <a:ext cx="7124700" cy="4008438"/>
+          </a:xfrm>
+        </p:spPr>
+      </p:sp>
+      <p:sp>
+        <p:nvSpPr>
+          <p:cNvPr id="3" name="Notizenplatzhalter 2"/>
+          <p:cNvSpPr>
+            <a:spLocks noGrp="1"/>
+          </p:cNvSpPr>
+          <p:nvPr>
+            <p:ph type="body" idx="1"/>
+          </p:nvPr>
+        </p:nvSpPr>
+        <p:spPr/>
+        <p:txBody>
+          <a:bodyPr/>
+          <a:lstStyle/>
+          <a:p>
+            <a:endParaRPr lang="en-US" dirty="0"/>
+          </a:p>
+        </p:txBody>
+      </p:sp>
+      <p:sp>
+        <p:nvSpPr>
+          <p:cNvPr id="4" name="Foliennummernplatzhalter 3"/>
+          <p:cNvSpPr>
+            <a:spLocks noGrp="1"/>
+          </p:cNvSpPr>
+          <p:nvPr>
+            <p:ph type="sldNum"/>
+          </p:nvPr>
+        </p:nvSpPr>
+        <p:spPr/>
+        <p:txBody>
+          <a:bodyPr/>
+          <a:lstStyle/>
+          <a:p>
+            <a:pPr algn="r"/>
+            <a:fld id="{0B9B55EE-F6A2-434A-B24E-8DD7F3BE64C7}" type="slidenum">
+              <a:rPr lang="zxx" sz="1400" b="0" strike="noStrike" spc="-1" smtClean="0">
+                <a:latin typeface="Times New Roman"/>
+              </a:rPr>
+              <a:t>6</a:t>
+            </a:fld>
+            <a:endParaRPr lang="zxx" sz="1400" b="0" strike="noStrike" spc="-1">
+              <a:latin typeface="Times New Roman"/>
+            </a:endParaRPr>
+          </a:p>
+        </p:txBody>
+      </p:sp>
+    </p:spTree>
+    <p:extLst>
+      <p:ext uri="{BB962C8B-B14F-4D97-AF65-F5344CB8AC3E}">
+        <p14:creationId xmlns:p14="http://schemas.microsoft.com/office/powerpoint/2010/main" val="252456409"/>
+      </p:ext>
+    </p:extLst>
+  </p:cSld>
+  <p:clrMapOvr>
+    <a:masterClrMapping/>
+  </p:clrMapOvr>
+</p:notes>
+</file>
+
+<file path=ppt/notesSlides/notesSlide7.xml><?xml version="1.0" encoding="utf-8"?>
+<p:notes xmlns:a="http://schemas.openxmlformats.org/drawingml/2006/main" xmlns:r="http://schemas.openxmlformats.org/officeDocument/2006/relationships" xmlns:p="http://schemas.openxmlformats.org/presentationml/2006/main">
+  <p:cSld>
+    <p:spTree>
+      <p:nvGrpSpPr>
+        <p:cNvPr id="1" name=""/>
+        <p:cNvGrpSpPr/>
+        <p:nvPr/>
+      </p:nvGrpSpPr>
+      <p:grpSpPr>
+        <a:xfrm>
+          <a:off x="0" y="0"/>
+          <a:ext cx="0" cy="0"/>
+          <a:chOff x="0" y="0"/>
+          <a:chExt cx="0" cy="0"/>
+        </a:xfrm>
+      </p:grpSpPr>
+      <p:sp>
+        <p:nvSpPr>
+          <p:cNvPr id="2" name="Folienbildplatzhalter 1"/>
+          <p:cNvSpPr>
+            <a:spLocks noGrp="1" noRot="1" noChangeAspect="1"/>
+          </p:cNvSpPr>
+          <p:nvPr>
+            <p:ph type="sldImg"/>
+          </p:nvPr>
+        </p:nvSpPr>
+        <p:spPr>
+          <a:xfrm>
+            <a:off x="217488" y="812800"/>
+            <a:ext cx="7124700" cy="4008438"/>
+          </a:xfrm>
+        </p:spPr>
+      </p:sp>
+      <p:sp>
+        <p:nvSpPr>
+          <p:cNvPr id="3" name="Notizenplatzhalter 2"/>
+          <p:cNvSpPr>
+            <a:spLocks noGrp="1"/>
+          </p:cNvSpPr>
+          <p:nvPr>
+            <p:ph type="body" idx="1"/>
+          </p:nvPr>
+        </p:nvSpPr>
+        <p:spPr/>
+        <p:txBody>
+          <a:bodyPr/>
+          <a:lstStyle/>
+          <a:p>
+            <a:pPr marL="171450" indent="-171450">
+              <a:buFontTx/>
+              <a:buChar char="-"/>
+            </a:pPr>
+            <a:r>
+              <a:rPr lang="en-US" dirty="0"/>
+              <a:t>A timeout function can’t be run twice. Therefore it’s locked.</a:t>
+            </a:r>
+          </a:p>
+          <a:p>
+            <a:pPr marL="171450" indent="-171450">
+              <a:buFontTx/>
+              <a:buChar char="-"/>
+            </a:pPr>
+            <a:r>
+              <a:rPr lang="en-US" dirty="0"/>
+              <a:t>A node can’t vote for two candidates etc.</a:t>
+            </a:r>
+          </a:p>
+          <a:p>
+            <a:pPr marL="171450" indent="-171450">
+              <a:buFontTx/>
+              <a:buChar char="-"/>
+            </a:pPr>
+            <a:r>
+              <a:rPr lang="en-US" dirty="0"/>
+              <a:t>Example Philosophers: 2 Philosophers can’t eat with the same fork.</a:t>
+            </a:r>
+          </a:p>
+          <a:p>
+            <a:pPr marL="171450" indent="-171450">
+              <a:buFontTx/>
+              <a:buChar char="-"/>
+            </a:pPr>
+            <a:r>
+              <a:rPr lang="en-US" dirty="0"/>
+              <a:t>With/defer makes sure that after mutex was locked, it’s unlocked again</a:t>
+            </a:r>
+          </a:p>
+        </p:txBody>
+      </p:sp>
+      <p:sp>
+        <p:nvSpPr>
+          <p:cNvPr id="4" name="Foliennummernplatzhalter 3"/>
+          <p:cNvSpPr>
+            <a:spLocks noGrp="1"/>
+          </p:cNvSpPr>
+          <p:nvPr>
+            <p:ph type="sldNum"/>
+          </p:nvPr>
+        </p:nvSpPr>
+        <p:spPr/>
+        <p:txBody>
+          <a:bodyPr/>
+          <a:lstStyle/>
+          <a:p>
+            <a:pPr algn="r"/>
+            <a:fld id="{0B9B55EE-F6A2-434A-B24E-8DD7F3BE64C7}" type="slidenum">
+              <a:rPr lang="zxx" sz="1400" b="0" strike="noStrike" spc="-1" smtClean="0">
+                <a:latin typeface="Times New Roman"/>
+              </a:rPr>
+              <a:t>7</a:t>
+            </a:fld>
+            <a:endParaRPr lang="zxx" sz="1400" b="0" strike="noStrike" spc="-1">
+              <a:latin typeface="Times New Roman"/>
+            </a:endParaRPr>
+          </a:p>
+        </p:txBody>
+      </p:sp>
+    </p:spTree>
+    <p:extLst>
+      <p:ext uri="{BB962C8B-B14F-4D97-AF65-F5344CB8AC3E}">
+        <p14:creationId xmlns:p14="http://schemas.microsoft.com/office/powerpoint/2010/main" val="180085364"/>
+      </p:ext>
+    </p:extLst>
+  </p:cSld>
+  <p:clrMapOvr>
+    <a:masterClrMapping/>
+  </p:clrMapOvr>
+</p:notes>
+</file>
+
+<file path=ppt/notesSlides/notesSlide8.xml><?xml version="1.0" encoding="utf-8"?>
+<p:notes xmlns:a="http://schemas.openxmlformats.org/drawingml/2006/main" xmlns:r="http://schemas.openxmlformats.org/officeDocument/2006/relationships" xmlns:p="http://schemas.openxmlformats.org/presentationml/2006/main">
+  <p:cSld>
+    <p:spTree>
+      <p:nvGrpSpPr>
+        <p:cNvPr id="1" name=""/>
+        <p:cNvGrpSpPr/>
+        <p:nvPr/>
+      </p:nvGrpSpPr>
+      <p:grpSpPr>
+        <a:xfrm>
+          <a:off x="0" y="0"/>
+          <a:ext cx="0" cy="0"/>
+          <a:chOff x="0" y="0"/>
+          <a:chExt cx="0" cy="0"/>
+        </a:xfrm>
+      </p:grpSpPr>
+      <p:sp>
+        <p:nvSpPr>
+          <p:cNvPr id="2" name="Folienbildplatzhalter 1"/>
+          <p:cNvSpPr>
+            <a:spLocks noGrp="1" noRot="1" noChangeAspect="1"/>
+          </p:cNvSpPr>
+          <p:nvPr>
+            <p:ph type="sldImg"/>
+          </p:nvPr>
+        </p:nvSpPr>
+        <p:spPr>
+          <a:xfrm>
+            <a:off x="217488" y="812800"/>
+            <a:ext cx="7124700" cy="4008438"/>
+          </a:xfrm>
+        </p:spPr>
+      </p:sp>
+      <p:sp>
+        <p:nvSpPr>
+          <p:cNvPr id="3" name="Notizenplatzhalter 2"/>
+          <p:cNvSpPr>
+            <a:spLocks noGrp="1"/>
+          </p:cNvSpPr>
+          <p:nvPr>
+            <p:ph type="body" idx="1"/>
+          </p:nvPr>
+        </p:nvSpPr>
+        <p:spPr/>
+        <p:txBody>
+          <a:bodyPr/>
+          <a:lstStyle/>
+          <a:p>
+            <a:endParaRPr lang="en-US" dirty="0"/>
+          </a:p>
+        </p:txBody>
+      </p:sp>
+      <p:sp>
+        <p:nvSpPr>
+          <p:cNvPr id="4" name="Foliennummernplatzhalter 3"/>
+          <p:cNvSpPr>
+            <a:spLocks noGrp="1"/>
+          </p:cNvSpPr>
+          <p:nvPr>
+            <p:ph type="sldNum"/>
+          </p:nvPr>
+        </p:nvSpPr>
+        <p:spPr/>
+        <p:txBody>
+          <a:bodyPr/>
+          <a:lstStyle/>
+          <a:p>
+            <a:pPr algn="r"/>
+            <a:fld id="{0B9B55EE-F6A2-434A-B24E-8DD7F3BE64C7}" type="slidenum">
+              <a:rPr lang="zxx" sz="1400" b="0" strike="noStrike" spc="-1" smtClean="0">
+                <a:latin typeface="Times New Roman"/>
+              </a:rPr>
+              <a:t>8</a:t>
+            </a:fld>
+            <a:endParaRPr lang="zxx" sz="1400" b="0" strike="noStrike" spc="-1">
+              <a:latin typeface="Times New Roman"/>
+            </a:endParaRPr>
+          </a:p>
+        </p:txBody>
+      </p:sp>
+    </p:spTree>
+    <p:extLst>
+      <p:ext uri="{BB962C8B-B14F-4D97-AF65-F5344CB8AC3E}">
+        <p14:creationId xmlns:p14="http://schemas.microsoft.com/office/powerpoint/2010/main" val="706886413"/>
+      </p:ext>
+    </p:extLst>
+  </p:cSld>
+  <p:clrMapOvr>
+    <a:masterClrMapping/>
+  </p:clrMapOvr>
+</p:notes>
+</file>
+
+<file path=ppt/notesSlides/notesSlide9.xml><?xml version="1.0" encoding="utf-8"?>
+<p:notes xmlns:a="http://schemas.openxmlformats.org/drawingml/2006/main" xmlns:r="http://schemas.openxmlformats.org/officeDocument/2006/relationships" xmlns:p="http://schemas.openxmlformats.org/presentationml/2006/main">
+  <p:cSld>
+    <p:spTree>
+      <p:nvGrpSpPr>
+        <p:cNvPr id="1" name=""/>
+        <p:cNvGrpSpPr/>
+        <p:nvPr/>
+      </p:nvGrpSpPr>
+      <p:grpSpPr>
+        <a:xfrm>
+          <a:off x="0" y="0"/>
+          <a:ext cx="0" cy="0"/>
+          <a:chOff x="0" y="0"/>
+          <a:chExt cx="0" cy="0"/>
+        </a:xfrm>
+      </p:grpSpPr>
+      <p:sp>
+        <p:nvSpPr>
+          <p:cNvPr id="2" name="Folienbildplatzhalter 1"/>
+          <p:cNvSpPr>
+            <a:spLocks noGrp="1" noRot="1" noChangeAspect="1"/>
+          </p:cNvSpPr>
+          <p:nvPr>
+            <p:ph type="sldImg"/>
+          </p:nvPr>
+        </p:nvSpPr>
+        <p:spPr>
+          <a:xfrm>
+            <a:off x="217488" y="812800"/>
+            <a:ext cx="7124700" cy="4008438"/>
+          </a:xfrm>
+        </p:spPr>
+      </p:sp>
+      <p:sp>
+        <p:nvSpPr>
+          <p:cNvPr id="3" name="Notizenplatzhalter 2"/>
+          <p:cNvSpPr>
+            <a:spLocks noGrp="1"/>
+          </p:cNvSpPr>
+          <p:nvPr>
+            <p:ph type="body" idx="1"/>
+          </p:nvPr>
+        </p:nvSpPr>
+        <p:spPr/>
+        <p:txBody>
+          <a:bodyPr/>
+          <a:lstStyle/>
+          <a:p>
+            <a:endParaRPr lang="en-US" dirty="0"/>
+          </a:p>
+        </p:txBody>
+      </p:sp>
+      <p:sp>
+        <p:nvSpPr>
+          <p:cNvPr id="4" name="Foliennummernplatzhalter 3"/>
+          <p:cNvSpPr>
+            <a:spLocks noGrp="1"/>
+          </p:cNvSpPr>
+          <p:nvPr>
+            <p:ph type="sldNum"/>
+          </p:nvPr>
+        </p:nvSpPr>
+        <p:spPr/>
+        <p:txBody>
+          <a:bodyPr/>
+          <a:lstStyle/>
+          <a:p>
+            <a:pPr algn="r"/>
+            <a:fld id="{0B9B55EE-F6A2-434A-B24E-8DD7F3BE64C7}" type="slidenum">
+              <a:rPr lang="zxx" sz="1400" b="0" strike="noStrike" spc="-1" smtClean="0">
+                <a:latin typeface="Times New Roman"/>
+              </a:rPr>
+              <a:t>9</a:t>
+            </a:fld>
+            <a:endParaRPr lang="zxx" sz="1400" b="0" strike="noStrike" spc="-1">
+              <a:latin typeface="Times New Roman"/>
+            </a:endParaRPr>
+          </a:p>
+        </p:txBody>
+      </p:sp>
+    </p:spTree>
+    <p:extLst>
+      <p:ext uri="{BB962C8B-B14F-4D97-AF65-F5344CB8AC3E}">
+        <p14:creationId xmlns:p14="http://schemas.microsoft.com/office/powerpoint/2010/main" val="916474421"/>
+      </p:ext>
+    </p:extLst>
   </p:cSld>
   <p:clrMapOvr>
     <a:masterClrMapping/>
@@ -15606,7 +16687,7 @@
               </a:lnSpc>
             </a:pPr>
             <a:r>
-              <a:rPr lang="en-US" sz="3600" b="0" strike="noStrike" cap="all" spc="-1" dirty="0">
+              <a:rPr lang="de-DE" sz="3600" b="0" strike="noStrike" cap="all" spc="-1">
                 <a:solidFill>
                   <a:srgbClr val="FFFFFF"/>
                 </a:solidFill>
@@ -15614,7 +16695,7 @@
               </a:rPr>
               <a:t>Conclusion</a:t>
             </a:r>
-            <a:endParaRPr lang="en-US" sz="3600" b="0" strike="noStrike" spc="-1" dirty="0">
+            <a:endParaRPr lang="de-DE" sz="3600" b="0" strike="noStrike" spc="-1">
               <a:solidFill>
                 <a:srgbClr val="FFFFFF"/>
               </a:solidFill>
@@ -15661,14 +16742,14 @@
               <a:buSzPct val="125000"/>
             </a:pPr>
             <a:r>
-              <a:rPr lang="en-US" sz="2400" spc="-1" dirty="0">
+              <a:rPr lang="en-US" sz="2400" b="0" strike="noStrike" spc="-1" dirty="0">
                 <a:solidFill>
                   <a:srgbClr val="FFFFFF"/>
                 </a:solidFill>
                 <a:latin typeface="Tahoma"/>
                 <a:ea typeface="Tahoma"/>
               </a:rPr>
-              <a:t>Python:</a:t>
+              <a:t>Both Languages have:</a:t>
             </a:r>
           </a:p>
           <a:p>
@@ -15694,14 +16775,8 @@
                 <a:latin typeface="Tahoma"/>
                 <a:ea typeface="Tahoma"/>
               </a:rPr>
-              <a:t>More forgiving Syntax</a:t>
-            </a:r>
-            <a:endParaRPr lang="en-US" sz="2400" b="0" strike="noStrike" spc="-1" dirty="0">
-              <a:solidFill>
-                <a:srgbClr val="FFFFFF"/>
-              </a:solidFill>
-              <a:latin typeface="Tw Cen MT"/>
-            </a:endParaRPr>
+              <a:t>The ability to implement Raft</a:t>
+            </a:r>
           </a:p>
           <a:p>
             <a:pPr marL="228600" indent="-228240">
@@ -15719,6 +16794,660 @@
               <a:buChar char="•"/>
             </a:pPr>
             <a:r>
+              <a:rPr lang="en-US" sz="2400" b="0" strike="noStrike" spc="-1" dirty="0">
+                <a:solidFill>
+                  <a:srgbClr val="FFFFFF"/>
+                </a:solidFill>
+                <a:latin typeface="Tahoma"/>
+                <a:ea typeface="Tahoma"/>
+              </a:rPr>
+              <a:t>About the same </a:t>
+            </a:r>
+            <a:r>
+              <a:rPr lang="en-US" sz="2400" spc="-1" dirty="0">
+                <a:solidFill>
+                  <a:srgbClr val="FFFFFF"/>
+                </a:solidFill>
+                <a:latin typeface="Tahoma"/>
+                <a:ea typeface="Tahoma"/>
+              </a:rPr>
+              <a:t>Codelength</a:t>
+            </a:r>
+            <a:endParaRPr lang="en-US" sz="2400" b="0" strike="noStrike" spc="-1" dirty="0">
+              <a:solidFill>
+                <a:srgbClr val="FFFFFF"/>
+              </a:solidFill>
+              <a:latin typeface="Tw Cen MT"/>
+            </a:endParaRPr>
+          </a:p>
+        </p:txBody>
+      </p:sp>
+    </p:spTree>
+    <p:extLst>
+      <p:ext uri="{BB962C8B-B14F-4D97-AF65-F5344CB8AC3E}">
+        <p14:creationId xmlns:p14="http://schemas.microsoft.com/office/powerpoint/2010/main" val="3594815700"/>
+      </p:ext>
+    </p:extLst>
+  </p:cSld>
+  <p:clrMapOvr>
+    <a:masterClrMapping/>
+  </p:clrMapOvr>
+  <p:timing>
+    <p:tnLst>
+      <p:par>
+        <p:cTn id="1" dur="indefinite" restart="never" nodeType="tmRoot">
+          <p:childTnLst>
+            <p:seq>
+              <p:cTn id="2" dur="indefinite" nodeType="mainSeq">
+                <p:childTnLst>
+                  <p:par>
+                    <p:cTn id="3" fill="hold">
+                      <p:stCondLst>
+                        <p:cond delay="indefinite"/>
+                      </p:stCondLst>
+                      <p:childTnLst>
+                        <p:par>
+                          <p:cTn id="4" fill="hold">
+                            <p:stCondLst>
+                              <p:cond delay="0"/>
+                            </p:stCondLst>
+                            <p:childTnLst>
+                              <p:par>
+                                <p:cTn id="5" presetID="1" presetClass="entr" presetSubtype="0" fill="hold" nodeType="clickEffect">
+                                  <p:stCondLst>
+                                    <p:cond delay="0"/>
+                                  </p:stCondLst>
+                                  <p:childTnLst>
+                                    <p:set>
+                                      <p:cBhvr>
+                                        <p:cTn id="6" dur="1" fill="hold">
+                                          <p:stCondLst>
+                                            <p:cond delay="0"/>
+                                          </p:stCondLst>
+                                        </p:cTn>
+                                        <p:tgtEl>
+                                          <p:spTgt spid="238">
+                                            <p:txEl>
+                                              <p:pRg st="1" end="1"/>
+                                            </p:txEl>
+                                          </p:spTgt>
+                                        </p:tgtEl>
+                                        <p:attrNameLst>
+                                          <p:attrName>style.visibility</p:attrName>
+                                        </p:attrNameLst>
+                                      </p:cBhvr>
+                                      <p:to>
+                                        <p:strVal val="visible"/>
+                                      </p:to>
+                                    </p:set>
+                                  </p:childTnLst>
+                                </p:cTn>
+                              </p:par>
+                            </p:childTnLst>
+                          </p:cTn>
+                        </p:par>
+                      </p:childTnLst>
+                    </p:cTn>
+                  </p:par>
+                  <p:par>
+                    <p:cTn id="7" fill="hold">
+                      <p:stCondLst>
+                        <p:cond delay="indefinite"/>
+                      </p:stCondLst>
+                      <p:childTnLst>
+                        <p:par>
+                          <p:cTn id="8" fill="hold">
+                            <p:stCondLst>
+                              <p:cond delay="0"/>
+                            </p:stCondLst>
+                            <p:childTnLst>
+                              <p:par>
+                                <p:cTn id="9" presetID="1" presetClass="entr" presetSubtype="0" fill="hold" nodeType="clickEffect">
+                                  <p:stCondLst>
+                                    <p:cond delay="0"/>
+                                  </p:stCondLst>
+                                  <p:childTnLst>
+                                    <p:set>
+                                      <p:cBhvr>
+                                        <p:cTn id="10" dur="1" fill="hold">
+                                          <p:stCondLst>
+                                            <p:cond delay="0"/>
+                                          </p:stCondLst>
+                                        </p:cTn>
+                                        <p:tgtEl>
+                                          <p:spTgt spid="238">
+                                            <p:txEl>
+                                              <p:pRg st="2" end="2"/>
+                                            </p:txEl>
+                                          </p:spTgt>
+                                        </p:tgtEl>
+                                        <p:attrNameLst>
+                                          <p:attrName>style.visibility</p:attrName>
+                                        </p:attrNameLst>
+                                      </p:cBhvr>
+                                      <p:to>
+                                        <p:strVal val="visible"/>
+                                      </p:to>
+                                    </p:set>
+                                  </p:childTnLst>
+                                </p:cTn>
+                              </p:par>
+                            </p:childTnLst>
+                          </p:cTn>
+                        </p:par>
+                      </p:childTnLst>
+                    </p:cTn>
+                  </p:par>
+                </p:childTnLst>
+              </p:cTn>
+              <p:prevCondLst>
+                <p:cond evt="onPrev" delay="0">
+                  <p:tgtEl>
+                    <p:sldTgt/>
+                  </p:tgtEl>
+                </p:cond>
+              </p:prevCondLst>
+              <p:nextCondLst>
+                <p:cond evt="onNext" delay="0">
+                  <p:tgtEl>
+                    <p:sldTgt/>
+                  </p:tgtEl>
+                </p:cond>
+              </p:nextCondLst>
+            </p:seq>
+          </p:childTnLst>
+        </p:cTn>
+      </p:par>
+    </p:tnLst>
+  </p:timing>
+</p:sld>
+</file>
+
+<file path=ppt/slides/slide11.xml><?xml version="1.0" encoding="utf-8"?>
+<p:sld xmlns:a="http://schemas.openxmlformats.org/drawingml/2006/main" xmlns:r="http://schemas.openxmlformats.org/officeDocument/2006/relationships" xmlns:p="http://schemas.openxmlformats.org/presentationml/2006/main">
+  <p:cSld>
+    <p:spTree>
+      <p:nvGrpSpPr>
+        <p:cNvPr id="1" name=""/>
+        <p:cNvGrpSpPr/>
+        <p:nvPr/>
+      </p:nvGrpSpPr>
+      <p:grpSpPr>
+        <a:xfrm>
+          <a:off x="0" y="0"/>
+          <a:ext cx="0" cy="0"/>
+          <a:chOff x="0" y="0"/>
+          <a:chExt cx="0" cy="0"/>
+        </a:xfrm>
+      </p:grpSpPr>
+      <p:sp>
+        <p:nvSpPr>
+          <p:cNvPr id="237" name="TextShape 1"/>
+          <p:cNvSpPr txBox="1"/>
+          <p:nvPr/>
+        </p:nvSpPr>
+        <p:spPr>
+          <a:xfrm>
+            <a:off x="1141560" y="0"/>
+            <a:ext cx="9905760" cy="1478160"/>
+          </a:xfrm>
+          <a:prstGeom prst="rect">
+            <a:avLst/>
+          </a:prstGeom>
+          <a:noFill/>
+          <a:ln>
+            <a:noFill/>
+          </a:ln>
+        </p:spPr>
+        <p:txBody>
+          <a:bodyPr anchor="ctr">
+            <a:normAutofit/>
+          </a:bodyPr>
+          <a:lstStyle/>
+          <a:p>
+            <a:pPr>
+              <a:lnSpc>
+                <a:spcPct val="90000"/>
+              </a:lnSpc>
+            </a:pPr>
+            <a:r>
+              <a:rPr lang="en-US" sz="3600" b="0" strike="noStrike" cap="all" spc="-1" dirty="0">
+                <a:solidFill>
+                  <a:srgbClr val="FFFFFF"/>
+                </a:solidFill>
+                <a:latin typeface="Rockwell"/>
+              </a:rPr>
+              <a:t>Conclusion</a:t>
+            </a:r>
+            <a:endParaRPr lang="en-US" sz="3600" b="0" strike="noStrike" spc="-1" dirty="0">
+              <a:solidFill>
+                <a:srgbClr val="FFFFFF"/>
+              </a:solidFill>
+              <a:latin typeface="Tw Cen MT"/>
+            </a:endParaRPr>
+          </a:p>
+        </p:txBody>
+      </p:sp>
+      <p:sp>
+        <p:nvSpPr>
+          <p:cNvPr id="238" name="TextShape 2"/>
+          <p:cNvSpPr txBox="1"/>
+          <p:nvPr/>
+        </p:nvSpPr>
+        <p:spPr>
+          <a:xfrm>
+            <a:off x="1141560" y="2249640"/>
+            <a:ext cx="9905760" cy="3541320"/>
+          </a:xfrm>
+          <a:prstGeom prst="rect">
+            <a:avLst/>
+          </a:prstGeom>
+          <a:noFill/>
+          <a:ln>
+            <a:noFill/>
+          </a:ln>
+        </p:spPr>
+        <p:txBody>
+          <a:bodyPr>
+            <a:normAutofit/>
+          </a:bodyPr>
+          <a:lstStyle/>
+          <a:p>
+            <a:pPr marL="360">
+              <a:lnSpc>
+                <a:spcPct val="120000"/>
+              </a:lnSpc>
+              <a:spcBef>
+                <a:spcPts val="1001"/>
+              </a:spcBef>
+              <a:buClr>
+                <a:srgbClr val="FFFFFF"/>
+              </a:buClr>
+              <a:buSzPct val="125000"/>
+            </a:pPr>
+            <a:r>
+              <a:rPr lang="en-US" sz="2400" b="0" strike="noStrike" spc="-1" dirty="0">
+                <a:solidFill>
+                  <a:srgbClr val="FFFFFF"/>
+                </a:solidFill>
+                <a:latin typeface="Tahoma"/>
+                <a:ea typeface="Tahoma"/>
+              </a:rPr>
+              <a:t>Go:</a:t>
+            </a:r>
+          </a:p>
+          <a:p>
+            <a:pPr marL="228600" indent="-228240">
+              <a:lnSpc>
+                <a:spcPct val="120000"/>
+              </a:lnSpc>
+              <a:spcBef>
+                <a:spcPts val="1001"/>
+              </a:spcBef>
+              <a:buClr>
+                <a:srgbClr val="FFFFFF"/>
+              </a:buClr>
+              <a:buSzPct val="125000"/>
+              <a:buFont typeface="Arial"/>
+              <a:buChar char="•"/>
+            </a:pPr>
+            <a:r>
+              <a:rPr lang="en-US" sz="2400" spc="-1" dirty="0">
+                <a:solidFill>
+                  <a:srgbClr val="FFFFFF"/>
+                </a:solidFill>
+                <a:latin typeface="Tahoma"/>
+                <a:ea typeface="Tahoma"/>
+              </a:rPr>
+              <a:t>More </a:t>
+            </a:r>
+            <a:r>
+              <a:rPr lang="en-US" sz="2400" b="0" strike="noStrike" spc="-1" dirty="0">
+                <a:solidFill>
+                  <a:srgbClr val="FFFFFF"/>
+                </a:solidFill>
+                <a:latin typeface="Tahoma"/>
+                <a:ea typeface="Tahoma"/>
+              </a:rPr>
+              <a:t>complex, but faster</a:t>
+            </a:r>
+            <a:endParaRPr lang="en-US" sz="2400" b="0" strike="noStrike" spc="-1" dirty="0">
+              <a:solidFill>
+                <a:srgbClr val="FFFFFF"/>
+              </a:solidFill>
+              <a:latin typeface="Tw Cen MT"/>
+            </a:endParaRPr>
+          </a:p>
+          <a:p>
+            <a:pPr>
+              <a:lnSpc>
+                <a:spcPct val="120000"/>
+              </a:lnSpc>
+              <a:spcBef>
+                <a:spcPts val="1001"/>
+              </a:spcBef>
+            </a:pPr>
+            <a:r>
+              <a:rPr lang="en-US" sz="2400" b="0" strike="noStrike" spc="-1" dirty="0">
+                <a:solidFill>
+                  <a:srgbClr val="FFFFFF"/>
+                </a:solidFill>
+                <a:latin typeface="Tahoma"/>
+                <a:ea typeface="Tahoma"/>
+              </a:rPr>
+              <a:t> 	-&gt; can simulate bigger clusters with the same power</a:t>
+            </a:r>
+            <a:endParaRPr lang="en-US" sz="2400" b="0" strike="noStrike" spc="-1" dirty="0">
+              <a:solidFill>
+                <a:srgbClr val="FFFFFF"/>
+              </a:solidFill>
+              <a:latin typeface="Tw Cen MT"/>
+            </a:endParaRPr>
+          </a:p>
+        </p:txBody>
+      </p:sp>
+    </p:spTree>
+    <p:extLst>
+      <p:ext uri="{BB962C8B-B14F-4D97-AF65-F5344CB8AC3E}">
+        <p14:creationId xmlns:p14="http://schemas.microsoft.com/office/powerpoint/2010/main" val="111392285"/>
+      </p:ext>
+    </p:extLst>
+  </p:cSld>
+  <p:clrMapOvr>
+    <a:masterClrMapping/>
+  </p:clrMapOvr>
+  <p:timing>
+    <p:tnLst>
+      <p:par>
+        <p:cTn id="1" dur="indefinite" restart="never" nodeType="tmRoot">
+          <p:childTnLst>
+            <p:seq>
+              <p:cTn id="2" dur="indefinite" nodeType="mainSeq">
+                <p:childTnLst>
+                  <p:par>
+                    <p:cTn id="3" fill="hold">
+                      <p:stCondLst>
+                        <p:cond delay="indefinite"/>
+                      </p:stCondLst>
+                      <p:childTnLst>
+                        <p:par>
+                          <p:cTn id="4" fill="hold">
+                            <p:stCondLst>
+                              <p:cond delay="0"/>
+                            </p:stCondLst>
+                            <p:childTnLst>
+                              <p:par>
+                                <p:cTn id="5" presetID="1" presetClass="entr" presetSubtype="0" fill="hold" nodeType="clickEffect">
+                                  <p:stCondLst>
+                                    <p:cond delay="0"/>
+                                  </p:stCondLst>
+                                  <p:childTnLst>
+                                    <p:set>
+                                      <p:cBhvr>
+                                        <p:cTn id="6" dur="1" fill="hold">
+                                          <p:stCondLst>
+                                            <p:cond delay="0"/>
+                                          </p:stCondLst>
+                                        </p:cTn>
+                                        <p:tgtEl>
+                                          <p:spTgt spid="238">
+                                            <p:txEl>
+                                              <p:pRg st="1" end="1"/>
+                                            </p:txEl>
+                                          </p:spTgt>
+                                        </p:tgtEl>
+                                        <p:attrNameLst>
+                                          <p:attrName>style.visibility</p:attrName>
+                                        </p:attrNameLst>
+                                      </p:cBhvr>
+                                      <p:to>
+                                        <p:strVal val="visible"/>
+                                      </p:to>
+                                    </p:set>
+                                  </p:childTnLst>
+                                </p:cTn>
+                              </p:par>
+                            </p:childTnLst>
+                          </p:cTn>
+                        </p:par>
+                      </p:childTnLst>
+                    </p:cTn>
+                  </p:par>
+                  <p:par>
+                    <p:cTn id="7" fill="hold">
+                      <p:stCondLst>
+                        <p:cond delay="indefinite"/>
+                      </p:stCondLst>
+                      <p:childTnLst>
+                        <p:par>
+                          <p:cTn id="8" fill="hold">
+                            <p:stCondLst>
+                              <p:cond delay="0"/>
+                            </p:stCondLst>
+                            <p:childTnLst>
+                              <p:par>
+                                <p:cTn id="9" presetID="1" presetClass="entr" presetSubtype="0" fill="hold" nodeType="clickEffect">
+                                  <p:stCondLst>
+                                    <p:cond delay="0"/>
+                                  </p:stCondLst>
+                                  <p:childTnLst>
+                                    <p:set>
+                                      <p:cBhvr>
+                                        <p:cTn id="10" dur="1" fill="hold">
+                                          <p:stCondLst>
+                                            <p:cond delay="0"/>
+                                          </p:stCondLst>
+                                        </p:cTn>
+                                        <p:tgtEl>
+                                          <p:spTgt spid="238">
+                                            <p:txEl>
+                                              <p:pRg st="2" end="2"/>
+                                            </p:txEl>
+                                          </p:spTgt>
+                                        </p:tgtEl>
+                                        <p:attrNameLst>
+                                          <p:attrName>style.visibility</p:attrName>
+                                        </p:attrNameLst>
+                                      </p:cBhvr>
+                                      <p:to>
+                                        <p:strVal val="visible"/>
+                                      </p:to>
+                                    </p:set>
+                                  </p:childTnLst>
+                                </p:cTn>
+                              </p:par>
+                            </p:childTnLst>
+                          </p:cTn>
+                        </p:par>
+                      </p:childTnLst>
+                    </p:cTn>
+                  </p:par>
+                </p:childTnLst>
+              </p:cTn>
+              <p:prevCondLst>
+                <p:cond evt="onPrev" delay="0">
+                  <p:tgtEl>
+                    <p:sldTgt/>
+                  </p:tgtEl>
+                </p:cond>
+              </p:prevCondLst>
+              <p:nextCondLst>
+                <p:cond evt="onNext" delay="0">
+                  <p:tgtEl>
+                    <p:sldTgt/>
+                  </p:tgtEl>
+                </p:cond>
+              </p:nextCondLst>
+            </p:seq>
+          </p:childTnLst>
+        </p:cTn>
+      </p:par>
+    </p:tnLst>
+  </p:timing>
+</p:sld>
+</file>
+
+<file path=ppt/slides/slide12.xml><?xml version="1.0" encoding="utf-8"?>
+<p:sld xmlns:a="http://schemas.openxmlformats.org/drawingml/2006/main" xmlns:r="http://schemas.openxmlformats.org/officeDocument/2006/relationships" xmlns:p="http://schemas.openxmlformats.org/presentationml/2006/main">
+  <p:cSld>
+    <p:spTree>
+      <p:nvGrpSpPr>
+        <p:cNvPr id="1" name=""/>
+        <p:cNvGrpSpPr/>
+        <p:nvPr/>
+      </p:nvGrpSpPr>
+      <p:grpSpPr>
+        <a:xfrm>
+          <a:off x="0" y="0"/>
+          <a:ext cx="0" cy="0"/>
+          <a:chOff x="0" y="0"/>
+          <a:chExt cx="0" cy="0"/>
+        </a:xfrm>
+      </p:grpSpPr>
+      <p:sp>
+        <p:nvSpPr>
+          <p:cNvPr id="237" name="TextShape 1"/>
+          <p:cNvSpPr txBox="1"/>
+          <p:nvPr/>
+        </p:nvSpPr>
+        <p:spPr>
+          <a:xfrm>
+            <a:off x="1141560" y="0"/>
+            <a:ext cx="9905760" cy="1478160"/>
+          </a:xfrm>
+          <a:prstGeom prst="rect">
+            <a:avLst/>
+          </a:prstGeom>
+          <a:noFill/>
+          <a:ln>
+            <a:noFill/>
+          </a:ln>
+        </p:spPr>
+        <p:txBody>
+          <a:bodyPr anchor="ctr">
+            <a:normAutofit/>
+          </a:bodyPr>
+          <a:lstStyle/>
+          <a:p>
+            <a:pPr>
+              <a:lnSpc>
+                <a:spcPct val="90000"/>
+              </a:lnSpc>
+            </a:pPr>
+            <a:r>
+              <a:rPr lang="en-US" sz="3600" b="0" strike="noStrike" cap="all" spc="-1" dirty="0">
+                <a:solidFill>
+                  <a:srgbClr val="FFFFFF"/>
+                </a:solidFill>
+                <a:latin typeface="Rockwell"/>
+              </a:rPr>
+              <a:t>Conclusion</a:t>
+            </a:r>
+            <a:endParaRPr lang="en-US" sz="3600" b="0" strike="noStrike" spc="-1" dirty="0">
+              <a:solidFill>
+                <a:srgbClr val="FFFFFF"/>
+              </a:solidFill>
+              <a:latin typeface="Tw Cen MT"/>
+            </a:endParaRPr>
+          </a:p>
+        </p:txBody>
+      </p:sp>
+      <p:sp>
+        <p:nvSpPr>
+          <p:cNvPr id="238" name="TextShape 2"/>
+          <p:cNvSpPr txBox="1"/>
+          <p:nvPr/>
+        </p:nvSpPr>
+        <p:spPr>
+          <a:xfrm>
+            <a:off x="1141560" y="2249640"/>
+            <a:ext cx="9905760" cy="3541320"/>
+          </a:xfrm>
+          <a:prstGeom prst="rect">
+            <a:avLst/>
+          </a:prstGeom>
+          <a:noFill/>
+          <a:ln>
+            <a:noFill/>
+          </a:ln>
+        </p:spPr>
+        <p:txBody>
+          <a:bodyPr>
+            <a:normAutofit/>
+          </a:bodyPr>
+          <a:lstStyle/>
+          <a:p>
+            <a:pPr marL="360">
+              <a:lnSpc>
+                <a:spcPct val="120000"/>
+              </a:lnSpc>
+              <a:spcBef>
+                <a:spcPts val="1001"/>
+              </a:spcBef>
+              <a:buClr>
+                <a:srgbClr val="FFFFFF"/>
+              </a:buClr>
+              <a:buSzPct val="125000"/>
+            </a:pPr>
+            <a:r>
+              <a:rPr lang="en-US" sz="2400" spc="-1" dirty="0">
+                <a:solidFill>
+                  <a:srgbClr val="FFFFFF"/>
+                </a:solidFill>
+                <a:latin typeface="Tahoma"/>
+                <a:ea typeface="Tahoma"/>
+              </a:rPr>
+              <a:t>Python:</a:t>
+            </a:r>
+          </a:p>
+          <a:p>
+            <a:pPr marL="228600" indent="-228240">
+              <a:lnSpc>
+                <a:spcPct val="120000"/>
+              </a:lnSpc>
+              <a:spcBef>
+                <a:spcPts val="1001"/>
+              </a:spcBef>
+              <a:buClr>
+                <a:srgbClr val="FFFFFF"/>
+              </a:buClr>
+              <a:buSzPct val="125000"/>
+              <a:buFont typeface="Arial"/>
+              <a:buChar char="•"/>
+            </a:pPr>
+            <a:r>
+              <a:rPr lang="en-US" sz="2400" b="0" strike="noStrike" spc="-1" dirty="0">
+                <a:solidFill>
+                  <a:srgbClr val="FFFFFF"/>
+                </a:solidFill>
+                <a:latin typeface="Tahoma"/>
+                <a:ea typeface="Tahoma"/>
+              </a:rPr>
+              <a:t>More forgiving Syntax</a:t>
+            </a:r>
+            <a:endParaRPr lang="en-US" sz="2400" b="0" strike="noStrike" spc="-1" dirty="0">
+              <a:solidFill>
+                <a:srgbClr val="FFFFFF"/>
+              </a:solidFill>
+              <a:latin typeface="Tw Cen MT"/>
+            </a:endParaRPr>
+          </a:p>
+          <a:p>
+            <a:pPr marL="228600" indent="-228240">
+              <a:lnSpc>
+                <a:spcPct val="120000"/>
+              </a:lnSpc>
+              <a:spcBef>
+                <a:spcPts val="1001"/>
+              </a:spcBef>
+              <a:buClr>
+                <a:srgbClr val="FFFFFF"/>
+              </a:buClr>
+              <a:buSzPct val="125000"/>
+              <a:buFont typeface="Arial"/>
+              <a:buChar char="•"/>
+            </a:pPr>
+            <a:r>
               <a:rPr lang="en-US" sz="2400" spc="-1" dirty="0">
                 <a:solidFill>
                   <a:srgbClr val="FFFFFF"/>
@@ -15748,7 +17477,108 @@
         <p:cTn id="1" dur="indefinite" restart="never" nodeType="tmRoot">
           <p:childTnLst>
             <p:seq>
-              <p:cTn id="2" dur="indefinite" nodeType="mainSeq"/>
+              <p:cTn id="2" dur="indefinite" nodeType="mainSeq">
+                <p:childTnLst>
+                  <p:par>
+                    <p:cTn id="3" fill="hold">
+                      <p:stCondLst>
+                        <p:cond delay="indefinite"/>
+                      </p:stCondLst>
+                      <p:childTnLst>
+                        <p:par>
+                          <p:cTn id="4" fill="hold">
+                            <p:stCondLst>
+                              <p:cond delay="0"/>
+                            </p:stCondLst>
+                            <p:childTnLst>
+                              <p:par>
+                                <p:cTn id="5" presetID="1" presetClass="entr" presetSubtype="0" fill="hold" nodeType="clickEffect">
+                                  <p:stCondLst>
+                                    <p:cond delay="0"/>
+                                  </p:stCondLst>
+                                  <p:childTnLst>
+                                    <p:set>
+                                      <p:cBhvr>
+                                        <p:cTn id="6" dur="1" fill="hold">
+                                          <p:stCondLst>
+                                            <p:cond delay="0"/>
+                                          </p:stCondLst>
+                                        </p:cTn>
+                                        <p:tgtEl>
+                                          <p:spTgt spid="238">
+                                            <p:txEl>
+                                              <p:pRg st="1" end="1"/>
+                                            </p:txEl>
+                                          </p:spTgt>
+                                        </p:tgtEl>
+                                        <p:attrNameLst>
+                                          <p:attrName>style.visibility</p:attrName>
+                                        </p:attrNameLst>
+                                      </p:cBhvr>
+                                      <p:to>
+                                        <p:strVal val="visible"/>
+                                      </p:to>
+                                    </p:set>
+                                  </p:childTnLst>
+                                </p:cTn>
+                              </p:par>
+                            </p:childTnLst>
+                          </p:cTn>
+                        </p:par>
+                      </p:childTnLst>
+                    </p:cTn>
+                  </p:par>
+                  <p:par>
+                    <p:cTn id="7" fill="hold">
+                      <p:stCondLst>
+                        <p:cond delay="indefinite"/>
+                      </p:stCondLst>
+                      <p:childTnLst>
+                        <p:par>
+                          <p:cTn id="8" fill="hold">
+                            <p:stCondLst>
+                              <p:cond delay="0"/>
+                            </p:stCondLst>
+                            <p:childTnLst>
+                              <p:par>
+                                <p:cTn id="9" presetID="1" presetClass="entr" presetSubtype="0" fill="hold" nodeType="clickEffect">
+                                  <p:stCondLst>
+                                    <p:cond delay="0"/>
+                                  </p:stCondLst>
+                                  <p:childTnLst>
+                                    <p:set>
+                                      <p:cBhvr>
+                                        <p:cTn id="10" dur="1" fill="hold">
+                                          <p:stCondLst>
+                                            <p:cond delay="0"/>
+                                          </p:stCondLst>
+                                        </p:cTn>
+                                        <p:tgtEl>
+                                          <p:spTgt spid="238">
+                                            <p:txEl>
+                                              <p:pRg st="2" end="2"/>
+                                            </p:txEl>
+                                          </p:spTgt>
+                                        </p:tgtEl>
+                                        <p:attrNameLst>
+                                          <p:attrName>style.visibility</p:attrName>
+                                        </p:attrNameLst>
+                                      </p:cBhvr>
+                                      <p:to>
+                                        <p:strVal val="visible"/>
+                                      </p:to>
+                                    </p:set>
+                                  </p:childTnLst>
+                                </p:cTn>
+                              </p:par>
+                            </p:childTnLst>
+                          </p:cTn>
+                        </p:par>
+                      </p:childTnLst>
+                    </p:cTn>
+                  </p:par>
+                </p:childTnLst>
+              </p:cTn>
               <p:prevCondLst>
                 <p:cond evt="onPrev" delay="0">
                   <p:tgtEl>
@@ -15964,7 +17794,108 @@
         <p:cTn id="1" dur="indefinite" restart="never" nodeType="tmRoot">
           <p:childTnLst>
             <p:seq>
-              <p:cTn id="2" dur="indefinite" nodeType="mainSeq"/>
+              <p:cTn id="2" dur="indefinite" nodeType="mainSeq">
+                <p:childTnLst>
+                  <p:par>
+                    <p:cTn id="3" fill="hold">
+                      <p:stCondLst>
+                        <p:cond delay="indefinite"/>
+                      </p:stCondLst>
+                      <p:childTnLst>
+                        <p:par>
+                          <p:cTn id="4" fill="hold">
+                            <p:stCondLst>
+                              <p:cond delay="0"/>
+                            </p:stCondLst>
+                            <p:childTnLst>
+                              <p:par>
+                                <p:cTn id="5" presetID="1" presetClass="entr" presetSubtype="0" fill="hold" nodeType="clickEffect">
+                                  <p:stCondLst>
+                                    <p:cond delay="0"/>
+                                  </p:stCondLst>
+                                  <p:childTnLst>
+                                    <p:set>
+                                      <p:cBhvr>
+                                        <p:cTn id="6" dur="1" fill="hold">
+                                          <p:stCondLst>
+                                            <p:cond delay="0"/>
+                                          </p:stCondLst>
+                                        </p:cTn>
+                                        <p:tgtEl>
+                                          <p:spTgt spid="236">
+                                            <p:txEl>
+                                              <p:pRg st="1" end="1"/>
+                                            </p:txEl>
+                                          </p:spTgt>
+                                        </p:tgtEl>
+                                        <p:attrNameLst>
+                                          <p:attrName>style.visibility</p:attrName>
+                                        </p:attrNameLst>
+                                      </p:cBhvr>
+                                      <p:to>
+                                        <p:strVal val="visible"/>
+                                      </p:to>
+                                    </p:set>
+                                  </p:childTnLst>
+                                </p:cTn>
+                              </p:par>
+                            </p:childTnLst>
+                          </p:cTn>
+                        </p:par>
+                      </p:childTnLst>
+                    </p:cTn>
+                  </p:par>
+                  <p:par>
+                    <p:cTn id="7" fill="hold">
+                      <p:stCondLst>
+                        <p:cond delay="indefinite"/>
+                      </p:stCondLst>
+                      <p:childTnLst>
+                        <p:par>
+                          <p:cTn id="8" fill="hold">
+                            <p:stCondLst>
+                              <p:cond delay="0"/>
+                            </p:stCondLst>
+                            <p:childTnLst>
+                              <p:par>
+                                <p:cTn id="9" presetID="1" presetClass="entr" presetSubtype="0" fill="hold" nodeType="clickEffect">
+                                  <p:stCondLst>
+                                    <p:cond delay="0"/>
+                                  </p:stCondLst>
+                                  <p:childTnLst>
+                                    <p:set>
+                                      <p:cBhvr>
+                                        <p:cTn id="10" dur="1" fill="hold">
+                                          <p:stCondLst>
+                                            <p:cond delay="0"/>
+                                          </p:stCondLst>
+                                        </p:cTn>
+                                        <p:tgtEl>
+                                          <p:spTgt spid="236">
+                                            <p:txEl>
+                                              <p:pRg st="2" end="2"/>
+                                            </p:txEl>
+                                          </p:spTgt>
+                                        </p:tgtEl>
+                                        <p:attrNameLst>
+                                          <p:attrName>style.visibility</p:attrName>
+                                        </p:attrNameLst>
+                                      </p:cBhvr>
+                                      <p:to>
+                                        <p:strVal val="visible"/>
+                                      </p:to>
+                                    </p:set>
+                                  </p:childTnLst>
+                                </p:cTn>
+                              </p:par>
+                            </p:childTnLst>
+                          </p:cTn>
+                        </p:par>
+                      </p:childTnLst>
+                    </p:cTn>
+                  </p:par>
+                </p:childTnLst>
+              </p:cTn>
               <p:prevCondLst>
                 <p:cond evt="onPrev" delay="0">
                   <p:tgtEl>
@@ -16223,7 +18154,157 @@
         <p:cTn id="1" dur="indefinite" restart="never" nodeType="tmRoot">
           <p:childTnLst>
             <p:seq>
-              <p:cTn id="2" dur="indefinite" nodeType="mainSeq"/>
+              <p:cTn id="2" dur="indefinite" nodeType="mainSeq">
+                <p:childTnLst>
+                  <p:par>
+                    <p:cTn id="3" fill="hold">
+                      <p:stCondLst>
+                        <p:cond delay="indefinite"/>
+                      </p:stCondLst>
+                      <p:childTnLst>
+                        <p:par>
+                          <p:cTn id="4" fill="hold">
+                            <p:stCondLst>
+                              <p:cond delay="0"/>
+                            </p:stCondLst>
+                            <p:childTnLst>
+                              <p:par>
+                                <p:cTn id="5" presetID="1" presetClass="entr" presetSubtype="0" fill="hold" nodeType="clickEffect">
+                                  <p:stCondLst>
+                                    <p:cond delay="0"/>
+                                  </p:stCondLst>
+                                  <p:childTnLst>
+                                    <p:set>
+                                      <p:cBhvr>
+                                        <p:cTn id="6" dur="1" fill="hold">
+                                          <p:stCondLst>
+                                            <p:cond delay="0"/>
+                                          </p:stCondLst>
+                                        </p:cTn>
+                                        <p:tgtEl>
+                                          <p:spTgt spid="228">
+                                            <p:txEl>
+                                              <p:pRg st="1" end="1"/>
+                                            </p:txEl>
+                                          </p:spTgt>
+                                        </p:tgtEl>
+                                        <p:attrNameLst>
+                                          <p:attrName>style.visibility</p:attrName>
+                                        </p:attrNameLst>
+                                      </p:cBhvr>
+                                      <p:to>
+                                        <p:strVal val="visible"/>
+                                      </p:to>
+                                    </p:set>
+                                  </p:childTnLst>
+                                </p:cTn>
+                              </p:par>
+                            </p:childTnLst>
+                          </p:cTn>
+                        </p:par>
+                      </p:childTnLst>
+                    </p:cTn>
+                  </p:par>
+                  <p:par>
+                    <p:cTn id="7" fill="hold">
+                      <p:stCondLst>
+                        <p:cond delay="indefinite"/>
+                      </p:stCondLst>
+                      <p:childTnLst>
+                        <p:par>
+                          <p:cTn id="8" fill="hold">
+                            <p:stCondLst>
+                              <p:cond delay="0"/>
+                            </p:stCondLst>
+                            <p:childTnLst>
+                              <p:par>
+                                <p:cTn id="9" presetID="1" presetClass="entr" presetSubtype="0" fill="hold" nodeType="clickEffect">
+                                  <p:stCondLst>
+                                    <p:cond delay="0"/>
+                                  </p:stCondLst>
+                                  <p:childTnLst>
+                                    <p:set>
+                                      <p:cBhvr>
+                                        <p:cTn id="10" dur="1" fill="hold">
+                                          <p:stCondLst>
+                                            <p:cond delay="0"/>
+                                          </p:stCondLst>
+                                        </p:cTn>
+                                        <p:tgtEl>
+                                          <p:spTgt spid="228">
+                                            <p:txEl>
+                                              <p:pRg st="2" end="2"/>
+                                            </p:txEl>
+                                          </p:spTgt>
+                                        </p:tgtEl>
+                                        <p:attrNameLst>
+                                          <p:attrName>style.visibility</p:attrName>
+                                        </p:attrNameLst>
+                                      </p:cBhvr>
+                                      <p:to>
+                                        <p:strVal val="visible"/>
+                                      </p:to>
+                                    </p:set>
+                                  </p:childTnLst>
+                                </p:cTn>
+                              </p:par>
+                            </p:childTnLst>
+                          </p:cTn>
+                        </p:par>
+                      </p:childTnLst>
+                    </p:cTn>
+                  </p:par>
+                  <p:par>
+                    <p:cTn id="11" fill="hold">
+                      <p:stCondLst>
+                        <p:cond delay="indefinite"/>
+                      </p:stCondLst>
+                      <p:childTnLst>
+                        <p:par>
+                          <p:cTn id="12" fill="hold">
+                            <p:stCondLst>
+                              <p:cond delay="0"/>
+                            </p:stCondLst>
+                            <p:childTnLst>
+                              <p:par>
+                                <p:cTn id="13" presetID="1" presetClass="entr" presetSubtype="0" fill="hold" nodeType="clickEffect">
+                                  <p:stCondLst>
+                                    <p:cond delay="0"/>
+                                  </p:stCondLst>
+                                  <p:childTnLst>
+                                    <p:set>
+                                      <p:cBhvr>
+                                        <p:cTn id="14" dur="1" fill="hold">
+                                          <p:stCondLst>
+                                            <p:cond delay="0"/>
+                                          </p:stCondLst>
+                                        </p:cTn>
+                                        <p:tgtEl>
+                                          <p:spTgt spid="228">
+                                            <p:txEl>
+                                              <p:pRg st="4" end="4"/>
+                                            </p:txEl>
+                                          </p:spTgt>
+                                        </p:tgtEl>
+                                        <p:attrNameLst>
+                                          <p:attrName>style.visibility</p:attrName>
+                                        </p:attrNameLst>
+                                      </p:cBhvr>
+                                      <p:to>
+                                        <p:strVal val="visible"/>
+                                      </p:to>
+                                    </p:set>
+                                  </p:childTnLst>
+                                </p:cTn>
+                              </p:par>
+                            </p:childTnLst>
+                          </p:cTn>
+                        </p:par>
+                      </p:childTnLst>
+                    </p:cTn>
+                  </p:par>
+                </p:childTnLst>
+              </p:cTn>
               <p:prevCondLst>
                 <p:cond evt="onPrev" delay="0">
                   <p:tgtEl>
@@ -16712,6 +18793,104 @@
           </a:p>
         </p:txBody>
       </p:sp>
+      <p:sp>
+        <p:nvSpPr>
+          <p:cNvPr id="4" name="CustomShape 2">
+            <a:extLst>
+              <a:ext uri="{FF2B5EF4-FFF2-40B4-BE49-F238E27FC236}">
+                <a16:creationId xmlns:a16="http://schemas.microsoft.com/office/drawing/2014/main" id="{50CB7879-45E3-4AF9-B79B-D650834B5C7B}"/>
+              </a:ext>
+            </a:extLst>
+          </p:cNvPr>
+          <p:cNvSpPr/>
+          <p:nvPr/>
+        </p:nvSpPr>
+        <p:spPr>
+          <a:xfrm>
+            <a:off x="9129537" y="2956140"/>
+            <a:ext cx="1154774" cy="945719"/>
+          </a:xfrm>
+          <a:prstGeom prst="rect">
+            <a:avLst/>
+          </a:prstGeom>
+          <a:solidFill>
+            <a:srgbClr val="F6F8FA"/>
+          </a:solidFill>
+          <a:ln>
+            <a:noFill/>
+          </a:ln>
+        </p:spPr>
+        <p:style>
+          <a:lnRef idx="0">
+            <a:scrgbClr r="0" g="0" b="0"/>
+          </a:lnRef>
+          <a:fillRef idx="0">
+            <a:scrgbClr r="0" g="0" b="0"/>
+          </a:fillRef>
+          <a:effectRef idx="0">
+            <a:scrgbClr r="0" g="0" b="0"/>
+          </a:effectRef>
+          <a:fontRef idx="minor"/>
+        </p:style>
+        <p:txBody>
+          <a:bodyPr tIns="0" bIns="0" anchor="ctr"/>
+          <a:lstStyle/>
+          <a:p>
+            <a:pPr>
+              <a:lnSpc>
+                <a:spcPct val="100000"/>
+              </a:lnSpc>
+            </a:pPr>
+            <a:r>
+              <a:rPr lang="de-DE" sz="1600" spc="-1" dirty="0" err="1">
+                <a:solidFill>
+                  <a:srgbClr val="D73A49"/>
+                </a:solidFill>
+                <a:latin typeface="SFMono-Regular"/>
+              </a:rPr>
+              <a:t>Result</a:t>
+            </a:r>
+            <a:r>
+              <a:rPr lang="de-DE" sz="1600" spc="-1" dirty="0">
+                <a:solidFill>
+                  <a:srgbClr val="D73A49"/>
+                </a:solidFill>
+                <a:latin typeface="SFMono-Regular"/>
+              </a:rPr>
+              <a:t>:</a:t>
+            </a:r>
+          </a:p>
+          <a:p>
+            <a:pPr>
+              <a:lnSpc>
+                <a:spcPct val="100000"/>
+              </a:lnSpc>
+            </a:pPr>
+            <a:r>
+              <a:rPr lang="de-DE" sz="1600" spc="-1" dirty="0">
+                <a:latin typeface="SFMono-Regular"/>
+              </a:rPr>
+              <a:t>a = 4</a:t>
+            </a:r>
+          </a:p>
+          <a:p>
+            <a:pPr>
+              <a:lnSpc>
+                <a:spcPct val="100000"/>
+              </a:lnSpc>
+            </a:pPr>
+            <a:r>
+              <a:rPr lang="de-DE" sz="1600" spc="-1" dirty="0">
+                <a:latin typeface="SFMono-Regular"/>
+              </a:rPr>
+              <a:t>b = 2</a:t>
+            </a:r>
+            <a:endParaRPr lang="zxx" sz="1600" b="0" strike="noStrike" spc="-1" dirty="0">
+              <a:latin typeface="Arial"/>
+            </a:endParaRPr>
+          </a:p>
+        </p:txBody>
+      </p:sp>
     </p:spTree>
   </p:cSld>
   <p:clrMapOvr>
@@ -16723,7 +18902,55 @@
         <p:cTn id="1" dur="indefinite" restart="never" nodeType="tmRoot">
           <p:childTnLst>
             <p:seq>
-              <p:cTn id="2" dur="indefinite" nodeType="mainSeq"/>
+              <p:cTn id="2" dur="indefinite" nodeType="mainSeq">
+                <p:childTnLst>
+                  <p:par>
+                    <p:cTn id="3" fill="hold">
+                      <p:stCondLst>
+                        <p:cond delay="indefinite"/>
+                      </p:stCondLst>
+                      <p:childTnLst>
+                        <p:par>
+                          <p:cTn id="4" fill="hold">
+                            <p:stCondLst>
+                              <p:cond delay="0"/>
+                            </p:stCondLst>
+                            <p:childTnLst>
+                              <p:par>
+                                <p:cTn id="5" presetID="1" presetClass="entr" presetSubtype="0" fill="hold" grpId="0" nodeType="clickEffect">
+                                  <p:stCondLst>
+                                    <p:cond delay="0"/>
+                                  </p:stCondLst>
+                                  <p:childTnLst>
+                                    <p:set>
+                                      <p:cBhvr>
+                                        <p:cTn id="6" dur="1" fill="hold">
+                                          <p:stCondLst>
+                                            <p:cond delay="0"/>
+                                          </p:stCondLst>
+                                        </p:cTn>
+                                        <p:tgtEl>
+                                          <p:spTgt spid="4"/>
+                                        </p:tgtEl>
+                                        <p:attrNameLst>
+                                          <p:attrName>style.visibility</p:attrName>
+                                        </p:attrNameLst>
+                                      </p:cBhvr>
+                                      <p:to>
+                                        <p:strVal val="visible"/>
+                                      </p:to>
+                                    </p:set>
+                                  </p:childTnLst>
+                                </p:cTn>
+                              </p:par>
+                            </p:childTnLst>
+                          </p:cTn>
+                        </p:par>
+                      </p:childTnLst>
+                    </p:cTn>
+                  </p:par>
+                </p:childTnLst>
+              </p:cTn>
               <p:prevCondLst>
                 <p:cond evt="onPrev" delay="0">
                   <p:tgtEl>
@@ -16743,6 +18970,9 @@
         </p:cTn>
       </p:par>
     </p:tnLst>
+    <p:bldLst>
+      <p:bldP spid="4" grpId="0" animBg="1"/>
+    </p:bldLst>
   </p:timing>
 </p:sld>
 </file>
@@ -17221,7 +19451,7 @@
         <p:spPr>
           <a:xfrm>
             <a:off x="1041480" y="2333160"/>
-            <a:ext cx="8203680" cy="2190960"/>
+            <a:ext cx="4391132" cy="2190960"/>
           </a:xfrm>
           <a:prstGeom prst="rect">
             <a:avLst/>
@@ -17255,7 +19485,7 @@
               </a:lnSpc>
             </a:pPr>
             <a:r>
-              <a:rPr lang="zxx" sz="1600" b="0" strike="noStrike" spc="-1">
+              <a:rPr lang="zxx" sz="1600" b="0" strike="noStrike" spc="-1" dirty="0">
                 <a:solidFill>
                   <a:srgbClr val="D73A49"/>
                 </a:solidFill>
@@ -17263,7 +19493,7 @@
               </a:rPr>
               <a:t>from src.server.serverThread import ServerThread</a:t>
             </a:r>
-            <a:endParaRPr lang="zxx" sz="1600" b="0" strike="noStrike" spc="-1">
+            <a:endParaRPr lang="zxx" sz="1600" b="0" strike="noStrike" spc="-1" dirty="0">
               <a:latin typeface="Arial"/>
             </a:endParaRPr>
           </a:p>
@@ -17273,7 +19503,7 @@
                 <a:spcPct val="100000"/>
               </a:lnSpc>
             </a:pPr>
-            <a:endParaRPr lang="zxx" sz="1600" b="0" strike="noStrike" spc="-1">
+            <a:endParaRPr lang="zxx" sz="1600" b="0" strike="noStrike" spc="-1" dirty="0">
               <a:latin typeface="Arial"/>
             </a:endParaRPr>
           </a:p>
@@ -17284,7 +19514,7 @@
               </a:lnSpc>
             </a:pPr>
             <a:r>
-              <a:rPr lang="zxx" sz="1600" b="0" strike="noStrike" spc="-1">
+              <a:rPr lang="zxx" sz="1600" b="0" strike="noStrike" spc="-1" dirty="0">
                 <a:solidFill>
                   <a:srgbClr val="D73A49"/>
                 </a:solidFill>
@@ -17292,7 +19522,7 @@
               </a:rPr>
               <a:t>if __name__ == '__main__':</a:t>
             </a:r>
-            <a:endParaRPr lang="zxx" sz="1600" b="0" strike="noStrike" spc="-1">
+            <a:endParaRPr lang="zxx" sz="1600" b="0" strike="noStrike" spc="-1" dirty="0">
               <a:latin typeface="Arial"/>
             </a:endParaRPr>
           </a:p>
@@ -17302,7 +19532,7 @@
                 <a:spcPct val="100000"/>
               </a:lnSpc>
             </a:pPr>
-            <a:endParaRPr lang="zxx" sz="1600" b="0" strike="noStrike" spc="-1">
+            <a:endParaRPr lang="zxx" sz="1600" b="0" strike="noStrike" spc="-1" dirty="0">
               <a:latin typeface="Arial"/>
             </a:endParaRPr>
           </a:p>
@@ -17313,15 +19543,33 @@
               </a:lnSpc>
             </a:pPr>
             <a:r>
-              <a:rPr lang="zxx" sz="1600" b="0" strike="noStrike" spc="-1">
+              <a:rPr lang="zxx" sz="1600" b="0" strike="noStrike" spc="-1" dirty="0">
                 <a:solidFill>
                   <a:srgbClr val="D73A49"/>
                 </a:solidFill>
                 <a:latin typeface="SFMono-Regular"/>
               </a:rPr>
-              <a:t>    for x in range(8):</a:t>
-            </a:r>
-            <a:endParaRPr lang="zxx" sz="1600" b="0" strike="noStrike" spc="-1">
+              <a:t>    for </a:t>
+            </a:r>
+            <a:r>
+              <a:rPr lang="de-DE" sz="1600" spc="-1" dirty="0">
+                <a:solidFill>
+                  <a:srgbClr val="D73A49"/>
+                </a:solidFill>
+                <a:latin typeface="SFMono-Regular"/>
+              </a:rPr>
+              <a:t>i</a:t>
+            </a:r>
+            <a:r>
+              <a:rPr lang="zxx" sz="1600" b="0" strike="noStrike" spc="-1" dirty="0">
+                <a:solidFill>
+                  <a:srgbClr val="D73A49"/>
+                </a:solidFill>
+                <a:latin typeface="SFMono-Regular"/>
+              </a:rPr>
+              <a:t> in range(8):</a:t>
+            </a:r>
+            <a:endParaRPr lang="zxx" sz="1600" b="0" strike="noStrike" spc="-1" dirty="0">
               <a:latin typeface="Arial"/>
             </a:endParaRPr>
           </a:p>
@@ -17332,15 +19580,33 @@
               </a:lnSpc>
             </a:pPr>
             <a:r>
-              <a:rPr lang="zxx" sz="1600" b="0" strike="noStrike" spc="-1">
+              <a:rPr lang="zxx" sz="1600" b="0" strike="noStrike" spc="-1" dirty="0">
                 <a:solidFill>
                   <a:srgbClr val="D73A49"/>
                 </a:solidFill>
                 <a:latin typeface="SFMono-Regular"/>
               </a:rPr>
-              <a:t>        server = ServerThread(x)</a:t>
-            </a:r>
-            <a:endParaRPr lang="zxx" sz="1600" b="0" strike="noStrike" spc="-1">
+              <a:t>        server = ServerThread(</a:t>
+            </a:r>
+            <a:r>
+              <a:rPr lang="de-DE" sz="1600" b="0" strike="noStrike" spc="-1" dirty="0">
+                <a:solidFill>
+                  <a:srgbClr val="D73A49"/>
+                </a:solidFill>
+                <a:latin typeface="SFMono-Regular"/>
+              </a:rPr>
+              <a:t>i</a:t>
+            </a:r>
+            <a:r>
+              <a:rPr lang="zxx" sz="1600" b="0" strike="noStrike" spc="-1" dirty="0">
+                <a:solidFill>
+                  <a:srgbClr val="D73A49"/>
+                </a:solidFill>
+                <a:latin typeface="SFMono-Regular"/>
+              </a:rPr>
+              <a:t>)</a:t>
+            </a:r>
+            <a:endParaRPr lang="zxx" sz="1600" b="0" strike="noStrike" spc="-1" dirty="0">
               <a:latin typeface="Arial"/>
             </a:endParaRPr>
           </a:p>
@@ -17351,7 +19617,7 @@
               </a:lnSpc>
             </a:pPr>
             <a:r>
-              <a:rPr lang="zxx" sz="1600" b="0" strike="noStrike" spc="-1">
+              <a:rPr lang="zxx" sz="1600" b="0" strike="noStrike" spc="-1" dirty="0">
                 <a:solidFill>
                   <a:srgbClr val="D73A49"/>
                 </a:solidFill>
@@ -17359,7 +19625,7 @@
               </a:rPr>
               <a:t>        server.start()</a:t>
             </a:r>
-            <a:endParaRPr lang="zxx" sz="1600" b="0" strike="noStrike" spc="-1">
+            <a:endParaRPr lang="zxx" sz="1600" b="0" strike="noStrike" spc="-1" dirty="0">
               <a:latin typeface="Arial"/>
             </a:endParaRPr>
           </a:p>
@@ -17370,7 +19636,7 @@
               </a:lnSpc>
             </a:pPr>
             <a:r>
-              <a:rPr lang="zxx" sz="1600" b="0" strike="noStrike" spc="-1">
+              <a:rPr lang="zxx" sz="1600" b="0" strike="noStrike" spc="-1" dirty="0">
                 <a:solidFill>
                   <a:srgbClr val="D73A49"/>
                 </a:solidFill>
@@ -17378,7 +19644,7 @@
               </a:rPr>
               <a:t>        # wait for the thread to terminate</a:t>
             </a:r>
-            <a:endParaRPr lang="zxx" sz="1600" b="0" strike="noStrike" spc="-1">
+            <a:endParaRPr lang="zxx" sz="1600" b="0" strike="noStrike" spc="-1" dirty="0">
               <a:latin typeface="Arial"/>
             </a:endParaRPr>
           </a:p>
@@ -17389,7 +19655,7 @@
               </a:lnSpc>
             </a:pPr>
             <a:r>
-              <a:rPr lang="zxx" sz="1600" b="0" strike="noStrike" spc="-1">
+              <a:rPr lang="zxx" sz="1600" b="0" strike="noStrike" spc="-1" dirty="0">
                 <a:solidFill>
                   <a:srgbClr val="D73A49"/>
                 </a:solidFill>
@@ -17397,7 +19663,232 @@
               </a:rPr>
               <a:t>        server.join()</a:t>
             </a:r>
-            <a:endParaRPr lang="zxx" sz="1600" b="0" strike="noStrike" spc="-1">
+            <a:endParaRPr lang="zxx" sz="1600" b="0" strike="noStrike" spc="-1" dirty="0">
+              <a:latin typeface="Arial"/>
+            </a:endParaRPr>
+          </a:p>
+        </p:txBody>
+      </p:sp>
+      <p:sp>
+        <p:nvSpPr>
+          <p:cNvPr id="4" name="CustomShape 2">
+            <a:extLst>
+              <a:ext uri="{FF2B5EF4-FFF2-40B4-BE49-F238E27FC236}">
+                <a16:creationId xmlns:a16="http://schemas.microsoft.com/office/drawing/2014/main" id="{C19594AF-142A-45F9-9437-CBD42AB2D8A8}"/>
+              </a:ext>
+            </a:extLst>
+          </p:cNvPr>
+          <p:cNvSpPr/>
+          <p:nvPr/>
+        </p:nvSpPr>
+        <p:spPr>
+          <a:xfrm>
+            <a:off x="6206943" y="2199314"/>
+            <a:ext cx="4391132" cy="2458652"/>
+          </a:xfrm>
+          <a:prstGeom prst="rect">
+            <a:avLst/>
+          </a:prstGeom>
+          <a:solidFill>
+            <a:srgbClr val="F6F8FA"/>
+          </a:solidFill>
+          <a:ln>
+            <a:noFill/>
+          </a:ln>
+        </p:spPr>
+        <p:style>
+          <a:lnRef idx="0">
+            <a:scrgbClr r="0" g="0" b="0"/>
+          </a:lnRef>
+          <a:fillRef idx="0">
+            <a:scrgbClr r="0" g="0" b="0"/>
+          </a:fillRef>
+          <a:effectRef idx="0">
+            <a:scrgbClr r="0" g="0" b="0"/>
+          </a:effectRef>
+          <a:fontRef idx="minor"/>
+        </p:style>
+        <p:txBody>
+          <a:bodyPr tIns="0" bIns="0" anchor="ctr"/>
+          <a:lstStyle/>
+          <a:p>
+            <a:pPr>
+              <a:lnSpc>
+                <a:spcPct val="100000"/>
+              </a:lnSpc>
+            </a:pPr>
+            <a:r>
+              <a:rPr lang="de-DE" sz="1600" b="0" strike="noStrike" spc="-1" dirty="0" err="1">
+                <a:solidFill>
+                  <a:srgbClr val="D73A49"/>
+                </a:solidFill>
+                <a:latin typeface="SFMono-Regular"/>
+              </a:rPr>
+              <a:t>Result</a:t>
+            </a:r>
+            <a:r>
+              <a:rPr lang="de-DE" sz="1600" b="0" strike="noStrike" spc="-1" dirty="0">
+                <a:solidFill>
+                  <a:srgbClr val="D73A49"/>
+                </a:solidFill>
+                <a:latin typeface="SFMono-Regular"/>
+              </a:rPr>
+              <a:t>:</a:t>
+            </a:r>
+          </a:p>
+          <a:p>
+            <a:pPr>
+              <a:lnSpc>
+                <a:spcPct val="100000"/>
+              </a:lnSpc>
+            </a:pPr>
+            <a:r>
+              <a:rPr lang="de-DE" sz="1600" b="0" strike="noStrike" spc="-1" dirty="0">
+                <a:latin typeface="Arial"/>
+              </a:rPr>
+              <a:t>0</a:t>
+            </a:r>
+          </a:p>
+          <a:p>
+            <a:pPr>
+              <a:lnSpc>
+                <a:spcPct val="100000"/>
+              </a:lnSpc>
+            </a:pPr>
+            <a:r>
+              <a:rPr lang="de-DE" sz="1600" b="0" strike="noStrike" spc="-1" dirty="0">
+                <a:latin typeface="Arial"/>
+              </a:rPr>
+              <a:t>Thread </a:t>
+            </a:r>
+            <a:r>
+              <a:rPr lang="de-DE" sz="1600" b="0" strike="noStrike" spc="-1" dirty="0" err="1">
+                <a:latin typeface="Arial"/>
+              </a:rPr>
+              <a:t>finished</a:t>
+            </a:r>
+            <a:r>
+              <a:rPr lang="de-DE" sz="1600" b="0" strike="noStrike" spc="-1" dirty="0">
+                <a:latin typeface="Arial"/>
+              </a:rPr>
+              <a:t>!</a:t>
+            </a:r>
+          </a:p>
+          <a:p>
+            <a:pPr>
+              <a:lnSpc>
+                <a:spcPct val="100000"/>
+              </a:lnSpc>
+            </a:pPr>
+            <a:r>
+              <a:rPr lang="de-DE" sz="1600" b="0" strike="noStrike" spc="-1" dirty="0">
+                <a:latin typeface="Arial"/>
+              </a:rPr>
+              <a:t>1</a:t>
+            </a:r>
+          </a:p>
+          <a:p>
+            <a:pPr>
+              <a:lnSpc>
+                <a:spcPct val="100000"/>
+              </a:lnSpc>
+            </a:pPr>
+            <a:r>
+              <a:rPr lang="de-DE" sz="1600" b="0" strike="noStrike" spc="-1" dirty="0">
+                <a:latin typeface="Arial"/>
+              </a:rPr>
+              <a:t>0</a:t>
+            </a:r>
+          </a:p>
+          <a:p>
+            <a:pPr>
+              <a:lnSpc>
+                <a:spcPct val="100000"/>
+              </a:lnSpc>
+            </a:pPr>
+            <a:r>
+              <a:rPr lang="de-DE" sz="1600" spc="-1" dirty="0">
+                <a:latin typeface="Arial"/>
+              </a:rPr>
+              <a:t>Thread </a:t>
+            </a:r>
+            <a:r>
+              <a:rPr lang="de-DE" sz="1600" spc="-1" dirty="0" err="1">
+                <a:latin typeface="Arial"/>
+              </a:rPr>
+              <a:t>finished</a:t>
+            </a:r>
+            <a:r>
+              <a:rPr lang="de-DE" sz="1600" spc="-1" dirty="0">
+                <a:latin typeface="Arial"/>
+              </a:rPr>
+              <a:t>!</a:t>
+            </a:r>
+          </a:p>
+          <a:p>
+            <a:pPr>
+              <a:lnSpc>
+                <a:spcPct val="100000"/>
+              </a:lnSpc>
+            </a:pPr>
+            <a:r>
+              <a:rPr lang="de-DE" sz="1600" b="0" strike="noStrike" spc="-1" dirty="0">
+                <a:latin typeface="Arial"/>
+              </a:rPr>
+              <a:t>2</a:t>
+            </a:r>
+          </a:p>
+          <a:p>
+            <a:pPr>
+              <a:lnSpc>
+                <a:spcPct val="100000"/>
+              </a:lnSpc>
+            </a:pPr>
+            <a:r>
+              <a:rPr lang="de-DE" sz="1600" spc="-1" dirty="0">
+                <a:latin typeface="Arial"/>
+              </a:rPr>
+              <a:t>1</a:t>
+            </a:r>
+          </a:p>
+          <a:p>
+            <a:pPr>
+              <a:lnSpc>
+                <a:spcPct val="100000"/>
+              </a:lnSpc>
+            </a:pPr>
+            <a:r>
+              <a:rPr lang="de-DE" sz="1600" b="0" strike="noStrike" spc="-1" dirty="0">
+                <a:latin typeface="Arial"/>
+              </a:rPr>
+              <a:t>0</a:t>
+            </a:r>
+          </a:p>
+          <a:p>
+            <a:pPr>
+              <a:lnSpc>
+                <a:spcPct val="100000"/>
+              </a:lnSpc>
+            </a:pPr>
+            <a:r>
+              <a:rPr lang="de-DE" sz="1600" spc="-1" dirty="0">
+                <a:latin typeface="Arial"/>
+              </a:rPr>
+              <a:t>Thread </a:t>
+            </a:r>
+            <a:r>
+              <a:rPr lang="de-DE" sz="1600" spc="-1" dirty="0" err="1">
+                <a:latin typeface="Arial"/>
+              </a:rPr>
+              <a:t>finished</a:t>
+            </a:r>
+            <a:r>
+              <a:rPr lang="de-DE" sz="1600" spc="-1" dirty="0">
+                <a:latin typeface="Arial"/>
+              </a:rPr>
+              <a:t>!</a:t>
+            </a:r>
+            <a:endParaRPr lang="zxx" sz="1600" b="0" strike="noStrike" spc="-1" dirty="0">
               <a:latin typeface="Arial"/>
             </a:endParaRPr>
           </a:p>
@@ -17414,7 +19905,55 @@
         <p:cTn id="1" dur="indefinite" restart="never" nodeType="tmRoot">
           <p:childTnLst>
             <p:seq>
-              <p:cTn id="2" dur="indefinite" nodeType="mainSeq"/>
+              <p:cTn id="2" dur="indefinite" nodeType="mainSeq">
+                <p:childTnLst>
+                  <p:par>
+                    <p:cTn id="3" fill="hold">
+                      <p:stCondLst>
+                        <p:cond delay="indefinite"/>
+                      </p:stCondLst>
+                      <p:childTnLst>
+                        <p:par>
+                          <p:cTn id="4" fill="hold">
+                            <p:stCondLst>
+                              <p:cond delay="0"/>
+                            </p:stCondLst>
+                            <p:childTnLst>
+                              <p:par>
+                                <p:cTn id="5" presetID="1" presetClass="entr" presetSubtype="0" fill="hold" grpId="0" nodeType="clickEffect">
+                                  <p:stCondLst>
+                                    <p:cond delay="0"/>
+                                  </p:stCondLst>
+                                  <p:childTnLst>
+                                    <p:set>
+                                      <p:cBhvr>
+                                        <p:cTn id="6" dur="1" fill="hold">
+                                          <p:stCondLst>
+                                            <p:cond delay="0"/>
+                                          </p:stCondLst>
+                                        </p:cTn>
+                                        <p:tgtEl>
+                                          <p:spTgt spid="4"/>
+                                        </p:tgtEl>
+                                        <p:attrNameLst>
+                                          <p:attrName>style.visibility</p:attrName>
+                                        </p:attrNameLst>
+                                      </p:cBhvr>
+                                      <p:to>
+                                        <p:strVal val="visible"/>
+                                      </p:to>
+                                    </p:set>
+                                  </p:childTnLst>
+                                </p:cTn>
+                              </p:par>
+                            </p:childTnLst>
+                          </p:cTn>
+                        </p:par>
+                      </p:childTnLst>
+                    </p:cTn>
+                  </p:par>
+                </p:childTnLst>
+              </p:cTn>
               <p:prevCondLst>
                 <p:cond evt="onPrev" delay="0">
                   <p:tgtEl>
@@ -17434,6 +19973,9 @@
         </p:cTn>
       </p:par>
     </p:tnLst>
+    <p:bldLst>
+      <p:bldP spid="4" grpId="0" animBg="1"/>
+    </p:bldLst>
   </p:timing>
 </p:sld>
 </file>
@@ -17850,7 +20392,82 @@
         <p:cTn id="1" dur="indefinite" restart="never" nodeType="tmRoot">
           <p:childTnLst>
             <p:seq>
-              <p:cTn id="2" dur="indefinite" nodeType="mainSeq"/>
+              <p:cTn id="2" dur="indefinite" nodeType="mainSeq">
+                <p:childTnLst>
+                  <p:par>
+                    <p:cTn id="3" fill="hold">
+                      <p:stCondLst>
+                        <p:cond delay="indefinite"/>
+                      </p:stCondLst>
+                      <p:childTnLst>
+                        <p:par>
+                          <p:cTn id="4" fill="hold">
+                            <p:stCondLst>
+                              <p:cond delay="0"/>
+                            </p:stCondLst>
+                            <p:childTnLst>
+                              <p:par>
+                                <p:cTn id="5" presetID="1" presetClass="entr" presetSubtype="0" fill="hold" grpId="0" nodeType="clickEffect">
+                                  <p:stCondLst>
+                                    <p:cond delay="0"/>
+                                  </p:stCondLst>
+                                  <p:childTnLst>
+                                    <p:set>
+                                      <p:cBhvr>
+                                        <p:cTn id="6" dur="1" fill="hold">
+                                          <p:stCondLst>
+                                            <p:cond delay="0"/>
+                                          </p:stCondLst>
+                                        </p:cTn>
+                                        <p:tgtEl>
+                                          <p:spTgt spid="5"/>
+                                        </p:tgtEl>
+                                        <p:attrNameLst>
+                                          <p:attrName>style.visibility</p:attrName>
+                                        </p:attrNameLst>
+                                      </p:cBhvr>
+                                      <p:to>
+                                        <p:strVal val="visible"/>
+                                      </p:to>
+                                    </p:set>
+                                  </p:childTnLst>
+                                </p:cTn>
+                              </p:par>
+                              <p:par>
+                                <p:cTn id="7" presetID="1" presetClass="entr" presetSubtype="0" fill="hold" grpId="0" nodeType="withEffect">
+                                  <p:stCondLst>
+                                    <p:cond delay="0"/>
+                                  </p:stCondLst>
+                                  <p:childTnLst>
+                                    <p:set>
+                                      <p:cBhvr>
+                                        <p:cTn id="8" dur="1" fill="hold">
+                                          <p:stCondLst>
+                                            <p:cond delay="0"/>
+                                          </p:stCondLst>
+                                        </p:cTn>
+                                        <p:tgtEl>
+                                          <p:spTgt spid="4"/>
+                                        </p:tgtEl>
+                                        <p:attrNameLst>
+                                          <p:attrName>style.visibility</p:attrName>
+                                        </p:attrNameLst>
+                                      </p:cBhvr>
+                                      <p:to>
+                                        <p:strVal val="visible"/>
+                                      </p:to>
+                                    </p:set>
+                                  </p:childTnLst>
+                                </p:cTn>
+                              </p:par>
+                            </p:childTnLst>
+                          </p:cTn>
+                        </p:par>
+                      </p:childTnLst>
+                    </p:cTn>
+                  </p:par>
+                </p:childTnLst>
+              </p:cTn>
               <p:prevCondLst>
                 <p:cond evt="onPrev" delay="0">
                   <p:tgtEl>
@@ -17870,6 +20487,10 @@
         </p:cTn>
       </p:par>
     </p:tnLst>
+    <p:bldLst>
+      <p:bldP spid="4" grpId="0" animBg="1"/>
+      <p:bldP spid="5" grpId="0" animBg="1"/>
+    </p:bldLst>
   </p:timing>
 </p:sld>
 </file>
@@ -17893,13 +20514,13 @@
       </p:grpSpPr>
       <p:sp>
         <p:nvSpPr>
-          <p:cNvPr id="237" name="TextShape 1"/>
+          <p:cNvPr id="233" name="TextShape 1"/>
           <p:cNvSpPr txBox="1"/>
           <p:nvPr/>
         </p:nvSpPr>
         <p:spPr>
           <a:xfrm>
-            <a:off x="1141560" y="0"/>
+            <a:off x="1143000" y="0"/>
             <a:ext cx="9905760" cy="1478160"/>
           </a:xfrm>
           <a:prstGeom prst="rect">
@@ -17911,9 +20532,7 @@
           </a:ln>
         </p:spPr>
         <p:txBody>
-          <a:bodyPr anchor="ctr">
-            <a:normAutofit/>
-          </a:bodyPr>
+          <a:bodyPr anchor="ctr"/>
           <a:lstStyle/>
           <a:p>
             <a:pPr>
@@ -17926,9 +20545,9 @@
                 <a:solidFill>
                   <a:srgbClr val="FFFFFF"/>
                 </a:solidFill>
-                <a:latin typeface="Rockwell"/>
-              </a:rPr>
-              <a:t>Conclusion</a:t>
+                <a:latin typeface="Tw Cen MT"/>
+              </a:rPr>
+              <a:t>Parallel programming in Python</a:t>
             </a:r>
             <a:endParaRPr lang="de-DE" sz="3600" b="0" strike="noStrike" spc="-1">
               <a:solidFill>
@@ -17941,159 +20560,1490 @@
       </p:sp>
       <p:sp>
         <p:nvSpPr>
-          <p:cNvPr id="238" name="TextShape 2"/>
-          <p:cNvSpPr txBox="1"/>
+          <p:cNvPr id="234" name="CustomShape 2"/>
+          <p:cNvSpPr/>
           <p:nvPr/>
         </p:nvSpPr>
         <p:spPr>
           <a:xfrm>
-            <a:off x="1141560" y="2249640"/>
-            <a:ext cx="9905760" cy="3541320"/>
+            <a:off x="301214" y="1237128"/>
+            <a:ext cx="5712311" cy="5357309"/>
           </a:xfrm>
           <a:prstGeom prst="rect">
             <a:avLst/>
           </a:prstGeom>
-          <a:noFill/>
+          <a:solidFill>
+            <a:srgbClr val="F6F8FA"/>
+          </a:solidFill>
           <a:ln>
             <a:noFill/>
           </a:ln>
         </p:spPr>
+        <p:style>
+          <a:lnRef idx="0">
+            <a:scrgbClr r="0" g="0" b="0"/>
+          </a:lnRef>
+          <a:fillRef idx="0">
+            <a:scrgbClr r="0" g="0" b="0"/>
+          </a:fillRef>
+          <a:effectRef idx="0">
+            <a:scrgbClr r="0" g="0" b="0"/>
+          </a:effectRef>
+          <a:fontRef idx="minor"/>
+        </p:style>
         <p:txBody>
-          <a:bodyPr>
-            <a:normAutofit/>
-          </a:bodyPr>
+          <a:bodyPr tIns="0" bIns="0" anchor="ctr"/>
           <a:lstStyle/>
           <a:p>
-            <a:pPr marL="360">
+            <a:pPr>
               <a:lnSpc>
-                <a:spcPct val="120000"/>
+                <a:spcPct val="100000"/>
               </a:lnSpc>
-              <a:spcBef>
-                <a:spcPts val="1001"/>
-              </a:spcBef>
-              <a:buClr>
-                <a:srgbClr val="FFFFFF"/>
-              </a:buClr>
-              <a:buSzPct val="125000"/>
             </a:pPr>
             <a:r>
-              <a:rPr lang="en-US" sz="2400" b="0" strike="noStrike" spc="-1" dirty="0">
-                <a:solidFill>
-                  <a:srgbClr val="FFFFFF"/>
-                </a:solidFill>
-                <a:latin typeface="Tahoma"/>
-                <a:ea typeface="Tahoma"/>
-              </a:rPr>
-              <a:t>Both Languages have:</a:t>
-            </a:r>
-          </a:p>
-          <a:p>
-            <a:pPr marL="228600" indent="-228240">
+              <a:rPr lang="en-US" sz="1600" spc="-1" dirty="0" err="1">
+                <a:solidFill>
+                  <a:srgbClr val="D73A49"/>
+                </a:solidFill>
+                <a:latin typeface="SFMono-Regular"/>
+              </a:rPr>
+              <a:t>func</a:t>
+            </a:r>
+            <a:r>
+              <a:rPr lang="en-US" sz="1600" spc="-1" dirty="0">
+                <a:solidFill>
+                  <a:srgbClr val="D73A49"/>
+                </a:solidFill>
+                <a:latin typeface="SFMono-Regular"/>
+              </a:rPr>
+              <a:t> (n *Node) </a:t>
+            </a:r>
+            <a:r>
+              <a:rPr lang="en-US" sz="1600" spc="-1" dirty="0" err="1">
+                <a:solidFill>
+                  <a:srgbClr val="D73A49"/>
+                </a:solidFill>
+                <a:latin typeface="SFMono-Regular"/>
+              </a:rPr>
+              <a:t>executeElection</a:t>
+            </a:r>
+            <a:r>
+              <a:rPr lang="en-US" sz="1600" spc="-1" dirty="0">
+                <a:solidFill>
+                  <a:srgbClr val="D73A49"/>
+                </a:solidFill>
+                <a:latin typeface="SFMono-Regular"/>
+              </a:rPr>
+              <a:t>() bool {</a:t>
+            </a:r>
+          </a:p>
+          <a:p>
+            <a:pPr>
               <a:lnSpc>
-                <a:spcPct val="120000"/>
+                <a:spcPct val="100000"/>
               </a:lnSpc>
-              <a:spcBef>
-                <a:spcPts val="1001"/>
-              </a:spcBef>
-              <a:buClr>
-                <a:srgbClr val="FFFFFF"/>
-              </a:buClr>
-              <a:buSzPct val="125000"/>
-              <a:buFont typeface="Arial"/>
-              <a:buChar char="•"/>
             </a:pPr>
             <a:r>
-              <a:rPr lang="en-US" sz="2400" b="0" strike="noStrike" spc="-1" dirty="0">
-                <a:solidFill>
-                  <a:srgbClr val="FFFFFF"/>
-                </a:solidFill>
-                <a:latin typeface="Tahoma"/>
-                <a:ea typeface="Tahoma"/>
-              </a:rPr>
-              <a:t>The ability to implement Raft</a:t>
-            </a:r>
-          </a:p>
-          <a:p>
-            <a:pPr marL="228600" indent="-228240">
+              <a:rPr lang="en-US" sz="1600" spc="-1" dirty="0">
+                <a:solidFill>
+                  <a:srgbClr val="D73A49"/>
+                </a:solidFill>
+                <a:latin typeface="SFMono-Regular"/>
+              </a:rPr>
+              <a:t>	n.log("-&gt; Election")</a:t>
+            </a:r>
+          </a:p>
+          <a:p>
+            <a:pPr>
               <a:lnSpc>
-                <a:spcPct val="120000"/>
+                <a:spcPct val="100000"/>
               </a:lnSpc>
-              <a:spcBef>
-                <a:spcPts val="1001"/>
-              </a:spcBef>
-              <a:buClr>
-                <a:srgbClr val="FFFFFF"/>
-              </a:buClr>
-              <a:buSzPct val="125000"/>
-              <a:buFont typeface="Arial"/>
-              <a:buChar char="•"/>
             </a:pPr>
             <a:r>
-              <a:rPr lang="en-US" sz="2400" b="0" strike="noStrike" spc="-1" dirty="0">
-                <a:solidFill>
-                  <a:srgbClr val="FFFFFF"/>
-                </a:solidFill>
-                <a:latin typeface="Tahoma"/>
-                <a:ea typeface="Tahoma"/>
-              </a:rPr>
-              <a:t>About the same </a:t>
-            </a:r>
-            <a:r>
-              <a:rPr lang="en-US" sz="2400" spc="-1" dirty="0">
-                <a:solidFill>
-                  <a:srgbClr val="FFFFFF"/>
-                </a:solidFill>
-                <a:latin typeface="Tahoma"/>
-                <a:ea typeface="Tahoma"/>
-              </a:rPr>
-              <a:t>Codelength</a:t>
-            </a:r>
-            <a:endParaRPr lang="en-US" sz="2400" b="0" strike="noStrike" spc="-1" dirty="0">
+              <a:rPr lang="en-US" sz="1600" spc="-1" dirty="0">
+                <a:solidFill>
+                  <a:srgbClr val="D73A49"/>
+                </a:solidFill>
+                <a:latin typeface="SFMono-Regular"/>
+              </a:rPr>
+              <a:t>	</a:t>
+            </a:r>
+            <a:r>
+              <a:rPr lang="en-US" sz="1600" spc="-1" dirty="0" err="1">
+                <a:solidFill>
+                  <a:srgbClr val="D73A49"/>
+                </a:solidFill>
+                <a:latin typeface="SFMono-Regular"/>
+              </a:rPr>
+              <a:t>n.votedFor</a:t>
+            </a:r>
+            <a:r>
+              <a:rPr lang="en-US" sz="1600" spc="-1" dirty="0">
+                <a:solidFill>
+                  <a:srgbClr val="D73A49"/>
+                </a:solidFill>
+                <a:latin typeface="SFMono-Regular"/>
+              </a:rPr>
+              <a:t> = &amp;n.id // vote for </a:t>
+            </a:r>
+            <a:r>
+              <a:rPr lang="en-US" sz="1600" spc="-1" dirty="0" err="1">
+                <a:solidFill>
+                  <a:srgbClr val="D73A49"/>
+                </a:solidFill>
+                <a:latin typeface="SFMono-Regular"/>
+              </a:rPr>
+              <a:t>ourself</a:t>
+            </a:r>
+            <a:endParaRPr lang="en-US" sz="1600" spc="-1" dirty="0">
               <a:solidFill>
-                <a:srgbClr val="FFFFFF"/>
+                <a:srgbClr val="D73A49"/>
               </a:solidFill>
-              <a:latin typeface="Tw Cen MT"/>
+              <a:latin typeface="SFMono-Regular"/>
             </a:endParaRPr>
+          </a:p>
+          <a:p>
+            <a:pPr>
+              <a:lnSpc>
+                <a:spcPct val="100000"/>
+              </a:lnSpc>
+            </a:pPr>
+            <a:endParaRPr lang="en-US" sz="1600" spc="-1" dirty="0">
+              <a:solidFill>
+                <a:srgbClr val="D73A49"/>
+              </a:solidFill>
+              <a:latin typeface="SFMono-Regular"/>
+            </a:endParaRPr>
+          </a:p>
+          <a:p>
+            <a:pPr>
+              <a:lnSpc>
+                <a:spcPct val="100000"/>
+              </a:lnSpc>
+            </a:pPr>
+            <a:r>
+              <a:rPr lang="en-US" sz="1600" spc="-1" dirty="0">
+                <a:solidFill>
+                  <a:srgbClr val="D73A49"/>
+                </a:solidFill>
+                <a:latin typeface="SFMono-Regular"/>
+              </a:rPr>
+              <a:t>	var </a:t>
+            </a:r>
+            <a:r>
+              <a:rPr lang="en-US" sz="1600" spc="-1" dirty="0" err="1">
+                <a:solidFill>
+                  <a:srgbClr val="D73A49"/>
+                </a:solidFill>
+                <a:latin typeface="SFMono-Regular"/>
+              </a:rPr>
+              <a:t>wg</a:t>
+            </a:r>
+            <a:r>
+              <a:rPr lang="en-US" sz="1600" spc="-1" dirty="0">
+                <a:solidFill>
+                  <a:srgbClr val="D73A49"/>
+                </a:solidFill>
+                <a:latin typeface="SFMono-Regular"/>
+              </a:rPr>
+              <a:t> </a:t>
+            </a:r>
+            <a:r>
+              <a:rPr lang="en-US" sz="1600" spc="-1" dirty="0" err="1">
+                <a:solidFill>
+                  <a:srgbClr val="D73A49"/>
+                </a:solidFill>
+                <a:latin typeface="SFMono-Regular"/>
+              </a:rPr>
+              <a:t>sync.WaitGroup</a:t>
+            </a:r>
+            <a:endParaRPr lang="en-US" sz="1600" spc="-1" dirty="0">
+              <a:solidFill>
+                <a:srgbClr val="D73A49"/>
+              </a:solidFill>
+              <a:latin typeface="SFMono-Regular"/>
+            </a:endParaRPr>
+          </a:p>
+          <a:p>
+            <a:pPr>
+              <a:lnSpc>
+                <a:spcPct val="100000"/>
+              </a:lnSpc>
+            </a:pPr>
+            <a:r>
+              <a:rPr lang="en-US" sz="1600" spc="-1" dirty="0">
+                <a:solidFill>
+                  <a:srgbClr val="D73A49"/>
+                </a:solidFill>
+                <a:latin typeface="SFMono-Regular"/>
+              </a:rPr>
+              <a:t>	nodes := </a:t>
+            </a:r>
+            <a:r>
+              <a:rPr lang="en-US" sz="1600" spc="-1" dirty="0" err="1">
+                <a:solidFill>
+                  <a:srgbClr val="D73A49"/>
+                </a:solidFill>
+                <a:latin typeface="SFMono-Regular"/>
+              </a:rPr>
+              <a:t>n.cluster.GetRemoteFollowers</a:t>
+            </a:r>
+            <a:r>
+              <a:rPr lang="en-US" sz="1600" spc="-1" dirty="0">
+                <a:solidFill>
+                  <a:srgbClr val="D73A49"/>
+                </a:solidFill>
+                <a:latin typeface="SFMono-Regular"/>
+              </a:rPr>
+              <a:t>(n.id)</a:t>
+            </a:r>
+          </a:p>
+          <a:p>
+            <a:pPr>
+              <a:lnSpc>
+                <a:spcPct val="100000"/>
+              </a:lnSpc>
+            </a:pPr>
+            <a:r>
+              <a:rPr lang="en-US" sz="1600" spc="-1" dirty="0">
+                <a:solidFill>
+                  <a:srgbClr val="D73A49"/>
+                </a:solidFill>
+                <a:latin typeface="SFMono-Regular"/>
+              </a:rPr>
+              <a:t>	votes := make([]bool, </a:t>
+            </a:r>
+            <a:r>
+              <a:rPr lang="en-US" sz="1600" spc="-1" dirty="0" err="1">
+                <a:solidFill>
+                  <a:srgbClr val="D73A49"/>
+                </a:solidFill>
+                <a:latin typeface="SFMono-Regular"/>
+              </a:rPr>
+              <a:t>len</a:t>
+            </a:r>
+            <a:r>
+              <a:rPr lang="en-US" sz="1600" spc="-1" dirty="0">
+                <a:solidFill>
+                  <a:srgbClr val="D73A49"/>
+                </a:solidFill>
+                <a:latin typeface="SFMono-Regular"/>
+              </a:rPr>
+              <a:t>(nodes))</a:t>
+            </a:r>
+          </a:p>
+          <a:p>
+            <a:pPr>
+              <a:lnSpc>
+                <a:spcPct val="100000"/>
+              </a:lnSpc>
+            </a:pPr>
+            <a:r>
+              <a:rPr lang="en-US" sz="1600" spc="-1" dirty="0">
+                <a:solidFill>
+                  <a:srgbClr val="D73A49"/>
+                </a:solidFill>
+                <a:latin typeface="SFMono-Regular"/>
+              </a:rPr>
+              <a:t>	</a:t>
+            </a:r>
+            <a:r>
+              <a:rPr lang="en-US" sz="1600" spc="-1" dirty="0" err="1">
+                <a:solidFill>
+                  <a:srgbClr val="D73A49"/>
+                </a:solidFill>
+                <a:latin typeface="SFMono-Regular"/>
+              </a:rPr>
+              <a:t>wg.Add</a:t>
+            </a:r>
+            <a:r>
+              <a:rPr lang="en-US" sz="1600" spc="-1" dirty="0">
+                <a:solidFill>
+                  <a:srgbClr val="D73A49"/>
+                </a:solidFill>
+                <a:latin typeface="SFMono-Regular"/>
+              </a:rPr>
+              <a:t>(</a:t>
+            </a:r>
+            <a:r>
+              <a:rPr lang="en-US" sz="1600" spc="-1" dirty="0" err="1">
+                <a:solidFill>
+                  <a:srgbClr val="D73A49"/>
+                </a:solidFill>
+                <a:latin typeface="SFMono-Regular"/>
+              </a:rPr>
+              <a:t>len</a:t>
+            </a:r>
+            <a:r>
+              <a:rPr lang="en-US" sz="1600" spc="-1" dirty="0">
+                <a:solidFill>
+                  <a:srgbClr val="D73A49"/>
+                </a:solidFill>
+                <a:latin typeface="SFMono-Regular"/>
+              </a:rPr>
+              <a:t>(nodes))</a:t>
+            </a:r>
+          </a:p>
+          <a:p>
+            <a:pPr>
+              <a:lnSpc>
+                <a:spcPct val="100000"/>
+              </a:lnSpc>
+            </a:pPr>
+            <a:endParaRPr lang="en-US" sz="1600" spc="-1" dirty="0">
+              <a:solidFill>
+                <a:srgbClr val="D73A49"/>
+              </a:solidFill>
+              <a:latin typeface="SFMono-Regular"/>
+            </a:endParaRPr>
+          </a:p>
+          <a:p>
+            <a:pPr>
+              <a:lnSpc>
+                <a:spcPct val="100000"/>
+              </a:lnSpc>
+            </a:pPr>
+            <a:r>
+              <a:rPr lang="en-US" sz="1600" spc="-1" dirty="0">
+                <a:solidFill>
+                  <a:srgbClr val="D73A49"/>
+                </a:solidFill>
+                <a:latin typeface="SFMono-Regular"/>
+              </a:rPr>
+              <a:t>	for </a:t>
+            </a:r>
+            <a:r>
+              <a:rPr lang="en-US" sz="1600" spc="-1" dirty="0" err="1">
+                <a:solidFill>
+                  <a:srgbClr val="D73A49"/>
+                </a:solidFill>
+                <a:latin typeface="SFMono-Regular"/>
+              </a:rPr>
+              <a:t>i</a:t>
+            </a:r>
+            <a:r>
+              <a:rPr lang="en-US" sz="1600" spc="-1" dirty="0">
+                <a:solidFill>
+                  <a:srgbClr val="D73A49"/>
+                </a:solidFill>
+                <a:latin typeface="SFMono-Regular"/>
+              </a:rPr>
+              <a:t>, </a:t>
+            </a:r>
+            <a:r>
+              <a:rPr lang="en-US" sz="1600" spc="-1" dirty="0" err="1">
+                <a:solidFill>
+                  <a:srgbClr val="D73A49"/>
+                </a:solidFill>
+                <a:latin typeface="SFMono-Regular"/>
+              </a:rPr>
+              <a:t>rpcIf</a:t>
+            </a:r>
+            <a:r>
+              <a:rPr lang="en-US" sz="1600" spc="-1" dirty="0">
+                <a:solidFill>
+                  <a:srgbClr val="D73A49"/>
+                </a:solidFill>
+                <a:latin typeface="SFMono-Regular"/>
+              </a:rPr>
+              <a:t> := range nodes {</a:t>
+            </a:r>
+          </a:p>
+          <a:p>
+            <a:pPr>
+              <a:lnSpc>
+                <a:spcPct val="100000"/>
+              </a:lnSpc>
+            </a:pPr>
+            <a:r>
+              <a:rPr lang="en-US" sz="1600" spc="-1" dirty="0">
+                <a:solidFill>
+                  <a:srgbClr val="D73A49"/>
+                </a:solidFill>
+                <a:latin typeface="SFMono-Regular"/>
+              </a:rPr>
+              <a:t>	        go </a:t>
+            </a:r>
+            <a:r>
+              <a:rPr lang="en-US" sz="1600" spc="-1" dirty="0" err="1">
+                <a:solidFill>
+                  <a:srgbClr val="D73A49"/>
+                </a:solidFill>
+                <a:latin typeface="SFMono-Regular"/>
+              </a:rPr>
+              <a:t>func</a:t>
+            </a:r>
+            <a:r>
+              <a:rPr lang="en-US" sz="1600" spc="-1" dirty="0">
+                <a:solidFill>
+                  <a:srgbClr val="D73A49"/>
+                </a:solidFill>
+                <a:latin typeface="SFMono-Regular"/>
+              </a:rPr>
+              <a:t>(w *</a:t>
+            </a:r>
+            <a:r>
+              <a:rPr lang="en-US" sz="1600" spc="-1" dirty="0" err="1">
+                <a:solidFill>
+                  <a:srgbClr val="D73A49"/>
+                </a:solidFill>
+                <a:latin typeface="SFMono-Regular"/>
+              </a:rPr>
+              <a:t>sync.WaitGroup</a:t>
+            </a:r>
+            <a:r>
+              <a:rPr lang="en-US" sz="1600" spc="-1" dirty="0">
+                <a:solidFill>
+                  <a:srgbClr val="D73A49"/>
+                </a:solidFill>
+                <a:latin typeface="SFMono-Regular"/>
+              </a:rPr>
+              <a:t>, </a:t>
+            </a:r>
+            <a:r>
+              <a:rPr lang="en-US" sz="1600" spc="-1" dirty="0" err="1">
+                <a:solidFill>
+                  <a:srgbClr val="D73A49"/>
+                </a:solidFill>
+                <a:latin typeface="SFMono-Regular"/>
+              </a:rPr>
+              <a:t>i</a:t>
+            </a:r>
+            <a:r>
+              <a:rPr lang="en-US" sz="1600" spc="-1" dirty="0">
+                <a:solidFill>
+                  <a:srgbClr val="D73A49"/>
+                </a:solidFill>
+                <a:latin typeface="SFMono-Regular"/>
+              </a:rPr>
+              <a:t> int, </a:t>
+            </a:r>
+            <a:r>
+              <a:rPr lang="en-US" sz="1600" spc="-1" dirty="0" err="1">
+                <a:solidFill>
+                  <a:srgbClr val="D73A49"/>
+                </a:solidFill>
+                <a:latin typeface="SFMono-Regular"/>
+              </a:rPr>
+              <a:t>rpcIf</a:t>
+            </a:r>
+            <a:r>
+              <a:rPr lang="en-US" sz="1600" spc="-1" dirty="0">
+                <a:solidFill>
+                  <a:srgbClr val="D73A49"/>
+                </a:solidFill>
+                <a:latin typeface="SFMono-Regular"/>
+              </a:rPr>
+              <a:t> </a:t>
+            </a:r>
+            <a:r>
+              <a:rPr lang="en-US" sz="1600" spc="-1" dirty="0" err="1">
+                <a:solidFill>
+                  <a:srgbClr val="D73A49"/>
+                </a:solidFill>
+                <a:latin typeface="SFMono-Regular"/>
+              </a:rPr>
+              <a:t>NodeRPC</a:t>
+            </a:r>
+            <a:r>
+              <a:rPr lang="en-US" sz="1600" spc="-1" dirty="0">
+                <a:solidFill>
+                  <a:srgbClr val="D73A49"/>
+                </a:solidFill>
+                <a:latin typeface="SFMono-Regular"/>
+              </a:rPr>
+              <a:t>) {</a:t>
+            </a:r>
+          </a:p>
+          <a:p>
+            <a:pPr>
+              <a:lnSpc>
+                <a:spcPct val="100000"/>
+              </a:lnSpc>
+            </a:pPr>
+            <a:r>
+              <a:rPr lang="en-US" sz="1600" spc="-1" dirty="0">
+                <a:solidFill>
+                  <a:srgbClr val="D73A49"/>
+                </a:solidFill>
+                <a:latin typeface="SFMono-Regular"/>
+              </a:rPr>
+              <a:t>			term, ok := 				</a:t>
+            </a:r>
+            <a:r>
+              <a:rPr lang="en-US" sz="1600" spc="-1" dirty="0" err="1">
+                <a:solidFill>
+                  <a:srgbClr val="D73A49"/>
+                </a:solidFill>
+                <a:latin typeface="SFMono-Regular"/>
+              </a:rPr>
+              <a:t>rpcIf.RequestVote</a:t>
+            </a:r>
+            <a:r>
+              <a:rPr lang="en-US" sz="1600" spc="-1" dirty="0">
+                <a:solidFill>
+                  <a:srgbClr val="D73A49"/>
+                </a:solidFill>
+                <a:latin typeface="SFMono-Regular"/>
+              </a:rPr>
+              <a:t>(</a:t>
+            </a:r>
+            <a:r>
+              <a:rPr lang="en-US" sz="1600" spc="-1" dirty="0" err="1">
+                <a:solidFill>
+                  <a:srgbClr val="D73A49"/>
+                </a:solidFill>
+                <a:latin typeface="SFMono-Regular"/>
+              </a:rPr>
+              <a:t>n.currentTerm</a:t>
+            </a:r>
+            <a:r>
+              <a:rPr lang="en-US" sz="1600" spc="-1" dirty="0">
+                <a:solidFill>
+                  <a:srgbClr val="D73A49"/>
+                </a:solidFill>
+                <a:latin typeface="SFMono-Regular"/>
+              </a:rPr>
+              <a:t>, n.id, 0, 0)</a:t>
+            </a:r>
+          </a:p>
+          <a:p>
+            <a:pPr>
+              <a:lnSpc>
+                <a:spcPct val="100000"/>
+              </a:lnSpc>
+            </a:pPr>
+            <a:r>
+              <a:rPr lang="en-US" sz="1600" spc="-1" dirty="0">
+                <a:solidFill>
+                  <a:srgbClr val="D73A49"/>
+                </a:solidFill>
+                <a:latin typeface="SFMono-Regular"/>
+              </a:rPr>
+              <a:t>			if term &gt; </a:t>
+            </a:r>
+            <a:r>
+              <a:rPr lang="en-US" sz="1600" spc="-1" dirty="0" err="1">
+                <a:solidFill>
+                  <a:srgbClr val="D73A49"/>
+                </a:solidFill>
+                <a:latin typeface="SFMono-Regular"/>
+              </a:rPr>
+              <a:t>n.currentTerm</a:t>
+            </a:r>
+            <a:r>
+              <a:rPr lang="en-US" sz="1600" spc="-1" dirty="0">
+                <a:solidFill>
+                  <a:srgbClr val="D73A49"/>
+                </a:solidFill>
+                <a:latin typeface="SFMono-Regular"/>
+              </a:rPr>
+              <a:t> {</a:t>
+            </a:r>
+          </a:p>
+          <a:p>
+            <a:pPr>
+              <a:lnSpc>
+                <a:spcPct val="100000"/>
+              </a:lnSpc>
+            </a:pPr>
+            <a:r>
+              <a:rPr lang="en-US" sz="1600" spc="-1" dirty="0">
+                <a:solidFill>
+                  <a:srgbClr val="D73A49"/>
+                </a:solidFill>
+                <a:latin typeface="SFMono-Regular"/>
+              </a:rPr>
+              <a:t>				// </a:t>
+            </a:r>
+            <a:r>
+              <a:rPr lang="en-US" sz="1600" spc="-1" dirty="0" err="1">
+                <a:solidFill>
+                  <a:srgbClr val="D73A49"/>
+                </a:solidFill>
+                <a:latin typeface="SFMono-Regular"/>
+              </a:rPr>
+              <a:t>todo</a:t>
+            </a:r>
+            <a:endParaRPr lang="en-US" sz="1600" spc="-1" dirty="0">
+              <a:solidFill>
+                <a:srgbClr val="D73A49"/>
+              </a:solidFill>
+              <a:latin typeface="SFMono-Regular"/>
+            </a:endParaRPr>
+          </a:p>
+          <a:p>
+            <a:pPr>
+              <a:lnSpc>
+                <a:spcPct val="100000"/>
+              </a:lnSpc>
+            </a:pPr>
+            <a:r>
+              <a:rPr lang="en-US" sz="1600" spc="-1" dirty="0">
+                <a:solidFill>
+                  <a:srgbClr val="D73A49"/>
+                </a:solidFill>
+                <a:latin typeface="SFMono-Regular"/>
+              </a:rPr>
+              <a:t>			}</a:t>
+            </a:r>
+          </a:p>
+          <a:p>
+            <a:pPr>
+              <a:lnSpc>
+                <a:spcPct val="100000"/>
+              </a:lnSpc>
+            </a:pPr>
+            <a:r>
+              <a:rPr lang="en-US" sz="1600" spc="-1" dirty="0">
+                <a:solidFill>
+                  <a:srgbClr val="D73A49"/>
+                </a:solidFill>
+                <a:latin typeface="SFMono-Regular"/>
+              </a:rPr>
+              <a:t>			votes[</a:t>
+            </a:r>
+            <a:r>
+              <a:rPr lang="en-US" sz="1600" spc="-1" dirty="0" err="1">
+                <a:solidFill>
+                  <a:srgbClr val="D73A49"/>
+                </a:solidFill>
+                <a:latin typeface="SFMono-Regular"/>
+              </a:rPr>
+              <a:t>i</a:t>
+            </a:r>
+            <a:r>
+              <a:rPr lang="en-US" sz="1600" spc="-1" dirty="0">
+                <a:solidFill>
+                  <a:srgbClr val="D73A49"/>
+                </a:solidFill>
+                <a:latin typeface="SFMono-Regular"/>
+              </a:rPr>
+              <a:t>] = ok</a:t>
+            </a:r>
+          </a:p>
+          <a:p>
+            <a:pPr>
+              <a:lnSpc>
+                <a:spcPct val="100000"/>
+              </a:lnSpc>
+            </a:pPr>
+            <a:r>
+              <a:rPr lang="en-US" sz="1600" spc="-1" dirty="0">
+                <a:solidFill>
+                  <a:srgbClr val="D73A49"/>
+                </a:solidFill>
+                <a:latin typeface="SFMono-Regular"/>
+              </a:rPr>
+              <a:t>			</a:t>
+            </a:r>
+            <a:r>
+              <a:rPr lang="en-US" sz="1600" spc="-1" dirty="0" err="1">
+                <a:solidFill>
+                  <a:srgbClr val="D73A49"/>
+                </a:solidFill>
+                <a:latin typeface="SFMono-Regular"/>
+              </a:rPr>
+              <a:t>w.Done</a:t>
+            </a:r>
+            <a:r>
+              <a:rPr lang="en-US" sz="1600" spc="-1" dirty="0">
+                <a:solidFill>
+                  <a:srgbClr val="D73A49"/>
+                </a:solidFill>
+                <a:latin typeface="SFMono-Regular"/>
+              </a:rPr>
+              <a:t>()</a:t>
+            </a:r>
+          </a:p>
+          <a:p>
+            <a:pPr>
+              <a:lnSpc>
+                <a:spcPct val="100000"/>
+              </a:lnSpc>
+            </a:pPr>
+            <a:r>
+              <a:rPr lang="en-US" sz="1600" spc="-1" dirty="0">
+                <a:solidFill>
+                  <a:srgbClr val="D73A49"/>
+                </a:solidFill>
+                <a:latin typeface="SFMono-Regular"/>
+              </a:rPr>
+              <a:t>	         }(&amp;</a:t>
+            </a:r>
+            <a:r>
+              <a:rPr lang="en-US" sz="1600" spc="-1" dirty="0" err="1">
+                <a:solidFill>
+                  <a:srgbClr val="D73A49"/>
+                </a:solidFill>
+                <a:latin typeface="SFMono-Regular"/>
+              </a:rPr>
+              <a:t>wg</a:t>
+            </a:r>
+            <a:r>
+              <a:rPr lang="en-US" sz="1600" spc="-1" dirty="0">
+                <a:solidFill>
+                  <a:srgbClr val="D73A49"/>
+                </a:solidFill>
+                <a:latin typeface="SFMono-Regular"/>
+              </a:rPr>
+              <a:t>, </a:t>
+            </a:r>
+            <a:r>
+              <a:rPr lang="en-US" sz="1600" spc="-1" dirty="0" err="1">
+                <a:solidFill>
+                  <a:srgbClr val="D73A49"/>
+                </a:solidFill>
+                <a:latin typeface="SFMono-Regular"/>
+              </a:rPr>
+              <a:t>i</a:t>
+            </a:r>
+            <a:r>
+              <a:rPr lang="en-US" sz="1600" spc="-1" dirty="0">
+                <a:solidFill>
+                  <a:srgbClr val="D73A49"/>
+                </a:solidFill>
+                <a:latin typeface="SFMono-Regular"/>
+              </a:rPr>
+              <a:t>, </a:t>
+            </a:r>
+            <a:r>
+              <a:rPr lang="en-US" sz="1600" spc="-1" dirty="0" err="1">
+                <a:solidFill>
+                  <a:srgbClr val="D73A49"/>
+                </a:solidFill>
+                <a:latin typeface="SFMono-Regular"/>
+              </a:rPr>
+              <a:t>rpcIf</a:t>
+            </a:r>
+            <a:r>
+              <a:rPr lang="en-US" sz="1600" spc="-1" dirty="0">
+                <a:solidFill>
+                  <a:srgbClr val="D73A49"/>
+                </a:solidFill>
+                <a:latin typeface="SFMono-Regular"/>
+              </a:rPr>
+              <a:t>)</a:t>
+            </a:r>
+          </a:p>
+          <a:p>
+            <a:pPr>
+              <a:lnSpc>
+                <a:spcPct val="100000"/>
+              </a:lnSpc>
+            </a:pPr>
+            <a:r>
+              <a:rPr lang="en-US" sz="1600" spc="-1" dirty="0">
+                <a:solidFill>
+                  <a:srgbClr val="D73A49"/>
+                </a:solidFill>
+                <a:latin typeface="SFMono-Regular"/>
+              </a:rPr>
+              <a:t>	}</a:t>
+            </a:r>
+          </a:p>
+          <a:p>
+            <a:pPr>
+              <a:lnSpc>
+                <a:spcPct val="100000"/>
+              </a:lnSpc>
+            </a:pPr>
+            <a:r>
+              <a:rPr lang="en-US" sz="1600" spc="-1" dirty="0">
+                <a:solidFill>
+                  <a:srgbClr val="D73A49"/>
+                </a:solidFill>
+                <a:latin typeface="SFMono-Regular"/>
+              </a:rPr>
+              <a:t>	</a:t>
+            </a:r>
+            <a:r>
+              <a:rPr lang="en-US" sz="1600" spc="-1" dirty="0" err="1">
+                <a:solidFill>
+                  <a:srgbClr val="D73A49"/>
+                </a:solidFill>
+                <a:latin typeface="SFMono-Regular"/>
+              </a:rPr>
+              <a:t>wg.Wait</a:t>
+            </a:r>
+            <a:r>
+              <a:rPr lang="en-US" sz="1600" spc="-1" dirty="0">
+                <a:solidFill>
+                  <a:srgbClr val="D73A49"/>
+                </a:solidFill>
+                <a:latin typeface="SFMono-Regular"/>
+              </a:rPr>
+              <a:t>() // wait until all nodes have voted</a:t>
+            </a:r>
+          </a:p>
+        </p:txBody>
+      </p:sp>
+      <p:sp>
+        <p:nvSpPr>
+          <p:cNvPr id="5" name="CustomShape 2">
+            <a:extLst>
+              <a:ext uri="{FF2B5EF4-FFF2-40B4-BE49-F238E27FC236}">
+                <a16:creationId xmlns:a16="http://schemas.microsoft.com/office/drawing/2014/main" id="{0BE8C24D-712A-4453-A75F-E620CD9105FC}"/>
+              </a:ext>
+            </a:extLst>
+          </p:cNvPr>
+          <p:cNvSpPr/>
+          <p:nvPr/>
+        </p:nvSpPr>
+        <p:spPr>
+          <a:xfrm>
+            <a:off x="6178237" y="1237127"/>
+            <a:ext cx="5712310" cy="5357309"/>
+          </a:xfrm>
+          <a:prstGeom prst="rect">
+            <a:avLst/>
+          </a:prstGeom>
+          <a:solidFill>
+            <a:srgbClr val="F6F8FA"/>
+          </a:solidFill>
+          <a:ln>
+            <a:noFill/>
+          </a:ln>
+        </p:spPr>
+        <p:style>
+          <a:lnRef idx="0">
+            <a:scrgbClr r="0" g="0" b="0"/>
+          </a:lnRef>
+          <a:fillRef idx="0">
+            <a:scrgbClr r="0" g="0" b="0"/>
+          </a:fillRef>
+          <a:effectRef idx="0">
+            <a:scrgbClr r="0" g="0" b="0"/>
+          </a:effectRef>
+          <a:fontRef idx="minor"/>
+        </p:style>
+        <p:txBody>
+          <a:bodyPr tIns="0" bIns="0" anchor="ctr"/>
+          <a:lstStyle/>
+          <a:p>
+            <a:pPr>
+              <a:lnSpc>
+                <a:spcPct val="100000"/>
+              </a:lnSpc>
+            </a:pPr>
+            <a:r>
+              <a:rPr lang="en-US" sz="1600" spc="-1" dirty="0">
+                <a:solidFill>
+                  <a:srgbClr val="D73A49"/>
+                </a:solidFill>
+                <a:latin typeface="SFMono-Regular"/>
+              </a:rPr>
+              <a:t>def </a:t>
+            </a:r>
+            <a:r>
+              <a:rPr lang="en-US" sz="1600" spc="-1" dirty="0" err="1">
+                <a:solidFill>
+                  <a:srgbClr val="D73A49"/>
+                </a:solidFill>
+                <a:latin typeface="SFMono-Regular"/>
+              </a:rPr>
+              <a:t>execute_election</a:t>
+            </a:r>
+            <a:r>
+              <a:rPr lang="en-US" sz="1600" spc="-1" dirty="0">
+                <a:solidFill>
+                  <a:srgbClr val="D73A49"/>
+                </a:solidFill>
+                <a:latin typeface="SFMono-Regular"/>
+              </a:rPr>
+              <a:t>(self):</a:t>
+            </a:r>
+          </a:p>
+          <a:p>
+            <a:pPr>
+              <a:lnSpc>
+                <a:spcPct val="100000"/>
+              </a:lnSpc>
+            </a:pPr>
+            <a:r>
+              <a:rPr lang="en-US" sz="1600" spc="-1" dirty="0">
+                <a:solidFill>
+                  <a:srgbClr val="D73A49"/>
+                </a:solidFill>
+                <a:latin typeface="SFMono-Regular"/>
+              </a:rPr>
+              <a:t>        print("-&gt; Election")</a:t>
+            </a:r>
+          </a:p>
+          <a:p>
+            <a:pPr>
+              <a:lnSpc>
+                <a:spcPct val="100000"/>
+              </a:lnSpc>
+            </a:pPr>
+            <a:r>
+              <a:rPr lang="en-US" sz="1600" spc="-1" dirty="0">
+                <a:solidFill>
+                  <a:srgbClr val="D73A49"/>
+                </a:solidFill>
+                <a:latin typeface="SFMono-Regular"/>
+              </a:rPr>
+              <a:t>        </a:t>
+            </a:r>
+            <a:r>
+              <a:rPr lang="en-US" sz="1600" spc="-1" dirty="0" err="1">
+                <a:solidFill>
+                  <a:srgbClr val="D73A49"/>
+                </a:solidFill>
+                <a:latin typeface="SFMono-Regular"/>
+              </a:rPr>
+              <a:t>self.votedFor</a:t>
+            </a:r>
+            <a:r>
+              <a:rPr lang="en-US" sz="1600" spc="-1" dirty="0">
+                <a:solidFill>
+                  <a:srgbClr val="D73A49"/>
+                </a:solidFill>
+                <a:latin typeface="SFMono-Regular"/>
+              </a:rPr>
+              <a:t> = self.id  # votes for itself</a:t>
+            </a:r>
+          </a:p>
+          <a:p>
+            <a:pPr>
+              <a:lnSpc>
+                <a:spcPct val="100000"/>
+              </a:lnSpc>
+            </a:pPr>
+            <a:endParaRPr lang="en-US" sz="1600" spc="-1" dirty="0">
+              <a:solidFill>
+                <a:srgbClr val="D73A49"/>
+              </a:solidFill>
+              <a:latin typeface="SFMono-Regular"/>
+            </a:endParaRPr>
+          </a:p>
+          <a:p>
+            <a:pPr>
+              <a:lnSpc>
+                <a:spcPct val="100000"/>
+              </a:lnSpc>
+            </a:pPr>
+            <a:r>
+              <a:rPr lang="en-US" sz="1600" spc="-1" dirty="0">
+                <a:solidFill>
+                  <a:srgbClr val="D73A49"/>
+                </a:solidFill>
+                <a:latin typeface="SFMono-Regular"/>
+              </a:rPr>
+              <a:t>        </a:t>
+            </a:r>
+            <a:r>
+              <a:rPr lang="en-US" sz="1600" spc="-1" dirty="0" err="1">
+                <a:solidFill>
+                  <a:srgbClr val="D73A49"/>
+                </a:solidFill>
+                <a:latin typeface="SFMono-Regular"/>
+              </a:rPr>
+              <a:t>wg</a:t>
+            </a:r>
+            <a:r>
+              <a:rPr lang="en-US" sz="1600" spc="-1" dirty="0">
+                <a:solidFill>
+                  <a:srgbClr val="D73A49"/>
+                </a:solidFill>
+                <a:latin typeface="SFMono-Regular"/>
+              </a:rPr>
+              <a:t> = </a:t>
+            </a:r>
+            <a:r>
+              <a:rPr lang="en-US" sz="1600" spc="-1" dirty="0" err="1">
+                <a:solidFill>
+                  <a:srgbClr val="D73A49"/>
+                </a:solidFill>
+                <a:latin typeface="SFMono-Regular"/>
+              </a:rPr>
+              <a:t>WaitGroup</a:t>
+            </a:r>
+            <a:r>
+              <a:rPr lang="en-US" sz="1600" spc="-1" dirty="0">
+                <a:solidFill>
+                  <a:srgbClr val="D73A49"/>
+                </a:solidFill>
+                <a:latin typeface="SFMono-Regular"/>
+              </a:rPr>
+              <a:t>()</a:t>
+            </a:r>
+          </a:p>
+          <a:p>
+            <a:pPr>
+              <a:lnSpc>
+                <a:spcPct val="100000"/>
+              </a:lnSpc>
+            </a:pPr>
+            <a:r>
+              <a:rPr lang="en-US" sz="1600" spc="-1" dirty="0">
+                <a:solidFill>
+                  <a:srgbClr val="D73A49"/>
+                </a:solidFill>
+                <a:latin typeface="SFMono-Regular"/>
+              </a:rPr>
+              <a:t>        nodes = </a:t>
+            </a:r>
+            <a:r>
+              <a:rPr lang="en-US" sz="1600" spc="-1" dirty="0" err="1">
+                <a:solidFill>
+                  <a:srgbClr val="D73A49"/>
+                </a:solidFill>
+                <a:latin typeface="SFMono-Regular"/>
+              </a:rPr>
+              <a:t>self.cluster.get_remote_followers</a:t>
+            </a:r>
+            <a:r>
+              <a:rPr lang="en-US" sz="1600" spc="-1" dirty="0">
+                <a:solidFill>
+                  <a:srgbClr val="D73A49"/>
+                </a:solidFill>
+                <a:latin typeface="SFMono-Regular"/>
+              </a:rPr>
+              <a:t>(self.id)</a:t>
+            </a:r>
+          </a:p>
+          <a:p>
+            <a:pPr>
+              <a:lnSpc>
+                <a:spcPct val="100000"/>
+              </a:lnSpc>
+            </a:pPr>
+            <a:r>
+              <a:rPr lang="en-US" sz="1600" spc="-1" dirty="0">
+                <a:solidFill>
+                  <a:srgbClr val="D73A49"/>
+                </a:solidFill>
+                <a:latin typeface="SFMono-Regular"/>
+              </a:rPr>
+              <a:t>        votes = []</a:t>
+            </a:r>
+          </a:p>
+          <a:p>
+            <a:pPr>
+              <a:lnSpc>
+                <a:spcPct val="100000"/>
+              </a:lnSpc>
+            </a:pPr>
+            <a:r>
+              <a:rPr lang="en-US" sz="1600" spc="-1" dirty="0">
+                <a:solidFill>
+                  <a:srgbClr val="D73A49"/>
+                </a:solidFill>
+                <a:latin typeface="SFMono-Regular"/>
+              </a:rPr>
+              <a:t>        </a:t>
+            </a:r>
+            <a:r>
+              <a:rPr lang="en-US" sz="1600" spc="-1" dirty="0" err="1">
+                <a:solidFill>
+                  <a:srgbClr val="D73A49"/>
+                </a:solidFill>
+                <a:latin typeface="SFMono-Regular"/>
+              </a:rPr>
+              <a:t>wg.add</a:t>
+            </a:r>
+            <a:r>
+              <a:rPr lang="en-US" sz="1600" spc="-1" dirty="0">
+                <a:solidFill>
+                  <a:srgbClr val="D73A49"/>
+                </a:solidFill>
+                <a:latin typeface="SFMono-Regular"/>
+              </a:rPr>
+              <a:t>(</a:t>
+            </a:r>
+            <a:r>
+              <a:rPr lang="en-US" sz="1600" spc="-1" dirty="0" err="1">
+                <a:solidFill>
+                  <a:srgbClr val="D73A49"/>
+                </a:solidFill>
+                <a:latin typeface="SFMono-Regular"/>
+              </a:rPr>
+              <a:t>len</a:t>
+            </a:r>
+            <a:r>
+              <a:rPr lang="en-US" sz="1600" spc="-1" dirty="0">
+                <a:solidFill>
+                  <a:srgbClr val="D73A49"/>
+                </a:solidFill>
+                <a:latin typeface="SFMono-Regular"/>
+              </a:rPr>
+              <a:t>(nodes))</a:t>
+            </a:r>
+          </a:p>
+          <a:p>
+            <a:pPr>
+              <a:lnSpc>
+                <a:spcPct val="100000"/>
+              </a:lnSpc>
+            </a:pPr>
+            <a:endParaRPr lang="en-US" sz="1600" spc="-1" dirty="0">
+              <a:solidFill>
+                <a:srgbClr val="D73A49"/>
+              </a:solidFill>
+              <a:latin typeface="SFMono-Regular"/>
+            </a:endParaRPr>
+          </a:p>
+          <a:p>
+            <a:pPr>
+              <a:lnSpc>
+                <a:spcPct val="100000"/>
+              </a:lnSpc>
+            </a:pPr>
+            <a:r>
+              <a:rPr lang="en-US" sz="1600" spc="-1" dirty="0">
+                <a:solidFill>
+                  <a:srgbClr val="D73A49"/>
+                </a:solidFill>
+                <a:latin typeface="SFMono-Regular"/>
+              </a:rPr>
+              <a:t>        def </a:t>
+            </a:r>
+            <a:r>
+              <a:rPr lang="en-US" sz="1600" spc="-1" dirty="0" err="1">
+                <a:solidFill>
+                  <a:srgbClr val="D73A49"/>
+                </a:solidFill>
+                <a:latin typeface="SFMono-Regular"/>
+              </a:rPr>
+              <a:t>request_votes</a:t>
+            </a:r>
+            <a:r>
+              <a:rPr lang="en-US" sz="1600" spc="-1" dirty="0">
+                <a:solidFill>
+                  <a:srgbClr val="D73A49"/>
+                </a:solidFill>
+                <a:latin typeface="SFMono-Regular"/>
+              </a:rPr>
+              <a:t>():</a:t>
+            </a:r>
+          </a:p>
+          <a:p>
+            <a:pPr>
+              <a:lnSpc>
+                <a:spcPct val="100000"/>
+              </a:lnSpc>
+            </a:pPr>
+            <a:r>
+              <a:rPr lang="en-US" sz="1600" spc="-1" dirty="0">
+                <a:solidFill>
+                  <a:srgbClr val="D73A49"/>
+                </a:solidFill>
+                <a:latin typeface="SFMono-Regular"/>
+              </a:rPr>
+              <a:t>            	term, ok = </a:t>
+            </a:r>
+            <a:r>
+              <a:rPr lang="en-US" sz="1600" spc="-1" dirty="0" err="1">
+                <a:solidFill>
+                  <a:srgbClr val="D73A49"/>
+                </a:solidFill>
+                <a:latin typeface="SFMono-Regular"/>
+              </a:rPr>
+              <a:t>node.request_vote</a:t>
+            </a:r>
+            <a:r>
+              <a:rPr lang="en-US" sz="1600" spc="-1" dirty="0">
+                <a:solidFill>
+                  <a:srgbClr val="D73A49"/>
+                </a:solidFill>
+                <a:latin typeface="SFMono-Regular"/>
+              </a:rPr>
+              <a:t>(</a:t>
+            </a:r>
+            <a:r>
+              <a:rPr lang="en-US" sz="1600" spc="-1" dirty="0" err="1">
+                <a:solidFill>
+                  <a:srgbClr val="D73A49"/>
+                </a:solidFill>
+                <a:latin typeface="SFMono-Regular"/>
+              </a:rPr>
+              <a:t>self.current_term</a:t>
+            </a:r>
+            <a:r>
+              <a:rPr lang="en-US" sz="1600" spc="-1" dirty="0">
+                <a:solidFill>
+                  <a:srgbClr val="D73A49"/>
+                </a:solidFill>
+                <a:latin typeface="SFMono-Regular"/>
+              </a:rPr>
+              <a:t>, </a:t>
+            </a:r>
+          </a:p>
+          <a:p>
+            <a:pPr>
+              <a:lnSpc>
+                <a:spcPct val="100000"/>
+              </a:lnSpc>
+            </a:pPr>
+            <a:r>
+              <a:rPr lang="en-US" sz="1600" spc="-1" dirty="0">
+                <a:solidFill>
+                  <a:srgbClr val="D73A49"/>
+                </a:solidFill>
+                <a:latin typeface="SFMono-Regular"/>
+              </a:rPr>
+              <a:t>		self.id, 0, 0)</a:t>
+            </a:r>
+          </a:p>
+          <a:p>
+            <a:pPr>
+              <a:lnSpc>
+                <a:spcPct val="100000"/>
+              </a:lnSpc>
+            </a:pPr>
+            <a:r>
+              <a:rPr lang="en-US" sz="1600" spc="-1" dirty="0">
+                <a:solidFill>
+                  <a:srgbClr val="D73A49"/>
+                </a:solidFill>
+                <a:latin typeface="SFMono-Regular"/>
+              </a:rPr>
+              <a:t>           	 if term &gt; </a:t>
+            </a:r>
+            <a:r>
+              <a:rPr lang="en-US" sz="1600" spc="-1" dirty="0" err="1">
+                <a:solidFill>
+                  <a:srgbClr val="D73A49"/>
+                </a:solidFill>
+                <a:latin typeface="SFMono-Regular"/>
+              </a:rPr>
+              <a:t>self.current_term</a:t>
+            </a:r>
+            <a:r>
+              <a:rPr lang="en-US" sz="1600" spc="-1" dirty="0">
+                <a:solidFill>
+                  <a:srgbClr val="D73A49"/>
+                </a:solidFill>
+                <a:latin typeface="SFMono-Regular"/>
+              </a:rPr>
+              <a:t>:</a:t>
+            </a:r>
+          </a:p>
+          <a:p>
+            <a:pPr>
+              <a:lnSpc>
+                <a:spcPct val="100000"/>
+              </a:lnSpc>
+            </a:pPr>
+            <a:r>
+              <a:rPr lang="en-US" sz="1600" spc="-1" dirty="0">
+                <a:solidFill>
+                  <a:srgbClr val="D73A49"/>
+                </a:solidFill>
+                <a:latin typeface="SFMono-Regular"/>
+              </a:rPr>
+              <a:t>		pass</a:t>
+            </a:r>
+          </a:p>
+          <a:p>
+            <a:pPr>
+              <a:lnSpc>
+                <a:spcPct val="100000"/>
+              </a:lnSpc>
+            </a:pPr>
+            <a:r>
+              <a:rPr lang="en-US" sz="1600" spc="-1" dirty="0">
+                <a:solidFill>
+                  <a:srgbClr val="D73A49"/>
+                </a:solidFill>
+                <a:latin typeface="SFMono-Regular"/>
+              </a:rPr>
+              <a:t>            	</a:t>
+            </a:r>
+            <a:r>
+              <a:rPr lang="en-US" sz="1600" spc="-1" dirty="0" err="1">
+                <a:solidFill>
+                  <a:srgbClr val="D73A49"/>
+                </a:solidFill>
+                <a:latin typeface="SFMono-Regular"/>
+              </a:rPr>
+              <a:t>votes.append</a:t>
+            </a:r>
+            <a:r>
+              <a:rPr lang="en-US" sz="1600" spc="-1" dirty="0">
+                <a:solidFill>
+                  <a:srgbClr val="D73A49"/>
+                </a:solidFill>
+                <a:latin typeface="SFMono-Regular"/>
+              </a:rPr>
+              <a:t>(ok)</a:t>
+            </a:r>
+          </a:p>
+          <a:p>
+            <a:pPr>
+              <a:lnSpc>
+                <a:spcPct val="100000"/>
+              </a:lnSpc>
+            </a:pPr>
+            <a:r>
+              <a:rPr lang="en-US" sz="1600" spc="-1" dirty="0">
+                <a:solidFill>
+                  <a:srgbClr val="D73A49"/>
+                </a:solidFill>
+                <a:latin typeface="SFMono-Regular"/>
+              </a:rPr>
+              <a:t>            	</a:t>
+            </a:r>
+            <a:r>
+              <a:rPr lang="en-US" sz="1600" spc="-1" dirty="0" err="1">
+                <a:solidFill>
+                  <a:srgbClr val="D73A49"/>
+                </a:solidFill>
+                <a:latin typeface="SFMono-Regular"/>
+              </a:rPr>
+              <a:t>wg.done</a:t>
+            </a:r>
+            <a:r>
+              <a:rPr lang="en-US" sz="1600" spc="-1" dirty="0">
+                <a:solidFill>
+                  <a:srgbClr val="D73A49"/>
+                </a:solidFill>
+                <a:latin typeface="SFMono-Regular"/>
+              </a:rPr>
+              <a:t>()</a:t>
+            </a:r>
+          </a:p>
+          <a:p>
+            <a:pPr>
+              <a:lnSpc>
+                <a:spcPct val="100000"/>
+              </a:lnSpc>
+            </a:pPr>
+            <a:endParaRPr lang="en-US" sz="1600" spc="-1" dirty="0">
+              <a:solidFill>
+                <a:srgbClr val="D73A49"/>
+              </a:solidFill>
+              <a:latin typeface="SFMono-Regular"/>
+            </a:endParaRPr>
+          </a:p>
+          <a:p>
+            <a:pPr>
+              <a:lnSpc>
+                <a:spcPct val="100000"/>
+              </a:lnSpc>
+            </a:pPr>
+            <a:r>
+              <a:rPr lang="en-US" sz="1600" spc="-1" dirty="0">
+                <a:solidFill>
+                  <a:srgbClr val="D73A49"/>
+                </a:solidFill>
+                <a:latin typeface="SFMono-Regular"/>
+              </a:rPr>
+              <a:t>        for </a:t>
+            </a:r>
+            <a:r>
+              <a:rPr lang="en-US" sz="1600" spc="-1" dirty="0" err="1">
+                <a:solidFill>
+                  <a:srgbClr val="D73A49"/>
+                </a:solidFill>
+                <a:latin typeface="SFMono-Regular"/>
+              </a:rPr>
+              <a:t>i</a:t>
+            </a:r>
+            <a:r>
+              <a:rPr lang="en-US" sz="1600" spc="-1" dirty="0">
+                <a:solidFill>
+                  <a:srgbClr val="D73A49"/>
+                </a:solidFill>
+                <a:latin typeface="SFMono-Regular"/>
+              </a:rPr>
+              <a:t>, node in enumerate(nodes):</a:t>
+            </a:r>
+          </a:p>
+          <a:p>
+            <a:pPr>
+              <a:lnSpc>
+                <a:spcPct val="100000"/>
+              </a:lnSpc>
+            </a:pPr>
+            <a:r>
+              <a:rPr lang="en-US" sz="1600" spc="-1" dirty="0">
+                <a:solidFill>
+                  <a:srgbClr val="D73A49"/>
+                </a:solidFill>
+                <a:latin typeface="SFMono-Regular"/>
+              </a:rPr>
+              <a:t>           	Thread(target=</a:t>
+            </a:r>
+            <a:r>
+              <a:rPr lang="en-US" sz="1600" spc="-1" dirty="0" err="1">
+                <a:solidFill>
+                  <a:srgbClr val="D73A49"/>
+                </a:solidFill>
+                <a:latin typeface="SFMono-Regular"/>
+              </a:rPr>
+              <a:t>request_votes</a:t>
+            </a:r>
+            <a:r>
+              <a:rPr lang="en-US" sz="1600" spc="-1" dirty="0">
+                <a:solidFill>
+                  <a:srgbClr val="D73A49"/>
+                </a:solidFill>
+                <a:latin typeface="SFMono-Regular"/>
+              </a:rPr>
+              <a:t>).start()</a:t>
+            </a:r>
+          </a:p>
+          <a:p>
+            <a:pPr>
+              <a:lnSpc>
+                <a:spcPct val="100000"/>
+              </a:lnSpc>
+            </a:pPr>
+            <a:endParaRPr lang="en-US" sz="1600" spc="-1" dirty="0">
+              <a:solidFill>
+                <a:srgbClr val="D73A49"/>
+              </a:solidFill>
+              <a:latin typeface="SFMono-Regular"/>
+            </a:endParaRPr>
+          </a:p>
+          <a:p>
+            <a:pPr>
+              <a:lnSpc>
+                <a:spcPct val="100000"/>
+              </a:lnSpc>
+            </a:pPr>
+            <a:r>
+              <a:rPr lang="en-US" sz="1600" spc="-1" dirty="0">
+                <a:solidFill>
+                  <a:srgbClr val="D73A49"/>
+                </a:solidFill>
+                <a:latin typeface="SFMono-Regular"/>
+              </a:rPr>
+              <a:t>        </a:t>
+            </a:r>
+            <a:r>
+              <a:rPr lang="en-US" sz="1600" spc="-1" dirty="0" err="1">
+                <a:solidFill>
+                  <a:srgbClr val="D73A49"/>
+                </a:solidFill>
+                <a:latin typeface="SFMono-Regular"/>
+              </a:rPr>
+              <a:t>wg.wait</a:t>
+            </a:r>
+            <a:r>
+              <a:rPr lang="en-US" sz="1600" spc="-1" dirty="0">
+                <a:solidFill>
+                  <a:srgbClr val="D73A49"/>
+                </a:solidFill>
+                <a:latin typeface="SFMono-Regular"/>
+              </a:rPr>
+              <a:t>()</a:t>
+            </a:r>
           </a:p>
         </p:txBody>
       </p:sp>
     </p:spTree>
     <p:extLst>
       <p:ext uri="{BB962C8B-B14F-4D97-AF65-F5344CB8AC3E}">
-        <p14:creationId xmlns:p14="http://schemas.microsoft.com/office/powerpoint/2010/main" val="3594815700"/>
+        <p14:creationId xmlns:p14="http://schemas.microsoft.com/office/powerpoint/2010/main" val="1405106552"/>
       </p:ext>
     </p:extLst>
   </p:cSld>
   <p:clrMapOvr>
     <a:masterClrMapping/>
   </p:clrMapOvr>
-  <p:timing>
-    <p:tnLst>
-      <p:par>
-        <p:cTn id="1" dur="indefinite" restart="never" nodeType="tmRoot">
-          <p:childTnLst>
-            <p:seq>
-              <p:cTn id="2" dur="indefinite" nodeType="mainSeq"/>
-              <p:prevCondLst>
-                <p:cond evt="onPrev" delay="0">
-                  <p:tgtEl>
-                    <p:sldTgt/>
-                  </p:tgtEl>
-                </p:cond>
-              </p:prevCondLst>
-              <p:nextCondLst>
-                <p:cond evt="onNext" delay="0">
-                  <p:tgtEl>
-                    <p:sldTgt/>
-                  </p:tgtEl>
-                </p:cond>
-              </p:nextCondLst>
-            </p:seq>
-          </p:childTnLst>
-        </p:cTn>
-      </p:par>
-    </p:tnLst>
-  </p:timing>
 </p:sld>
 </file>
 
@@ -18116,13 +22066,13 @@
       </p:grpSpPr>
       <p:sp>
         <p:nvSpPr>
-          <p:cNvPr id="237" name="TextShape 1"/>
+          <p:cNvPr id="233" name="TextShape 1"/>
           <p:cNvSpPr txBox="1"/>
           <p:nvPr/>
         </p:nvSpPr>
         <p:spPr>
           <a:xfrm>
-            <a:off x="1141560" y="0"/>
+            <a:off x="1143000" y="0"/>
             <a:ext cx="9905760" cy="1478160"/>
           </a:xfrm>
           <a:prstGeom prst="rect">
@@ -18134,9 +22084,7 @@
           </a:ln>
         </p:spPr>
         <p:txBody>
-          <a:bodyPr anchor="ctr">
-            <a:normAutofit/>
-          </a:bodyPr>
+          <a:bodyPr anchor="ctr"/>
           <a:lstStyle/>
           <a:p>
             <a:pPr>
@@ -18145,15 +22093,15 @@
               </a:lnSpc>
             </a:pPr>
             <a:r>
-              <a:rPr lang="en-US" sz="3600" b="0" strike="noStrike" cap="all" spc="-1" dirty="0">
+              <a:rPr lang="de-DE" sz="3600" b="0" strike="noStrike" cap="all" spc="-1">
                 <a:solidFill>
                   <a:srgbClr val="FFFFFF"/>
                 </a:solidFill>
-                <a:latin typeface="Rockwell"/>
-              </a:rPr>
-              <a:t>Conclusion</a:t>
-            </a:r>
-            <a:endParaRPr lang="en-US" sz="3600" b="0" strike="noStrike" spc="-1" dirty="0">
+                <a:latin typeface="Tw Cen MT"/>
+              </a:rPr>
+              <a:t>Parallel programming in Python</a:t>
+            </a:r>
+            <a:endParaRPr lang="de-DE" sz="3600" b="0" strike="noStrike" spc="-1">
               <a:solidFill>
                 <a:srgbClr val="FFFFFF"/>
               </a:solidFill>
@@ -18164,118 +22112,781 @@
       </p:sp>
       <p:sp>
         <p:nvSpPr>
-          <p:cNvPr id="238" name="TextShape 2"/>
-          <p:cNvSpPr txBox="1"/>
+          <p:cNvPr id="234" name="CustomShape 2"/>
+          <p:cNvSpPr/>
           <p:nvPr/>
         </p:nvSpPr>
         <p:spPr>
           <a:xfrm>
-            <a:off x="1141560" y="2249640"/>
-            <a:ext cx="9905760" cy="3541320"/>
+            <a:off x="355002" y="2019939"/>
+            <a:ext cx="5608319" cy="3755668"/>
           </a:xfrm>
           <a:prstGeom prst="rect">
             <a:avLst/>
           </a:prstGeom>
-          <a:noFill/>
+          <a:solidFill>
+            <a:srgbClr val="F6F8FA"/>
+          </a:solidFill>
           <a:ln>
             <a:noFill/>
           </a:ln>
         </p:spPr>
+        <p:style>
+          <a:lnRef idx="0">
+            <a:scrgbClr r="0" g="0" b="0"/>
+          </a:lnRef>
+          <a:fillRef idx="0">
+            <a:scrgbClr r="0" g="0" b="0"/>
+          </a:fillRef>
+          <a:effectRef idx="0">
+            <a:scrgbClr r="0" g="0" b="0"/>
+          </a:effectRef>
+          <a:fontRef idx="minor"/>
+        </p:style>
         <p:txBody>
-          <a:bodyPr>
-            <a:normAutofit/>
-          </a:bodyPr>
+          <a:bodyPr tIns="0" bIns="0" anchor="ctr"/>
           <a:lstStyle/>
-          <a:p>
-            <a:pPr marL="360">
-              <a:lnSpc>
-                <a:spcPct val="120000"/>
-              </a:lnSpc>
-              <a:spcBef>
-                <a:spcPts val="1001"/>
-              </a:spcBef>
-              <a:buClr>
-                <a:srgbClr val="FFFFFF"/>
-              </a:buClr>
-              <a:buSzPct val="125000"/>
-            </a:pPr>
-            <a:r>
-              <a:rPr lang="en-US" sz="2400" b="0" strike="noStrike" spc="-1" dirty="0">
-                <a:solidFill>
-                  <a:srgbClr val="FFFFFF"/>
-                </a:solidFill>
-                <a:latin typeface="Tahoma"/>
-                <a:ea typeface="Tahoma"/>
-              </a:rPr>
-              <a:t>Go:</a:t>
-            </a:r>
-          </a:p>
-          <a:p>
-            <a:pPr marL="228600" indent="-228240">
-              <a:lnSpc>
-                <a:spcPct val="120000"/>
-              </a:lnSpc>
-              <a:spcBef>
-                <a:spcPts val="1001"/>
-              </a:spcBef>
-              <a:buClr>
-                <a:srgbClr val="FFFFFF"/>
-              </a:buClr>
-              <a:buSzPct val="125000"/>
-              <a:buFont typeface="Arial"/>
-              <a:buChar char="•"/>
-            </a:pPr>
-            <a:r>
-              <a:rPr lang="en-US" sz="2400" spc="-1" dirty="0">
-                <a:solidFill>
-                  <a:srgbClr val="FFFFFF"/>
-                </a:solidFill>
-                <a:latin typeface="Tahoma"/>
-                <a:ea typeface="Tahoma"/>
-              </a:rPr>
-              <a:t>More </a:t>
-            </a:r>
-            <a:r>
-              <a:rPr lang="en-US" sz="2400" b="0" strike="noStrike" spc="-1" dirty="0">
-                <a:solidFill>
-                  <a:srgbClr val="FFFFFF"/>
-                </a:solidFill>
-                <a:latin typeface="Tahoma"/>
-                <a:ea typeface="Tahoma"/>
-              </a:rPr>
-              <a:t>complex, but faster</a:t>
-            </a:r>
-            <a:endParaRPr lang="en-US" sz="2400" b="0" strike="noStrike" spc="-1" dirty="0">
-              <a:solidFill>
-                <a:srgbClr val="FFFFFF"/>
-              </a:solidFill>
-              <a:latin typeface="Tw Cen MT"/>
-            </a:endParaRPr>
-          </a:p>
           <a:p>
             <a:pPr>
               <a:lnSpc>
-                <a:spcPct val="120000"/>
+                <a:spcPct val="100000"/>
               </a:lnSpc>
-              <a:spcBef>
-                <a:spcPts val="1001"/>
-              </a:spcBef>
             </a:pPr>
             <a:r>
-              <a:rPr lang="en-US" sz="2400" b="0" strike="noStrike" spc="-1" dirty="0">
-                <a:solidFill>
-                  <a:srgbClr val="FFFFFF"/>
-                </a:solidFill>
-                <a:latin typeface="Tahoma"/>
-                <a:ea typeface="Tahoma"/>
-              </a:rPr>
-              <a:t> 	-&gt; can simulate bigger clusters with the same power</a:t>
-            </a:r>
-            <a:endParaRPr lang="en-US" sz="2400" b="0" strike="noStrike" spc="-1" dirty="0">
+              <a:rPr lang="en-US" sz="1600" spc="-1" dirty="0" err="1">
+                <a:solidFill>
+                  <a:srgbClr val="D73A49"/>
+                </a:solidFill>
+                <a:latin typeface="SFMono-Regular"/>
+              </a:rPr>
+              <a:t>nbrOfVotes</a:t>
+            </a:r>
+            <a:r>
+              <a:rPr lang="en-US" sz="1600" spc="-1" dirty="0">
+                <a:solidFill>
+                  <a:srgbClr val="D73A49"/>
+                </a:solidFill>
+                <a:latin typeface="SFMono-Regular"/>
+              </a:rPr>
+              <a:t> := 1 // master votes for itself!</a:t>
+            </a:r>
+          </a:p>
+          <a:p>
+            <a:pPr>
+              <a:lnSpc>
+                <a:spcPct val="100000"/>
+              </a:lnSpc>
+            </a:pPr>
+            <a:r>
+              <a:rPr lang="en-US" sz="1600" spc="-1" dirty="0">
+                <a:solidFill>
+                  <a:srgbClr val="D73A49"/>
+                </a:solidFill>
+                <a:latin typeface="SFMono-Regular"/>
+              </a:rPr>
+              <a:t>	for _, vote := range votes {</a:t>
+            </a:r>
+          </a:p>
+          <a:p>
+            <a:pPr>
+              <a:lnSpc>
+                <a:spcPct val="100000"/>
+              </a:lnSpc>
+            </a:pPr>
+            <a:r>
+              <a:rPr lang="en-US" sz="1600" spc="-1" dirty="0">
+                <a:solidFill>
+                  <a:srgbClr val="D73A49"/>
+                </a:solidFill>
+                <a:latin typeface="SFMono-Regular"/>
+              </a:rPr>
+              <a:t>		if vote {</a:t>
+            </a:r>
+          </a:p>
+          <a:p>
+            <a:pPr>
+              <a:lnSpc>
+                <a:spcPct val="100000"/>
+              </a:lnSpc>
+            </a:pPr>
+            <a:r>
+              <a:rPr lang="en-US" sz="1600" spc="-1" dirty="0">
+                <a:solidFill>
+                  <a:srgbClr val="D73A49"/>
+                </a:solidFill>
+                <a:latin typeface="SFMono-Regular"/>
+              </a:rPr>
+              <a:t>			</a:t>
+            </a:r>
+            <a:r>
+              <a:rPr lang="en-US" sz="1600" spc="-1" dirty="0" err="1">
+                <a:solidFill>
+                  <a:srgbClr val="D73A49"/>
+                </a:solidFill>
+                <a:latin typeface="SFMono-Regular"/>
+              </a:rPr>
+              <a:t>nbrOfVotes</a:t>
+            </a:r>
+            <a:r>
+              <a:rPr lang="en-US" sz="1600" spc="-1" dirty="0">
+                <a:solidFill>
+                  <a:srgbClr val="D73A49"/>
+                </a:solidFill>
+                <a:latin typeface="SFMono-Regular"/>
+              </a:rPr>
+              <a:t>++</a:t>
+            </a:r>
+          </a:p>
+          <a:p>
+            <a:pPr>
+              <a:lnSpc>
+                <a:spcPct val="100000"/>
+              </a:lnSpc>
+            </a:pPr>
+            <a:r>
+              <a:rPr lang="en-US" sz="1600" spc="-1" dirty="0">
+                <a:solidFill>
+                  <a:srgbClr val="D73A49"/>
+                </a:solidFill>
+                <a:latin typeface="SFMono-Regular"/>
+              </a:rPr>
+              <a:t>		}</a:t>
+            </a:r>
+          </a:p>
+          <a:p>
+            <a:pPr>
+              <a:lnSpc>
+                <a:spcPct val="100000"/>
+              </a:lnSpc>
+            </a:pPr>
+            <a:r>
+              <a:rPr lang="en-US" sz="1600" spc="-1" dirty="0">
+                <a:solidFill>
+                  <a:srgbClr val="D73A49"/>
+                </a:solidFill>
+                <a:latin typeface="SFMono-Regular"/>
+              </a:rPr>
+              <a:t>	}</a:t>
+            </a:r>
+          </a:p>
+          <a:p>
+            <a:pPr>
+              <a:lnSpc>
+                <a:spcPct val="100000"/>
+              </a:lnSpc>
+            </a:pPr>
+            <a:r>
+              <a:rPr lang="en-US" sz="1600" spc="-1" dirty="0">
+                <a:solidFill>
+                  <a:srgbClr val="D73A49"/>
+                </a:solidFill>
+                <a:latin typeface="SFMono-Regular"/>
+              </a:rPr>
+              <a:t>	// If more than 50% respond with true - 	</a:t>
+            </a:r>
+          </a:p>
+          <a:p>
+            <a:pPr>
+              <a:lnSpc>
+                <a:spcPct val="100000"/>
+              </a:lnSpc>
+            </a:pPr>
+            <a:r>
+              <a:rPr lang="en-US" sz="1600" spc="-1" dirty="0">
+                <a:solidFill>
+                  <a:srgbClr val="D73A49"/>
+                </a:solidFill>
+                <a:latin typeface="SFMono-Regular"/>
+              </a:rPr>
+              <a:t>	// The election was won!</a:t>
+            </a:r>
+          </a:p>
+          <a:p>
+            <a:pPr>
+              <a:lnSpc>
+                <a:spcPct val="100000"/>
+              </a:lnSpc>
+            </a:pPr>
+            <a:r>
+              <a:rPr lang="en-US" sz="1600" spc="-1" dirty="0">
+                <a:solidFill>
+                  <a:srgbClr val="D73A49"/>
+                </a:solidFill>
+                <a:latin typeface="SFMono-Regular"/>
+              </a:rPr>
+              <a:t>	</a:t>
+            </a:r>
+            <a:r>
+              <a:rPr lang="en-US" sz="1600" spc="-1" dirty="0" err="1">
+                <a:solidFill>
+                  <a:srgbClr val="D73A49"/>
+                </a:solidFill>
+                <a:latin typeface="SFMono-Regular"/>
+              </a:rPr>
+              <a:t>electionWon</a:t>
+            </a:r>
+            <a:r>
+              <a:rPr lang="en-US" sz="1600" spc="-1" dirty="0">
+                <a:solidFill>
+                  <a:srgbClr val="D73A49"/>
+                </a:solidFill>
+                <a:latin typeface="SFMono-Regular"/>
+              </a:rPr>
+              <a:t> := </a:t>
+            </a:r>
+            <a:r>
+              <a:rPr lang="en-US" sz="1600" spc="-1" dirty="0" err="1">
+                <a:solidFill>
+                  <a:srgbClr val="D73A49"/>
+                </a:solidFill>
+                <a:latin typeface="SFMono-Regular"/>
+              </a:rPr>
+              <a:t>nbrOfVotes</a:t>
+            </a:r>
+            <a:r>
+              <a:rPr lang="en-US" sz="1600" spc="-1" dirty="0">
+                <a:solidFill>
+                  <a:srgbClr val="D73A49"/>
+                </a:solidFill>
+                <a:latin typeface="SFMono-Regular"/>
+              </a:rPr>
+              <a:t> &gt;= 	</a:t>
+            </a:r>
+            <a:r>
+              <a:rPr lang="en-US" sz="1600" spc="-1" dirty="0" err="1">
+                <a:solidFill>
+                  <a:srgbClr val="D73A49"/>
+                </a:solidFill>
+                <a:latin typeface="SFMono-Regular"/>
+              </a:rPr>
+              <a:t>len</a:t>
+            </a:r>
+            <a:r>
+              <a:rPr lang="en-US" sz="1600" spc="-1" dirty="0">
+                <a:solidFill>
+                  <a:srgbClr val="D73A49"/>
+                </a:solidFill>
+                <a:latin typeface="SFMono-Regular"/>
+              </a:rPr>
+              <a:t>(</a:t>
+            </a:r>
+            <a:r>
+              <a:rPr lang="en-US" sz="1600" spc="-1" dirty="0" err="1">
+                <a:solidFill>
+                  <a:srgbClr val="D73A49"/>
+                </a:solidFill>
+                <a:latin typeface="SFMono-Regular"/>
+              </a:rPr>
+              <a:t>n.cluster.allNodes</a:t>
+            </a:r>
+            <a:r>
+              <a:rPr lang="en-US" sz="1600" spc="-1" dirty="0">
+                <a:solidFill>
+                  <a:srgbClr val="D73A49"/>
+                </a:solidFill>
+                <a:latin typeface="SFMono-Regular"/>
+              </a:rPr>
+              <a:t>)/2+1</a:t>
+            </a:r>
+          </a:p>
+          <a:p>
+            <a:pPr>
+              <a:lnSpc>
+                <a:spcPct val="100000"/>
+              </a:lnSpc>
+            </a:pPr>
+            <a:endParaRPr lang="en-US" sz="1600" spc="-1" dirty="0">
               <a:solidFill>
-                <a:srgbClr val="FFFFFF"/>
+                <a:srgbClr val="D73A49"/>
               </a:solidFill>
-              <a:latin typeface="Tw Cen MT"/>
+              <a:latin typeface="SFMono-Regular"/>
+            </a:endParaRPr>
+          </a:p>
+          <a:p>
+            <a:pPr>
+              <a:lnSpc>
+                <a:spcPct val="100000"/>
+              </a:lnSpc>
+            </a:pPr>
+            <a:r>
+              <a:rPr lang="en-US" sz="1600" spc="-1" dirty="0">
+                <a:solidFill>
+                  <a:srgbClr val="D73A49"/>
+                </a:solidFill>
+                <a:latin typeface="SFMono-Regular"/>
+              </a:rPr>
+              <a:t>	n.log(</a:t>
+            </a:r>
+            <a:r>
+              <a:rPr lang="en-US" sz="1600" spc="-1" dirty="0" err="1">
+                <a:solidFill>
+                  <a:srgbClr val="D73A49"/>
+                </a:solidFill>
+                <a:latin typeface="SFMono-Regular"/>
+              </a:rPr>
+              <a:t>fmt.Sprintf</a:t>
+            </a:r>
+            <a:r>
+              <a:rPr lang="en-US" sz="1600" spc="-1" dirty="0">
+                <a:solidFill>
+                  <a:srgbClr val="D73A49"/>
+                </a:solidFill>
+                <a:latin typeface="SFMono-Regular"/>
+              </a:rPr>
+              <a:t>("&lt;- Election: %v", </a:t>
+            </a:r>
+            <a:r>
+              <a:rPr lang="en-US" sz="1600" spc="-1" dirty="0" err="1">
+                <a:solidFill>
+                  <a:srgbClr val="D73A49"/>
+                </a:solidFill>
+                <a:latin typeface="SFMono-Regular"/>
+              </a:rPr>
+              <a:t>electionWon</a:t>
+            </a:r>
+            <a:r>
+              <a:rPr lang="en-US" sz="1600" spc="-1" dirty="0">
+                <a:solidFill>
+                  <a:srgbClr val="D73A49"/>
+                </a:solidFill>
+                <a:latin typeface="SFMono-Regular"/>
+              </a:rPr>
+              <a:t>))</a:t>
+            </a:r>
+          </a:p>
+          <a:p>
+            <a:pPr>
+              <a:lnSpc>
+                <a:spcPct val="100000"/>
+              </a:lnSpc>
+            </a:pPr>
+            <a:endParaRPr lang="en-US" sz="1600" spc="-1" dirty="0">
+              <a:solidFill>
+                <a:srgbClr val="D73A49"/>
+              </a:solidFill>
+              <a:latin typeface="SFMono-Regular"/>
+            </a:endParaRPr>
+          </a:p>
+          <a:p>
+            <a:pPr>
+              <a:lnSpc>
+                <a:spcPct val="100000"/>
+              </a:lnSpc>
+            </a:pPr>
+            <a:r>
+              <a:rPr lang="en-US" sz="1600" spc="-1" dirty="0">
+                <a:solidFill>
+                  <a:srgbClr val="D73A49"/>
+                </a:solidFill>
+                <a:latin typeface="SFMono-Regular"/>
+              </a:rPr>
+              <a:t>	return </a:t>
+            </a:r>
+            <a:r>
+              <a:rPr lang="en-US" sz="1600" spc="-1" dirty="0" err="1">
+                <a:solidFill>
+                  <a:srgbClr val="D73A49"/>
+                </a:solidFill>
+                <a:latin typeface="SFMono-Regular"/>
+              </a:rPr>
+              <a:t>electionWon</a:t>
+            </a:r>
+            <a:endParaRPr lang="en-US" sz="1600" spc="-1" dirty="0">
+              <a:solidFill>
+                <a:srgbClr val="D73A49"/>
+              </a:solidFill>
+              <a:latin typeface="SFMono-Regular"/>
+            </a:endParaRPr>
+          </a:p>
+          <a:p>
+            <a:pPr>
+              <a:lnSpc>
+                <a:spcPct val="100000"/>
+              </a:lnSpc>
+            </a:pPr>
+            <a:r>
+              <a:rPr lang="en-US" sz="1600" spc="-1" dirty="0">
+                <a:solidFill>
+                  <a:srgbClr val="D73A49"/>
+                </a:solidFill>
+                <a:latin typeface="SFMono-Regular"/>
+              </a:rPr>
+              <a:t>}</a:t>
+            </a:r>
+            <a:endParaRPr lang="zxx" sz="1600" b="0" strike="noStrike" spc="-1" dirty="0">
+              <a:latin typeface="Arial"/>
+            </a:endParaRPr>
+          </a:p>
+        </p:txBody>
+      </p:sp>
+      <p:sp>
+        <p:nvSpPr>
+          <p:cNvPr id="5" name="CustomShape 2">
+            <a:extLst>
+              <a:ext uri="{FF2B5EF4-FFF2-40B4-BE49-F238E27FC236}">
+                <a16:creationId xmlns:a16="http://schemas.microsoft.com/office/drawing/2014/main" id="{24EAF39D-AD7E-4A1D-86F9-AC7B33DC9EC5}"/>
+              </a:ext>
+            </a:extLst>
+          </p:cNvPr>
+          <p:cNvSpPr/>
+          <p:nvPr/>
+        </p:nvSpPr>
+        <p:spPr>
+          <a:xfrm>
+            <a:off x="6228678" y="2019939"/>
+            <a:ext cx="5608319" cy="3755668"/>
+          </a:xfrm>
+          <a:prstGeom prst="rect">
+            <a:avLst/>
+          </a:prstGeom>
+          <a:solidFill>
+            <a:srgbClr val="F6F8FA"/>
+          </a:solidFill>
+          <a:ln>
+            <a:noFill/>
+          </a:ln>
+        </p:spPr>
+        <p:style>
+          <a:lnRef idx="0">
+            <a:scrgbClr r="0" g="0" b="0"/>
+          </a:lnRef>
+          <a:fillRef idx="0">
+            <a:scrgbClr r="0" g="0" b="0"/>
+          </a:fillRef>
+          <a:effectRef idx="0">
+            <a:scrgbClr r="0" g="0" b="0"/>
+          </a:effectRef>
+          <a:fontRef idx="minor"/>
+        </p:style>
+        <p:txBody>
+          <a:bodyPr tIns="0" bIns="0" anchor="ctr"/>
+          <a:lstStyle/>
+          <a:p>
+            <a:pPr>
+              <a:lnSpc>
+                <a:spcPct val="100000"/>
+              </a:lnSpc>
+            </a:pPr>
+            <a:r>
+              <a:rPr lang="en-US" sz="1600" spc="-1" dirty="0" err="1">
+                <a:solidFill>
+                  <a:srgbClr val="D73A49"/>
+                </a:solidFill>
+                <a:latin typeface="SFMono-Regular"/>
+              </a:rPr>
+              <a:t>number_of_votes</a:t>
+            </a:r>
+            <a:r>
+              <a:rPr lang="en-US" sz="1600" spc="-1" dirty="0">
+                <a:solidFill>
+                  <a:srgbClr val="D73A49"/>
+                </a:solidFill>
+                <a:latin typeface="SFMono-Regular"/>
+              </a:rPr>
+              <a:t> = 1  # Master votes for himself</a:t>
+            </a:r>
+          </a:p>
+          <a:p>
+            <a:pPr>
+              <a:lnSpc>
+                <a:spcPct val="100000"/>
+              </a:lnSpc>
+            </a:pPr>
+            <a:r>
+              <a:rPr lang="en-US" sz="1600" spc="-1" dirty="0">
+                <a:solidFill>
+                  <a:srgbClr val="D73A49"/>
+                </a:solidFill>
+                <a:latin typeface="SFMono-Regular"/>
+              </a:rPr>
+              <a:t>        for vote in votes:</a:t>
+            </a:r>
+          </a:p>
+          <a:p>
+            <a:pPr>
+              <a:lnSpc>
+                <a:spcPct val="100000"/>
+              </a:lnSpc>
+            </a:pPr>
+            <a:r>
+              <a:rPr lang="en-US" sz="1600" spc="-1" dirty="0">
+                <a:solidFill>
+                  <a:srgbClr val="D73A49"/>
+                </a:solidFill>
+                <a:latin typeface="SFMono-Regular"/>
+              </a:rPr>
+              <a:t>            	if vote:  </a:t>
+            </a:r>
+          </a:p>
+          <a:p>
+            <a:pPr>
+              <a:lnSpc>
+                <a:spcPct val="100000"/>
+              </a:lnSpc>
+            </a:pPr>
+            <a:r>
+              <a:rPr lang="en-US" sz="1600" spc="-1" dirty="0">
+                <a:solidFill>
+                  <a:srgbClr val="D73A49"/>
+                </a:solidFill>
+                <a:latin typeface="SFMono-Regular"/>
+              </a:rPr>
+              <a:t>		# if the person voted for me:</a:t>
+            </a:r>
+          </a:p>
+          <a:p>
+            <a:pPr>
+              <a:lnSpc>
+                <a:spcPct val="100000"/>
+              </a:lnSpc>
+            </a:pPr>
+            <a:r>
+              <a:rPr lang="en-US" sz="1600" spc="-1" dirty="0">
+                <a:solidFill>
+                  <a:srgbClr val="D73A49"/>
+                </a:solidFill>
+                <a:latin typeface="SFMono-Regular"/>
+              </a:rPr>
+              <a:t>                		</a:t>
+            </a:r>
+            <a:r>
+              <a:rPr lang="en-US" sz="1600" spc="-1" dirty="0" err="1">
+                <a:solidFill>
+                  <a:srgbClr val="D73A49"/>
+                </a:solidFill>
+                <a:latin typeface="SFMono-Regular"/>
+              </a:rPr>
+              <a:t>number_of_votes</a:t>
+            </a:r>
+            <a:r>
+              <a:rPr lang="en-US" sz="1600" spc="-1" dirty="0">
+                <a:solidFill>
+                  <a:srgbClr val="D73A49"/>
+                </a:solidFill>
+                <a:latin typeface="SFMono-Regular"/>
+              </a:rPr>
+              <a:t> += 1</a:t>
+            </a:r>
+          </a:p>
+          <a:p>
+            <a:pPr>
+              <a:lnSpc>
+                <a:spcPct val="100000"/>
+              </a:lnSpc>
+            </a:pPr>
+            <a:endParaRPr lang="en-US" sz="1600" spc="-1" dirty="0">
+              <a:solidFill>
+                <a:srgbClr val="D73A49"/>
+              </a:solidFill>
+              <a:latin typeface="SFMono-Regular"/>
+            </a:endParaRPr>
+          </a:p>
+          <a:p>
+            <a:pPr>
+              <a:lnSpc>
+                <a:spcPct val="100000"/>
+              </a:lnSpc>
+            </a:pPr>
+            <a:r>
+              <a:rPr lang="en-US" sz="1600" spc="-1" dirty="0">
+                <a:solidFill>
+                  <a:srgbClr val="D73A49"/>
+                </a:solidFill>
+                <a:latin typeface="SFMono-Regular"/>
+              </a:rPr>
+              <a:t>        # check if over half of the cluster is alive and                </a:t>
+            </a:r>
+          </a:p>
+          <a:p>
+            <a:pPr>
+              <a:lnSpc>
+                <a:spcPct val="100000"/>
+              </a:lnSpc>
+            </a:pPr>
+            <a:r>
+              <a:rPr lang="en-US" sz="1600" spc="-1" dirty="0">
+                <a:solidFill>
+                  <a:srgbClr val="D73A49"/>
+                </a:solidFill>
+                <a:latin typeface="SFMono-Regular"/>
+              </a:rPr>
+              <a:t>        # about to have a new master</a:t>
+            </a:r>
+          </a:p>
+          <a:p>
+            <a:pPr>
+              <a:lnSpc>
+                <a:spcPct val="100000"/>
+              </a:lnSpc>
+            </a:pPr>
+            <a:r>
+              <a:rPr lang="en-US" sz="1600" spc="-1" dirty="0">
+                <a:solidFill>
+                  <a:srgbClr val="D73A49"/>
+                </a:solidFill>
+                <a:latin typeface="SFMono-Regular"/>
+              </a:rPr>
+              <a:t>        </a:t>
+            </a:r>
+            <a:r>
+              <a:rPr lang="en-US" sz="1600" spc="-1" dirty="0" err="1">
+                <a:solidFill>
+                  <a:srgbClr val="D73A49"/>
+                </a:solidFill>
+                <a:latin typeface="SFMono-Regular"/>
+              </a:rPr>
+              <a:t>election_won</a:t>
+            </a:r>
+            <a:r>
+              <a:rPr lang="en-US" sz="1600" spc="-1" dirty="0">
+                <a:solidFill>
+                  <a:srgbClr val="D73A49"/>
+                </a:solidFill>
+                <a:latin typeface="SFMono-Regular"/>
+              </a:rPr>
+              <a:t> = </a:t>
+            </a:r>
+            <a:r>
+              <a:rPr lang="en-US" sz="1600" spc="-1" dirty="0" err="1">
+                <a:solidFill>
+                  <a:srgbClr val="D73A49"/>
+                </a:solidFill>
+                <a:latin typeface="SFMono-Regular"/>
+              </a:rPr>
+              <a:t>number_of_votes</a:t>
+            </a:r>
+            <a:r>
+              <a:rPr lang="en-US" sz="1600" spc="-1" dirty="0">
+                <a:solidFill>
+                  <a:srgbClr val="D73A49"/>
+                </a:solidFill>
+                <a:latin typeface="SFMono-Regular"/>
+              </a:rPr>
+              <a:t> &gt; 	</a:t>
+            </a:r>
+            <a:r>
+              <a:rPr lang="en-US" sz="1600" spc="-1" dirty="0" err="1">
+                <a:solidFill>
+                  <a:srgbClr val="D73A49"/>
+                </a:solidFill>
+                <a:latin typeface="SFMono-Regular"/>
+              </a:rPr>
+              <a:t>len</a:t>
+            </a:r>
+            <a:r>
+              <a:rPr lang="en-US" sz="1600" spc="-1" dirty="0">
+                <a:solidFill>
+                  <a:srgbClr val="D73A49"/>
+                </a:solidFill>
+                <a:latin typeface="SFMono-Regular"/>
+              </a:rPr>
+              <a:t>(</a:t>
+            </a:r>
+            <a:r>
+              <a:rPr lang="en-US" sz="1600" spc="-1" dirty="0" err="1">
+                <a:solidFill>
+                  <a:srgbClr val="D73A49"/>
+                </a:solidFill>
+                <a:latin typeface="SFMono-Regular"/>
+              </a:rPr>
+              <a:t>self.cluster.allNodes</a:t>
+            </a:r>
+            <a:r>
+              <a:rPr lang="en-US" sz="1600" spc="-1" dirty="0">
+                <a:solidFill>
+                  <a:srgbClr val="D73A49"/>
+                </a:solidFill>
+                <a:latin typeface="SFMono-Regular"/>
+              </a:rPr>
+              <a:t>) / 2</a:t>
+            </a:r>
+          </a:p>
+          <a:p>
+            <a:pPr>
+              <a:lnSpc>
+                <a:spcPct val="100000"/>
+              </a:lnSpc>
+            </a:pPr>
+            <a:endParaRPr lang="en-US" sz="1600" spc="-1" dirty="0">
+              <a:solidFill>
+                <a:srgbClr val="D73A49"/>
+              </a:solidFill>
+              <a:latin typeface="SFMono-Regular"/>
+            </a:endParaRPr>
+          </a:p>
+          <a:p>
+            <a:pPr>
+              <a:lnSpc>
+                <a:spcPct val="100000"/>
+              </a:lnSpc>
+            </a:pPr>
+            <a:r>
+              <a:rPr lang="en-US" sz="1600" spc="-1" dirty="0">
+                <a:solidFill>
+                  <a:srgbClr val="D73A49"/>
+                </a:solidFill>
+                <a:latin typeface="SFMono-Regular"/>
+              </a:rPr>
+              <a:t>        print('&lt;- Election:' + str(</a:t>
+            </a:r>
+            <a:r>
+              <a:rPr lang="en-US" sz="1600" spc="-1" dirty="0" err="1">
+                <a:solidFill>
+                  <a:srgbClr val="D73A49"/>
+                </a:solidFill>
+                <a:latin typeface="SFMono-Regular"/>
+              </a:rPr>
+              <a:t>election_won</a:t>
+            </a:r>
+            <a:r>
+              <a:rPr lang="en-US" sz="1600" spc="-1" dirty="0">
+                <a:solidFill>
+                  <a:srgbClr val="D73A49"/>
+                </a:solidFill>
+                <a:latin typeface="SFMono-Regular"/>
+              </a:rPr>
+              <a:t>))</a:t>
+            </a:r>
+          </a:p>
+          <a:p>
+            <a:pPr>
+              <a:lnSpc>
+                <a:spcPct val="100000"/>
+              </a:lnSpc>
+            </a:pPr>
+            <a:endParaRPr lang="en-US" sz="1600" spc="-1" dirty="0">
+              <a:solidFill>
+                <a:srgbClr val="D73A49"/>
+              </a:solidFill>
+              <a:latin typeface="SFMono-Regular"/>
+            </a:endParaRPr>
+          </a:p>
+          <a:p>
+            <a:pPr>
+              <a:lnSpc>
+                <a:spcPct val="100000"/>
+              </a:lnSpc>
+            </a:pPr>
+            <a:r>
+              <a:rPr lang="en-US" sz="1600" spc="-1" dirty="0">
+                <a:solidFill>
+                  <a:srgbClr val="D73A49"/>
+                </a:solidFill>
+                <a:latin typeface="SFMono-Regular"/>
+              </a:rPr>
+              <a:t>        return </a:t>
+            </a:r>
+            <a:r>
+              <a:rPr lang="en-US" sz="1600" spc="-1" dirty="0" err="1">
+                <a:solidFill>
+                  <a:srgbClr val="D73A49"/>
+                </a:solidFill>
+                <a:latin typeface="SFMono-Regular"/>
+              </a:rPr>
+              <a:t>election_won</a:t>
+            </a:r>
+            <a:endParaRPr lang="zxx" sz="1600" b="0" strike="noStrike" spc="-1" dirty="0">
+              <a:latin typeface="Arial"/>
             </a:endParaRPr>
           </a:p>
         </p:txBody>
@@ -18283,40 +22894,13 @@
     </p:spTree>
     <p:extLst>
       <p:ext uri="{BB962C8B-B14F-4D97-AF65-F5344CB8AC3E}">
-        <p14:creationId xmlns:p14="http://schemas.microsoft.com/office/powerpoint/2010/main" val="111392285"/>
+        <p14:creationId xmlns:p14="http://schemas.microsoft.com/office/powerpoint/2010/main" val="2908513205"/>
       </p:ext>
     </p:extLst>
   </p:cSld>
   <p:clrMapOvr>
     <a:masterClrMapping/>
   </p:clrMapOvr>
-  <p:timing>
-    <p:tnLst>
-      <p:par>
-        <p:cTn id="1" dur="indefinite" restart="never" nodeType="tmRoot">
-          <p:childTnLst>
-            <p:seq>
-              <p:cTn id="2" dur="indefinite" nodeType="mainSeq"/>
-              <p:prevCondLst>
-                <p:cond evt="onPrev" delay="0">
-                  <p:tgtEl>
-                    <p:sldTgt/>
-                  </p:tgtEl>
-                </p:cond>
-              </p:prevCondLst>
-              <p:nextCondLst>
-                <p:cond evt="onNext" delay="0">
-                  <p:tgtEl>
-                    <p:sldTgt/>
-                  </p:tgtEl>
-                </p:cond>
-              </p:nextCondLst>
-            </p:seq>
-          </p:childTnLst>
-        </p:cTn>
-      </p:par>
-    </p:tnLst>
-  </p:timing>
 </p:sld>
 </file>
 

--- a/Comparing Raft algorithm in go and Python.pptx
+++ b/Comparing Raft algorithm in go and Python.pptx
@@ -18282,6 +18282,55 @@
                                         <p:tgtEl>
                                           <p:spTgt spid="228">
                                             <p:txEl>
+                                              <p:pRg st="3" end="3"/>
+                                            </p:txEl>
+                                          </p:spTgt>
+                                        </p:tgtEl>
+                                        <p:attrNameLst>
+                                          <p:attrName>style.visibility</p:attrName>
+                                        </p:attrNameLst>
+                                      </p:cBhvr>
+                                      <p:to>
+                                        <p:strVal val="visible"/>
+                                      </p:to>
+                                    </p:set>
+                                  </p:childTnLst>
+                                </p:cTn>
+                              </p:par>
+                            </p:childTnLst>
+                          </p:cTn>
+                        </p:par>
+                      </p:childTnLst>
+                    </p:cTn>
+                  </p:par>
+                  <p:par>
+                    <p:cTn id="15" fill="hold">
+                      <p:stCondLst>
+                        <p:cond delay="indefinite"/>
+                      </p:stCondLst>
+                      <p:childTnLst>
+                        <p:par>
+                          <p:cTn id="16" fill="hold">
+                            <p:stCondLst>
+                              <p:cond delay="0"/>
+                            </p:stCondLst>
+                            <p:childTnLst>
+                              <p:par>
+                                <p:cTn id="17" presetID="1" presetClass="entr" presetSubtype="0" fill="hold" nodeType="clickEffect">
+                                  <p:stCondLst>
+                                    <p:cond delay="0"/>
+                                  </p:stCondLst>
+                                  <p:childTnLst>
+                                    <p:set>
+                                      <p:cBhvr>
+                                        <p:cTn id="18" dur="1" fill="hold">
+                                          <p:stCondLst>
+                                            <p:cond delay="0"/>
+                                          </p:stCondLst>
+                                        </p:cTn>
+                                        <p:tgtEl>
+                                          <p:spTgt spid="228">
+                                            <p:txEl>
                                               <p:pRg st="4" end="4"/>
                                             </p:txEl>
                                           </p:spTgt>

--- a/Comparing Raft algorithm in go and Python.pptx
+++ b/Comparing Raft algorithm in go and Python.pptx
@@ -6,21 +6,20 @@
     <p:sldMasterId id="2147483661" r:id="rId2"/>
   </p:sldMasterIdLst>
   <p:notesMasterIdLst>
-    <p:notesMasterId r:id="rId15"/>
+    <p:notesMasterId r:id="rId14"/>
   </p:notesMasterIdLst>
   <p:sldIdLst>
     <p:sldId id="256" r:id="rId3"/>
     <p:sldId id="265" r:id="rId4"/>
     <p:sldId id="257" r:id="rId5"/>
-    <p:sldId id="258" r:id="rId6"/>
-    <p:sldId id="259" r:id="rId7"/>
-    <p:sldId id="260" r:id="rId8"/>
+    <p:sldId id="259" r:id="rId6"/>
+    <p:sldId id="260" r:id="rId7"/>
+    <p:sldId id="258" r:id="rId8"/>
     <p:sldId id="261" r:id="rId9"/>
     <p:sldId id="266" r:id="rId10"/>
-    <p:sldId id="267" r:id="rId11"/>
-    <p:sldId id="264" r:id="rId12"/>
-    <p:sldId id="263" r:id="rId13"/>
-    <p:sldId id="262" r:id="rId14"/>
+    <p:sldId id="268" r:id="rId11"/>
+    <p:sldId id="267" r:id="rId12"/>
+    <p:sldId id="264" r:id="rId13"/>
   </p:sldIdLst>
   <p:sldSz cx="12192000" cy="6858000"/>
   <p:notesSz cx="6858000" cy="9144000"/>
@@ -819,7 +818,7 @@
       </p:grpSpPr>
       <p:sp>
         <p:nvSpPr>
-          <p:cNvPr id="242" name="PlaceHolder 1"/>
+          <p:cNvPr id="2" name="Folienbildplatzhalter 1"/>
           <p:cNvSpPr>
             <a:spLocks noGrp="1" noRot="1" noChangeAspect="1"/>
           </p:cNvSpPr>
@@ -829,78 +828,53 @@
         </p:nvSpPr>
         <p:spPr>
           <a:xfrm>
-            <a:off x="685800" y="1143000"/>
-            <a:ext cx="5486400" cy="3086100"/>
+            <a:off x="217488" y="812800"/>
+            <a:ext cx="7124700" cy="4008438"/>
           </a:xfrm>
-          <a:prstGeom prst="rect">
-            <a:avLst/>
-          </a:prstGeom>
         </p:spPr>
       </p:sp>
       <p:sp>
         <p:nvSpPr>
-          <p:cNvPr id="243" name="PlaceHolder 2"/>
+          <p:cNvPr id="3" name="Notizenplatzhalter 2"/>
           <p:cNvSpPr>
             <a:spLocks noGrp="1"/>
           </p:cNvSpPr>
           <p:nvPr>
-            <p:ph type="body"/>
+            <p:ph type="body" idx="1"/>
           </p:nvPr>
         </p:nvSpPr>
-        <p:spPr>
-          <a:xfrm>
-            <a:off x="685800" y="4400640"/>
-            <a:ext cx="5486040" cy="3600000"/>
-          </a:xfrm>
-          <a:prstGeom prst="rect">
-            <a:avLst/>
-          </a:prstGeom>
-        </p:spPr>
+        <p:spPr/>
         <p:txBody>
           <a:bodyPr/>
           <a:lstStyle/>
           <a:p>
-            <a:endParaRPr lang="zxx" sz="2000" b="0" strike="noStrike" spc="-1">
-              <a:latin typeface="Arial"/>
-            </a:endParaRPr>
+            <a:endParaRPr lang="en-US" dirty="0"/>
           </a:p>
         </p:txBody>
       </p:sp>
       <p:sp>
         <p:nvSpPr>
-          <p:cNvPr id="244" name="TextShape 3"/>
-          <p:cNvSpPr txBox="1"/>
-          <p:nvPr/>
+          <p:cNvPr id="4" name="Foliennummernplatzhalter 3"/>
+          <p:cNvSpPr>
+            <a:spLocks noGrp="1"/>
+          </p:cNvSpPr>
+          <p:nvPr>
+            <p:ph type="sldNum"/>
+          </p:nvPr>
         </p:nvSpPr>
-        <p:spPr>
-          <a:xfrm>
-            <a:off x="3884760" y="8685360"/>
-            <a:ext cx="2971440" cy="458280"/>
-          </a:xfrm>
-          <a:prstGeom prst="rect">
-            <a:avLst/>
-          </a:prstGeom>
-          <a:noFill/>
-          <a:ln>
-            <a:noFill/>
-          </a:ln>
-        </p:spPr>
+        <p:spPr/>
         <p:txBody>
-          <a:bodyPr anchor="b"/>
+          <a:bodyPr/>
           <a:lstStyle/>
           <a:p>
-            <a:pPr algn="r">
-              <a:lnSpc>
-                <a:spcPct val="100000"/>
-              </a:lnSpc>
-            </a:pPr>
-            <a:fld id="{05877EB1-C755-4262-82D8-18F716152244}" type="slidenum">
-              <a:rPr lang="zxx" sz="1200" b="0" strike="noStrike" spc="-1">
+            <a:pPr algn="r"/>
+            <a:fld id="{0B9B55EE-F6A2-434A-B24E-8DD7F3BE64C7}" type="slidenum">
+              <a:rPr lang="zxx" sz="1400" b="0" strike="noStrike" spc="-1" smtClean="0">
                 <a:latin typeface="Times New Roman"/>
               </a:rPr>
               <a:t>10</a:t>
             </a:fld>
-            <a:endParaRPr lang="zxx" sz="1200" b="0" strike="noStrike" spc="-1">
+            <a:endParaRPr lang="zxx" sz="1400" b="0" strike="noStrike" spc="-1">
               <a:latin typeface="Times New Roman"/>
             </a:endParaRPr>
           </a:p>
@@ -909,7 +883,7 @@
     </p:spTree>
     <p:extLst>
       <p:ext uri="{BB962C8B-B14F-4D97-AF65-F5344CB8AC3E}">
-        <p14:creationId xmlns:p14="http://schemas.microsoft.com/office/powerpoint/2010/main" val="3171359747"/>
+        <p14:creationId xmlns:p14="http://schemas.microsoft.com/office/powerpoint/2010/main" val="916474421"/>
       </p:ext>
     </p:extLst>
   </p:cSld>
@@ -1028,123 +1002,9 @@
     </p:spTree>
     <p:extLst>
       <p:ext uri="{BB962C8B-B14F-4D97-AF65-F5344CB8AC3E}">
-        <p14:creationId xmlns:p14="http://schemas.microsoft.com/office/powerpoint/2010/main" val="3980411518"/>
+        <p14:creationId xmlns:p14="http://schemas.microsoft.com/office/powerpoint/2010/main" val="3171359747"/>
       </p:ext>
     </p:extLst>
-  </p:cSld>
-  <p:clrMapOvr>
-    <a:masterClrMapping/>
-  </p:clrMapOvr>
-</p:notes>
-</file>
-
-<file path=ppt/notesSlides/notesSlide12.xml><?xml version="1.0" encoding="utf-8"?>
-<p:notes xmlns:a="http://schemas.openxmlformats.org/drawingml/2006/main" xmlns:r="http://schemas.openxmlformats.org/officeDocument/2006/relationships" xmlns:p="http://schemas.openxmlformats.org/presentationml/2006/main">
-  <p:cSld>
-    <p:spTree>
-      <p:nvGrpSpPr>
-        <p:cNvPr id="1" name=""/>
-        <p:cNvGrpSpPr/>
-        <p:nvPr/>
-      </p:nvGrpSpPr>
-      <p:grpSpPr>
-        <a:xfrm>
-          <a:off x="0" y="0"/>
-          <a:ext cx="0" cy="0"/>
-          <a:chOff x="0" y="0"/>
-          <a:chExt cx="0" cy="0"/>
-        </a:xfrm>
-      </p:grpSpPr>
-      <p:sp>
-        <p:nvSpPr>
-          <p:cNvPr id="242" name="PlaceHolder 1"/>
-          <p:cNvSpPr>
-            <a:spLocks noGrp="1" noRot="1" noChangeAspect="1"/>
-          </p:cNvSpPr>
-          <p:nvPr>
-            <p:ph type="sldImg"/>
-          </p:nvPr>
-        </p:nvSpPr>
-        <p:spPr>
-          <a:xfrm>
-            <a:off x="685800" y="1143000"/>
-            <a:ext cx="5486400" cy="3086100"/>
-          </a:xfrm>
-          <a:prstGeom prst="rect">
-            <a:avLst/>
-          </a:prstGeom>
-        </p:spPr>
-      </p:sp>
-      <p:sp>
-        <p:nvSpPr>
-          <p:cNvPr id="243" name="PlaceHolder 2"/>
-          <p:cNvSpPr>
-            <a:spLocks noGrp="1"/>
-          </p:cNvSpPr>
-          <p:nvPr>
-            <p:ph type="body"/>
-          </p:nvPr>
-        </p:nvSpPr>
-        <p:spPr>
-          <a:xfrm>
-            <a:off x="685800" y="4400640"/>
-            <a:ext cx="5486040" cy="3600000"/>
-          </a:xfrm>
-          <a:prstGeom prst="rect">
-            <a:avLst/>
-          </a:prstGeom>
-        </p:spPr>
-        <p:txBody>
-          <a:bodyPr/>
-          <a:lstStyle/>
-          <a:p>
-            <a:endParaRPr lang="zxx" sz="2000" b="0" strike="noStrike" spc="-1">
-              <a:latin typeface="Arial"/>
-            </a:endParaRPr>
-          </a:p>
-        </p:txBody>
-      </p:sp>
-      <p:sp>
-        <p:nvSpPr>
-          <p:cNvPr id="244" name="TextShape 3"/>
-          <p:cNvSpPr txBox="1"/>
-          <p:nvPr/>
-        </p:nvSpPr>
-        <p:spPr>
-          <a:xfrm>
-            <a:off x="3884760" y="8685360"/>
-            <a:ext cx="2971440" cy="458280"/>
-          </a:xfrm>
-          <a:prstGeom prst="rect">
-            <a:avLst/>
-          </a:prstGeom>
-          <a:noFill/>
-          <a:ln>
-            <a:noFill/>
-          </a:ln>
-        </p:spPr>
-        <p:txBody>
-          <a:bodyPr anchor="b"/>
-          <a:lstStyle/>
-          <a:p>
-            <a:pPr algn="r">
-              <a:lnSpc>
-                <a:spcPct val="100000"/>
-              </a:lnSpc>
-            </a:pPr>
-            <a:fld id="{05877EB1-C755-4262-82D8-18F716152244}" type="slidenum">
-              <a:rPr lang="zxx" sz="1200" b="0" strike="noStrike" spc="-1">
-                <a:latin typeface="Times New Roman"/>
-              </a:rPr>
-              <a:t>12</a:t>
-            </a:fld>
-            <a:endParaRPr lang="zxx" sz="1200" b="0" strike="noStrike" spc="-1">
-              <a:latin typeface="Times New Roman"/>
-            </a:endParaRPr>
-          </a:p>
-        </p:txBody>
-      </p:sp>
-    </p:spTree>
   </p:cSld>
   <p:clrMapOvr>
     <a:masterClrMapping/>
@@ -1417,7 +1277,30 @@
           <a:bodyPr/>
           <a:lstStyle/>
           <a:p>
-            <a:endParaRPr lang="en-US" dirty="0"/>
+            <a:r>
+              <a:rPr lang="en-US" dirty="0"/>
+              <a:t>- Init is constructor</a:t>
+            </a:r>
+          </a:p>
+          <a:p>
+            <a:pPr marL="171450" indent="-171450">
+              <a:buFontTx/>
+              <a:buChar char="-"/>
+            </a:pPr>
+            <a:r>
+              <a:rPr lang="en-US" dirty="0"/>
+              <a:t>Run counts his counter down to 0 </a:t>
+            </a:r>
+          </a:p>
+          <a:p>
+            <a:pPr marL="171450" indent="-171450">
+              <a:buFontTx/>
+              <a:buChar char="-"/>
+            </a:pPr>
+            <a:r>
+              <a:rPr lang="en-US" dirty="0"/>
+              <a:t>Prints thread finished</a:t>
+            </a:r>
           </a:p>
         </p:txBody>
       </p:sp>
@@ -1452,7 +1335,7 @@
     </p:spTree>
     <p:extLst>
       <p:ext uri="{BB962C8B-B14F-4D97-AF65-F5344CB8AC3E}">
-        <p14:creationId xmlns:p14="http://schemas.microsoft.com/office/powerpoint/2010/main" val="2250797153"/>
+        <p14:creationId xmlns:p14="http://schemas.microsoft.com/office/powerpoint/2010/main" val="3333017037"/>
       </p:ext>
     </p:extLst>
   </p:cSld>
@@ -1511,30 +1394,7 @@
           <a:bodyPr/>
           <a:lstStyle/>
           <a:p>
-            <a:r>
-              <a:rPr lang="en-US" dirty="0"/>
-              <a:t>- Init is constructor</a:t>
-            </a:r>
-          </a:p>
-          <a:p>
-            <a:pPr marL="171450" indent="-171450">
-              <a:buFontTx/>
-              <a:buChar char="-"/>
-            </a:pPr>
-            <a:r>
-              <a:rPr lang="en-US" dirty="0"/>
-              <a:t>Run counts his counter down to 0 </a:t>
-            </a:r>
-          </a:p>
-          <a:p>
-            <a:pPr marL="171450" indent="-171450">
-              <a:buFontTx/>
-              <a:buChar char="-"/>
-            </a:pPr>
-            <a:r>
-              <a:rPr lang="en-US" dirty="0"/>
-              <a:t>Prints thread finished</a:t>
-            </a:r>
+            <a:endParaRPr lang="en-US" dirty="0"/>
           </a:p>
         </p:txBody>
       </p:sp>
@@ -1569,7 +1429,7 @@
     </p:spTree>
     <p:extLst>
       <p:ext uri="{BB962C8B-B14F-4D97-AF65-F5344CB8AC3E}">
-        <p14:creationId xmlns:p14="http://schemas.microsoft.com/office/powerpoint/2010/main" val="3333017037"/>
+        <p14:creationId xmlns:p14="http://schemas.microsoft.com/office/powerpoint/2010/main" val="252456409"/>
       </p:ext>
     </p:extLst>
   </p:cSld>
@@ -1663,7 +1523,7 @@
     </p:spTree>
     <p:extLst>
       <p:ext uri="{BB962C8B-B14F-4D97-AF65-F5344CB8AC3E}">
-        <p14:creationId xmlns:p14="http://schemas.microsoft.com/office/powerpoint/2010/main" val="252456409"/>
+        <p14:creationId xmlns:p14="http://schemas.microsoft.com/office/powerpoint/2010/main" val="2250797153"/>
       </p:ext>
     </p:extLst>
   </p:cSld>
@@ -1982,7 +1842,7 @@
     </p:spTree>
     <p:extLst>
       <p:ext uri="{BB962C8B-B14F-4D97-AF65-F5344CB8AC3E}">
-        <p14:creationId xmlns:p14="http://schemas.microsoft.com/office/powerpoint/2010/main" val="916474421"/>
+        <p14:creationId xmlns:p14="http://schemas.microsoft.com/office/powerpoint/2010/main" val="1923581419"/>
       </p:ext>
     </p:extLst>
   </p:cSld>
@@ -16658,6 +16518,1045 @@
       </p:grpSpPr>
       <p:sp>
         <p:nvSpPr>
+          <p:cNvPr id="234" name="CustomShape 2"/>
+          <p:cNvSpPr/>
+          <p:nvPr/>
+        </p:nvSpPr>
+        <p:spPr>
+          <a:xfrm>
+            <a:off x="6232262" y="2062970"/>
+            <a:ext cx="5608319" cy="3755668"/>
+          </a:xfrm>
+          <a:prstGeom prst="rect">
+            <a:avLst/>
+          </a:prstGeom>
+          <a:solidFill>
+            <a:srgbClr val="F6F8FA"/>
+          </a:solidFill>
+          <a:ln>
+            <a:noFill/>
+          </a:ln>
+        </p:spPr>
+        <p:style>
+          <a:lnRef idx="0">
+            <a:scrgbClr r="0" g="0" b="0"/>
+          </a:lnRef>
+          <a:fillRef idx="0">
+            <a:scrgbClr r="0" g="0" b="0"/>
+          </a:fillRef>
+          <a:effectRef idx="0">
+            <a:scrgbClr r="0" g="0" b="0"/>
+          </a:effectRef>
+          <a:fontRef idx="minor"/>
+        </p:style>
+        <p:txBody>
+          <a:bodyPr tIns="0" bIns="0" anchor="ctr"/>
+          <a:lstStyle/>
+          <a:p>
+            <a:pPr>
+              <a:lnSpc>
+                <a:spcPct val="100000"/>
+              </a:lnSpc>
+            </a:pPr>
+            <a:r>
+              <a:rPr lang="en-US" sz="1600" spc="-1" dirty="0" err="1">
+                <a:solidFill>
+                  <a:srgbClr val="D73A49"/>
+                </a:solidFill>
+                <a:latin typeface="SFMono-Regular"/>
+              </a:rPr>
+              <a:t>nbrOfVotes</a:t>
+            </a:r>
+            <a:r>
+              <a:rPr lang="en-US" sz="1600" spc="-1" dirty="0">
+                <a:solidFill>
+                  <a:srgbClr val="D73A49"/>
+                </a:solidFill>
+                <a:latin typeface="SFMono-Regular"/>
+              </a:rPr>
+              <a:t> := 1 // master votes for itself!</a:t>
+            </a:r>
+          </a:p>
+          <a:p>
+            <a:pPr>
+              <a:lnSpc>
+                <a:spcPct val="100000"/>
+              </a:lnSpc>
+            </a:pPr>
+            <a:r>
+              <a:rPr lang="en-US" sz="1600" spc="-1" dirty="0">
+                <a:solidFill>
+                  <a:srgbClr val="D73A49"/>
+                </a:solidFill>
+                <a:latin typeface="SFMono-Regular"/>
+              </a:rPr>
+              <a:t>	for _, vote := range votes {</a:t>
+            </a:r>
+          </a:p>
+          <a:p>
+            <a:pPr>
+              <a:lnSpc>
+                <a:spcPct val="100000"/>
+              </a:lnSpc>
+            </a:pPr>
+            <a:r>
+              <a:rPr lang="en-US" sz="1600" spc="-1" dirty="0">
+                <a:solidFill>
+                  <a:srgbClr val="D73A49"/>
+                </a:solidFill>
+                <a:latin typeface="SFMono-Regular"/>
+              </a:rPr>
+              <a:t>		if vote {</a:t>
+            </a:r>
+          </a:p>
+          <a:p>
+            <a:pPr>
+              <a:lnSpc>
+                <a:spcPct val="100000"/>
+              </a:lnSpc>
+            </a:pPr>
+            <a:r>
+              <a:rPr lang="en-US" sz="1600" spc="-1" dirty="0">
+                <a:solidFill>
+                  <a:srgbClr val="D73A49"/>
+                </a:solidFill>
+                <a:latin typeface="SFMono-Regular"/>
+              </a:rPr>
+              <a:t>			</a:t>
+            </a:r>
+            <a:r>
+              <a:rPr lang="en-US" sz="1600" spc="-1" dirty="0" err="1">
+                <a:solidFill>
+                  <a:srgbClr val="D73A49"/>
+                </a:solidFill>
+                <a:latin typeface="SFMono-Regular"/>
+              </a:rPr>
+              <a:t>nbrOfVotes</a:t>
+            </a:r>
+            <a:r>
+              <a:rPr lang="en-US" sz="1600" spc="-1" dirty="0">
+                <a:solidFill>
+                  <a:srgbClr val="D73A49"/>
+                </a:solidFill>
+                <a:latin typeface="SFMono-Regular"/>
+              </a:rPr>
+              <a:t>++</a:t>
+            </a:r>
+          </a:p>
+          <a:p>
+            <a:pPr>
+              <a:lnSpc>
+                <a:spcPct val="100000"/>
+              </a:lnSpc>
+            </a:pPr>
+            <a:r>
+              <a:rPr lang="en-US" sz="1600" spc="-1" dirty="0">
+                <a:solidFill>
+                  <a:srgbClr val="D73A49"/>
+                </a:solidFill>
+                <a:latin typeface="SFMono-Regular"/>
+              </a:rPr>
+              <a:t>		}</a:t>
+            </a:r>
+          </a:p>
+          <a:p>
+            <a:pPr>
+              <a:lnSpc>
+                <a:spcPct val="100000"/>
+              </a:lnSpc>
+            </a:pPr>
+            <a:r>
+              <a:rPr lang="en-US" sz="1600" spc="-1" dirty="0">
+                <a:solidFill>
+                  <a:srgbClr val="D73A49"/>
+                </a:solidFill>
+                <a:latin typeface="SFMono-Regular"/>
+              </a:rPr>
+              <a:t>	}</a:t>
+            </a:r>
+          </a:p>
+          <a:p>
+            <a:pPr>
+              <a:lnSpc>
+                <a:spcPct val="100000"/>
+              </a:lnSpc>
+            </a:pPr>
+            <a:r>
+              <a:rPr lang="en-US" sz="1600" spc="-1" dirty="0">
+                <a:solidFill>
+                  <a:srgbClr val="D73A49"/>
+                </a:solidFill>
+                <a:latin typeface="SFMono-Regular"/>
+              </a:rPr>
+              <a:t>	// If more than 50% respond with true - 	</a:t>
+            </a:r>
+          </a:p>
+          <a:p>
+            <a:pPr>
+              <a:lnSpc>
+                <a:spcPct val="100000"/>
+              </a:lnSpc>
+            </a:pPr>
+            <a:r>
+              <a:rPr lang="en-US" sz="1600" spc="-1" dirty="0">
+                <a:solidFill>
+                  <a:srgbClr val="D73A49"/>
+                </a:solidFill>
+                <a:latin typeface="SFMono-Regular"/>
+              </a:rPr>
+              <a:t>	// The election was won!</a:t>
+            </a:r>
+          </a:p>
+          <a:p>
+            <a:pPr>
+              <a:lnSpc>
+                <a:spcPct val="100000"/>
+              </a:lnSpc>
+            </a:pPr>
+            <a:r>
+              <a:rPr lang="en-US" sz="1600" spc="-1" dirty="0">
+                <a:solidFill>
+                  <a:srgbClr val="D73A49"/>
+                </a:solidFill>
+                <a:latin typeface="SFMono-Regular"/>
+              </a:rPr>
+              <a:t>	</a:t>
+            </a:r>
+            <a:r>
+              <a:rPr lang="en-US" sz="1600" spc="-1" dirty="0" err="1">
+                <a:solidFill>
+                  <a:srgbClr val="D73A49"/>
+                </a:solidFill>
+                <a:latin typeface="SFMono-Regular"/>
+              </a:rPr>
+              <a:t>electionWon</a:t>
+            </a:r>
+            <a:r>
+              <a:rPr lang="en-US" sz="1600" spc="-1" dirty="0">
+                <a:solidFill>
+                  <a:srgbClr val="D73A49"/>
+                </a:solidFill>
+                <a:latin typeface="SFMono-Regular"/>
+              </a:rPr>
+              <a:t> := </a:t>
+            </a:r>
+            <a:r>
+              <a:rPr lang="en-US" sz="1600" spc="-1" dirty="0" err="1">
+                <a:solidFill>
+                  <a:srgbClr val="D73A49"/>
+                </a:solidFill>
+                <a:latin typeface="SFMono-Regular"/>
+              </a:rPr>
+              <a:t>nbrOfVotes</a:t>
+            </a:r>
+            <a:r>
+              <a:rPr lang="en-US" sz="1600" spc="-1" dirty="0">
+                <a:solidFill>
+                  <a:srgbClr val="D73A49"/>
+                </a:solidFill>
+                <a:latin typeface="SFMono-Regular"/>
+              </a:rPr>
+              <a:t> &gt;= 	</a:t>
+            </a:r>
+            <a:r>
+              <a:rPr lang="en-US" sz="1600" spc="-1" dirty="0" err="1">
+                <a:solidFill>
+                  <a:srgbClr val="D73A49"/>
+                </a:solidFill>
+                <a:latin typeface="SFMono-Regular"/>
+              </a:rPr>
+              <a:t>len</a:t>
+            </a:r>
+            <a:r>
+              <a:rPr lang="en-US" sz="1600" spc="-1" dirty="0">
+                <a:solidFill>
+                  <a:srgbClr val="D73A49"/>
+                </a:solidFill>
+                <a:latin typeface="SFMono-Regular"/>
+              </a:rPr>
+              <a:t>(</a:t>
+            </a:r>
+            <a:r>
+              <a:rPr lang="en-US" sz="1600" spc="-1" dirty="0" err="1">
+                <a:solidFill>
+                  <a:srgbClr val="D73A49"/>
+                </a:solidFill>
+                <a:latin typeface="SFMono-Regular"/>
+              </a:rPr>
+              <a:t>n.cluster.allNodes</a:t>
+            </a:r>
+            <a:r>
+              <a:rPr lang="en-US" sz="1600" spc="-1" dirty="0">
+                <a:solidFill>
+                  <a:srgbClr val="D73A49"/>
+                </a:solidFill>
+                <a:latin typeface="SFMono-Regular"/>
+              </a:rPr>
+              <a:t>)/2+1</a:t>
+            </a:r>
+          </a:p>
+          <a:p>
+            <a:pPr>
+              <a:lnSpc>
+                <a:spcPct val="100000"/>
+              </a:lnSpc>
+            </a:pPr>
+            <a:endParaRPr lang="en-US" sz="1600" spc="-1" dirty="0">
+              <a:solidFill>
+                <a:srgbClr val="D73A49"/>
+              </a:solidFill>
+              <a:latin typeface="SFMono-Regular"/>
+            </a:endParaRPr>
+          </a:p>
+          <a:p>
+            <a:pPr>
+              <a:lnSpc>
+                <a:spcPct val="100000"/>
+              </a:lnSpc>
+            </a:pPr>
+            <a:r>
+              <a:rPr lang="en-US" sz="1600" spc="-1" dirty="0">
+                <a:solidFill>
+                  <a:srgbClr val="D73A49"/>
+                </a:solidFill>
+                <a:latin typeface="SFMono-Regular"/>
+              </a:rPr>
+              <a:t>	n.log(</a:t>
+            </a:r>
+            <a:r>
+              <a:rPr lang="en-US" sz="1600" spc="-1" dirty="0" err="1">
+                <a:solidFill>
+                  <a:srgbClr val="D73A49"/>
+                </a:solidFill>
+                <a:latin typeface="SFMono-Regular"/>
+              </a:rPr>
+              <a:t>fmt.Sprintf</a:t>
+            </a:r>
+            <a:r>
+              <a:rPr lang="en-US" sz="1600" spc="-1" dirty="0">
+                <a:solidFill>
+                  <a:srgbClr val="D73A49"/>
+                </a:solidFill>
+                <a:latin typeface="SFMono-Regular"/>
+              </a:rPr>
+              <a:t>("&lt;- Election: %v", </a:t>
+            </a:r>
+            <a:r>
+              <a:rPr lang="en-US" sz="1600" spc="-1" dirty="0" err="1">
+                <a:solidFill>
+                  <a:srgbClr val="D73A49"/>
+                </a:solidFill>
+                <a:latin typeface="SFMono-Regular"/>
+              </a:rPr>
+              <a:t>electionWon</a:t>
+            </a:r>
+            <a:r>
+              <a:rPr lang="en-US" sz="1600" spc="-1" dirty="0">
+                <a:solidFill>
+                  <a:srgbClr val="D73A49"/>
+                </a:solidFill>
+                <a:latin typeface="SFMono-Regular"/>
+              </a:rPr>
+              <a:t>))</a:t>
+            </a:r>
+          </a:p>
+          <a:p>
+            <a:pPr>
+              <a:lnSpc>
+                <a:spcPct val="100000"/>
+              </a:lnSpc>
+            </a:pPr>
+            <a:endParaRPr lang="en-US" sz="1600" spc="-1" dirty="0">
+              <a:solidFill>
+                <a:srgbClr val="D73A49"/>
+              </a:solidFill>
+              <a:latin typeface="SFMono-Regular"/>
+            </a:endParaRPr>
+          </a:p>
+          <a:p>
+            <a:pPr>
+              <a:lnSpc>
+                <a:spcPct val="100000"/>
+              </a:lnSpc>
+            </a:pPr>
+            <a:r>
+              <a:rPr lang="en-US" sz="1600" spc="-1" dirty="0">
+                <a:solidFill>
+                  <a:srgbClr val="D73A49"/>
+                </a:solidFill>
+                <a:latin typeface="SFMono-Regular"/>
+              </a:rPr>
+              <a:t>	return </a:t>
+            </a:r>
+            <a:r>
+              <a:rPr lang="en-US" sz="1600" spc="-1" dirty="0" err="1">
+                <a:solidFill>
+                  <a:srgbClr val="D73A49"/>
+                </a:solidFill>
+                <a:latin typeface="SFMono-Regular"/>
+              </a:rPr>
+              <a:t>electionWon</a:t>
+            </a:r>
+            <a:endParaRPr lang="en-US" sz="1600" spc="-1" dirty="0">
+              <a:solidFill>
+                <a:srgbClr val="D73A49"/>
+              </a:solidFill>
+              <a:latin typeface="SFMono-Regular"/>
+            </a:endParaRPr>
+          </a:p>
+          <a:p>
+            <a:pPr>
+              <a:lnSpc>
+                <a:spcPct val="100000"/>
+              </a:lnSpc>
+            </a:pPr>
+            <a:r>
+              <a:rPr lang="en-US" sz="1600" spc="-1" dirty="0">
+                <a:solidFill>
+                  <a:srgbClr val="D73A49"/>
+                </a:solidFill>
+                <a:latin typeface="SFMono-Regular"/>
+              </a:rPr>
+              <a:t>}</a:t>
+            </a:r>
+            <a:endParaRPr lang="zxx" sz="1600" b="0" strike="noStrike" spc="-1" dirty="0">
+              <a:latin typeface="Arial"/>
+            </a:endParaRPr>
+          </a:p>
+        </p:txBody>
+      </p:sp>
+      <p:sp>
+        <p:nvSpPr>
+          <p:cNvPr id="5" name="CustomShape 2">
+            <a:extLst>
+              <a:ext uri="{FF2B5EF4-FFF2-40B4-BE49-F238E27FC236}">
+                <a16:creationId xmlns:a16="http://schemas.microsoft.com/office/drawing/2014/main" id="{24EAF39D-AD7E-4A1D-86F9-AC7B33DC9EC5}"/>
+              </a:ext>
+            </a:extLst>
+          </p:cNvPr>
+          <p:cNvSpPr/>
+          <p:nvPr/>
+        </p:nvSpPr>
+        <p:spPr>
+          <a:xfrm>
+            <a:off x="351421" y="2062970"/>
+            <a:ext cx="5608319" cy="3755668"/>
+          </a:xfrm>
+          <a:prstGeom prst="rect">
+            <a:avLst/>
+          </a:prstGeom>
+          <a:solidFill>
+            <a:srgbClr val="F6F8FA"/>
+          </a:solidFill>
+          <a:ln>
+            <a:noFill/>
+          </a:ln>
+        </p:spPr>
+        <p:style>
+          <a:lnRef idx="0">
+            <a:scrgbClr r="0" g="0" b="0"/>
+          </a:lnRef>
+          <a:fillRef idx="0">
+            <a:scrgbClr r="0" g="0" b="0"/>
+          </a:fillRef>
+          <a:effectRef idx="0">
+            <a:scrgbClr r="0" g="0" b="0"/>
+          </a:effectRef>
+          <a:fontRef idx="minor"/>
+        </p:style>
+        <p:txBody>
+          <a:bodyPr tIns="0" bIns="0" anchor="ctr"/>
+          <a:lstStyle/>
+          <a:p>
+            <a:pPr>
+              <a:lnSpc>
+                <a:spcPct val="100000"/>
+              </a:lnSpc>
+            </a:pPr>
+            <a:r>
+              <a:rPr lang="en-US" sz="1600" spc="-1" dirty="0" err="1">
+                <a:solidFill>
+                  <a:srgbClr val="D73A49"/>
+                </a:solidFill>
+                <a:latin typeface="SFMono-Regular"/>
+              </a:rPr>
+              <a:t>number_of_votes</a:t>
+            </a:r>
+            <a:r>
+              <a:rPr lang="en-US" sz="1600" spc="-1" dirty="0">
+                <a:solidFill>
+                  <a:srgbClr val="D73A49"/>
+                </a:solidFill>
+                <a:latin typeface="SFMono-Regular"/>
+              </a:rPr>
+              <a:t> = 1  # Master votes for himself</a:t>
+            </a:r>
+          </a:p>
+          <a:p>
+            <a:pPr>
+              <a:lnSpc>
+                <a:spcPct val="100000"/>
+              </a:lnSpc>
+            </a:pPr>
+            <a:r>
+              <a:rPr lang="en-US" sz="1600" spc="-1" dirty="0">
+                <a:solidFill>
+                  <a:srgbClr val="D73A49"/>
+                </a:solidFill>
+                <a:latin typeface="SFMono-Regular"/>
+              </a:rPr>
+              <a:t>        for vote in votes:</a:t>
+            </a:r>
+          </a:p>
+          <a:p>
+            <a:pPr>
+              <a:lnSpc>
+                <a:spcPct val="100000"/>
+              </a:lnSpc>
+            </a:pPr>
+            <a:r>
+              <a:rPr lang="en-US" sz="1600" spc="-1" dirty="0">
+                <a:solidFill>
+                  <a:srgbClr val="D73A49"/>
+                </a:solidFill>
+                <a:latin typeface="SFMono-Regular"/>
+              </a:rPr>
+              <a:t>            	if vote:  </a:t>
+            </a:r>
+          </a:p>
+          <a:p>
+            <a:pPr>
+              <a:lnSpc>
+                <a:spcPct val="100000"/>
+              </a:lnSpc>
+            </a:pPr>
+            <a:r>
+              <a:rPr lang="en-US" sz="1600" spc="-1" dirty="0">
+                <a:solidFill>
+                  <a:srgbClr val="D73A49"/>
+                </a:solidFill>
+                <a:latin typeface="SFMono-Regular"/>
+              </a:rPr>
+              <a:t>		# if the person voted for me:</a:t>
+            </a:r>
+          </a:p>
+          <a:p>
+            <a:pPr>
+              <a:lnSpc>
+                <a:spcPct val="100000"/>
+              </a:lnSpc>
+            </a:pPr>
+            <a:r>
+              <a:rPr lang="en-US" sz="1600" spc="-1" dirty="0">
+                <a:solidFill>
+                  <a:srgbClr val="D73A49"/>
+                </a:solidFill>
+                <a:latin typeface="SFMono-Regular"/>
+              </a:rPr>
+              <a:t>                		</a:t>
+            </a:r>
+            <a:r>
+              <a:rPr lang="en-US" sz="1600" spc="-1" dirty="0" err="1">
+                <a:solidFill>
+                  <a:srgbClr val="D73A49"/>
+                </a:solidFill>
+                <a:latin typeface="SFMono-Regular"/>
+              </a:rPr>
+              <a:t>number_of_votes</a:t>
+            </a:r>
+            <a:r>
+              <a:rPr lang="en-US" sz="1600" spc="-1" dirty="0">
+                <a:solidFill>
+                  <a:srgbClr val="D73A49"/>
+                </a:solidFill>
+                <a:latin typeface="SFMono-Regular"/>
+              </a:rPr>
+              <a:t> += 1</a:t>
+            </a:r>
+          </a:p>
+          <a:p>
+            <a:pPr>
+              <a:lnSpc>
+                <a:spcPct val="100000"/>
+              </a:lnSpc>
+            </a:pPr>
+            <a:endParaRPr lang="en-US" sz="1600" spc="-1" dirty="0">
+              <a:solidFill>
+                <a:srgbClr val="D73A49"/>
+              </a:solidFill>
+              <a:latin typeface="SFMono-Regular"/>
+            </a:endParaRPr>
+          </a:p>
+          <a:p>
+            <a:pPr>
+              <a:lnSpc>
+                <a:spcPct val="100000"/>
+              </a:lnSpc>
+            </a:pPr>
+            <a:r>
+              <a:rPr lang="en-US" sz="1600" spc="-1" dirty="0">
+                <a:solidFill>
+                  <a:srgbClr val="D73A49"/>
+                </a:solidFill>
+                <a:latin typeface="SFMono-Regular"/>
+              </a:rPr>
+              <a:t>        # check if over half of the cluster is alive and                </a:t>
+            </a:r>
+          </a:p>
+          <a:p>
+            <a:pPr>
+              <a:lnSpc>
+                <a:spcPct val="100000"/>
+              </a:lnSpc>
+            </a:pPr>
+            <a:r>
+              <a:rPr lang="en-US" sz="1600" spc="-1" dirty="0">
+                <a:solidFill>
+                  <a:srgbClr val="D73A49"/>
+                </a:solidFill>
+                <a:latin typeface="SFMono-Regular"/>
+              </a:rPr>
+              <a:t>        # about to have a new master</a:t>
+            </a:r>
+          </a:p>
+          <a:p>
+            <a:pPr>
+              <a:lnSpc>
+                <a:spcPct val="100000"/>
+              </a:lnSpc>
+            </a:pPr>
+            <a:r>
+              <a:rPr lang="en-US" sz="1600" spc="-1" dirty="0">
+                <a:solidFill>
+                  <a:srgbClr val="D73A49"/>
+                </a:solidFill>
+                <a:latin typeface="SFMono-Regular"/>
+              </a:rPr>
+              <a:t>        </a:t>
+            </a:r>
+            <a:r>
+              <a:rPr lang="en-US" sz="1600" spc="-1" dirty="0" err="1">
+                <a:solidFill>
+                  <a:srgbClr val="D73A49"/>
+                </a:solidFill>
+                <a:latin typeface="SFMono-Regular"/>
+              </a:rPr>
+              <a:t>election_won</a:t>
+            </a:r>
+            <a:r>
+              <a:rPr lang="en-US" sz="1600" spc="-1" dirty="0">
+                <a:solidFill>
+                  <a:srgbClr val="D73A49"/>
+                </a:solidFill>
+                <a:latin typeface="SFMono-Regular"/>
+              </a:rPr>
+              <a:t> = </a:t>
+            </a:r>
+            <a:r>
+              <a:rPr lang="en-US" sz="1600" spc="-1" dirty="0" err="1">
+                <a:solidFill>
+                  <a:srgbClr val="D73A49"/>
+                </a:solidFill>
+                <a:latin typeface="SFMono-Regular"/>
+              </a:rPr>
+              <a:t>number_of_votes</a:t>
+            </a:r>
+            <a:r>
+              <a:rPr lang="en-US" sz="1600" spc="-1" dirty="0">
+                <a:solidFill>
+                  <a:srgbClr val="D73A49"/>
+                </a:solidFill>
+                <a:latin typeface="SFMono-Regular"/>
+              </a:rPr>
+              <a:t> &gt; 	</a:t>
+            </a:r>
+            <a:r>
+              <a:rPr lang="en-US" sz="1600" spc="-1" dirty="0" err="1">
+                <a:solidFill>
+                  <a:srgbClr val="D73A49"/>
+                </a:solidFill>
+                <a:latin typeface="SFMono-Regular"/>
+              </a:rPr>
+              <a:t>len</a:t>
+            </a:r>
+            <a:r>
+              <a:rPr lang="en-US" sz="1600" spc="-1" dirty="0">
+                <a:solidFill>
+                  <a:srgbClr val="D73A49"/>
+                </a:solidFill>
+                <a:latin typeface="SFMono-Regular"/>
+              </a:rPr>
+              <a:t>(</a:t>
+            </a:r>
+            <a:r>
+              <a:rPr lang="en-US" sz="1600" spc="-1" dirty="0" err="1">
+                <a:solidFill>
+                  <a:srgbClr val="D73A49"/>
+                </a:solidFill>
+                <a:latin typeface="SFMono-Regular"/>
+              </a:rPr>
+              <a:t>self.cluster.allNodes</a:t>
+            </a:r>
+            <a:r>
+              <a:rPr lang="en-US" sz="1600" spc="-1" dirty="0">
+                <a:solidFill>
+                  <a:srgbClr val="D73A49"/>
+                </a:solidFill>
+                <a:latin typeface="SFMono-Regular"/>
+              </a:rPr>
+              <a:t>) / 2</a:t>
+            </a:r>
+          </a:p>
+          <a:p>
+            <a:pPr>
+              <a:lnSpc>
+                <a:spcPct val="100000"/>
+              </a:lnSpc>
+            </a:pPr>
+            <a:endParaRPr lang="en-US" sz="1600" spc="-1" dirty="0">
+              <a:solidFill>
+                <a:srgbClr val="D73A49"/>
+              </a:solidFill>
+              <a:latin typeface="SFMono-Regular"/>
+            </a:endParaRPr>
+          </a:p>
+          <a:p>
+            <a:pPr>
+              <a:lnSpc>
+                <a:spcPct val="100000"/>
+              </a:lnSpc>
+            </a:pPr>
+            <a:r>
+              <a:rPr lang="en-US" sz="1600" spc="-1" dirty="0">
+                <a:solidFill>
+                  <a:srgbClr val="D73A49"/>
+                </a:solidFill>
+                <a:latin typeface="SFMono-Regular"/>
+              </a:rPr>
+              <a:t>        print('&lt;- Election:' + str(</a:t>
+            </a:r>
+            <a:r>
+              <a:rPr lang="en-US" sz="1600" spc="-1" dirty="0" err="1">
+                <a:solidFill>
+                  <a:srgbClr val="D73A49"/>
+                </a:solidFill>
+                <a:latin typeface="SFMono-Regular"/>
+              </a:rPr>
+              <a:t>election_won</a:t>
+            </a:r>
+            <a:r>
+              <a:rPr lang="en-US" sz="1600" spc="-1" dirty="0">
+                <a:solidFill>
+                  <a:srgbClr val="D73A49"/>
+                </a:solidFill>
+                <a:latin typeface="SFMono-Regular"/>
+              </a:rPr>
+              <a:t>))</a:t>
+            </a:r>
+          </a:p>
+          <a:p>
+            <a:pPr>
+              <a:lnSpc>
+                <a:spcPct val="100000"/>
+              </a:lnSpc>
+            </a:pPr>
+            <a:endParaRPr lang="en-US" sz="1600" spc="-1" dirty="0">
+              <a:solidFill>
+                <a:srgbClr val="D73A49"/>
+              </a:solidFill>
+              <a:latin typeface="SFMono-Regular"/>
+            </a:endParaRPr>
+          </a:p>
+          <a:p>
+            <a:pPr>
+              <a:lnSpc>
+                <a:spcPct val="100000"/>
+              </a:lnSpc>
+            </a:pPr>
+            <a:r>
+              <a:rPr lang="en-US" sz="1600" spc="-1" dirty="0">
+                <a:solidFill>
+                  <a:srgbClr val="D73A49"/>
+                </a:solidFill>
+                <a:latin typeface="SFMono-Regular"/>
+              </a:rPr>
+              <a:t>        return </a:t>
+            </a:r>
+            <a:r>
+              <a:rPr lang="en-US" sz="1600" spc="-1" dirty="0" err="1">
+                <a:solidFill>
+                  <a:srgbClr val="D73A49"/>
+                </a:solidFill>
+                <a:latin typeface="SFMono-Regular"/>
+              </a:rPr>
+              <a:t>election_won</a:t>
+            </a:r>
+            <a:endParaRPr lang="zxx" sz="1600" b="0" strike="noStrike" spc="-1" dirty="0">
+              <a:latin typeface="Arial"/>
+            </a:endParaRPr>
+          </a:p>
+        </p:txBody>
+      </p:sp>
+      <p:sp>
+        <p:nvSpPr>
+          <p:cNvPr id="7" name="TextShape 1">
+            <a:extLst>
+              <a:ext uri="{FF2B5EF4-FFF2-40B4-BE49-F238E27FC236}">
+                <a16:creationId xmlns:a16="http://schemas.microsoft.com/office/drawing/2014/main" id="{8E7DD0DF-4E98-4244-BD2E-9EAB22806143}"/>
+              </a:ext>
+            </a:extLst>
+          </p:cNvPr>
+          <p:cNvSpPr txBox="1"/>
+          <p:nvPr/>
+        </p:nvSpPr>
+        <p:spPr>
+          <a:xfrm>
+            <a:off x="2824782" y="-37652"/>
+            <a:ext cx="4332642" cy="1478160"/>
+          </a:xfrm>
+          <a:prstGeom prst="rect">
+            <a:avLst/>
+          </a:prstGeom>
+          <a:noFill/>
+          <a:ln>
+            <a:noFill/>
+          </a:ln>
+        </p:spPr>
+        <p:txBody>
+          <a:bodyPr anchor="ctr"/>
+          <a:lstStyle/>
+          <a:p>
+            <a:pPr>
+              <a:lnSpc>
+                <a:spcPct val="90000"/>
+              </a:lnSpc>
+            </a:pPr>
+            <a:r>
+              <a:rPr lang="de-DE" sz="3600" b="0" strike="noStrike" cap="all" spc="-1" dirty="0">
+                <a:solidFill>
+                  <a:srgbClr val="FFFFFF"/>
+                </a:solidFill>
+                <a:latin typeface="Tw Cen MT"/>
+              </a:rPr>
+              <a:t>Python</a:t>
+            </a:r>
+            <a:endParaRPr lang="de-DE" sz="3600" b="0" strike="noStrike" spc="-1" dirty="0">
+              <a:solidFill>
+                <a:srgbClr val="FFFFFF"/>
+              </a:solidFill>
+              <a:latin typeface="Tw Cen MT"/>
+            </a:endParaRPr>
+          </a:p>
+        </p:txBody>
+      </p:sp>
+      <p:sp>
+        <p:nvSpPr>
+          <p:cNvPr id="8" name="TextShape 1">
+            <a:extLst>
+              <a:ext uri="{FF2B5EF4-FFF2-40B4-BE49-F238E27FC236}">
+                <a16:creationId xmlns:a16="http://schemas.microsoft.com/office/drawing/2014/main" id="{32A1B319-5C60-49B1-BC64-E1ACCF126FD8}"/>
+              </a:ext>
+            </a:extLst>
+          </p:cNvPr>
+          <p:cNvSpPr txBox="1"/>
+          <p:nvPr/>
+        </p:nvSpPr>
+        <p:spPr>
+          <a:xfrm>
+            <a:off x="7859358" y="-37652"/>
+            <a:ext cx="4332642" cy="1478160"/>
+          </a:xfrm>
+          <a:prstGeom prst="rect">
+            <a:avLst/>
+          </a:prstGeom>
+          <a:noFill/>
+          <a:ln>
+            <a:noFill/>
+          </a:ln>
+        </p:spPr>
+        <p:txBody>
+          <a:bodyPr anchor="ctr"/>
+          <a:lstStyle/>
+          <a:p>
+            <a:pPr>
+              <a:lnSpc>
+                <a:spcPct val="90000"/>
+              </a:lnSpc>
+            </a:pPr>
+            <a:r>
+              <a:rPr lang="de-DE" sz="3600" b="0" strike="noStrike" cap="all" spc="-1" dirty="0">
+                <a:solidFill>
+                  <a:srgbClr val="FFFFFF"/>
+                </a:solidFill>
+                <a:latin typeface="Tw Cen MT"/>
+              </a:rPr>
+              <a:t>Go</a:t>
+            </a:r>
+            <a:endParaRPr lang="de-DE" sz="3600" b="0" strike="noStrike" spc="-1" dirty="0">
+              <a:solidFill>
+                <a:srgbClr val="FFFFFF"/>
+              </a:solidFill>
+              <a:latin typeface="Tw Cen MT"/>
+            </a:endParaRPr>
+          </a:p>
+        </p:txBody>
+      </p:sp>
+    </p:spTree>
+    <p:extLst>
+      <p:ext uri="{BB962C8B-B14F-4D97-AF65-F5344CB8AC3E}">
+        <p14:creationId xmlns:p14="http://schemas.microsoft.com/office/powerpoint/2010/main" val="2908513205"/>
+      </p:ext>
+    </p:extLst>
+  </p:cSld>
+  <p:clrMapOvr>
+    <a:masterClrMapping/>
+  </p:clrMapOvr>
+  <p:timing>
+    <p:tnLst>
+      <p:par>
+        <p:cTn id="1" dur="indefinite" restart="never" nodeType="tmRoot">
+          <p:childTnLst>
+            <p:seq concurrent="1" nextAc="seek">
+              <p:cTn id="2" dur="indefinite" nodeType="mainSeq">
+                <p:childTnLst>
+                  <p:par>
+                    <p:cTn id="3" fill="hold">
+                      <p:stCondLst>
+                        <p:cond delay="indefinite"/>
+                      </p:stCondLst>
+                      <p:childTnLst>
+                        <p:par>
+                          <p:cTn id="4" fill="hold">
+                            <p:stCondLst>
+                              <p:cond delay="0"/>
+                            </p:stCondLst>
+                            <p:childTnLst>
+                              <p:par>
+                                <p:cTn id="5" presetID="1" presetClass="entr" presetSubtype="0" fill="hold" grpId="0" nodeType="clickEffect">
+                                  <p:stCondLst>
+                                    <p:cond delay="0"/>
+                                  </p:stCondLst>
+                                  <p:childTnLst>
+                                    <p:set>
+                                      <p:cBhvr>
+                                        <p:cTn id="6" dur="1" fill="hold">
+                                          <p:stCondLst>
+                                            <p:cond delay="0"/>
+                                          </p:stCondLst>
+                                        </p:cTn>
+                                        <p:tgtEl>
+                                          <p:spTgt spid="5"/>
+                                        </p:tgtEl>
+                                        <p:attrNameLst>
+                                          <p:attrName>style.visibility</p:attrName>
+                                        </p:attrNameLst>
+                                      </p:cBhvr>
+                                      <p:to>
+                                        <p:strVal val="visible"/>
+                                      </p:to>
+                                    </p:set>
+                                  </p:childTnLst>
+                                </p:cTn>
+                              </p:par>
+                            </p:childTnLst>
+                          </p:cTn>
+                        </p:par>
+                      </p:childTnLst>
+                    </p:cTn>
+                  </p:par>
+                  <p:par>
+                    <p:cTn id="7" fill="hold">
+                      <p:stCondLst>
+                        <p:cond delay="indefinite"/>
+                      </p:stCondLst>
+                      <p:childTnLst>
+                        <p:par>
+                          <p:cTn id="8" fill="hold">
+                            <p:stCondLst>
+                              <p:cond delay="0"/>
+                            </p:stCondLst>
+                            <p:childTnLst>
+                              <p:par>
+                                <p:cTn id="9" presetID="1" presetClass="entr" presetSubtype="0" fill="hold" grpId="0" nodeType="clickEffect">
+                                  <p:stCondLst>
+                                    <p:cond delay="0"/>
+                                  </p:stCondLst>
+                                  <p:childTnLst>
+                                    <p:set>
+                                      <p:cBhvr>
+                                        <p:cTn id="10" dur="1" fill="hold">
+                                          <p:stCondLst>
+                                            <p:cond delay="0"/>
+                                          </p:stCondLst>
+                                        </p:cTn>
+                                        <p:tgtEl>
+                                          <p:spTgt spid="234"/>
+                                        </p:tgtEl>
+                                        <p:attrNameLst>
+                                          <p:attrName>style.visibility</p:attrName>
+                                        </p:attrNameLst>
+                                      </p:cBhvr>
+                                      <p:to>
+                                        <p:strVal val="visible"/>
+                                      </p:to>
+                                    </p:set>
+                                  </p:childTnLst>
+                                </p:cTn>
+                              </p:par>
+                            </p:childTnLst>
+                          </p:cTn>
+                        </p:par>
+                      </p:childTnLst>
+                    </p:cTn>
+                  </p:par>
+                </p:childTnLst>
+              </p:cTn>
+              <p:prevCondLst>
+                <p:cond evt="onPrev" delay="0">
+                  <p:tgtEl>
+                    <p:sldTgt/>
+                  </p:tgtEl>
+                </p:cond>
+              </p:prevCondLst>
+              <p:nextCondLst>
+                <p:cond evt="onNext" delay="0">
+                  <p:tgtEl>
+                    <p:sldTgt/>
+                  </p:tgtEl>
+                </p:cond>
+              </p:nextCondLst>
+            </p:seq>
+          </p:childTnLst>
+        </p:cTn>
+      </p:par>
+    </p:tnLst>
+    <p:bldLst>
+      <p:bldP spid="234" grpId="0" animBg="1"/>
+      <p:bldP spid="5" grpId="0" animBg="1"/>
+    </p:bldLst>
+  </p:timing>
+</p:sld>
+</file>
+
+<file path=ppt/slides/slide11.xml><?xml version="1.0" encoding="utf-8"?>
+<p:sld xmlns:a="http://schemas.openxmlformats.org/drawingml/2006/main" xmlns:r="http://schemas.openxmlformats.org/officeDocument/2006/relationships" xmlns:p="http://schemas.openxmlformats.org/presentationml/2006/main">
+  <p:cSld>
+    <p:spTree>
+      <p:nvGrpSpPr>
+        <p:cNvPr id="1" name=""/>
+        <p:cNvGrpSpPr/>
+        <p:nvPr/>
+      </p:nvGrpSpPr>
+      <p:grpSpPr>
+        <a:xfrm>
+          <a:off x="0" y="0"/>
+          <a:ext cx="0" cy="0"/>
+          <a:chOff x="0" y="0"/>
+          <a:chExt cx="0" cy="0"/>
+        </a:xfrm>
+      </p:grpSpPr>
+      <p:sp>
+        <p:nvSpPr>
           <p:cNvPr id="237" name="TextShape 1"/>
           <p:cNvSpPr txBox="1"/>
           <p:nvPr/>
@@ -16712,7 +17611,7 @@
         </p:nvSpPr>
         <p:spPr>
           <a:xfrm>
-            <a:off x="1141560" y="2249640"/>
+            <a:off x="1141560" y="1259936"/>
             <a:ext cx="9905760" cy="3541320"/>
           </a:xfrm>
           <a:prstGeom prst="rect">
@@ -16812,6 +17711,250 @@
                 <a:ea typeface="Tahoma"/>
               </a:rPr>
               <a:t>Codelength</a:t>
+            </a:r>
+            <a:endParaRPr lang="en-US" sz="2400" b="0" strike="noStrike" spc="-1" dirty="0">
+              <a:solidFill>
+                <a:srgbClr val="FFFFFF"/>
+              </a:solidFill>
+              <a:latin typeface="Tw Cen MT"/>
+            </a:endParaRPr>
+          </a:p>
+        </p:txBody>
+      </p:sp>
+      <p:sp>
+        <p:nvSpPr>
+          <p:cNvPr id="4" name="TextShape 2">
+            <a:extLst>
+              <a:ext uri="{FF2B5EF4-FFF2-40B4-BE49-F238E27FC236}">
+                <a16:creationId xmlns:a16="http://schemas.microsoft.com/office/drawing/2014/main" id="{C1BF43AA-5847-4359-8F6D-170A10DD231E}"/>
+              </a:ext>
+            </a:extLst>
+          </p:cNvPr>
+          <p:cNvSpPr txBox="1"/>
+          <p:nvPr/>
+        </p:nvSpPr>
+        <p:spPr>
+          <a:xfrm>
+            <a:off x="6853872" y="3429000"/>
+            <a:ext cx="4785903" cy="3541320"/>
+          </a:xfrm>
+          <a:prstGeom prst="rect">
+            <a:avLst/>
+          </a:prstGeom>
+          <a:noFill/>
+          <a:ln>
+            <a:noFill/>
+          </a:ln>
+        </p:spPr>
+        <p:txBody>
+          <a:bodyPr>
+            <a:normAutofit/>
+          </a:bodyPr>
+          <a:lstStyle/>
+          <a:p>
+            <a:pPr marL="360">
+              <a:lnSpc>
+                <a:spcPct val="120000"/>
+              </a:lnSpc>
+              <a:spcBef>
+                <a:spcPts val="1001"/>
+              </a:spcBef>
+              <a:buClr>
+                <a:srgbClr val="FFFFFF"/>
+              </a:buClr>
+              <a:buSzPct val="125000"/>
+            </a:pPr>
+            <a:r>
+              <a:rPr lang="en-US" sz="2400" b="0" strike="noStrike" spc="-1" dirty="0">
+                <a:solidFill>
+                  <a:srgbClr val="FFFFFF"/>
+                </a:solidFill>
+                <a:latin typeface="Tahoma"/>
+                <a:ea typeface="Tahoma"/>
+              </a:rPr>
+              <a:t>Go:</a:t>
+            </a:r>
+          </a:p>
+          <a:p>
+            <a:pPr marL="228600" indent="-228240">
+              <a:lnSpc>
+                <a:spcPct val="120000"/>
+              </a:lnSpc>
+              <a:spcBef>
+                <a:spcPts val="1001"/>
+              </a:spcBef>
+              <a:buClr>
+                <a:srgbClr val="FFFFFF"/>
+              </a:buClr>
+              <a:buSzPct val="125000"/>
+              <a:buFont typeface="Arial"/>
+              <a:buChar char="•"/>
+            </a:pPr>
+            <a:r>
+              <a:rPr lang="en-US" sz="2400" spc="-1" dirty="0">
+                <a:solidFill>
+                  <a:srgbClr val="FFFFFF"/>
+                </a:solidFill>
+                <a:latin typeface="Tahoma"/>
+                <a:ea typeface="Tahoma"/>
+              </a:rPr>
+              <a:t>More </a:t>
+            </a:r>
+            <a:r>
+              <a:rPr lang="en-US" sz="2400" b="0" strike="noStrike" spc="-1" dirty="0">
+                <a:solidFill>
+                  <a:srgbClr val="FFFFFF"/>
+                </a:solidFill>
+                <a:latin typeface="Tahoma"/>
+                <a:ea typeface="Tahoma"/>
+              </a:rPr>
+              <a:t>complex, but faster</a:t>
+            </a:r>
+            <a:endParaRPr lang="en-US" sz="2400" b="0" strike="noStrike" spc="-1" dirty="0">
+              <a:solidFill>
+                <a:srgbClr val="FFFFFF"/>
+              </a:solidFill>
+              <a:latin typeface="Tw Cen MT"/>
+            </a:endParaRPr>
+          </a:p>
+          <a:p>
+            <a:pPr>
+              <a:lnSpc>
+                <a:spcPct val="120000"/>
+              </a:lnSpc>
+              <a:spcBef>
+                <a:spcPts val="1001"/>
+              </a:spcBef>
+            </a:pPr>
+            <a:r>
+              <a:rPr lang="en-US" sz="2400" b="0" strike="noStrike" spc="-1" dirty="0">
+                <a:solidFill>
+                  <a:srgbClr val="FFFFFF"/>
+                </a:solidFill>
+                <a:latin typeface="Tahoma"/>
+                <a:ea typeface="Tahoma"/>
+              </a:rPr>
+              <a:t> 	-&gt; can simulate bigger clusters with the same power</a:t>
+            </a:r>
+            <a:endParaRPr lang="en-US" sz="2400" b="0" strike="noStrike" spc="-1" dirty="0">
+              <a:solidFill>
+                <a:srgbClr val="FFFFFF"/>
+              </a:solidFill>
+              <a:latin typeface="Tw Cen MT"/>
+            </a:endParaRPr>
+          </a:p>
+        </p:txBody>
+      </p:sp>
+      <p:sp>
+        <p:nvSpPr>
+          <p:cNvPr id="5" name="TextShape 2">
+            <a:extLst>
+              <a:ext uri="{FF2B5EF4-FFF2-40B4-BE49-F238E27FC236}">
+                <a16:creationId xmlns:a16="http://schemas.microsoft.com/office/drawing/2014/main" id="{6C901148-F1FB-4588-A081-B8F18501FE7A}"/>
+              </a:ext>
+            </a:extLst>
+          </p:cNvPr>
+          <p:cNvSpPr txBox="1"/>
+          <p:nvPr/>
+        </p:nvSpPr>
+        <p:spPr>
+          <a:xfrm>
+            <a:off x="967178" y="3429000"/>
+            <a:ext cx="5127262" cy="3541320"/>
+          </a:xfrm>
+          <a:prstGeom prst="rect">
+            <a:avLst/>
+          </a:prstGeom>
+          <a:noFill/>
+          <a:ln>
+            <a:noFill/>
+          </a:ln>
+        </p:spPr>
+        <p:txBody>
+          <a:bodyPr>
+            <a:normAutofit/>
+          </a:bodyPr>
+          <a:lstStyle/>
+          <a:p>
+            <a:pPr marL="360">
+              <a:lnSpc>
+                <a:spcPct val="120000"/>
+              </a:lnSpc>
+              <a:spcBef>
+                <a:spcPts val="1001"/>
+              </a:spcBef>
+              <a:buClr>
+                <a:srgbClr val="FFFFFF"/>
+              </a:buClr>
+              <a:buSzPct val="125000"/>
+            </a:pPr>
+            <a:r>
+              <a:rPr lang="en-US" sz="2400" spc="-1" dirty="0">
+                <a:solidFill>
+                  <a:srgbClr val="FFFFFF"/>
+                </a:solidFill>
+                <a:latin typeface="Tahoma"/>
+                <a:ea typeface="Tahoma"/>
+              </a:rPr>
+              <a:t>Python:</a:t>
+            </a:r>
+          </a:p>
+          <a:p>
+            <a:pPr marL="228600" indent="-228240">
+              <a:lnSpc>
+                <a:spcPct val="120000"/>
+              </a:lnSpc>
+              <a:spcBef>
+                <a:spcPts val="1001"/>
+              </a:spcBef>
+              <a:buClr>
+                <a:srgbClr val="FFFFFF"/>
+              </a:buClr>
+              <a:buSzPct val="125000"/>
+              <a:buFont typeface="Arial"/>
+              <a:buChar char="•"/>
+            </a:pPr>
+            <a:r>
+              <a:rPr lang="en-US" sz="2400" b="0" strike="noStrike" spc="-1" dirty="0">
+                <a:solidFill>
+                  <a:srgbClr val="FFFFFF"/>
+                </a:solidFill>
+                <a:latin typeface="Tahoma"/>
+                <a:ea typeface="Tahoma"/>
+              </a:rPr>
+              <a:t>More forgiving Syntax</a:t>
+            </a:r>
+            <a:endParaRPr lang="en-US" sz="2400" b="0" strike="noStrike" spc="-1" dirty="0">
+              <a:solidFill>
+                <a:srgbClr val="FFFFFF"/>
+              </a:solidFill>
+              <a:latin typeface="Tw Cen MT"/>
+            </a:endParaRPr>
+          </a:p>
+          <a:p>
+            <a:pPr marL="228600" indent="-228240">
+              <a:lnSpc>
+                <a:spcPct val="120000"/>
+              </a:lnSpc>
+              <a:spcBef>
+                <a:spcPts val="1001"/>
+              </a:spcBef>
+              <a:buClr>
+                <a:srgbClr val="FFFFFF"/>
+              </a:buClr>
+              <a:buSzPct val="125000"/>
+              <a:buFont typeface="Arial"/>
+              <a:buChar char="•"/>
+            </a:pPr>
+            <a:r>
+              <a:rPr lang="en-US" sz="2400" spc="-1" dirty="0">
+                <a:solidFill>
+                  <a:srgbClr val="FFFFFF"/>
+                </a:solidFill>
+                <a:latin typeface="Tahoma"/>
+                <a:ea typeface="Tahoma"/>
+              </a:rPr>
+              <a:t>Easier</a:t>
             </a:r>
             <a:endParaRPr lang="en-US" sz="2400" b="0" strike="noStrike" spc="-1" dirty="0">
               <a:solidFill>
@@ -16938,263 +18081,33 @@
                       </p:childTnLst>
                     </p:cTn>
                   </p:par>
-                </p:childTnLst>
-              </p:cTn>
-              <p:prevCondLst>
-                <p:cond evt="onPrev" delay="0">
-                  <p:tgtEl>
-                    <p:sldTgt/>
-                  </p:tgtEl>
-                </p:cond>
-              </p:prevCondLst>
-              <p:nextCondLst>
-                <p:cond evt="onNext" delay="0">
-                  <p:tgtEl>
-                    <p:sldTgt/>
-                  </p:tgtEl>
-                </p:cond>
-              </p:nextCondLst>
-            </p:seq>
-          </p:childTnLst>
-        </p:cTn>
-      </p:par>
-    </p:tnLst>
-  </p:timing>
-</p:sld>
-</file>
-
-<file path=ppt/slides/slide11.xml><?xml version="1.0" encoding="utf-8"?>
-<p:sld xmlns:a="http://schemas.openxmlformats.org/drawingml/2006/main" xmlns:r="http://schemas.openxmlformats.org/officeDocument/2006/relationships" xmlns:p="http://schemas.openxmlformats.org/presentationml/2006/main">
-  <p:cSld>
-    <p:spTree>
-      <p:nvGrpSpPr>
-        <p:cNvPr id="1" name=""/>
-        <p:cNvGrpSpPr/>
-        <p:nvPr/>
-      </p:nvGrpSpPr>
-      <p:grpSpPr>
-        <a:xfrm>
-          <a:off x="0" y="0"/>
-          <a:ext cx="0" cy="0"/>
-          <a:chOff x="0" y="0"/>
-          <a:chExt cx="0" cy="0"/>
-        </a:xfrm>
-      </p:grpSpPr>
-      <p:sp>
-        <p:nvSpPr>
-          <p:cNvPr id="237" name="TextShape 1"/>
-          <p:cNvSpPr txBox="1"/>
-          <p:nvPr/>
-        </p:nvSpPr>
-        <p:spPr>
-          <a:xfrm>
-            <a:off x="1141560" y="0"/>
-            <a:ext cx="9905760" cy="1478160"/>
-          </a:xfrm>
-          <a:prstGeom prst="rect">
-            <a:avLst/>
-          </a:prstGeom>
-          <a:noFill/>
-          <a:ln>
-            <a:noFill/>
-          </a:ln>
-        </p:spPr>
-        <p:txBody>
-          <a:bodyPr anchor="ctr">
-            <a:normAutofit/>
-          </a:bodyPr>
-          <a:lstStyle/>
-          <a:p>
-            <a:pPr>
-              <a:lnSpc>
-                <a:spcPct val="90000"/>
-              </a:lnSpc>
-            </a:pPr>
-            <a:r>
-              <a:rPr lang="en-US" sz="3600" b="0" strike="noStrike" cap="all" spc="-1" dirty="0">
-                <a:solidFill>
-                  <a:srgbClr val="FFFFFF"/>
-                </a:solidFill>
-                <a:latin typeface="Rockwell"/>
-              </a:rPr>
-              <a:t>Conclusion</a:t>
-            </a:r>
-            <a:endParaRPr lang="en-US" sz="3600" b="0" strike="noStrike" spc="-1" dirty="0">
-              <a:solidFill>
-                <a:srgbClr val="FFFFFF"/>
-              </a:solidFill>
-              <a:latin typeface="Tw Cen MT"/>
-            </a:endParaRPr>
-          </a:p>
-        </p:txBody>
-      </p:sp>
-      <p:sp>
-        <p:nvSpPr>
-          <p:cNvPr id="238" name="TextShape 2"/>
-          <p:cNvSpPr txBox="1"/>
-          <p:nvPr/>
-        </p:nvSpPr>
-        <p:spPr>
-          <a:xfrm>
-            <a:off x="1141560" y="2249640"/>
-            <a:ext cx="9905760" cy="3541320"/>
-          </a:xfrm>
-          <a:prstGeom prst="rect">
-            <a:avLst/>
-          </a:prstGeom>
-          <a:noFill/>
-          <a:ln>
-            <a:noFill/>
-          </a:ln>
-        </p:spPr>
-        <p:txBody>
-          <a:bodyPr>
-            <a:normAutofit/>
-          </a:bodyPr>
-          <a:lstStyle/>
-          <a:p>
-            <a:pPr marL="360">
-              <a:lnSpc>
-                <a:spcPct val="120000"/>
-              </a:lnSpc>
-              <a:spcBef>
-                <a:spcPts val="1001"/>
-              </a:spcBef>
-              <a:buClr>
-                <a:srgbClr val="FFFFFF"/>
-              </a:buClr>
-              <a:buSzPct val="125000"/>
-            </a:pPr>
-            <a:r>
-              <a:rPr lang="en-US" sz="2400" b="0" strike="noStrike" spc="-1" dirty="0">
-                <a:solidFill>
-                  <a:srgbClr val="FFFFFF"/>
-                </a:solidFill>
-                <a:latin typeface="Tahoma"/>
-                <a:ea typeface="Tahoma"/>
-              </a:rPr>
-              <a:t>Go:</a:t>
-            </a:r>
-          </a:p>
-          <a:p>
-            <a:pPr marL="228600" indent="-228240">
-              <a:lnSpc>
-                <a:spcPct val="120000"/>
-              </a:lnSpc>
-              <a:spcBef>
-                <a:spcPts val="1001"/>
-              </a:spcBef>
-              <a:buClr>
-                <a:srgbClr val="FFFFFF"/>
-              </a:buClr>
-              <a:buSzPct val="125000"/>
-              <a:buFont typeface="Arial"/>
-              <a:buChar char="•"/>
-            </a:pPr>
-            <a:r>
-              <a:rPr lang="en-US" sz="2400" spc="-1" dirty="0">
-                <a:solidFill>
-                  <a:srgbClr val="FFFFFF"/>
-                </a:solidFill>
-                <a:latin typeface="Tahoma"/>
-                <a:ea typeface="Tahoma"/>
-              </a:rPr>
-              <a:t>More </a:t>
-            </a:r>
-            <a:r>
-              <a:rPr lang="en-US" sz="2400" b="0" strike="noStrike" spc="-1" dirty="0">
-                <a:solidFill>
-                  <a:srgbClr val="FFFFFF"/>
-                </a:solidFill>
-                <a:latin typeface="Tahoma"/>
-                <a:ea typeface="Tahoma"/>
-              </a:rPr>
-              <a:t>complex, but faster</a:t>
-            </a:r>
-            <a:endParaRPr lang="en-US" sz="2400" b="0" strike="noStrike" spc="-1" dirty="0">
-              <a:solidFill>
-                <a:srgbClr val="FFFFFF"/>
-              </a:solidFill>
-              <a:latin typeface="Tw Cen MT"/>
-            </a:endParaRPr>
-          </a:p>
-          <a:p>
-            <a:pPr>
-              <a:lnSpc>
-                <a:spcPct val="120000"/>
-              </a:lnSpc>
-              <a:spcBef>
-                <a:spcPts val="1001"/>
-              </a:spcBef>
-            </a:pPr>
-            <a:r>
-              <a:rPr lang="en-US" sz="2400" b="0" strike="noStrike" spc="-1" dirty="0">
-                <a:solidFill>
-                  <a:srgbClr val="FFFFFF"/>
-                </a:solidFill>
-                <a:latin typeface="Tahoma"/>
-                <a:ea typeface="Tahoma"/>
-              </a:rPr>
-              <a:t> 	-&gt; can simulate bigger clusters with the same power</a:t>
-            </a:r>
-            <a:endParaRPr lang="en-US" sz="2400" b="0" strike="noStrike" spc="-1" dirty="0">
-              <a:solidFill>
-                <a:srgbClr val="FFFFFF"/>
-              </a:solidFill>
-              <a:latin typeface="Tw Cen MT"/>
-            </a:endParaRPr>
-          </a:p>
-        </p:txBody>
-      </p:sp>
-    </p:spTree>
-    <p:extLst>
-      <p:ext uri="{BB962C8B-B14F-4D97-AF65-F5344CB8AC3E}">
-        <p14:creationId xmlns:p14="http://schemas.microsoft.com/office/powerpoint/2010/main" val="111392285"/>
-      </p:ext>
-    </p:extLst>
-  </p:cSld>
-  <p:clrMapOvr>
-    <a:masterClrMapping/>
-  </p:clrMapOvr>
-  <p:timing>
-    <p:tnLst>
-      <p:par>
-        <p:cTn id="1" dur="indefinite" restart="never" nodeType="tmRoot">
-          <p:childTnLst>
-            <p:seq>
-              <p:cTn id="2" dur="indefinite" nodeType="mainSeq">
-                <p:childTnLst>
                   <p:par>
-                    <p:cTn id="3" fill="hold">
+                    <p:cTn id="11" fill="hold">
                       <p:stCondLst>
                         <p:cond delay="indefinite"/>
                       </p:stCondLst>
                       <p:childTnLst>
                         <p:par>
-                          <p:cTn id="4" fill="hold">
+                          <p:cTn id="12" fill="hold">
                             <p:stCondLst>
                               <p:cond delay="0"/>
                             </p:stCondLst>
                             <p:childTnLst>
                               <p:par>
-                                <p:cTn id="5" presetID="1" presetClass="entr" presetSubtype="0" fill="hold" nodeType="clickEffect">
+                                <p:cTn id="13" presetID="1" presetClass="entr" presetSubtype="0" fill="hold" grpId="0" nodeType="clickEffect">
                                   <p:stCondLst>
                                     <p:cond delay="0"/>
                                   </p:stCondLst>
                                   <p:childTnLst>
                                     <p:set>
                                       <p:cBhvr>
-                                        <p:cTn id="6" dur="1" fill="hold">
+                                        <p:cTn id="14" dur="1" fill="hold">
                                           <p:stCondLst>
                                             <p:cond delay="0"/>
                                           </p:stCondLst>
                                         </p:cTn>
                                         <p:tgtEl>
-                                          <p:spTgt spid="238">
-                                            <p:txEl>
-                                              <p:pRg st="1" end="1"/>
-                                            </p:txEl>
-                                          </p:spTgt>
+                                          <p:spTgt spid="5"/>
                                         </p:tgtEl>
                                         <p:attrNameLst>
                                           <p:attrName>style.visibility</p:attrName>
@@ -17214,36 +18127,32 @@
                     </p:cTn>
                   </p:par>
                   <p:par>
-                    <p:cTn id="7" fill="hold">
+                    <p:cTn id="15" fill="hold">
                       <p:stCondLst>
                         <p:cond delay="indefinite"/>
                       </p:stCondLst>
                       <p:childTnLst>
                         <p:par>
-                          <p:cTn id="8" fill="hold">
+                          <p:cTn id="16" fill="hold">
                             <p:stCondLst>
                               <p:cond delay="0"/>
                             </p:stCondLst>
                             <p:childTnLst>
                               <p:par>
-                                <p:cTn id="9" presetID="1" presetClass="entr" presetSubtype="0" fill="hold" nodeType="clickEffect">
+                                <p:cTn id="17" presetID="1" presetClass="entr" presetSubtype="0" fill="hold" grpId="0" nodeType="clickEffect">
                                   <p:stCondLst>
                                     <p:cond delay="0"/>
                                   </p:stCondLst>
                                   <p:childTnLst>
                                     <p:set>
                                       <p:cBhvr>
-                                        <p:cTn id="10" dur="1" fill="hold">
+                                        <p:cTn id="18" dur="1" fill="hold">
                                           <p:stCondLst>
                                             <p:cond delay="0"/>
                                           </p:stCondLst>
                                         </p:cTn>
                                         <p:tgtEl>
-                                          <p:spTgt spid="238">
-                                            <p:txEl>
-                                              <p:pRg st="2" end="2"/>
-                                            </p:txEl>
-                                          </p:spTgt>
+                                          <p:spTgt spid="4"/>
                                         </p:tgtEl>
                                         <p:attrNameLst>
                                           <p:attrName>style.visibility</p:attrName>
@@ -17283,321 +18192,10 @@
         </p:cTn>
       </p:par>
     </p:tnLst>
-  </p:timing>
-</p:sld>
-</file>
-
-<file path=ppt/slides/slide12.xml><?xml version="1.0" encoding="utf-8"?>
-<p:sld xmlns:a="http://schemas.openxmlformats.org/drawingml/2006/main" xmlns:r="http://schemas.openxmlformats.org/officeDocument/2006/relationships" xmlns:p="http://schemas.openxmlformats.org/presentationml/2006/main">
-  <p:cSld>
-    <p:spTree>
-      <p:nvGrpSpPr>
-        <p:cNvPr id="1" name=""/>
-        <p:cNvGrpSpPr/>
-        <p:nvPr/>
-      </p:nvGrpSpPr>
-      <p:grpSpPr>
-        <a:xfrm>
-          <a:off x="0" y="0"/>
-          <a:ext cx="0" cy="0"/>
-          <a:chOff x="0" y="0"/>
-          <a:chExt cx="0" cy="0"/>
-        </a:xfrm>
-      </p:grpSpPr>
-      <p:sp>
-        <p:nvSpPr>
-          <p:cNvPr id="237" name="TextShape 1"/>
-          <p:cNvSpPr txBox="1"/>
-          <p:nvPr/>
-        </p:nvSpPr>
-        <p:spPr>
-          <a:xfrm>
-            <a:off x="1141560" y="0"/>
-            <a:ext cx="9905760" cy="1478160"/>
-          </a:xfrm>
-          <a:prstGeom prst="rect">
-            <a:avLst/>
-          </a:prstGeom>
-          <a:noFill/>
-          <a:ln>
-            <a:noFill/>
-          </a:ln>
-        </p:spPr>
-        <p:txBody>
-          <a:bodyPr anchor="ctr">
-            <a:normAutofit/>
-          </a:bodyPr>
-          <a:lstStyle/>
-          <a:p>
-            <a:pPr>
-              <a:lnSpc>
-                <a:spcPct val="90000"/>
-              </a:lnSpc>
-            </a:pPr>
-            <a:r>
-              <a:rPr lang="en-US" sz="3600" b="0" strike="noStrike" cap="all" spc="-1" dirty="0">
-                <a:solidFill>
-                  <a:srgbClr val="FFFFFF"/>
-                </a:solidFill>
-                <a:latin typeface="Rockwell"/>
-              </a:rPr>
-              <a:t>Conclusion</a:t>
-            </a:r>
-            <a:endParaRPr lang="en-US" sz="3600" b="0" strike="noStrike" spc="-1" dirty="0">
-              <a:solidFill>
-                <a:srgbClr val="FFFFFF"/>
-              </a:solidFill>
-              <a:latin typeface="Tw Cen MT"/>
-            </a:endParaRPr>
-          </a:p>
-        </p:txBody>
-      </p:sp>
-      <p:sp>
-        <p:nvSpPr>
-          <p:cNvPr id="238" name="TextShape 2"/>
-          <p:cNvSpPr txBox="1"/>
-          <p:nvPr/>
-        </p:nvSpPr>
-        <p:spPr>
-          <a:xfrm>
-            <a:off x="1141560" y="2249640"/>
-            <a:ext cx="9905760" cy="3541320"/>
-          </a:xfrm>
-          <a:prstGeom prst="rect">
-            <a:avLst/>
-          </a:prstGeom>
-          <a:noFill/>
-          <a:ln>
-            <a:noFill/>
-          </a:ln>
-        </p:spPr>
-        <p:txBody>
-          <a:bodyPr>
-            <a:normAutofit/>
-          </a:bodyPr>
-          <a:lstStyle/>
-          <a:p>
-            <a:pPr marL="360">
-              <a:lnSpc>
-                <a:spcPct val="120000"/>
-              </a:lnSpc>
-              <a:spcBef>
-                <a:spcPts val="1001"/>
-              </a:spcBef>
-              <a:buClr>
-                <a:srgbClr val="FFFFFF"/>
-              </a:buClr>
-              <a:buSzPct val="125000"/>
-            </a:pPr>
-            <a:r>
-              <a:rPr lang="en-US" sz="2400" spc="-1" dirty="0">
-                <a:solidFill>
-                  <a:srgbClr val="FFFFFF"/>
-                </a:solidFill>
-                <a:latin typeface="Tahoma"/>
-                <a:ea typeface="Tahoma"/>
-              </a:rPr>
-              <a:t>Python:</a:t>
-            </a:r>
-          </a:p>
-          <a:p>
-            <a:pPr marL="228600" indent="-228240">
-              <a:lnSpc>
-                <a:spcPct val="120000"/>
-              </a:lnSpc>
-              <a:spcBef>
-                <a:spcPts val="1001"/>
-              </a:spcBef>
-              <a:buClr>
-                <a:srgbClr val="FFFFFF"/>
-              </a:buClr>
-              <a:buSzPct val="125000"/>
-              <a:buFont typeface="Arial"/>
-              <a:buChar char="•"/>
-            </a:pPr>
-            <a:r>
-              <a:rPr lang="en-US" sz="2400" b="0" strike="noStrike" spc="-1" dirty="0">
-                <a:solidFill>
-                  <a:srgbClr val="FFFFFF"/>
-                </a:solidFill>
-                <a:latin typeface="Tahoma"/>
-                <a:ea typeface="Tahoma"/>
-              </a:rPr>
-              <a:t>More forgiving Syntax</a:t>
-            </a:r>
-            <a:endParaRPr lang="en-US" sz="2400" b="0" strike="noStrike" spc="-1" dirty="0">
-              <a:solidFill>
-                <a:srgbClr val="FFFFFF"/>
-              </a:solidFill>
-              <a:latin typeface="Tw Cen MT"/>
-            </a:endParaRPr>
-          </a:p>
-          <a:p>
-            <a:pPr marL="228600" indent="-228240">
-              <a:lnSpc>
-                <a:spcPct val="120000"/>
-              </a:lnSpc>
-              <a:spcBef>
-                <a:spcPts val="1001"/>
-              </a:spcBef>
-              <a:buClr>
-                <a:srgbClr val="FFFFFF"/>
-              </a:buClr>
-              <a:buSzPct val="125000"/>
-              <a:buFont typeface="Arial"/>
-              <a:buChar char="•"/>
-            </a:pPr>
-            <a:r>
-              <a:rPr lang="en-US" sz="2400" spc="-1" dirty="0">
-                <a:solidFill>
-                  <a:srgbClr val="FFFFFF"/>
-                </a:solidFill>
-                <a:latin typeface="Tahoma"/>
-                <a:ea typeface="Tahoma"/>
-              </a:rPr>
-              <a:t>Easier</a:t>
-            </a:r>
-            <a:endParaRPr lang="en-US" sz="2400" b="0" strike="noStrike" spc="-1" dirty="0">
-              <a:solidFill>
-                <a:srgbClr val="FFFFFF"/>
-              </a:solidFill>
-              <a:latin typeface="Tw Cen MT"/>
-            </a:endParaRPr>
-          </a:p>
-        </p:txBody>
-      </p:sp>
-    </p:spTree>
-  </p:cSld>
-  <p:clrMapOvr>
-    <a:masterClrMapping/>
-  </p:clrMapOvr>
-  <p:timing>
-    <p:tnLst>
-      <p:par>
-        <p:cTn id="1" dur="indefinite" restart="never" nodeType="tmRoot">
-          <p:childTnLst>
-            <p:seq>
-              <p:cTn id="2" dur="indefinite" nodeType="mainSeq">
-                <p:childTnLst>
-                  <p:par>
-                    <p:cTn id="3" fill="hold">
-                      <p:stCondLst>
-                        <p:cond delay="indefinite"/>
-                      </p:stCondLst>
-                      <p:childTnLst>
-                        <p:par>
-                          <p:cTn id="4" fill="hold">
-                            <p:stCondLst>
-                              <p:cond delay="0"/>
-                            </p:stCondLst>
-                            <p:childTnLst>
-                              <p:par>
-                                <p:cTn id="5" presetID="1" presetClass="entr" presetSubtype="0" fill="hold" nodeType="clickEffect">
-                                  <p:stCondLst>
-                                    <p:cond delay="0"/>
-                                  </p:stCondLst>
-                                  <p:childTnLst>
-                                    <p:set>
-                                      <p:cBhvr>
-                                        <p:cTn id="6" dur="1" fill="hold">
-                                          <p:stCondLst>
-                                            <p:cond delay="0"/>
-                                          </p:stCondLst>
-                                        </p:cTn>
-                                        <p:tgtEl>
-                                          <p:spTgt spid="238">
-                                            <p:txEl>
-                                              <p:pRg st="1" end="1"/>
-                                            </p:txEl>
-                                          </p:spTgt>
-                                        </p:tgtEl>
-                                        <p:attrNameLst>
-                                          <p:attrName>style.visibility</p:attrName>
-                                        </p:attrNameLst>
-                                      </p:cBhvr>
-                                      <p:to>
-                                        <p:strVal val="visible"/>
-                                      </p:to>
-                                    </p:set>
-                                  </p:childTnLst>
-                                </p:cTn>
-                              </p:par>
-                            </p:childTnLst>
-                          </p:cTn>
-                        </p:par>
-                      </p:childTnLst>
-                    </p:cTn>
-                  </p:par>
-                  <p:par>
-                    <p:cTn id="7" fill="hold">
-                      <p:stCondLst>
-                        <p:cond delay="indefinite"/>
-                      </p:stCondLst>
-                      <p:childTnLst>
-                        <p:par>
-                          <p:cTn id="8" fill="hold">
-                            <p:stCondLst>
-                              <p:cond delay="0"/>
-                            </p:stCondLst>
-                            <p:childTnLst>
-                              <p:par>
-                                <p:cTn id="9" presetID="1" presetClass="entr" presetSubtype="0" fill="hold" nodeType="clickEffect">
-                                  <p:stCondLst>
-                                    <p:cond delay="0"/>
-                                  </p:stCondLst>
-                                  <p:childTnLst>
-                                    <p:set>
-                                      <p:cBhvr>
-                                        <p:cTn id="10" dur="1" fill="hold">
-                                          <p:stCondLst>
-                                            <p:cond delay="0"/>
-                                          </p:stCondLst>
-                                        </p:cTn>
-                                        <p:tgtEl>
-                                          <p:spTgt spid="238">
-                                            <p:txEl>
-                                              <p:pRg st="2" end="2"/>
-                                            </p:txEl>
-                                          </p:spTgt>
-                                        </p:tgtEl>
-                                        <p:attrNameLst>
-                                          <p:attrName>style.visibility</p:attrName>
-                                        </p:attrNameLst>
-                                      </p:cBhvr>
-                                      <p:to>
-                                        <p:strVal val="visible"/>
-                                      </p:to>
-                                    </p:set>
-                                  </p:childTnLst>
-                                </p:cTn>
-                              </p:par>
-                            </p:childTnLst>
-                          </p:cTn>
-                        </p:par>
-                      </p:childTnLst>
-                    </p:cTn>
-                  </p:par>
-                </p:childTnLst>
-              </p:cTn>
-              <p:prevCondLst>
-                <p:cond evt="onPrev" delay="0">
-                  <p:tgtEl>
-                    <p:sldTgt/>
-                  </p:tgtEl>
-                </p:cond>
-              </p:prevCondLst>
-              <p:nextCondLst>
-                <p:cond evt="onNext" delay="0">
-                  <p:tgtEl>
-                    <p:sldTgt/>
-                  </p:tgtEl>
-                </p:cond>
-              </p:nextCondLst>
-            </p:seq>
-          </p:childTnLst>
-        </p:cTn>
-      </p:par>
-    </p:tnLst>
+    <p:bldLst>
+      <p:bldP spid="4" grpId="0"/>
+      <p:bldP spid="5" grpId="0"/>
+    </p:bldLst>
   </p:timing>
 </p:sld>
 </file>
@@ -17738,7 +18336,7 @@
                 <a:ea typeface="Tahoma" panose="020B0604030504040204" pitchFamily="34" charset="0"/>
                 <a:cs typeface="Tahoma" panose="020B0604030504040204" pitchFamily="34" charset="0"/>
               </a:rPr>
-              <a:t>Storing Information in spread out in a cluster</a:t>
+              <a:t>Storing information spread out in a cluster of multiple nodes</a:t>
             </a:r>
           </a:p>
           <a:p>
@@ -17765,7 +18363,7 @@
                 <a:ea typeface="Tahoma" panose="020B0604030504040204" pitchFamily="34" charset="0"/>
                 <a:cs typeface="Tahoma" panose="020B0604030504040204" pitchFamily="34" charset="0"/>
               </a:rPr>
-              <a:t>How do multiple Nodes find a consensus? </a:t>
+              <a:t>How do these nodes find a consensus for a state?</a:t>
             </a:r>
             <a:endParaRPr lang="en-US" sz="2400" b="0" strike="noStrike" spc="-1" dirty="0">
               <a:solidFill>
@@ -18396,7 +18994,7 @@
       </p:grpSpPr>
       <p:sp>
         <p:nvSpPr>
-          <p:cNvPr id="229" name="TextShape 1"/>
+          <p:cNvPr id="231" name="TextShape 1"/>
           <p:cNvSpPr txBox="1"/>
           <p:nvPr/>
         </p:nvSpPr>
@@ -18423,15 +19021,15 @@
               </a:lnSpc>
             </a:pPr>
             <a:r>
-              <a:rPr lang="de-DE" sz="3600" b="0" strike="noStrike" cap="all" spc="-1">
+              <a:rPr lang="de-DE" sz="3600" b="0" strike="noStrike" cap="all" spc="-1" dirty="0">
                 <a:solidFill>
                   <a:srgbClr val="FFFFFF"/>
                 </a:solidFill>
                 <a:latin typeface="Tw Cen MT"/>
               </a:rPr>
-              <a:t>Parallel programming in Go</a:t>
-            </a:r>
-            <a:endParaRPr lang="de-DE" sz="3600" b="0" strike="noStrike" spc="-1">
+              <a:t>Python</a:t>
+            </a:r>
+            <a:endParaRPr lang="de-DE" sz="3600" b="0" strike="noStrike" spc="-1" dirty="0">
               <a:solidFill>
                 <a:srgbClr val="FFFFFF"/>
               </a:solidFill>
@@ -18442,14 +19040,14 @@
       </p:sp>
       <p:sp>
         <p:nvSpPr>
-          <p:cNvPr id="230" name="CustomShape 2"/>
+          <p:cNvPr id="232" name="CustomShape 2"/>
           <p:cNvSpPr/>
           <p:nvPr/>
         </p:nvSpPr>
         <p:spPr>
           <a:xfrm>
-            <a:off x="1143000" y="1269000"/>
-            <a:ext cx="6211440" cy="5354640"/>
+            <a:off x="640800" y="2409480"/>
+            <a:ext cx="10979280" cy="3407760"/>
           </a:xfrm>
           <a:prstGeom prst="rect">
             <a:avLst/>
@@ -18483,24 +19081,42 @@
               </a:lnSpc>
             </a:pPr>
             <a:r>
-              <a:rPr lang="zxx" sz="1600" b="0" strike="noStrike" spc="-1">
+              <a:rPr lang="zxx" sz="1600" b="0" strike="noStrike" spc="-1" dirty="0">
                 <a:solidFill>
                   <a:srgbClr val="D73A49"/>
                 </a:solidFill>
                 <a:latin typeface="SFMono-Regular"/>
               </a:rPr>
-              <a:t>package</a:t>
-            </a:r>
-            <a:r>
-              <a:rPr lang="zxx" sz="1600" b="0" strike="noStrike" spc="-1">
+              <a:t>from</a:t>
+            </a:r>
+            <a:r>
+              <a:rPr lang="zxx" sz="1600" b="0" strike="noStrike" spc="-1" dirty="0">
                 <a:solidFill>
                   <a:srgbClr val="24292E"/>
                 </a:solidFill>
                 <a:latin typeface="SFMono-Regular"/>
               </a:rPr>
-              <a:t> main</a:t>
-            </a:r>
-            <a:endParaRPr lang="zxx" sz="1600" b="0" strike="noStrike" spc="-1">
+              <a:t> threading </a:t>
+            </a:r>
+            <a:r>
+              <a:rPr lang="zxx" sz="1600" b="0" strike="noStrike" spc="-1" dirty="0">
+                <a:solidFill>
+                  <a:srgbClr val="D73A49"/>
+                </a:solidFill>
+                <a:latin typeface="SFMono-Regular"/>
+              </a:rPr>
+              <a:t>import</a:t>
+            </a:r>
+            <a:r>
+              <a:rPr lang="zxx" sz="1600" b="0" strike="noStrike" spc="-1" dirty="0">
+                <a:solidFill>
+                  <a:srgbClr val="24292E"/>
+                </a:solidFill>
+                <a:latin typeface="SFMono-Regular"/>
+              </a:rPr>
+              <a:t> Thread </a:t>
+            </a:r>
+            <a:endParaRPr lang="zxx" sz="1600" b="0" strike="noStrike" spc="-1" dirty="0">
               <a:latin typeface="Arial"/>
             </a:endParaRPr>
           </a:p>
@@ -18510,7 +19126,7 @@
                 <a:spcPct val="100000"/>
               </a:lnSpc>
             </a:pPr>
-            <a:endParaRPr lang="zxx" sz="1600" b="0" strike="noStrike" spc="-1">
+            <a:endParaRPr lang="zxx" sz="1600" b="0" strike="noStrike" spc="-1" dirty="0">
               <a:latin typeface="Arial"/>
             </a:endParaRPr>
           </a:p>
@@ -18521,15 +19137,15 @@
               </a:lnSpc>
             </a:pPr>
             <a:r>
-              <a:rPr lang="zxx" sz="1600" b="0" strike="noStrike" spc="-1">
-                <a:solidFill>
-                  <a:srgbClr val="24292E"/>
+              <a:rPr lang="zxx" sz="1600" b="0" strike="noStrike" spc="-1" dirty="0">
+                <a:solidFill>
+                  <a:srgbClr val="6F42C1"/>
                 </a:solidFill>
                 <a:latin typeface="SFMono-Regular"/>
               </a:rPr>
-              <a:t>import (</a:t>
-            </a:r>
-            <a:endParaRPr lang="zxx" sz="1600" b="0" strike="noStrike" spc="-1">
+              <a:t>class ServerThread(Thread):</a:t>
+            </a:r>
+            <a:endParaRPr lang="zxx" sz="1600" b="0" strike="noStrike" spc="-1" dirty="0">
               <a:latin typeface="Arial"/>
             </a:endParaRPr>
           </a:p>
@@ -18539,16 +19155,7 @@
                 <a:spcPct val="100000"/>
               </a:lnSpc>
             </a:pPr>
-            <a:r>
-              <a:rPr lang="zxx" sz="1600" b="0" strike="noStrike" spc="-1">
-                <a:solidFill>
-                  <a:srgbClr val="24292E"/>
-                </a:solidFill>
-                <a:latin typeface="SFMono-Regular"/>
-              </a:rPr>
-              <a:t>  "fmt"</a:t>
-            </a:r>
-            <a:endParaRPr lang="zxx" sz="1600" b="0" strike="noStrike" spc="-1">
+            <a:endParaRPr lang="zxx" sz="1600" b="0" strike="noStrike" spc="-1" dirty="0">
               <a:latin typeface="Arial"/>
             </a:endParaRPr>
           </a:p>
@@ -18559,15 +19166,15 @@
               </a:lnSpc>
             </a:pPr>
             <a:r>
-              <a:rPr lang="zxx" sz="1600" b="0" strike="noStrike" spc="-1">
-                <a:solidFill>
-                  <a:srgbClr val="24292E"/>
+              <a:rPr lang="zxx" sz="1600" b="0" strike="noStrike" spc="-1" dirty="0">
+                <a:solidFill>
+                  <a:srgbClr val="6F42C1"/>
                 </a:solidFill>
                 <a:latin typeface="SFMono-Regular"/>
               </a:rPr>
-              <a:t>)</a:t>
-            </a:r>
-            <a:endParaRPr lang="zxx" sz="1600" b="0" strike="noStrike" spc="-1">
+              <a:t>    def __init__(self, counter):</a:t>
+            </a:r>
+            <a:endParaRPr lang="zxx" sz="1600" b="0" strike="noStrike" spc="-1" dirty="0">
               <a:latin typeface="Arial"/>
             </a:endParaRPr>
           </a:p>
@@ -18577,7 +19184,16 @@
                 <a:spcPct val="100000"/>
               </a:lnSpc>
             </a:pPr>
-            <a:endParaRPr lang="zxx" sz="1600" b="0" strike="noStrike" spc="-1">
+            <a:r>
+              <a:rPr lang="zxx" sz="1600" b="0" strike="noStrike" spc="-1" dirty="0">
+                <a:solidFill>
+                  <a:srgbClr val="6F42C1"/>
+                </a:solidFill>
+                <a:latin typeface="SFMono-Regular"/>
+              </a:rPr>
+              <a:t>        Thread.__init__(self)</a:t>
+            </a:r>
+            <a:endParaRPr lang="zxx" sz="1600" b="0" strike="noStrike" spc="-1" dirty="0">
               <a:latin typeface="Arial"/>
             </a:endParaRPr>
           </a:p>
@@ -18588,15 +19204,15 @@
               </a:lnSpc>
             </a:pPr>
             <a:r>
-              <a:rPr lang="zxx" sz="1600" b="0" strike="noStrike" spc="-1">
-                <a:solidFill>
-                  <a:srgbClr val="24292E"/>
+              <a:rPr lang="zxx" sz="1600" b="0" strike="noStrike" spc="-1" dirty="0">
+                <a:solidFill>
+                  <a:srgbClr val="6F42C1"/>
                 </a:solidFill>
                 <a:latin typeface="SFMono-Regular"/>
               </a:rPr>
-              <a:t>func main() {</a:t>
-            </a:r>
-            <a:endParaRPr lang="zxx" sz="1600" b="0" strike="noStrike" spc="-1">
+              <a:t>        self.counter = counter</a:t>
+            </a:r>
+            <a:endParaRPr lang="zxx" sz="1600" b="0" strike="noStrike" spc="-1" dirty="0">
               <a:latin typeface="Arial"/>
             </a:endParaRPr>
           </a:p>
@@ -18606,16 +19222,7 @@
                 <a:spcPct val="100000"/>
               </a:lnSpc>
             </a:pPr>
-            <a:r>
-              <a:rPr lang="zxx" sz="1600" b="0" strike="noStrike" spc="-1">
-                <a:solidFill>
-                  <a:srgbClr val="24292E"/>
-                </a:solidFill>
-                <a:latin typeface="SFMono-Regular"/>
-              </a:rPr>
-              <a:t>  a, b := 1, 2</a:t>
-            </a:r>
-            <a:endParaRPr lang="zxx" sz="1600" b="0" strike="noStrike" spc="-1">
+            <a:endParaRPr lang="zxx" sz="1600" b="0" strike="noStrike" spc="-1" dirty="0">
               <a:latin typeface="Arial"/>
             </a:endParaRPr>
           </a:p>
@@ -18625,7 +19232,16 @@
                 <a:spcPct val="100000"/>
               </a:lnSpc>
             </a:pPr>
-            <a:endParaRPr lang="zxx" sz="1600" b="0" strike="noStrike" spc="-1">
+            <a:r>
+              <a:rPr lang="zxx" sz="1600" b="0" strike="noStrike" spc="-1" dirty="0">
+                <a:solidFill>
+                  <a:srgbClr val="6F42C1"/>
+                </a:solidFill>
+                <a:latin typeface="SFMono-Regular"/>
+              </a:rPr>
+              <a:t>    def run(self):</a:t>
+            </a:r>
+            <a:endParaRPr lang="zxx" sz="1600" b="0" strike="noStrike" spc="-1" dirty="0">
               <a:latin typeface="Arial"/>
             </a:endParaRPr>
           </a:p>
@@ -18636,15 +19252,15 @@
               </a:lnSpc>
             </a:pPr>
             <a:r>
-              <a:rPr lang="zxx" sz="1600" b="0" strike="noStrike" spc="-1">
-                <a:solidFill>
-                  <a:srgbClr val="24292E"/>
+              <a:rPr lang="zxx" sz="1600" b="0" strike="noStrike" spc="-1" dirty="0">
+                <a:solidFill>
+                  <a:srgbClr val="6F42C1"/>
                 </a:solidFill>
                 <a:latin typeface="SFMono-Regular"/>
               </a:rPr>
-              <a:t>  operationDone := make(chan bool)</a:t>
-            </a:r>
-            <a:endParaRPr lang="zxx" sz="1600" b="0" strike="noStrike" spc="-1">
+              <a:t>        try:</a:t>
+            </a:r>
+            <a:endParaRPr lang="zxx" sz="1600" b="0" strike="noStrike" spc="-1" dirty="0">
               <a:latin typeface="Arial"/>
             </a:endParaRPr>
           </a:p>
@@ -18655,15 +19271,15 @@
               </a:lnSpc>
             </a:pPr>
             <a:r>
-              <a:rPr lang="zxx" sz="1600" b="0" strike="noStrike" spc="-1">
-                <a:solidFill>
-                  <a:srgbClr val="24292E"/>
+              <a:rPr lang="zxx" sz="1600" b="0" strike="noStrike" spc="-1" dirty="0">
+                <a:solidFill>
+                  <a:srgbClr val="6F42C1"/>
                 </a:solidFill>
                 <a:latin typeface="SFMono-Regular"/>
               </a:rPr>
-              <a:t>  go func() {</a:t>
-            </a:r>
-            <a:endParaRPr lang="zxx" sz="1600" b="0" strike="noStrike" spc="-1">
+              <a:t>            for i in range(0, self.counter):</a:t>
+            </a:r>
+            <a:endParaRPr lang="zxx" sz="1600" b="0" strike="noStrike" spc="-1" dirty="0">
               <a:latin typeface="Arial"/>
             </a:endParaRPr>
           </a:p>
@@ -18674,15 +19290,15 @@
               </a:lnSpc>
             </a:pPr>
             <a:r>
-              <a:rPr lang="zxx" sz="1600" b="0" strike="noStrike" spc="-1">
-                <a:solidFill>
-                  <a:srgbClr val="24292E"/>
+              <a:rPr lang="zxx" sz="1600" b="0" strike="noStrike" spc="-1" dirty="0">
+                <a:solidFill>
+                  <a:srgbClr val="6F42C1"/>
                 </a:solidFill>
                 <a:latin typeface="SFMono-Regular"/>
               </a:rPr>
-              <a:t>    b = a * b</a:t>
-            </a:r>
-            <a:endParaRPr lang="zxx" sz="1600" b="0" strike="noStrike" spc="-1">
+              <a:t>                print(i)</a:t>
+            </a:r>
+            <a:endParaRPr lang="zxx" sz="1600" b="0" strike="noStrike" spc="-1" dirty="0">
               <a:latin typeface="Arial"/>
             </a:endParaRPr>
           </a:p>
@@ -18692,7 +19308,16 @@
                 <a:spcPct val="100000"/>
               </a:lnSpc>
             </a:pPr>
-            <a:endParaRPr lang="zxx" sz="1600" b="0" strike="noStrike" spc="-1">
+            <a:r>
+              <a:rPr lang="zxx" sz="1600" b="0" strike="noStrike" spc="-1" dirty="0">
+                <a:solidFill>
+                  <a:srgbClr val="6F42C1"/>
+                </a:solidFill>
+                <a:latin typeface="SFMono-Regular"/>
+              </a:rPr>
+              <a:t>        finally:</a:t>
+            </a:r>
+            <a:endParaRPr lang="zxx" sz="1600" b="0" strike="noStrike" spc="-1" dirty="0">
               <a:latin typeface="Arial"/>
             </a:endParaRPr>
           </a:p>
@@ -18703,161 +19328,128 @@
               </a:lnSpc>
             </a:pPr>
             <a:r>
-              <a:rPr lang="zxx" sz="1600" b="0" strike="noStrike" spc="-1">
-                <a:solidFill>
-                  <a:srgbClr val="24292E"/>
+              <a:rPr lang="zxx" sz="1600" b="0" strike="noStrike" spc="-1" dirty="0">
+                <a:solidFill>
+                  <a:srgbClr val="6F42C1"/>
                 </a:solidFill>
                 <a:latin typeface="SFMono-Regular"/>
               </a:rPr>
-              <a:t>    operationDone &lt;- true //or false</a:t>
-            </a:r>
-            <a:endParaRPr lang="zxx" sz="1600" b="0" strike="noStrike" spc="-1">
+              <a:t>            print("Thread finished")</a:t>
+            </a:r>
+            <a:endParaRPr lang="zxx" sz="1600" b="0" strike="noStrike" spc="-1" dirty="0">
               <a:latin typeface="Arial"/>
             </a:endParaRPr>
           </a:p>
+        </p:txBody>
+      </p:sp>
+    </p:spTree>
+  </p:cSld>
+  <p:clrMapOvr>
+    <a:masterClrMapping/>
+  </p:clrMapOvr>
+  <p:timing>
+    <p:tnLst>
+      <p:par>
+        <p:cTn id="1" dur="indefinite" restart="never" nodeType="tmRoot">
+          <p:childTnLst>
+            <p:seq>
+              <p:cTn id="2" dur="indefinite" nodeType="mainSeq"/>
+              <p:prevCondLst>
+                <p:cond evt="onPrev" delay="0">
+                  <p:tgtEl>
+                    <p:sldTgt/>
+                  </p:tgtEl>
+                </p:cond>
+              </p:prevCondLst>
+              <p:nextCondLst>
+                <p:cond evt="onNext" delay="0">
+                  <p:tgtEl>
+                    <p:sldTgt/>
+                  </p:tgtEl>
+                </p:cond>
+              </p:nextCondLst>
+            </p:seq>
+          </p:childTnLst>
+        </p:cTn>
+      </p:par>
+    </p:tnLst>
+  </p:timing>
+</p:sld>
+</file>
+
+<file path=ppt/slides/slide5.xml><?xml version="1.0" encoding="utf-8"?>
+<p:sld xmlns:a="http://schemas.openxmlformats.org/drawingml/2006/main" xmlns:r="http://schemas.openxmlformats.org/officeDocument/2006/relationships" xmlns:p="http://schemas.openxmlformats.org/presentationml/2006/main">
+  <p:cSld>
+    <p:spTree>
+      <p:nvGrpSpPr>
+        <p:cNvPr id="1" name=""/>
+        <p:cNvGrpSpPr/>
+        <p:nvPr/>
+      </p:nvGrpSpPr>
+      <p:grpSpPr>
+        <a:xfrm>
+          <a:off x="0" y="0"/>
+          <a:ext cx="0" cy="0"/>
+          <a:chOff x="0" y="0"/>
+          <a:chExt cx="0" cy="0"/>
+        </a:xfrm>
+      </p:grpSpPr>
+      <p:sp>
+        <p:nvSpPr>
+          <p:cNvPr id="233" name="TextShape 1"/>
+          <p:cNvSpPr txBox="1"/>
+          <p:nvPr/>
+        </p:nvSpPr>
+        <p:spPr>
+          <a:xfrm>
+            <a:off x="1143000" y="0"/>
+            <a:ext cx="9905760" cy="1478160"/>
+          </a:xfrm>
+          <a:prstGeom prst="rect">
+            <a:avLst/>
+          </a:prstGeom>
+          <a:noFill/>
+          <a:ln>
+            <a:noFill/>
+          </a:ln>
+        </p:spPr>
+        <p:txBody>
+          <a:bodyPr anchor="ctr"/>
+          <a:lstStyle/>
           <a:p>
             <a:pPr>
               <a:lnSpc>
-                <a:spcPct val="100000"/>
+                <a:spcPct val="90000"/>
               </a:lnSpc>
             </a:pPr>
             <a:r>
-              <a:rPr lang="zxx" sz="1600" b="0" strike="noStrike" spc="-1">
-                <a:solidFill>
-                  <a:srgbClr val="24292E"/>
-                </a:solidFill>
-                <a:latin typeface="SFMono-Regular"/>
-              </a:rPr>
-              <a:t>  }()</a:t>
-            </a:r>
-            <a:endParaRPr lang="zxx" sz="1600" b="0" strike="noStrike" spc="-1">
-              <a:latin typeface="Arial"/>
-            </a:endParaRPr>
-          </a:p>
-          <a:p>
-            <a:pPr>
-              <a:lnSpc>
-                <a:spcPct val="100000"/>
-              </a:lnSpc>
-            </a:pPr>
-            <a:endParaRPr lang="zxx" sz="1600" b="0" strike="noStrike" spc="-1">
-              <a:latin typeface="Arial"/>
-            </a:endParaRPr>
-          </a:p>
-          <a:p>
-            <a:pPr>
-              <a:lnSpc>
-                <a:spcPct val="100000"/>
-              </a:lnSpc>
-            </a:pPr>
-            <a:r>
-              <a:rPr lang="zxx" sz="1600" b="0" strike="noStrike" spc="-1">
-                <a:solidFill>
-                  <a:srgbClr val="24292E"/>
-                </a:solidFill>
-                <a:latin typeface="SFMono-Regular"/>
-              </a:rPr>
-              <a:t>  &lt;-operationDone</a:t>
-            </a:r>
-            <a:endParaRPr lang="zxx" sz="1600" b="0" strike="noStrike" spc="-1">
-              <a:latin typeface="Arial"/>
-            </a:endParaRPr>
-          </a:p>
-          <a:p>
-            <a:pPr>
-              <a:lnSpc>
-                <a:spcPct val="100000"/>
-              </a:lnSpc>
-            </a:pPr>
-            <a:endParaRPr lang="zxx" sz="1600" b="0" strike="noStrike" spc="-1">
-              <a:latin typeface="Arial"/>
-            </a:endParaRPr>
-          </a:p>
-          <a:p>
-            <a:pPr>
-              <a:lnSpc>
-                <a:spcPct val="100000"/>
-              </a:lnSpc>
-            </a:pPr>
-            <a:r>
-              <a:rPr lang="zxx" sz="1600" b="0" strike="noStrike" spc="-1">
-                <a:solidFill>
-                  <a:srgbClr val="24292E"/>
-                </a:solidFill>
-                <a:latin typeface="SFMono-Regular"/>
-              </a:rPr>
-              <a:t>  a = b * b</a:t>
-            </a:r>
-            <a:endParaRPr lang="zxx" sz="1600" b="0" strike="noStrike" spc="-1">
-              <a:latin typeface="Arial"/>
-            </a:endParaRPr>
-          </a:p>
-          <a:p>
-            <a:pPr>
-              <a:lnSpc>
-                <a:spcPct val="100000"/>
-              </a:lnSpc>
-            </a:pPr>
-            <a:endParaRPr lang="zxx" sz="1600" b="0" strike="noStrike" spc="-1">
-              <a:latin typeface="Arial"/>
-            </a:endParaRPr>
-          </a:p>
-          <a:p>
-            <a:pPr>
-              <a:lnSpc>
-                <a:spcPct val="100000"/>
-              </a:lnSpc>
-            </a:pPr>
-            <a:r>
-              <a:rPr lang="zxx" sz="1600" b="0" strike="noStrike" spc="-1">
-                <a:solidFill>
-                  <a:srgbClr val="24292E"/>
-                </a:solidFill>
-                <a:latin typeface="SFMono-Regular"/>
-              </a:rPr>
-              <a:t>  fmt.Printf("a = %d, b = %d\n", a, b)</a:t>
-            </a:r>
-            <a:endParaRPr lang="zxx" sz="1600" b="0" strike="noStrike" spc="-1">
-              <a:latin typeface="Arial"/>
-            </a:endParaRPr>
-          </a:p>
-          <a:p>
-            <a:pPr>
-              <a:lnSpc>
-                <a:spcPct val="100000"/>
-              </a:lnSpc>
-            </a:pPr>
-            <a:r>
-              <a:rPr lang="zxx" sz="1600" b="0" strike="noStrike" spc="-1">
-                <a:solidFill>
-                  <a:srgbClr val="24292E"/>
-                </a:solidFill>
-                <a:latin typeface="SFMono-Regular"/>
-              </a:rPr>
-              <a:t>}</a:t>
-            </a:r>
-            <a:endParaRPr lang="zxx" sz="1600" b="0" strike="noStrike" spc="-1">
-              <a:latin typeface="Arial"/>
+              <a:rPr lang="de-DE" sz="3600" b="0" strike="noStrike" cap="all" spc="-1" dirty="0">
+                <a:solidFill>
+                  <a:srgbClr val="FFFFFF"/>
+                </a:solidFill>
+                <a:latin typeface="Tw Cen MT"/>
+              </a:rPr>
+              <a:t>Python</a:t>
+            </a:r>
+            <a:endParaRPr lang="de-DE" sz="3600" b="0" strike="noStrike" spc="-1" dirty="0">
+              <a:solidFill>
+                <a:srgbClr val="FFFFFF"/>
+              </a:solidFill>
+              <a:latin typeface="Tw Cen MT"/>
             </a:endParaRPr>
           </a:p>
         </p:txBody>
       </p:sp>
       <p:sp>
         <p:nvSpPr>
-          <p:cNvPr id="4" name="CustomShape 2">
-            <a:extLst>
-              <a:ext uri="{FF2B5EF4-FFF2-40B4-BE49-F238E27FC236}">
-                <a16:creationId xmlns:a16="http://schemas.microsoft.com/office/drawing/2014/main" id="{50CB7879-45E3-4AF9-B79B-D650834B5C7B}"/>
-              </a:ext>
-            </a:extLst>
-          </p:cNvPr>
+          <p:cNvPr id="234" name="CustomShape 2"/>
           <p:cNvSpPr/>
           <p:nvPr/>
         </p:nvSpPr>
         <p:spPr>
           <a:xfrm>
-            <a:off x="9129537" y="2956140"/>
-            <a:ext cx="1154774" cy="945719"/>
+            <a:off x="1041480" y="2333160"/>
+            <a:ext cx="4391132" cy="2190960"/>
           </a:xfrm>
           <a:prstGeom prst="rect">
             <a:avLst/>
@@ -18891,23 +19483,17 @@
               </a:lnSpc>
             </a:pPr>
             <a:r>
-              <a:rPr lang="de-DE" sz="1600" spc="-1" dirty="0" err="1">
+              <a:rPr lang="zxx" sz="1600" b="0" strike="noStrike" spc="-1" dirty="0">
                 <a:solidFill>
                   <a:srgbClr val="D73A49"/>
                 </a:solidFill>
                 <a:latin typeface="SFMono-Regular"/>
               </a:rPr>
-              <a:t>Result</a:t>
-            </a:r>
-            <a:r>
-              <a:rPr lang="de-DE" sz="1600" spc="-1" dirty="0">
-                <a:solidFill>
-                  <a:srgbClr val="D73A49"/>
-                </a:solidFill>
-                <a:latin typeface="SFMono-Regular"/>
-              </a:rPr>
-              <a:t>:</a:t>
-            </a:r>
+              <a:t>from src.server.serverThread import ServerThread</a:t>
+            </a:r>
+            <a:endParaRPr lang="zxx" sz="1600" b="0" strike="noStrike" spc="-1" dirty="0">
+              <a:latin typeface="Arial"/>
+            </a:endParaRPr>
           </a:p>
           <a:p>
             <a:pPr>
@@ -18915,12 +19501,9 @@
                 <a:spcPct val="100000"/>
               </a:lnSpc>
             </a:pPr>
-            <a:r>
-              <a:rPr lang="de-DE" sz="1600" spc="-1" dirty="0">
-                <a:latin typeface="SFMono-Regular"/>
-              </a:rPr>
-              <a:t>a = 4</a:t>
-            </a:r>
+            <a:endParaRPr lang="zxx" sz="1600" b="0" strike="noStrike" spc="-1" dirty="0">
+              <a:latin typeface="Arial"/>
+            </a:endParaRPr>
           </a:p>
           <a:p>
             <a:pPr>
@@ -18929,10 +19512,379 @@
               </a:lnSpc>
             </a:pPr>
             <a:r>
+              <a:rPr lang="zxx" sz="1600" b="0" strike="noStrike" spc="-1" dirty="0">
+                <a:solidFill>
+                  <a:srgbClr val="D73A49"/>
+                </a:solidFill>
+                <a:latin typeface="SFMono-Regular"/>
+              </a:rPr>
+              <a:t>if __name__ == '__main__':</a:t>
+            </a:r>
+            <a:endParaRPr lang="zxx" sz="1600" b="0" strike="noStrike" spc="-1" dirty="0">
+              <a:latin typeface="Arial"/>
+            </a:endParaRPr>
+          </a:p>
+          <a:p>
+            <a:pPr>
+              <a:lnSpc>
+                <a:spcPct val="100000"/>
+              </a:lnSpc>
+            </a:pPr>
+            <a:endParaRPr lang="zxx" sz="1600" b="0" strike="noStrike" spc="-1" dirty="0">
+              <a:latin typeface="Arial"/>
+            </a:endParaRPr>
+          </a:p>
+          <a:p>
+            <a:pPr>
+              <a:lnSpc>
+                <a:spcPct val="100000"/>
+              </a:lnSpc>
+            </a:pPr>
+            <a:r>
+              <a:rPr lang="zxx" sz="1600" b="0" strike="noStrike" spc="-1" dirty="0">
+                <a:solidFill>
+                  <a:srgbClr val="D73A49"/>
+                </a:solidFill>
+                <a:latin typeface="SFMono-Regular"/>
+              </a:rPr>
+              <a:t>    for </a:t>
+            </a:r>
+            <a:r>
               <a:rPr lang="de-DE" sz="1600" spc="-1" dirty="0">
+                <a:solidFill>
+                  <a:srgbClr val="D73A49"/>
+                </a:solidFill>
                 <a:latin typeface="SFMono-Regular"/>
               </a:rPr>
-              <a:t>b = 2</a:t>
+              <a:t>i</a:t>
+            </a:r>
+            <a:r>
+              <a:rPr lang="zxx" sz="1600" b="0" strike="noStrike" spc="-1" dirty="0">
+                <a:solidFill>
+                  <a:srgbClr val="D73A49"/>
+                </a:solidFill>
+                <a:latin typeface="SFMono-Regular"/>
+              </a:rPr>
+              <a:t> in range(8):</a:t>
+            </a:r>
+            <a:endParaRPr lang="zxx" sz="1600" b="0" strike="noStrike" spc="-1" dirty="0">
+              <a:latin typeface="Arial"/>
+            </a:endParaRPr>
+          </a:p>
+          <a:p>
+            <a:pPr>
+              <a:lnSpc>
+                <a:spcPct val="100000"/>
+              </a:lnSpc>
+            </a:pPr>
+            <a:r>
+              <a:rPr lang="zxx" sz="1600" b="0" strike="noStrike" spc="-1" dirty="0">
+                <a:solidFill>
+                  <a:srgbClr val="D73A49"/>
+                </a:solidFill>
+                <a:latin typeface="SFMono-Regular"/>
+              </a:rPr>
+              <a:t>        server = ServerThread(</a:t>
+            </a:r>
+            <a:r>
+              <a:rPr lang="de-DE" sz="1600" b="0" strike="noStrike" spc="-1" dirty="0">
+                <a:solidFill>
+                  <a:srgbClr val="D73A49"/>
+                </a:solidFill>
+                <a:latin typeface="SFMono-Regular"/>
+              </a:rPr>
+              <a:t>i</a:t>
+            </a:r>
+            <a:r>
+              <a:rPr lang="zxx" sz="1600" b="0" strike="noStrike" spc="-1" dirty="0">
+                <a:solidFill>
+                  <a:srgbClr val="D73A49"/>
+                </a:solidFill>
+                <a:latin typeface="SFMono-Regular"/>
+              </a:rPr>
+              <a:t>)</a:t>
+            </a:r>
+            <a:endParaRPr lang="zxx" sz="1600" b="0" strike="noStrike" spc="-1" dirty="0">
+              <a:latin typeface="Arial"/>
+            </a:endParaRPr>
+          </a:p>
+          <a:p>
+            <a:pPr>
+              <a:lnSpc>
+                <a:spcPct val="100000"/>
+              </a:lnSpc>
+            </a:pPr>
+            <a:r>
+              <a:rPr lang="zxx" sz="1600" b="0" strike="noStrike" spc="-1" dirty="0">
+                <a:solidFill>
+                  <a:srgbClr val="D73A49"/>
+                </a:solidFill>
+                <a:latin typeface="SFMono-Regular"/>
+              </a:rPr>
+              <a:t>        server.start()</a:t>
+            </a:r>
+            <a:endParaRPr lang="zxx" sz="1600" b="0" strike="noStrike" spc="-1" dirty="0">
+              <a:latin typeface="Arial"/>
+            </a:endParaRPr>
+          </a:p>
+          <a:p>
+            <a:pPr>
+              <a:lnSpc>
+                <a:spcPct val="100000"/>
+              </a:lnSpc>
+            </a:pPr>
+            <a:r>
+              <a:rPr lang="zxx" sz="1600" b="0" strike="noStrike" spc="-1" dirty="0">
+                <a:solidFill>
+                  <a:srgbClr val="D73A49"/>
+                </a:solidFill>
+                <a:latin typeface="SFMono-Regular"/>
+              </a:rPr>
+              <a:t>        # wait for the thread to terminate</a:t>
+            </a:r>
+            <a:endParaRPr lang="zxx" sz="1600" b="0" strike="noStrike" spc="-1" dirty="0">
+              <a:latin typeface="Arial"/>
+            </a:endParaRPr>
+          </a:p>
+          <a:p>
+            <a:pPr>
+              <a:lnSpc>
+                <a:spcPct val="100000"/>
+              </a:lnSpc>
+            </a:pPr>
+            <a:r>
+              <a:rPr lang="zxx" sz="1600" b="0" strike="noStrike" spc="-1" dirty="0">
+                <a:solidFill>
+                  <a:srgbClr val="D73A49"/>
+                </a:solidFill>
+                <a:latin typeface="SFMono-Regular"/>
+              </a:rPr>
+              <a:t>        server.join()</a:t>
+            </a:r>
+            <a:endParaRPr lang="zxx" sz="1600" b="0" strike="noStrike" spc="-1" dirty="0">
+              <a:latin typeface="Arial"/>
+            </a:endParaRPr>
+          </a:p>
+        </p:txBody>
+      </p:sp>
+      <p:sp>
+        <p:nvSpPr>
+          <p:cNvPr id="4" name="CustomShape 2">
+            <a:extLst>
+              <a:ext uri="{FF2B5EF4-FFF2-40B4-BE49-F238E27FC236}">
+                <a16:creationId xmlns:a16="http://schemas.microsoft.com/office/drawing/2014/main" id="{C19594AF-142A-45F9-9437-CBD42AB2D8A8}"/>
+              </a:ext>
+            </a:extLst>
+          </p:cNvPr>
+          <p:cNvSpPr/>
+          <p:nvPr/>
+        </p:nvSpPr>
+        <p:spPr>
+          <a:xfrm>
+            <a:off x="6206943" y="2199314"/>
+            <a:ext cx="4391132" cy="2458652"/>
+          </a:xfrm>
+          <a:prstGeom prst="rect">
+            <a:avLst/>
+          </a:prstGeom>
+          <a:solidFill>
+            <a:srgbClr val="F6F8FA"/>
+          </a:solidFill>
+          <a:ln>
+            <a:noFill/>
+          </a:ln>
+        </p:spPr>
+        <p:style>
+          <a:lnRef idx="0">
+            <a:scrgbClr r="0" g="0" b="0"/>
+          </a:lnRef>
+          <a:fillRef idx="0">
+            <a:scrgbClr r="0" g="0" b="0"/>
+          </a:fillRef>
+          <a:effectRef idx="0">
+            <a:scrgbClr r="0" g="0" b="0"/>
+          </a:effectRef>
+          <a:fontRef idx="minor"/>
+        </p:style>
+        <p:txBody>
+          <a:bodyPr tIns="0" bIns="0" anchor="ctr"/>
+          <a:lstStyle/>
+          <a:p>
+            <a:pPr>
+              <a:lnSpc>
+                <a:spcPct val="100000"/>
+              </a:lnSpc>
+            </a:pPr>
+            <a:r>
+              <a:rPr lang="de-DE" sz="1600" b="0" strike="noStrike" spc="-1" dirty="0" err="1">
+                <a:solidFill>
+                  <a:srgbClr val="D73A49"/>
+                </a:solidFill>
+                <a:latin typeface="SFMono-Regular"/>
+              </a:rPr>
+              <a:t>Result</a:t>
+            </a:r>
+            <a:r>
+              <a:rPr lang="de-DE" sz="1600" b="0" strike="noStrike" spc="-1" dirty="0">
+                <a:solidFill>
+                  <a:srgbClr val="D73A49"/>
+                </a:solidFill>
+                <a:latin typeface="SFMono-Regular"/>
+              </a:rPr>
+              <a:t>:</a:t>
+            </a:r>
+          </a:p>
+          <a:p>
+            <a:pPr>
+              <a:lnSpc>
+                <a:spcPct val="100000"/>
+              </a:lnSpc>
+            </a:pPr>
+            <a:r>
+              <a:rPr lang="de-DE" sz="1600" b="0" strike="noStrike" spc="-1" dirty="0">
+                <a:latin typeface="Arial"/>
+              </a:rPr>
+              <a:t>0</a:t>
+            </a:r>
+          </a:p>
+          <a:p>
+            <a:pPr>
+              <a:lnSpc>
+                <a:spcPct val="100000"/>
+              </a:lnSpc>
+            </a:pPr>
+            <a:r>
+              <a:rPr lang="de-DE" sz="1600" b="0" strike="noStrike" spc="-1" dirty="0">
+                <a:latin typeface="Arial"/>
+              </a:rPr>
+              <a:t>Thread </a:t>
+            </a:r>
+            <a:r>
+              <a:rPr lang="de-DE" sz="1600" b="0" strike="noStrike" spc="-1" dirty="0" err="1">
+                <a:latin typeface="Arial"/>
+              </a:rPr>
+              <a:t>finished</a:t>
+            </a:r>
+            <a:r>
+              <a:rPr lang="de-DE" sz="1600" b="0" strike="noStrike" spc="-1" dirty="0">
+                <a:latin typeface="Arial"/>
+              </a:rPr>
+              <a:t>!</a:t>
+            </a:r>
+          </a:p>
+          <a:p>
+            <a:pPr>
+              <a:lnSpc>
+                <a:spcPct val="100000"/>
+              </a:lnSpc>
+            </a:pPr>
+            <a:r>
+              <a:rPr lang="de-DE" sz="1600" b="0" strike="noStrike" spc="-1" dirty="0">
+                <a:latin typeface="Arial"/>
+              </a:rPr>
+              <a:t>1</a:t>
+            </a:r>
+          </a:p>
+          <a:p>
+            <a:pPr>
+              <a:lnSpc>
+                <a:spcPct val="100000"/>
+              </a:lnSpc>
+            </a:pPr>
+            <a:r>
+              <a:rPr lang="de-DE" sz="1600" b="0" strike="noStrike" spc="-1" dirty="0">
+                <a:latin typeface="Arial"/>
+              </a:rPr>
+              <a:t>0</a:t>
+            </a:r>
+          </a:p>
+          <a:p>
+            <a:pPr>
+              <a:lnSpc>
+                <a:spcPct val="100000"/>
+              </a:lnSpc>
+            </a:pPr>
+            <a:r>
+              <a:rPr lang="de-DE" sz="1600" spc="-1" dirty="0">
+                <a:latin typeface="Arial"/>
+              </a:rPr>
+              <a:t>Thread </a:t>
+            </a:r>
+            <a:r>
+              <a:rPr lang="de-DE" sz="1600" spc="-1" dirty="0" err="1">
+                <a:latin typeface="Arial"/>
+              </a:rPr>
+              <a:t>finished</a:t>
+            </a:r>
+            <a:r>
+              <a:rPr lang="de-DE" sz="1600" spc="-1" dirty="0">
+                <a:latin typeface="Arial"/>
+              </a:rPr>
+              <a:t>!</a:t>
+            </a:r>
+          </a:p>
+          <a:p>
+            <a:pPr>
+              <a:lnSpc>
+                <a:spcPct val="100000"/>
+              </a:lnSpc>
+            </a:pPr>
+            <a:r>
+              <a:rPr lang="de-DE" sz="1600" b="0" strike="noStrike" spc="-1" dirty="0">
+                <a:latin typeface="Arial"/>
+              </a:rPr>
+              <a:t>2</a:t>
+            </a:r>
+          </a:p>
+          <a:p>
+            <a:pPr>
+              <a:lnSpc>
+                <a:spcPct val="100000"/>
+              </a:lnSpc>
+            </a:pPr>
+            <a:r>
+              <a:rPr lang="de-DE" sz="1600" spc="-1" dirty="0">
+                <a:latin typeface="Arial"/>
+              </a:rPr>
+              <a:t>1</a:t>
+            </a:r>
+          </a:p>
+          <a:p>
+            <a:pPr>
+              <a:lnSpc>
+                <a:spcPct val="100000"/>
+              </a:lnSpc>
+            </a:pPr>
+            <a:r>
+              <a:rPr lang="de-DE" sz="1600" b="0" strike="noStrike" spc="-1" dirty="0">
+                <a:latin typeface="Arial"/>
+              </a:rPr>
+              <a:t>0</a:t>
+            </a:r>
+          </a:p>
+          <a:p>
+            <a:pPr>
+              <a:lnSpc>
+                <a:spcPct val="100000"/>
+              </a:lnSpc>
+            </a:pPr>
+            <a:r>
+              <a:rPr lang="de-DE" sz="1600" spc="-1" dirty="0">
+                <a:latin typeface="Arial"/>
+              </a:rPr>
+              <a:t>Thread </a:t>
+            </a:r>
+            <a:r>
+              <a:rPr lang="de-DE" sz="1600" spc="-1" dirty="0" err="1">
+                <a:latin typeface="Arial"/>
+              </a:rPr>
+              <a:t>finished</a:t>
+            </a:r>
+            <a:r>
+              <a:rPr lang="de-DE" sz="1600" spc="-1" dirty="0">
+                <a:latin typeface="Arial"/>
+              </a:rPr>
+              <a:t>!</a:t>
             </a:r>
             <a:endParaRPr lang="zxx" sz="1600" b="0" strike="noStrike" spc="-1" dirty="0">
               <a:latin typeface="Arial"/>
@@ -19026,7 +19978,7 @@
 </p:sld>
 </file>
 
-<file path=ppt/slides/slide5.xml><?xml version="1.0" encoding="utf-8"?>
+<file path=ppt/slides/slide6.xml><?xml version="1.0" encoding="utf-8"?>
 <p:sld xmlns:a="http://schemas.openxmlformats.org/drawingml/2006/main" xmlns:r="http://schemas.openxmlformats.org/officeDocument/2006/relationships" xmlns:p="http://schemas.openxmlformats.org/presentationml/2006/main">
   <p:cSld>
     <p:spTree>
@@ -19045,7 +19997,7 @@
       </p:grpSpPr>
       <p:sp>
         <p:nvSpPr>
-          <p:cNvPr id="231" name="TextShape 1"/>
+          <p:cNvPr id="229" name="TextShape 1"/>
           <p:cNvSpPr txBox="1"/>
           <p:nvPr/>
         </p:nvSpPr>
@@ -19072,15 +20024,15 @@
               </a:lnSpc>
             </a:pPr>
             <a:r>
-              <a:rPr lang="de-DE" sz="3600" b="0" strike="noStrike" cap="all" spc="-1">
+              <a:rPr lang="de-DE" sz="3600" b="0" strike="noStrike" cap="all" spc="-1" dirty="0">
                 <a:solidFill>
                   <a:srgbClr val="FFFFFF"/>
                 </a:solidFill>
                 <a:latin typeface="Tw Cen MT"/>
               </a:rPr>
-              <a:t>Parallel programming in Python</a:t>
-            </a:r>
-            <a:endParaRPr lang="de-DE" sz="3600" b="0" strike="noStrike" spc="-1">
+              <a:t>Go</a:t>
+            </a:r>
+            <a:endParaRPr lang="de-DE" sz="3600" b="0" strike="noStrike" spc="-1" dirty="0">
               <a:solidFill>
                 <a:srgbClr val="FFFFFF"/>
               </a:solidFill>
@@ -19091,14 +20043,14 @@
       </p:sp>
       <p:sp>
         <p:nvSpPr>
-          <p:cNvPr id="232" name="CustomShape 2"/>
+          <p:cNvPr id="230" name="CustomShape 2"/>
           <p:cNvSpPr/>
           <p:nvPr/>
         </p:nvSpPr>
         <p:spPr>
           <a:xfrm>
-            <a:off x="640800" y="2409480"/>
-            <a:ext cx="10979280" cy="3407760"/>
+            <a:off x="1143000" y="1269000"/>
+            <a:ext cx="6211440" cy="5354640"/>
           </a:xfrm>
           <a:prstGeom prst="rect">
             <a:avLst/>
@@ -19132,42 +20084,24 @@
               </a:lnSpc>
             </a:pPr>
             <a:r>
-              <a:rPr lang="zxx" sz="1600" b="0" strike="noStrike" spc="-1" dirty="0">
+              <a:rPr lang="zxx" sz="1600" b="0" strike="noStrike" spc="-1">
                 <a:solidFill>
                   <a:srgbClr val="D73A49"/>
                 </a:solidFill>
                 <a:latin typeface="SFMono-Regular"/>
               </a:rPr>
-              <a:t>from</a:t>
-            </a:r>
-            <a:r>
-              <a:rPr lang="zxx" sz="1600" b="0" strike="noStrike" spc="-1" dirty="0">
+              <a:t>package</a:t>
+            </a:r>
+            <a:r>
+              <a:rPr lang="zxx" sz="1600" b="0" strike="noStrike" spc="-1">
                 <a:solidFill>
                   <a:srgbClr val="24292E"/>
                 </a:solidFill>
                 <a:latin typeface="SFMono-Regular"/>
               </a:rPr>
-              <a:t> threading </a:t>
-            </a:r>
-            <a:r>
-              <a:rPr lang="zxx" sz="1600" b="0" strike="noStrike" spc="-1" dirty="0">
-                <a:solidFill>
-                  <a:srgbClr val="D73A49"/>
-                </a:solidFill>
-                <a:latin typeface="SFMono-Regular"/>
-              </a:rPr>
-              <a:t>import</a:t>
-            </a:r>
-            <a:r>
-              <a:rPr lang="zxx" sz="1600" b="0" strike="noStrike" spc="-1" dirty="0">
-                <a:solidFill>
-                  <a:srgbClr val="24292E"/>
-                </a:solidFill>
-                <a:latin typeface="SFMono-Regular"/>
-              </a:rPr>
-              <a:t> Thread </a:t>
-            </a:r>
-            <a:endParaRPr lang="zxx" sz="1600" b="0" strike="noStrike" spc="-1" dirty="0">
+              <a:t> main</a:t>
+            </a:r>
+            <a:endParaRPr lang="zxx" sz="1600" b="0" strike="noStrike" spc="-1">
               <a:latin typeface="Arial"/>
             </a:endParaRPr>
           </a:p>
@@ -19177,7 +20111,7 @@
                 <a:spcPct val="100000"/>
               </a:lnSpc>
             </a:pPr>
-            <a:endParaRPr lang="zxx" sz="1600" b="0" strike="noStrike" spc="-1" dirty="0">
+            <a:endParaRPr lang="zxx" sz="1600" b="0" strike="noStrike" spc="-1">
               <a:latin typeface="Arial"/>
             </a:endParaRPr>
           </a:p>
@@ -19188,15 +20122,15 @@
               </a:lnSpc>
             </a:pPr>
             <a:r>
-              <a:rPr lang="zxx" sz="1600" b="0" strike="noStrike" spc="-1" dirty="0">
-                <a:solidFill>
-                  <a:srgbClr val="6F42C1"/>
+              <a:rPr lang="zxx" sz="1600" b="0" strike="noStrike" spc="-1">
+                <a:solidFill>
+                  <a:srgbClr val="24292E"/>
                 </a:solidFill>
                 <a:latin typeface="SFMono-Regular"/>
               </a:rPr>
-              <a:t>class ServerThread(Thread):</a:t>
-            </a:r>
-            <a:endParaRPr lang="zxx" sz="1600" b="0" strike="noStrike" spc="-1" dirty="0">
+              <a:t>import (</a:t>
+            </a:r>
+            <a:endParaRPr lang="zxx" sz="1600" b="0" strike="noStrike" spc="-1">
               <a:latin typeface="Arial"/>
             </a:endParaRPr>
           </a:p>
@@ -19206,7 +20140,16 @@
                 <a:spcPct val="100000"/>
               </a:lnSpc>
             </a:pPr>
-            <a:endParaRPr lang="zxx" sz="1600" b="0" strike="noStrike" spc="-1" dirty="0">
+            <a:r>
+              <a:rPr lang="zxx" sz="1600" b="0" strike="noStrike" spc="-1">
+                <a:solidFill>
+                  <a:srgbClr val="24292E"/>
+                </a:solidFill>
+                <a:latin typeface="SFMono-Regular"/>
+              </a:rPr>
+              <a:t>  "fmt"</a:t>
+            </a:r>
+            <a:endParaRPr lang="zxx" sz="1600" b="0" strike="noStrike" spc="-1">
               <a:latin typeface="Arial"/>
             </a:endParaRPr>
           </a:p>
@@ -19217,15 +20160,15 @@
               </a:lnSpc>
             </a:pPr>
             <a:r>
-              <a:rPr lang="zxx" sz="1600" b="0" strike="noStrike" spc="-1" dirty="0">
-                <a:solidFill>
-                  <a:srgbClr val="6F42C1"/>
+              <a:rPr lang="zxx" sz="1600" b="0" strike="noStrike" spc="-1">
+                <a:solidFill>
+                  <a:srgbClr val="24292E"/>
                 </a:solidFill>
                 <a:latin typeface="SFMono-Regular"/>
               </a:rPr>
-              <a:t>    def __init__(self, counter):</a:t>
-            </a:r>
-            <a:endParaRPr lang="zxx" sz="1600" b="0" strike="noStrike" spc="-1" dirty="0">
+              <a:t>)</a:t>
+            </a:r>
+            <a:endParaRPr lang="zxx" sz="1600" b="0" strike="noStrike" spc="-1">
               <a:latin typeface="Arial"/>
             </a:endParaRPr>
           </a:p>
@@ -19235,16 +20178,7 @@
                 <a:spcPct val="100000"/>
               </a:lnSpc>
             </a:pPr>
-            <a:r>
-              <a:rPr lang="zxx" sz="1600" b="0" strike="noStrike" spc="-1" dirty="0">
-                <a:solidFill>
-                  <a:srgbClr val="6F42C1"/>
-                </a:solidFill>
-                <a:latin typeface="SFMono-Regular"/>
-              </a:rPr>
-              <a:t>        Thread.__init__(self)</a:t>
-            </a:r>
-            <a:endParaRPr lang="zxx" sz="1600" b="0" strike="noStrike" spc="-1" dirty="0">
+            <a:endParaRPr lang="zxx" sz="1600" b="0" strike="noStrike" spc="-1">
               <a:latin typeface="Arial"/>
             </a:endParaRPr>
           </a:p>
@@ -19255,15 +20189,15 @@
               </a:lnSpc>
             </a:pPr>
             <a:r>
-              <a:rPr lang="zxx" sz="1600" b="0" strike="noStrike" spc="-1" dirty="0">
-                <a:solidFill>
-                  <a:srgbClr val="6F42C1"/>
+              <a:rPr lang="zxx" sz="1600" b="0" strike="noStrike" spc="-1">
+                <a:solidFill>
+                  <a:srgbClr val="24292E"/>
                 </a:solidFill>
                 <a:latin typeface="SFMono-Regular"/>
               </a:rPr>
-              <a:t>        self.counter = counter</a:t>
-            </a:r>
-            <a:endParaRPr lang="zxx" sz="1600" b="0" strike="noStrike" spc="-1" dirty="0">
+              <a:t>func main() {</a:t>
+            </a:r>
+            <a:endParaRPr lang="zxx" sz="1600" b="0" strike="noStrike" spc="-1">
               <a:latin typeface="Arial"/>
             </a:endParaRPr>
           </a:p>
@@ -19273,7 +20207,16 @@
                 <a:spcPct val="100000"/>
               </a:lnSpc>
             </a:pPr>
-            <a:endParaRPr lang="zxx" sz="1600" b="0" strike="noStrike" spc="-1" dirty="0">
+            <a:r>
+              <a:rPr lang="zxx" sz="1600" b="0" strike="noStrike" spc="-1">
+                <a:solidFill>
+                  <a:srgbClr val="24292E"/>
+                </a:solidFill>
+                <a:latin typeface="SFMono-Regular"/>
+              </a:rPr>
+              <a:t>  a, b := 1, 2</a:t>
+            </a:r>
+            <a:endParaRPr lang="zxx" sz="1600" b="0" strike="noStrike" spc="-1">
               <a:latin typeface="Arial"/>
             </a:endParaRPr>
           </a:p>
@@ -19283,16 +20226,7 @@
                 <a:spcPct val="100000"/>
               </a:lnSpc>
             </a:pPr>
-            <a:r>
-              <a:rPr lang="zxx" sz="1600" b="0" strike="noStrike" spc="-1" dirty="0">
-                <a:solidFill>
-                  <a:srgbClr val="6F42C1"/>
-                </a:solidFill>
-                <a:latin typeface="SFMono-Regular"/>
-              </a:rPr>
-              <a:t>    def run(self):</a:t>
-            </a:r>
-            <a:endParaRPr lang="zxx" sz="1600" b="0" strike="noStrike" spc="-1" dirty="0">
+            <a:endParaRPr lang="zxx" sz="1600" b="0" strike="noStrike" spc="-1">
               <a:latin typeface="Arial"/>
             </a:endParaRPr>
           </a:p>
@@ -19303,15 +20237,15 @@
               </a:lnSpc>
             </a:pPr>
             <a:r>
-              <a:rPr lang="zxx" sz="1600" b="0" strike="noStrike" spc="-1" dirty="0">
-                <a:solidFill>
-                  <a:srgbClr val="6F42C1"/>
+              <a:rPr lang="zxx" sz="1600" b="0" strike="noStrike" spc="-1">
+                <a:solidFill>
+                  <a:srgbClr val="24292E"/>
                 </a:solidFill>
                 <a:latin typeface="SFMono-Regular"/>
               </a:rPr>
-              <a:t>        try:</a:t>
-            </a:r>
-            <a:endParaRPr lang="zxx" sz="1600" b="0" strike="noStrike" spc="-1" dirty="0">
+              <a:t>  operationDone := make(chan bool)</a:t>
+            </a:r>
+            <a:endParaRPr lang="zxx" sz="1600" b="0" strike="noStrike" spc="-1">
               <a:latin typeface="Arial"/>
             </a:endParaRPr>
           </a:p>
@@ -19322,15 +20256,15 @@
               </a:lnSpc>
             </a:pPr>
             <a:r>
-              <a:rPr lang="zxx" sz="1600" b="0" strike="noStrike" spc="-1" dirty="0">
-                <a:solidFill>
-                  <a:srgbClr val="6F42C1"/>
+              <a:rPr lang="zxx" sz="1600" b="0" strike="noStrike" spc="-1">
+                <a:solidFill>
+                  <a:srgbClr val="24292E"/>
                 </a:solidFill>
                 <a:latin typeface="SFMono-Regular"/>
               </a:rPr>
-              <a:t>            for i in range(0, self.counter):</a:t>
-            </a:r>
-            <a:endParaRPr lang="zxx" sz="1600" b="0" strike="noStrike" spc="-1" dirty="0">
+              <a:t>  go func() {</a:t>
+            </a:r>
+            <a:endParaRPr lang="zxx" sz="1600" b="0" strike="noStrike" spc="-1">
               <a:latin typeface="Arial"/>
             </a:endParaRPr>
           </a:p>
@@ -19341,15 +20275,15 @@
               </a:lnSpc>
             </a:pPr>
             <a:r>
-              <a:rPr lang="zxx" sz="1600" b="0" strike="noStrike" spc="-1" dirty="0">
-                <a:solidFill>
-                  <a:srgbClr val="6F42C1"/>
+              <a:rPr lang="zxx" sz="1600" b="0" strike="noStrike" spc="-1">
+                <a:solidFill>
+                  <a:srgbClr val="24292E"/>
                 </a:solidFill>
                 <a:latin typeface="SFMono-Regular"/>
               </a:rPr>
-              <a:t>                print(i)</a:t>
-            </a:r>
-            <a:endParaRPr lang="zxx" sz="1600" b="0" strike="noStrike" spc="-1" dirty="0">
+              <a:t>    b = a * b</a:t>
+            </a:r>
+            <a:endParaRPr lang="zxx" sz="1600" b="0" strike="noStrike" spc="-1">
               <a:latin typeface="Arial"/>
             </a:endParaRPr>
           </a:p>
@@ -19359,16 +20293,7 @@
                 <a:spcPct val="100000"/>
               </a:lnSpc>
             </a:pPr>
-            <a:r>
-              <a:rPr lang="zxx" sz="1600" b="0" strike="noStrike" spc="-1" dirty="0">
-                <a:solidFill>
-                  <a:srgbClr val="6F42C1"/>
-                </a:solidFill>
-                <a:latin typeface="SFMono-Regular"/>
-              </a:rPr>
-              <a:t>        finally:</a:t>
-            </a:r>
-            <a:endParaRPr lang="zxx" sz="1600" b="0" strike="noStrike" spc="-1" dirty="0">
+            <a:endParaRPr lang="zxx" sz="1600" b="0" strike="noStrike" spc="-1">
               <a:latin typeface="Arial"/>
             </a:endParaRPr>
           </a:p>
@@ -19379,128 +20304,161 @@
               </a:lnSpc>
             </a:pPr>
             <a:r>
-              <a:rPr lang="zxx" sz="1600" b="0" strike="noStrike" spc="-1" dirty="0">
-                <a:solidFill>
-                  <a:srgbClr val="6F42C1"/>
+              <a:rPr lang="zxx" sz="1600" b="0" strike="noStrike" spc="-1">
+                <a:solidFill>
+                  <a:srgbClr val="24292E"/>
                 </a:solidFill>
                 <a:latin typeface="SFMono-Regular"/>
               </a:rPr>
-              <a:t>            print("Thread finished")</a:t>
-            </a:r>
-            <a:endParaRPr lang="zxx" sz="1600" b="0" strike="noStrike" spc="-1" dirty="0">
+              <a:t>    operationDone &lt;- true //or false</a:t>
+            </a:r>
+            <a:endParaRPr lang="zxx" sz="1600" b="0" strike="noStrike" spc="-1">
               <a:latin typeface="Arial"/>
             </a:endParaRPr>
           </a:p>
-        </p:txBody>
-      </p:sp>
-    </p:spTree>
-  </p:cSld>
-  <p:clrMapOvr>
-    <a:masterClrMapping/>
-  </p:clrMapOvr>
-  <p:timing>
-    <p:tnLst>
-      <p:par>
-        <p:cTn id="1" dur="indefinite" restart="never" nodeType="tmRoot">
-          <p:childTnLst>
-            <p:seq>
-              <p:cTn id="2" dur="indefinite" nodeType="mainSeq"/>
-              <p:prevCondLst>
-                <p:cond evt="onPrev" delay="0">
-                  <p:tgtEl>
-                    <p:sldTgt/>
-                  </p:tgtEl>
-                </p:cond>
-              </p:prevCondLst>
-              <p:nextCondLst>
-                <p:cond evt="onNext" delay="0">
-                  <p:tgtEl>
-                    <p:sldTgt/>
-                  </p:tgtEl>
-                </p:cond>
-              </p:nextCondLst>
-            </p:seq>
-          </p:childTnLst>
-        </p:cTn>
-      </p:par>
-    </p:tnLst>
-  </p:timing>
-</p:sld>
-</file>
-
-<file path=ppt/slides/slide6.xml><?xml version="1.0" encoding="utf-8"?>
-<p:sld xmlns:a="http://schemas.openxmlformats.org/drawingml/2006/main" xmlns:r="http://schemas.openxmlformats.org/officeDocument/2006/relationships" xmlns:p="http://schemas.openxmlformats.org/presentationml/2006/main">
-  <p:cSld>
-    <p:spTree>
-      <p:nvGrpSpPr>
-        <p:cNvPr id="1" name=""/>
-        <p:cNvGrpSpPr/>
-        <p:nvPr/>
-      </p:nvGrpSpPr>
-      <p:grpSpPr>
-        <a:xfrm>
-          <a:off x="0" y="0"/>
-          <a:ext cx="0" cy="0"/>
-          <a:chOff x="0" y="0"/>
-          <a:chExt cx="0" cy="0"/>
-        </a:xfrm>
-      </p:grpSpPr>
-      <p:sp>
-        <p:nvSpPr>
-          <p:cNvPr id="233" name="TextShape 1"/>
-          <p:cNvSpPr txBox="1"/>
-          <p:nvPr/>
-        </p:nvSpPr>
-        <p:spPr>
-          <a:xfrm>
-            <a:off x="1143000" y="0"/>
-            <a:ext cx="9905760" cy="1478160"/>
-          </a:xfrm>
-          <a:prstGeom prst="rect">
-            <a:avLst/>
-          </a:prstGeom>
-          <a:noFill/>
-          <a:ln>
-            <a:noFill/>
-          </a:ln>
-        </p:spPr>
-        <p:txBody>
-          <a:bodyPr anchor="ctr"/>
-          <a:lstStyle/>
           <a:p>
             <a:pPr>
               <a:lnSpc>
-                <a:spcPct val="90000"/>
+                <a:spcPct val="100000"/>
               </a:lnSpc>
             </a:pPr>
             <a:r>
-              <a:rPr lang="de-DE" sz="3600" b="0" strike="noStrike" cap="all" spc="-1">
-                <a:solidFill>
-                  <a:srgbClr val="FFFFFF"/>
-                </a:solidFill>
-                <a:latin typeface="Tw Cen MT"/>
-              </a:rPr>
-              <a:t>Parallel programming in Python</a:t>
-            </a:r>
-            <a:endParaRPr lang="de-DE" sz="3600" b="0" strike="noStrike" spc="-1">
-              <a:solidFill>
-                <a:srgbClr val="FFFFFF"/>
-              </a:solidFill>
-              <a:latin typeface="Tw Cen MT"/>
+              <a:rPr lang="zxx" sz="1600" b="0" strike="noStrike" spc="-1">
+                <a:solidFill>
+                  <a:srgbClr val="24292E"/>
+                </a:solidFill>
+                <a:latin typeface="SFMono-Regular"/>
+              </a:rPr>
+              <a:t>  }()</a:t>
+            </a:r>
+            <a:endParaRPr lang="zxx" sz="1600" b="0" strike="noStrike" spc="-1">
+              <a:latin typeface="Arial"/>
+            </a:endParaRPr>
+          </a:p>
+          <a:p>
+            <a:pPr>
+              <a:lnSpc>
+                <a:spcPct val="100000"/>
+              </a:lnSpc>
+            </a:pPr>
+            <a:endParaRPr lang="zxx" sz="1600" b="0" strike="noStrike" spc="-1">
+              <a:latin typeface="Arial"/>
+            </a:endParaRPr>
+          </a:p>
+          <a:p>
+            <a:pPr>
+              <a:lnSpc>
+                <a:spcPct val="100000"/>
+              </a:lnSpc>
+            </a:pPr>
+            <a:r>
+              <a:rPr lang="zxx" sz="1600" b="0" strike="noStrike" spc="-1">
+                <a:solidFill>
+                  <a:srgbClr val="24292E"/>
+                </a:solidFill>
+                <a:latin typeface="SFMono-Regular"/>
+              </a:rPr>
+              <a:t>  &lt;-operationDone</a:t>
+            </a:r>
+            <a:endParaRPr lang="zxx" sz="1600" b="0" strike="noStrike" spc="-1">
+              <a:latin typeface="Arial"/>
+            </a:endParaRPr>
+          </a:p>
+          <a:p>
+            <a:pPr>
+              <a:lnSpc>
+                <a:spcPct val="100000"/>
+              </a:lnSpc>
+            </a:pPr>
+            <a:endParaRPr lang="zxx" sz="1600" b="0" strike="noStrike" spc="-1">
+              <a:latin typeface="Arial"/>
+            </a:endParaRPr>
+          </a:p>
+          <a:p>
+            <a:pPr>
+              <a:lnSpc>
+                <a:spcPct val="100000"/>
+              </a:lnSpc>
+            </a:pPr>
+            <a:r>
+              <a:rPr lang="zxx" sz="1600" b="0" strike="noStrike" spc="-1">
+                <a:solidFill>
+                  <a:srgbClr val="24292E"/>
+                </a:solidFill>
+                <a:latin typeface="SFMono-Regular"/>
+              </a:rPr>
+              <a:t>  a = b * b</a:t>
+            </a:r>
+            <a:endParaRPr lang="zxx" sz="1600" b="0" strike="noStrike" spc="-1">
+              <a:latin typeface="Arial"/>
+            </a:endParaRPr>
+          </a:p>
+          <a:p>
+            <a:pPr>
+              <a:lnSpc>
+                <a:spcPct val="100000"/>
+              </a:lnSpc>
+            </a:pPr>
+            <a:endParaRPr lang="zxx" sz="1600" b="0" strike="noStrike" spc="-1">
+              <a:latin typeface="Arial"/>
+            </a:endParaRPr>
+          </a:p>
+          <a:p>
+            <a:pPr>
+              <a:lnSpc>
+                <a:spcPct val="100000"/>
+              </a:lnSpc>
+            </a:pPr>
+            <a:r>
+              <a:rPr lang="zxx" sz="1600" b="0" strike="noStrike" spc="-1">
+                <a:solidFill>
+                  <a:srgbClr val="24292E"/>
+                </a:solidFill>
+                <a:latin typeface="SFMono-Regular"/>
+              </a:rPr>
+              <a:t>  fmt.Printf("a = %d, b = %d\n", a, b)</a:t>
+            </a:r>
+            <a:endParaRPr lang="zxx" sz="1600" b="0" strike="noStrike" spc="-1">
+              <a:latin typeface="Arial"/>
+            </a:endParaRPr>
+          </a:p>
+          <a:p>
+            <a:pPr>
+              <a:lnSpc>
+                <a:spcPct val="100000"/>
+              </a:lnSpc>
+            </a:pPr>
+            <a:r>
+              <a:rPr lang="zxx" sz="1600" b="0" strike="noStrike" spc="-1">
+                <a:solidFill>
+                  <a:srgbClr val="24292E"/>
+                </a:solidFill>
+                <a:latin typeface="SFMono-Regular"/>
+              </a:rPr>
+              <a:t>}</a:t>
+            </a:r>
+            <a:endParaRPr lang="zxx" sz="1600" b="0" strike="noStrike" spc="-1">
+              <a:latin typeface="Arial"/>
             </a:endParaRPr>
           </a:p>
         </p:txBody>
       </p:sp>
       <p:sp>
         <p:nvSpPr>
-          <p:cNvPr id="234" name="CustomShape 2"/>
+          <p:cNvPr id="4" name="CustomShape 2">
+            <a:extLst>
+              <a:ext uri="{FF2B5EF4-FFF2-40B4-BE49-F238E27FC236}">
+                <a16:creationId xmlns:a16="http://schemas.microsoft.com/office/drawing/2014/main" id="{50CB7879-45E3-4AF9-B79B-D650834B5C7B}"/>
+              </a:ext>
+            </a:extLst>
+          </p:cNvPr>
           <p:cNvSpPr/>
           <p:nvPr/>
         </p:nvSpPr>
         <p:spPr>
           <a:xfrm>
-            <a:off x="1041480" y="2333160"/>
-            <a:ext cx="4391132" cy="2190960"/>
+            <a:off x="9129537" y="2956140"/>
+            <a:ext cx="1154774" cy="945719"/>
           </a:xfrm>
           <a:prstGeom prst="rect">
             <a:avLst/>
@@ -19534,17 +20492,23 @@
               </a:lnSpc>
             </a:pPr>
             <a:r>
-              <a:rPr lang="zxx" sz="1600" b="0" strike="noStrike" spc="-1" dirty="0">
+              <a:rPr lang="de-DE" sz="1600" spc="-1" dirty="0" err="1">
                 <a:solidFill>
                   <a:srgbClr val="D73A49"/>
                 </a:solidFill>
                 <a:latin typeface="SFMono-Regular"/>
               </a:rPr>
-              <a:t>from src.server.serverThread import ServerThread</a:t>
-            </a:r>
-            <a:endParaRPr lang="zxx" sz="1600" b="0" strike="noStrike" spc="-1" dirty="0">
-              <a:latin typeface="Arial"/>
-            </a:endParaRPr>
+              <a:t>Result</a:t>
+            </a:r>
+            <a:r>
+              <a:rPr lang="de-DE" sz="1600" spc="-1" dirty="0">
+                <a:solidFill>
+                  <a:srgbClr val="D73A49"/>
+                </a:solidFill>
+                <a:latin typeface="SFMono-Regular"/>
+              </a:rPr>
+              <a:t>:</a:t>
+            </a:r>
           </a:p>
           <a:p>
             <a:pPr>
@@ -19552,9 +20516,12 @@
                 <a:spcPct val="100000"/>
               </a:lnSpc>
             </a:pPr>
-            <a:endParaRPr lang="zxx" sz="1600" b="0" strike="noStrike" spc="-1" dirty="0">
-              <a:latin typeface="Arial"/>
-            </a:endParaRPr>
+            <a:r>
+              <a:rPr lang="de-DE" sz="1600" spc="-1" dirty="0">
+                <a:latin typeface="SFMono-Regular"/>
+              </a:rPr>
+              <a:t>a = 4</a:t>
+            </a:r>
           </a:p>
           <a:p>
             <a:pPr>
@@ -19563,379 +20530,10 @@
               </a:lnSpc>
             </a:pPr>
             <a:r>
-              <a:rPr lang="zxx" sz="1600" b="0" strike="noStrike" spc="-1" dirty="0">
-                <a:solidFill>
-                  <a:srgbClr val="D73A49"/>
-                </a:solidFill>
+              <a:rPr lang="de-DE" sz="1600" spc="-1" dirty="0">
                 <a:latin typeface="SFMono-Regular"/>
               </a:rPr>
-              <a:t>if __name__ == '__main__':</a:t>
-            </a:r>
-            <a:endParaRPr lang="zxx" sz="1600" b="0" strike="noStrike" spc="-1" dirty="0">
-              <a:latin typeface="Arial"/>
-            </a:endParaRPr>
-          </a:p>
-          <a:p>
-            <a:pPr>
-              <a:lnSpc>
-                <a:spcPct val="100000"/>
-              </a:lnSpc>
-            </a:pPr>
-            <a:endParaRPr lang="zxx" sz="1600" b="0" strike="noStrike" spc="-1" dirty="0">
-              <a:latin typeface="Arial"/>
-            </a:endParaRPr>
-          </a:p>
-          <a:p>
-            <a:pPr>
-              <a:lnSpc>
-                <a:spcPct val="100000"/>
-              </a:lnSpc>
-            </a:pPr>
-            <a:r>
-              <a:rPr lang="zxx" sz="1600" b="0" strike="noStrike" spc="-1" dirty="0">
-                <a:solidFill>
-                  <a:srgbClr val="D73A49"/>
-                </a:solidFill>
-                <a:latin typeface="SFMono-Regular"/>
-              </a:rPr>
-              <a:t>    for </a:t>
-            </a:r>
-            <a:r>
-              <a:rPr lang="de-DE" sz="1600" spc="-1" dirty="0">
-                <a:solidFill>
-                  <a:srgbClr val="D73A49"/>
-                </a:solidFill>
-                <a:latin typeface="SFMono-Regular"/>
-              </a:rPr>
-              <a:t>i</a:t>
-            </a:r>
-            <a:r>
-              <a:rPr lang="zxx" sz="1600" b="0" strike="noStrike" spc="-1" dirty="0">
-                <a:solidFill>
-                  <a:srgbClr val="D73A49"/>
-                </a:solidFill>
-                <a:latin typeface="SFMono-Regular"/>
-              </a:rPr>
-              <a:t> in range(8):</a:t>
-            </a:r>
-            <a:endParaRPr lang="zxx" sz="1600" b="0" strike="noStrike" spc="-1" dirty="0">
-              <a:latin typeface="Arial"/>
-            </a:endParaRPr>
-          </a:p>
-          <a:p>
-            <a:pPr>
-              <a:lnSpc>
-                <a:spcPct val="100000"/>
-              </a:lnSpc>
-            </a:pPr>
-            <a:r>
-              <a:rPr lang="zxx" sz="1600" b="0" strike="noStrike" spc="-1" dirty="0">
-                <a:solidFill>
-                  <a:srgbClr val="D73A49"/>
-                </a:solidFill>
-                <a:latin typeface="SFMono-Regular"/>
-              </a:rPr>
-              <a:t>        server = ServerThread(</a:t>
-            </a:r>
-            <a:r>
-              <a:rPr lang="de-DE" sz="1600" b="0" strike="noStrike" spc="-1" dirty="0">
-                <a:solidFill>
-                  <a:srgbClr val="D73A49"/>
-                </a:solidFill>
-                <a:latin typeface="SFMono-Regular"/>
-              </a:rPr>
-              <a:t>i</a:t>
-            </a:r>
-            <a:r>
-              <a:rPr lang="zxx" sz="1600" b="0" strike="noStrike" spc="-1" dirty="0">
-                <a:solidFill>
-                  <a:srgbClr val="D73A49"/>
-                </a:solidFill>
-                <a:latin typeface="SFMono-Regular"/>
-              </a:rPr>
-              <a:t>)</a:t>
-            </a:r>
-            <a:endParaRPr lang="zxx" sz="1600" b="0" strike="noStrike" spc="-1" dirty="0">
-              <a:latin typeface="Arial"/>
-            </a:endParaRPr>
-          </a:p>
-          <a:p>
-            <a:pPr>
-              <a:lnSpc>
-                <a:spcPct val="100000"/>
-              </a:lnSpc>
-            </a:pPr>
-            <a:r>
-              <a:rPr lang="zxx" sz="1600" b="0" strike="noStrike" spc="-1" dirty="0">
-                <a:solidFill>
-                  <a:srgbClr val="D73A49"/>
-                </a:solidFill>
-                <a:latin typeface="SFMono-Regular"/>
-              </a:rPr>
-              <a:t>        server.start()</a:t>
-            </a:r>
-            <a:endParaRPr lang="zxx" sz="1600" b="0" strike="noStrike" spc="-1" dirty="0">
-              <a:latin typeface="Arial"/>
-            </a:endParaRPr>
-          </a:p>
-          <a:p>
-            <a:pPr>
-              <a:lnSpc>
-                <a:spcPct val="100000"/>
-              </a:lnSpc>
-            </a:pPr>
-            <a:r>
-              <a:rPr lang="zxx" sz="1600" b="0" strike="noStrike" spc="-1" dirty="0">
-                <a:solidFill>
-                  <a:srgbClr val="D73A49"/>
-                </a:solidFill>
-                <a:latin typeface="SFMono-Regular"/>
-              </a:rPr>
-              <a:t>        # wait for the thread to terminate</a:t>
-            </a:r>
-            <a:endParaRPr lang="zxx" sz="1600" b="0" strike="noStrike" spc="-1" dirty="0">
-              <a:latin typeface="Arial"/>
-            </a:endParaRPr>
-          </a:p>
-          <a:p>
-            <a:pPr>
-              <a:lnSpc>
-                <a:spcPct val="100000"/>
-              </a:lnSpc>
-            </a:pPr>
-            <a:r>
-              <a:rPr lang="zxx" sz="1600" b="0" strike="noStrike" spc="-1" dirty="0">
-                <a:solidFill>
-                  <a:srgbClr val="D73A49"/>
-                </a:solidFill>
-                <a:latin typeface="SFMono-Regular"/>
-              </a:rPr>
-              <a:t>        server.join()</a:t>
-            </a:r>
-            <a:endParaRPr lang="zxx" sz="1600" b="0" strike="noStrike" spc="-1" dirty="0">
-              <a:latin typeface="Arial"/>
-            </a:endParaRPr>
-          </a:p>
-        </p:txBody>
-      </p:sp>
-      <p:sp>
-        <p:nvSpPr>
-          <p:cNvPr id="4" name="CustomShape 2">
-            <a:extLst>
-              <a:ext uri="{FF2B5EF4-FFF2-40B4-BE49-F238E27FC236}">
-                <a16:creationId xmlns:a16="http://schemas.microsoft.com/office/drawing/2014/main" id="{C19594AF-142A-45F9-9437-CBD42AB2D8A8}"/>
-              </a:ext>
-            </a:extLst>
-          </p:cNvPr>
-          <p:cNvSpPr/>
-          <p:nvPr/>
-        </p:nvSpPr>
-        <p:spPr>
-          <a:xfrm>
-            <a:off x="6206943" y="2199314"/>
-            <a:ext cx="4391132" cy="2458652"/>
-          </a:xfrm>
-          <a:prstGeom prst="rect">
-            <a:avLst/>
-          </a:prstGeom>
-          <a:solidFill>
-            <a:srgbClr val="F6F8FA"/>
-          </a:solidFill>
-          <a:ln>
-            <a:noFill/>
-          </a:ln>
-        </p:spPr>
-        <p:style>
-          <a:lnRef idx="0">
-            <a:scrgbClr r="0" g="0" b="0"/>
-          </a:lnRef>
-          <a:fillRef idx="0">
-            <a:scrgbClr r="0" g="0" b="0"/>
-          </a:fillRef>
-          <a:effectRef idx="0">
-            <a:scrgbClr r="0" g="0" b="0"/>
-          </a:effectRef>
-          <a:fontRef idx="minor"/>
-        </p:style>
-        <p:txBody>
-          <a:bodyPr tIns="0" bIns="0" anchor="ctr"/>
-          <a:lstStyle/>
-          <a:p>
-            <a:pPr>
-              <a:lnSpc>
-                <a:spcPct val="100000"/>
-              </a:lnSpc>
-            </a:pPr>
-            <a:r>
-              <a:rPr lang="de-DE" sz="1600" b="0" strike="noStrike" spc="-1" dirty="0" err="1">
-                <a:solidFill>
-                  <a:srgbClr val="D73A49"/>
-                </a:solidFill>
-                <a:latin typeface="SFMono-Regular"/>
-              </a:rPr>
-              <a:t>Result</a:t>
-            </a:r>
-            <a:r>
-              <a:rPr lang="de-DE" sz="1600" b="0" strike="noStrike" spc="-1" dirty="0">
-                <a:solidFill>
-                  <a:srgbClr val="D73A49"/>
-                </a:solidFill>
-                <a:latin typeface="SFMono-Regular"/>
-              </a:rPr>
-              <a:t>:</a:t>
-            </a:r>
-          </a:p>
-          <a:p>
-            <a:pPr>
-              <a:lnSpc>
-                <a:spcPct val="100000"/>
-              </a:lnSpc>
-            </a:pPr>
-            <a:r>
-              <a:rPr lang="de-DE" sz="1600" b="0" strike="noStrike" spc="-1" dirty="0">
-                <a:latin typeface="Arial"/>
-              </a:rPr>
-              <a:t>0</a:t>
-            </a:r>
-          </a:p>
-          <a:p>
-            <a:pPr>
-              <a:lnSpc>
-                <a:spcPct val="100000"/>
-              </a:lnSpc>
-            </a:pPr>
-            <a:r>
-              <a:rPr lang="de-DE" sz="1600" b="0" strike="noStrike" spc="-1" dirty="0">
-                <a:latin typeface="Arial"/>
-              </a:rPr>
-              <a:t>Thread </a:t>
-            </a:r>
-            <a:r>
-              <a:rPr lang="de-DE" sz="1600" b="0" strike="noStrike" spc="-1" dirty="0" err="1">
-                <a:latin typeface="Arial"/>
-              </a:rPr>
-              <a:t>finished</a:t>
-            </a:r>
-            <a:r>
-              <a:rPr lang="de-DE" sz="1600" b="0" strike="noStrike" spc="-1" dirty="0">
-                <a:latin typeface="Arial"/>
-              </a:rPr>
-              <a:t>!</a:t>
-            </a:r>
-          </a:p>
-          <a:p>
-            <a:pPr>
-              <a:lnSpc>
-                <a:spcPct val="100000"/>
-              </a:lnSpc>
-            </a:pPr>
-            <a:r>
-              <a:rPr lang="de-DE" sz="1600" b="0" strike="noStrike" spc="-1" dirty="0">
-                <a:latin typeface="Arial"/>
-              </a:rPr>
-              <a:t>1</a:t>
-            </a:r>
-          </a:p>
-          <a:p>
-            <a:pPr>
-              <a:lnSpc>
-                <a:spcPct val="100000"/>
-              </a:lnSpc>
-            </a:pPr>
-            <a:r>
-              <a:rPr lang="de-DE" sz="1600" b="0" strike="noStrike" spc="-1" dirty="0">
-                <a:latin typeface="Arial"/>
-              </a:rPr>
-              <a:t>0</a:t>
-            </a:r>
-          </a:p>
-          <a:p>
-            <a:pPr>
-              <a:lnSpc>
-                <a:spcPct val="100000"/>
-              </a:lnSpc>
-            </a:pPr>
-            <a:r>
-              <a:rPr lang="de-DE" sz="1600" spc="-1" dirty="0">
-                <a:latin typeface="Arial"/>
-              </a:rPr>
-              <a:t>Thread </a:t>
-            </a:r>
-            <a:r>
-              <a:rPr lang="de-DE" sz="1600" spc="-1" dirty="0" err="1">
-                <a:latin typeface="Arial"/>
-              </a:rPr>
-              <a:t>finished</a:t>
-            </a:r>
-            <a:r>
-              <a:rPr lang="de-DE" sz="1600" spc="-1" dirty="0">
-                <a:latin typeface="Arial"/>
-              </a:rPr>
-              <a:t>!</a:t>
-            </a:r>
-          </a:p>
-          <a:p>
-            <a:pPr>
-              <a:lnSpc>
-                <a:spcPct val="100000"/>
-              </a:lnSpc>
-            </a:pPr>
-            <a:r>
-              <a:rPr lang="de-DE" sz="1600" b="0" strike="noStrike" spc="-1" dirty="0">
-                <a:latin typeface="Arial"/>
-              </a:rPr>
-              <a:t>2</a:t>
-            </a:r>
-          </a:p>
-          <a:p>
-            <a:pPr>
-              <a:lnSpc>
-                <a:spcPct val="100000"/>
-              </a:lnSpc>
-            </a:pPr>
-            <a:r>
-              <a:rPr lang="de-DE" sz="1600" spc="-1" dirty="0">
-                <a:latin typeface="Arial"/>
-              </a:rPr>
-              <a:t>1</a:t>
-            </a:r>
-          </a:p>
-          <a:p>
-            <a:pPr>
-              <a:lnSpc>
-                <a:spcPct val="100000"/>
-              </a:lnSpc>
-            </a:pPr>
-            <a:r>
-              <a:rPr lang="de-DE" sz="1600" b="0" strike="noStrike" spc="-1" dirty="0">
-                <a:latin typeface="Arial"/>
-              </a:rPr>
-              <a:t>0</a:t>
-            </a:r>
-          </a:p>
-          <a:p>
-            <a:pPr>
-              <a:lnSpc>
-                <a:spcPct val="100000"/>
-              </a:lnSpc>
-            </a:pPr>
-            <a:r>
-              <a:rPr lang="de-DE" sz="1600" spc="-1" dirty="0">
-                <a:latin typeface="Arial"/>
-              </a:rPr>
-              <a:t>Thread </a:t>
-            </a:r>
-            <a:r>
-              <a:rPr lang="de-DE" sz="1600" spc="-1" dirty="0" err="1">
-                <a:latin typeface="Arial"/>
-              </a:rPr>
-              <a:t>finished</a:t>
-            </a:r>
-            <a:r>
-              <a:rPr lang="de-DE" sz="1600" spc="-1" dirty="0">
-                <a:latin typeface="Arial"/>
-              </a:rPr>
-              <a:t>!</a:t>
+              <a:t>b = 2</a:t>
             </a:r>
             <a:endParaRPr lang="zxx" sz="1600" b="0" strike="noStrike" spc="-1" dirty="0">
               <a:latin typeface="Arial"/>
@@ -20180,8 +20778,8 @@
         </p:nvSpPr>
         <p:spPr>
           <a:xfrm>
-            <a:off x="604800" y="4547960"/>
-            <a:ext cx="10979280" cy="744967"/>
+            <a:off x="1141560" y="3454549"/>
+            <a:ext cx="4365233" cy="694414"/>
           </a:xfrm>
           <a:prstGeom prst="rect">
             <a:avLst/>
@@ -20322,8 +20920,8 @@
         </p:nvSpPr>
         <p:spPr>
           <a:xfrm>
-            <a:off x="604800" y="3454550"/>
-            <a:ext cx="10979280" cy="694414"/>
+            <a:off x="6682087" y="3454549"/>
+            <a:ext cx="4365233" cy="694414"/>
           </a:xfrm>
           <a:prstGeom prst="rect">
             <a:avLst/>
@@ -20440,7 +21038,7 @@
       <p:par>
         <p:cTn id="1" dur="indefinite" restart="never" nodeType="tmRoot">
           <p:childTnLst>
-            <p:seq>
+            <p:seq concurrent="1" nextAc="seek">
               <p:cTn id="2" dur="indefinite" nodeType="mainSeq">
                 <p:childTnLst>
                   <p:par>
@@ -20469,7 +21067,7 @@
                                           </p:stCondLst>
                                         </p:cTn>
                                         <p:tgtEl>
-                                          <p:spTgt spid="5"/>
+                                          <p:spTgt spid="4"/>
                                         </p:tgtEl>
                                         <p:attrNameLst>
                                           <p:attrName>style.visibility</p:attrName>
@@ -20496,7 +21094,7 @@
                                           </p:stCondLst>
                                         </p:cTn>
                                         <p:tgtEl>
-                                          <p:spTgt spid="4"/>
+                                          <p:spTgt spid="5"/>
                                         </p:tgtEl>
                                         <p:attrNameLst>
                                           <p:attrName>style.visibility</p:attrName>
@@ -20569,7 +21167,7 @@
         </p:nvSpPr>
         <p:spPr>
           <a:xfrm>
-            <a:off x="1143000" y="0"/>
+            <a:off x="1143120" y="0"/>
             <a:ext cx="9905760" cy="1478160"/>
           </a:xfrm>
           <a:prstGeom prst="rect">
@@ -20590,15 +21188,31 @@
               </a:lnSpc>
             </a:pPr>
             <a:r>
-              <a:rPr lang="de-DE" sz="3600" b="0" strike="noStrike" cap="all" spc="-1">
+              <a:rPr lang="en-US" sz="3600" b="0" strike="noStrike" cap="all" spc="-1" dirty="0">
                 <a:solidFill>
                   <a:srgbClr val="FFFFFF"/>
                 </a:solidFill>
                 <a:latin typeface="Tw Cen MT"/>
               </a:rPr>
-              <a:t>Parallel programming in Python</a:t>
-            </a:r>
-            <a:endParaRPr lang="de-DE" sz="3600" b="0" strike="noStrike" spc="-1">
+              <a:t>Parallel programming:</a:t>
+            </a:r>
+          </a:p>
+          <a:p>
+            <a:pPr>
+              <a:lnSpc>
+                <a:spcPct val="90000"/>
+              </a:lnSpc>
+            </a:pPr>
+            <a:r>
+              <a:rPr lang="en-US" sz="3600" b="0" strike="noStrike" cap="all" spc="-1" dirty="0">
+                <a:solidFill>
+                  <a:srgbClr val="FFFFFF"/>
+                </a:solidFill>
+                <a:latin typeface="Tw Cen MT"/>
+              </a:rPr>
+              <a:t>Example Execute Election</a:t>
+            </a:r>
+            <a:endParaRPr lang="en-US" sz="3600" b="0" strike="noStrike" spc="-1" dirty="0">
               <a:solidFill>
                 <a:srgbClr val="FFFFFF"/>
               </a:solidFill>
@@ -20609,1476 +21223,84 @@
       </p:sp>
       <p:sp>
         <p:nvSpPr>
-          <p:cNvPr id="234" name="CustomShape 2"/>
-          <p:cNvSpPr/>
+          <p:cNvPr id="6" name="TextShape 2">
+            <a:extLst>
+              <a:ext uri="{FF2B5EF4-FFF2-40B4-BE49-F238E27FC236}">
+                <a16:creationId xmlns:a16="http://schemas.microsoft.com/office/drawing/2014/main" id="{8DC79686-319E-4468-A2D0-6FF6A2EF3493}"/>
+              </a:ext>
+            </a:extLst>
+          </p:cNvPr>
+          <p:cNvSpPr txBox="1"/>
           <p:nvPr/>
         </p:nvSpPr>
         <p:spPr>
           <a:xfrm>
-            <a:off x="301214" y="1237128"/>
-            <a:ext cx="5712311" cy="5357309"/>
+            <a:off x="1141560" y="2249640"/>
+            <a:ext cx="9905760" cy="3541320"/>
           </a:xfrm>
           <a:prstGeom prst="rect">
             <a:avLst/>
           </a:prstGeom>
-          <a:solidFill>
-            <a:srgbClr val="F6F8FA"/>
-          </a:solidFill>
+          <a:noFill/>
           <a:ln>
             <a:noFill/>
           </a:ln>
         </p:spPr>
-        <p:style>
-          <a:lnRef idx="0">
-            <a:scrgbClr r="0" g="0" b="0"/>
-          </a:lnRef>
-          <a:fillRef idx="0">
-            <a:scrgbClr r="0" g="0" b="0"/>
-          </a:fillRef>
-          <a:effectRef idx="0">
-            <a:scrgbClr r="0" g="0" b="0"/>
-          </a:effectRef>
-          <a:fontRef idx="minor"/>
-        </p:style>
         <p:txBody>
-          <a:bodyPr tIns="0" bIns="0" anchor="ctr"/>
+          <a:bodyPr/>
           <a:lstStyle/>
           <a:p>
-            <a:pPr>
+            <a:pPr marL="228600" indent="-228240">
               <a:lnSpc>
-                <a:spcPct val="100000"/>
+                <a:spcPct val="120000"/>
               </a:lnSpc>
+              <a:spcBef>
+                <a:spcPts val="1001"/>
+              </a:spcBef>
+              <a:buClr>
+                <a:srgbClr val="FFFFFF"/>
+              </a:buClr>
+              <a:buSzPct val="125000"/>
+              <a:buFont typeface="Arial"/>
+              <a:buChar char="•"/>
             </a:pPr>
             <a:r>
-              <a:rPr lang="en-US" sz="1600" spc="-1" dirty="0" err="1">
-                <a:solidFill>
-                  <a:srgbClr val="D73A49"/>
-                </a:solidFill>
-                <a:latin typeface="SFMono-Regular"/>
-              </a:rPr>
-              <a:t>func</a:t>
-            </a:r>
-            <a:r>
-              <a:rPr lang="en-US" sz="1600" spc="-1" dirty="0">
-                <a:solidFill>
-                  <a:srgbClr val="D73A49"/>
-                </a:solidFill>
-                <a:latin typeface="SFMono-Regular"/>
-              </a:rPr>
-              <a:t> (n *Node) </a:t>
-            </a:r>
-            <a:r>
-              <a:rPr lang="en-US" sz="1600" spc="-1" dirty="0" err="1">
-                <a:solidFill>
-                  <a:srgbClr val="D73A49"/>
-                </a:solidFill>
-                <a:latin typeface="SFMono-Regular"/>
-              </a:rPr>
-              <a:t>executeElection</a:t>
-            </a:r>
-            <a:r>
-              <a:rPr lang="en-US" sz="1600" spc="-1" dirty="0">
-                <a:solidFill>
-                  <a:srgbClr val="D73A49"/>
-                </a:solidFill>
-                <a:latin typeface="SFMono-Regular"/>
-              </a:rPr>
-              <a:t>() bool {</a:t>
-            </a:r>
-          </a:p>
-          <a:p>
-            <a:pPr>
+              <a:rPr lang="en-US" sz="2400" spc="-1" dirty="0">
+                <a:solidFill>
+                  <a:srgbClr val="FFFFFF"/>
+                </a:solidFill>
+                <a:latin typeface="Tahoma" panose="020B0604030504040204" pitchFamily="34" charset="0"/>
+                <a:ea typeface="Tahoma" panose="020B0604030504040204" pitchFamily="34" charset="0"/>
+                <a:cs typeface="Tahoma" panose="020B0604030504040204" pitchFamily="34" charset="0"/>
+              </a:rPr>
+              <a:t>Node requests votes from every other node</a:t>
+            </a:r>
+          </a:p>
+          <a:p>
+            <a:pPr marL="228600" indent="-228240">
               <a:lnSpc>
-                <a:spcPct val="100000"/>
+                <a:spcPct val="120000"/>
               </a:lnSpc>
+              <a:spcBef>
+                <a:spcPts val="1001"/>
+              </a:spcBef>
+              <a:buClr>
+                <a:srgbClr val="FFFFFF"/>
+              </a:buClr>
+              <a:buSzPct val="125000"/>
+              <a:buFont typeface="Arial"/>
+              <a:buChar char="•"/>
             </a:pPr>
             <a:r>
-              <a:rPr lang="en-US" sz="1600" spc="-1" dirty="0">
-                <a:solidFill>
-                  <a:srgbClr val="D73A49"/>
-                </a:solidFill>
-                <a:latin typeface="SFMono-Regular"/>
-              </a:rPr>
-              <a:t>	n.log("-&gt; Election")</a:t>
-            </a:r>
-          </a:p>
-          <a:p>
-            <a:pPr>
-              <a:lnSpc>
-                <a:spcPct val="100000"/>
-              </a:lnSpc>
-            </a:pPr>
-            <a:r>
-              <a:rPr lang="en-US" sz="1600" spc="-1" dirty="0">
-                <a:solidFill>
-                  <a:srgbClr val="D73A49"/>
-                </a:solidFill>
-                <a:latin typeface="SFMono-Regular"/>
-              </a:rPr>
-              <a:t>	</a:t>
-            </a:r>
-            <a:r>
-              <a:rPr lang="en-US" sz="1600" spc="-1" dirty="0" err="1">
-                <a:solidFill>
-                  <a:srgbClr val="D73A49"/>
-                </a:solidFill>
-                <a:latin typeface="SFMono-Regular"/>
-              </a:rPr>
-              <a:t>n.votedFor</a:t>
-            </a:r>
-            <a:r>
-              <a:rPr lang="en-US" sz="1600" spc="-1" dirty="0">
-                <a:solidFill>
-                  <a:srgbClr val="D73A49"/>
-                </a:solidFill>
-                <a:latin typeface="SFMono-Regular"/>
-              </a:rPr>
-              <a:t> = &amp;n.id // vote for </a:t>
-            </a:r>
-            <a:r>
-              <a:rPr lang="en-US" sz="1600" spc="-1" dirty="0" err="1">
-                <a:solidFill>
-                  <a:srgbClr val="D73A49"/>
-                </a:solidFill>
-                <a:latin typeface="SFMono-Regular"/>
-              </a:rPr>
-              <a:t>ourself</a:t>
-            </a:r>
-            <a:endParaRPr lang="en-US" sz="1600" spc="-1" dirty="0">
-              <a:solidFill>
-                <a:srgbClr val="D73A49"/>
-              </a:solidFill>
-              <a:latin typeface="SFMono-Regular"/>
-            </a:endParaRPr>
-          </a:p>
-          <a:p>
-            <a:pPr>
-              <a:lnSpc>
-                <a:spcPct val="100000"/>
-              </a:lnSpc>
-            </a:pPr>
-            <a:endParaRPr lang="en-US" sz="1600" spc="-1" dirty="0">
-              <a:solidFill>
-                <a:srgbClr val="D73A49"/>
-              </a:solidFill>
-              <a:latin typeface="SFMono-Regular"/>
-            </a:endParaRPr>
-          </a:p>
-          <a:p>
-            <a:pPr>
-              <a:lnSpc>
-                <a:spcPct val="100000"/>
-              </a:lnSpc>
-            </a:pPr>
-            <a:r>
-              <a:rPr lang="en-US" sz="1600" spc="-1" dirty="0">
-                <a:solidFill>
-                  <a:srgbClr val="D73A49"/>
-                </a:solidFill>
-                <a:latin typeface="SFMono-Regular"/>
-              </a:rPr>
-              <a:t>	var </a:t>
-            </a:r>
-            <a:r>
-              <a:rPr lang="en-US" sz="1600" spc="-1" dirty="0" err="1">
-                <a:solidFill>
-                  <a:srgbClr val="D73A49"/>
-                </a:solidFill>
-                <a:latin typeface="SFMono-Regular"/>
-              </a:rPr>
-              <a:t>wg</a:t>
-            </a:r>
-            <a:r>
-              <a:rPr lang="en-US" sz="1600" spc="-1" dirty="0">
-                <a:solidFill>
-                  <a:srgbClr val="D73A49"/>
-                </a:solidFill>
-                <a:latin typeface="SFMono-Regular"/>
-              </a:rPr>
-              <a:t> </a:t>
-            </a:r>
-            <a:r>
-              <a:rPr lang="en-US" sz="1600" spc="-1" dirty="0" err="1">
-                <a:solidFill>
-                  <a:srgbClr val="D73A49"/>
-                </a:solidFill>
-                <a:latin typeface="SFMono-Regular"/>
-              </a:rPr>
-              <a:t>sync.WaitGroup</a:t>
-            </a:r>
-            <a:endParaRPr lang="en-US" sz="1600" spc="-1" dirty="0">
-              <a:solidFill>
-                <a:srgbClr val="D73A49"/>
-              </a:solidFill>
-              <a:latin typeface="SFMono-Regular"/>
-            </a:endParaRPr>
-          </a:p>
-          <a:p>
-            <a:pPr>
-              <a:lnSpc>
-                <a:spcPct val="100000"/>
-              </a:lnSpc>
-            </a:pPr>
-            <a:r>
-              <a:rPr lang="en-US" sz="1600" spc="-1" dirty="0">
-                <a:solidFill>
-                  <a:srgbClr val="D73A49"/>
-                </a:solidFill>
-                <a:latin typeface="SFMono-Regular"/>
-              </a:rPr>
-              <a:t>	nodes := </a:t>
-            </a:r>
-            <a:r>
-              <a:rPr lang="en-US" sz="1600" spc="-1" dirty="0" err="1">
-                <a:solidFill>
-                  <a:srgbClr val="D73A49"/>
-                </a:solidFill>
-                <a:latin typeface="SFMono-Regular"/>
-              </a:rPr>
-              <a:t>n.cluster.GetRemoteFollowers</a:t>
-            </a:r>
-            <a:r>
-              <a:rPr lang="en-US" sz="1600" spc="-1" dirty="0">
-                <a:solidFill>
-                  <a:srgbClr val="D73A49"/>
-                </a:solidFill>
-                <a:latin typeface="SFMono-Regular"/>
-              </a:rPr>
-              <a:t>(n.id)</a:t>
-            </a:r>
-          </a:p>
-          <a:p>
-            <a:pPr>
-              <a:lnSpc>
-                <a:spcPct val="100000"/>
-              </a:lnSpc>
-            </a:pPr>
-            <a:r>
-              <a:rPr lang="en-US" sz="1600" spc="-1" dirty="0">
-                <a:solidFill>
-                  <a:srgbClr val="D73A49"/>
-                </a:solidFill>
-                <a:latin typeface="SFMono-Regular"/>
-              </a:rPr>
-              <a:t>	votes := make([]bool, </a:t>
-            </a:r>
-            <a:r>
-              <a:rPr lang="en-US" sz="1600" spc="-1" dirty="0" err="1">
-                <a:solidFill>
-                  <a:srgbClr val="D73A49"/>
-                </a:solidFill>
-                <a:latin typeface="SFMono-Regular"/>
-              </a:rPr>
-              <a:t>len</a:t>
-            </a:r>
-            <a:r>
-              <a:rPr lang="en-US" sz="1600" spc="-1" dirty="0">
-                <a:solidFill>
-                  <a:srgbClr val="D73A49"/>
-                </a:solidFill>
-                <a:latin typeface="SFMono-Regular"/>
-              </a:rPr>
-              <a:t>(nodes))</a:t>
-            </a:r>
-          </a:p>
-          <a:p>
-            <a:pPr>
-              <a:lnSpc>
-                <a:spcPct val="100000"/>
-              </a:lnSpc>
-            </a:pPr>
-            <a:r>
-              <a:rPr lang="en-US" sz="1600" spc="-1" dirty="0">
-                <a:solidFill>
-                  <a:srgbClr val="D73A49"/>
-                </a:solidFill>
-                <a:latin typeface="SFMono-Regular"/>
-              </a:rPr>
-              <a:t>	</a:t>
-            </a:r>
-            <a:r>
-              <a:rPr lang="en-US" sz="1600" spc="-1" dirty="0" err="1">
-                <a:solidFill>
-                  <a:srgbClr val="D73A49"/>
-                </a:solidFill>
-                <a:latin typeface="SFMono-Regular"/>
-              </a:rPr>
-              <a:t>wg.Add</a:t>
-            </a:r>
-            <a:r>
-              <a:rPr lang="en-US" sz="1600" spc="-1" dirty="0">
-                <a:solidFill>
-                  <a:srgbClr val="D73A49"/>
-                </a:solidFill>
-                <a:latin typeface="SFMono-Regular"/>
-              </a:rPr>
-              <a:t>(</a:t>
-            </a:r>
-            <a:r>
-              <a:rPr lang="en-US" sz="1600" spc="-1" dirty="0" err="1">
-                <a:solidFill>
-                  <a:srgbClr val="D73A49"/>
-                </a:solidFill>
-                <a:latin typeface="SFMono-Regular"/>
-              </a:rPr>
-              <a:t>len</a:t>
-            </a:r>
-            <a:r>
-              <a:rPr lang="en-US" sz="1600" spc="-1" dirty="0">
-                <a:solidFill>
-                  <a:srgbClr val="D73A49"/>
-                </a:solidFill>
-                <a:latin typeface="SFMono-Regular"/>
-              </a:rPr>
-              <a:t>(nodes))</a:t>
-            </a:r>
-          </a:p>
-          <a:p>
-            <a:pPr>
-              <a:lnSpc>
-                <a:spcPct val="100000"/>
-              </a:lnSpc>
-            </a:pPr>
-            <a:endParaRPr lang="en-US" sz="1600" spc="-1" dirty="0">
-              <a:solidFill>
-                <a:srgbClr val="D73A49"/>
-              </a:solidFill>
-              <a:latin typeface="SFMono-Regular"/>
-            </a:endParaRPr>
-          </a:p>
-          <a:p>
-            <a:pPr>
-              <a:lnSpc>
-                <a:spcPct val="100000"/>
-              </a:lnSpc>
-            </a:pPr>
-            <a:r>
-              <a:rPr lang="en-US" sz="1600" spc="-1" dirty="0">
-                <a:solidFill>
-                  <a:srgbClr val="D73A49"/>
-                </a:solidFill>
-                <a:latin typeface="SFMono-Regular"/>
-              </a:rPr>
-              <a:t>	for </a:t>
-            </a:r>
-            <a:r>
-              <a:rPr lang="en-US" sz="1600" spc="-1" dirty="0" err="1">
-                <a:solidFill>
-                  <a:srgbClr val="D73A49"/>
-                </a:solidFill>
-                <a:latin typeface="SFMono-Regular"/>
-              </a:rPr>
-              <a:t>i</a:t>
-            </a:r>
-            <a:r>
-              <a:rPr lang="en-US" sz="1600" spc="-1" dirty="0">
-                <a:solidFill>
-                  <a:srgbClr val="D73A49"/>
-                </a:solidFill>
-                <a:latin typeface="SFMono-Regular"/>
-              </a:rPr>
-              <a:t>, </a:t>
-            </a:r>
-            <a:r>
-              <a:rPr lang="en-US" sz="1600" spc="-1" dirty="0" err="1">
-                <a:solidFill>
-                  <a:srgbClr val="D73A49"/>
-                </a:solidFill>
-                <a:latin typeface="SFMono-Regular"/>
-              </a:rPr>
-              <a:t>rpcIf</a:t>
-            </a:r>
-            <a:r>
-              <a:rPr lang="en-US" sz="1600" spc="-1" dirty="0">
-                <a:solidFill>
-                  <a:srgbClr val="D73A49"/>
-                </a:solidFill>
-                <a:latin typeface="SFMono-Regular"/>
-              </a:rPr>
-              <a:t> := range nodes {</a:t>
-            </a:r>
-          </a:p>
-          <a:p>
-            <a:pPr>
-              <a:lnSpc>
-                <a:spcPct val="100000"/>
-              </a:lnSpc>
-            </a:pPr>
-            <a:r>
-              <a:rPr lang="en-US" sz="1600" spc="-1" dirty="0">
-                <a:solidFill>
-                  <a:srgbClr val="D73A49"/>
-                </a:solidFill>
-                <a:latin typeface="SFMono-Regular"/>
-              </a:rPr>
-              <a:t>	        go </a:t>
-            </a:r>
-            <a:r>
-              <a:rPr lang="en-US" sz="1600" spc="-1" dirty="0" err="1">
-                <a:solidFill>
-                  <a:srgbClr val="D73A49"/>
-                </a:solidFill>
-                <a:latin typeface="SFMono-Regular"/>
-              </a:rPr>
-              <a:t>func</a:t>
-            </a:r>
-            <a:r>
-              <a:rPr lang="en-US" sz="1600" spc="-1" dirty="0">
-                <a:solidFill>
-                  <a:srgbClr val="D73A49"/>
-                </a:solidFill>
-                <a:latin typeface="SFMono-Regular"/>
-              </a:rPr>
-              <a:t>(w *</a:t>
-            </a:r>
-            <a:r>
-              <a:rPr lang="en-US" sz="1600" spc="-1" dirty="0" err="1">
-                <a:solidFill>
-                  <a:srgbClr val="D73A49"/>
-                </a:solidFill>
-                <a:latin typeface="SFMono-Regular"/>
-              </a:rPr>
-              <a:t>sync.WaitGroup</a:t>
-            </a:r>
-            <a:r>
-              <a:rPr lang="en-US" sz="1600" spc="-1" dirty="0">
-                <a:solidFill>
-                  <a:srgbClr val="D73A49"/>
-                </a:solidFill>
-                <a:latin typeface="SFMono-Regular"/>
-              </a:rPr>
-              <a:t>, </a:t>
-            </a:r>
-            <a:r>
-              <a:rPr lang="en-US" sz="1600" spc="-1" dirty="0" err="1">
-                <a:solidFill>
-                  <a:srgbClr val="D73A49"/>
-                </a:solidFill>
-                <a:latin typeface="SFMono-Regular"/>
-              </a:rPr>
-              <a:t>i</a:t>
-            </a:r>
-            <a:r>
-              <a:rPr lang="en-US" sz="1600" spc="-1" dirty="0">
-                <a:solidFill>
-                  <a:srgbClr val="D73A49"/>
-                </a:solidFill>
-                <a:latin typeface="SFMono-Regular"/>
-              </a:rPr>
-              <a:t> int, </a:t>
-            </a:r>
-            <a:r>
-              <a:rPr lang="en-US" sz="1600" spc="-1" dirty="0" err="1">
-                <a:solidFill>
-                  <a:srgbClr val="D73A49"/>
-                </a:solidFill>
-                <a:latin typeface="SFMono-Regular"/>
-              </a:rPr>
-              <a:t>rpcIf</a:t>
-            </a:r>
-            <a:r>
-              <a:rPr lang="en-US" sz="1600" spc="-1" dirty="0">
-                <a:solidFill>
-                  <a:srgbClr val="D73A49"/>
-                </a:solidFill>
-                <a:latin typeface="SFMono-Regular"/>
-              </a:rPr>
-              <a:t> </a:t>
-            </a:r>
-            <a:r>
-              <a:rPr lang="en-US" sz="1600" spc="-1" dirty="0" err="1">
-                <a:solidFill>
-                  <a:srgbClr val="D73A49"/>
-                </a:solidFill>
-                <a:latin typeface="SFMono-Regular"/>
-              </a:rPr>
-              <a:t>NodeRPC</a:t>
-            </a:r>
-            <a:r>
-              <a:rPr lang="en-US" sz="1600" spc="-1" dirty="0">
-                <a:solidFill>
-                  <a:srgbClr val="D73A49"/>
-                </a:solidFill>
-                <a:latin typeface="SFMono-Regular"/>
-              </a:rPr>
-              <a:t>) {</a:t>
-            </a:r>
-          </a:p>
-          <a:p>
-            <a:pPr>
-              <a:lnSpc>
-                <a:spcPct val="100000"/>
-              </a:lnSpc>
-            </a:pPr>
-            <a:r>
-              <a:rPr lang="en-US" sz="1600" spc="-1" dirty="0">
-                <a:solidFill>
-                  <a:srgbClr val="D73A49"/>
-                </a:solidFill>
-                <a:latin typeface="SFMono-Regular"/>
-              </a:rPr>
-              <a:t>			term, ok := 				</a:t>
-            </a:r>
-            <a:r>
-              <a:rPr lang="en-US" sz="1600" spc="-1" dirty="0" err="1">
-                <a:solidFill>
-                  <a:srgbClr val="D73A49"/>
-                </a:solidFill>
-                <a:latin typeface="SFMono-Regular"/>
-              </a:rPr>
-              <a:t>rpcIf.RequestVote</a:t>
-            </a:r>
-            <a:r>
-              <a:rPr lang="en-US" sz="1600" spc="-1" dirty="0">
-                <a:solidFill>
-                  <a:srgbClr val="D73A49"/>
-                </a:solidFill>
-                <a:latin typeface="SFMono-Regular"/>
-              </a:rPr>
-              <a:t>(</a:t>
-            </a:r>
-            <a:r>
-              <a:rPr lang="en-US" sz="1600" spc="-1" dirty="0" err="1">
-                <a:solidFill>
-                  <a:srgbClr val="D73A49"/>
-                </a:solidFill>
-                <a:latin typeface="SFMono-Regular"/>
-              </a:rPr>
-              <a:t>n.currentTerm</a:t>
-            </a:r>
-            <a:r>
-              <a:rPr lang="en-US" sz="1600" spc="-1" dirty="0">
-                <a:solidFill>
-                  <a:srgbClr val="D73A49"/>
-                </a:solidFill>
-                <a:latin typeface="SFMono-Regular"/>
-              </a:rPr>
-              <a:t>, n.id, 0, 0)</a:t>
-            </a:r>
-          </a:p>
-          <a:p>
-            <a:pPr>
-              <a:lnSpc>
-                <a:spcPct val="100000"/>
-              </a:lnSpc>
-            </a:pPr>
-            <a:r>
-              <a:rPr lang="en-US" sz="1600" spc="-1" dirty="0">
-                <a:solidFill>
-                  <a:srgbClr val="D73A49"/>
-                </a:solidFill>
-                <a:latin typeface="SFMono-Regular"/>
-              </a:rPr>
-              <a:t>			if term &gt; </a:t>
-            </a:r>
-            <a:r>
-              <a:rPr lang="en-US" sz="1600" spc="-1" dirty="0" err="1">
-                <a:solidFill>
-                  <a:srgbClr val="D73A49"/>
-                </a:solidFill>
-                <a:latin typeface="SFMono-Regular"/>
-              </a:rPr>
-              <a:t>n.currentTerm</a:t>
-            </a:r>
-            <a:r>
-              <a:rPr lang="en-US" sz="1600" spc="-1" dirty="0">
-                <a:solidFill>
-                  <a:srgbClr val="D73A49"/>
-                </a:solidFill>
-                <a:latin typeface="SFMono-Regular"/>
-              </a:rPr>
-              <a:t> {</a:t>
-            </a:r>
-          </a:p>
-          <a:p>
-            <a:pPr>
-              <a:lnSpc>
-                <a:spcPct val="100000"/>
-              </a:lnSpc>
-            </a:pPr>
-            <a:r>
-              <a:rPr lang="en-US" sz="1600" spc="-1" dirty="0">
-                <a:solidFill>
-                  <a:srgbClr val="D73A49"/>
-                </a:solidFill>
-                <a:latin typeface="SFMono-Regular"/>
-              </a:rPr>
-              <a:t>				// </a:t>
-            </a:r>
-            <a:r>
-              <a:rPr lang="en-US" sz="1600" spc="-1" dirty="0" err="1">
-                <a:solidFill>
-                  <a:srgbClr val="D73A49"/>
-                </a:solidFill>
-                <a:latin typeface="SFMono-Regular"/>
-              </a:rPr>
-              <a:t>todo</a:t>
-            </a:r>
-            <a:endParaRPr lang="en-US" sz="1600" spc="-1" dirty="0">
-              <a:solidFill>
-                <a:srgbClr val="D73A49"/>
-              </a:solidFill>
-              <a:latin typeface="SFMono-Regular"/>
-            </a:endParaRPr>
-          </a:p>
-          <a:p>
-            <a:pPr>
-              <a:lnSpc>
-                <a:spcPct val="100000"/>
-              </a:lnSpc>
-            </a:pPr>
-            <a:r>
-              <a:rPr lang="en-US" sz="1600" spc="-1" dirty="0">
-                <a:solidFill>
-                  <a:srgbClr val="D73A49"/>
-                </a:solidFill>
-                <a:latin typeface="SFMono-Regular"/>
-              </a:rPr>
-              <a:t>			}</a:t>
-            </a:r>
-          </a:p>
-          <a:p>
-            <a:pPr>
-              <a:lnSpc>
-                <a:spcPct val="100000"/>
-              </a:lnSpc>
-            </a:pPr>
-            <a:r>
-              <a:rPr lang="en-US" sz="1600" spc="-1" dirty="0">
-                <a:solidFill>
-                  <a:srgbClr val="D73A49"/>
-                </a:solidFill>
-                <a:latin typeface="SFMono-Regular"/>
-              </a:rPr>
-              <a:t>			votes[</a:t>
-            </a:r>
-            <a:r>
-              <a:rPr lang="en-US" sz="1600" spc="-1" dirty="0" err="1">
-                <a:solidFill>
-                  <a:srgbClr val="D73A49"/>
-                </a:solidFill>
-                <a:latin typeface="SFMono-Regular"/>
-              </a:rPr>
-              <a:t>i</a:t>
-            </a:r>
-            <a:r>
-              <a:rPr lang="en-US" sz="1600" spc="-1" dirty="0">
-                <a:solidFill>
-                  <a:srgbClr val="D73A49"/>
-                </a:solidFill>
-                <a:latin typeface="SFMono-Regular"/>
-              </a:rPr>
-              <a:t>] = ok</a:t>
-            </a:r>
-          </a:p>
-          <a:p>
-            <a:pPr>
-              <a:lnSpc>
-                <a:spcPct val="100000"/>
-              </a:lnSpc>
-            </a:pPr>
-            <a:r>
-              <a:rPr lang="en-US" sz="1600" spc="-1" dirty="0">
-                <a:solidFill>
-                  <a:srgbClr val="D73A49"/>
-                </a:solidFill>
-                <a:latin typeface="SFMono-Regular"/>
-              </a:rPr>
-              <a:t>			</a:t>
-            </a:r>
-            <a:r>
-              <a:rPr lang="en-US" sz="1600" spc="-1" dirty="0" err="1">
-                <a:solidFill>
-                  <a:srgbClr val="D73A49"/>
-                </a:solidFill>
-                <a:latin typeface="SFMono-Regular"/>
-              </a:rPr>
-              <a:t>w.Done</a:t>
-            </a:r>
-            <a:r>
-              <a:rPr lang="en-US" sz="1600" spc="-1" dirty="0">
-                <a:solidFill>
-                  <a:srgbClr val="D73A49"/>
-                </a:solidFill>
-                <a:latin typeface="SFMono-Regular"/>
-              </a:rPr>
-              <a:t>()</a:t>
-            </a:r>
-          </a:p>
-          <a:p>
-            <a:pPr>
-              <a:lnSpc>
-                <a:spcPct val="100000"/>
-              </a:lnSpc>
-            </a:pPr>
-            <a:r>
-              <a:rPr lang="en-US" sz="1600" spc="-1" dirty="0">
-                <a:solidFill>
-                  <a:srgbClr val="D73A49"/>
-                </a:solidFill>
-                <a:latin typeface="SFMono-Regular"/>
-              </a:rPr>
-              <a:t>	         }(&amp;</a:t>
-            </a:r>
-            <a:r>
-              <a:rPr lang="en-US" sz="1600" spc="-1" dirty="0" err="1">
-                <a:solidFill>
-                  <a:srgbClr val="D73A49"/>
-                </a:solidFill>
-                <a:latin typeface="SFMono-Regular"/>
-              </a:rPr>
-              <a:t>wg</a:t>
-            </a:r>
-            <a:r>
-              <a:rPr lang="en-US" sz="1600" spc="-1" dirty="0">
-                <a:solidFill>
-                  <a:srgbClr val="D73A49"/>
-                </a:solidFill>
-                <a:latin typeface="SFMono-Regular"/>
-              </a:rPr>
-              <a:t>, </a:t>
-            </a:r>
-            <a:r>
-              <a:rPr lang="en-US" sz="1600" spc="-1" dirty="0" err="1">
-                <a:solidFill>
-                  <a:srgbClr val="D73A49"/>
-                </a:solidFill>
-                <a:latin typeface="SFMono-Regular"/>
-              </a:rPr>
-              <a:t>i</a:t>
-            </a:r>
-            <a:r>
-              <a:rPr lang="en-US" sz="1600" spc="-1" dirty="0">
-                <a:solidFill>
-                  <a:srgbClr val="D73A49"/>
-                </a:solidFill>
-                <a:latin typeface="SFMono-Regular"/>
-              </a:rPr>
-              <a:t>, </a:t>
-            </a:r>
-            <a:r>
-              <a:rPr lang="en-US" sz="1600" spc="-1" dirty="0" err="1">
-                <a:solidFill>
-                  <a:srgbClr val="D73A49"/>
-                </a:solidFill>
-                <a:latin typeface="SFMono-Regular"/>
-              </a:rPr>
-              <a:t>rpcIf</a:t>
-            </a:r>
-            <a:r>
-              <a:rPr lang="en-US" sz="1600" spc="-1" dirty="0">
-                <a:solidFill>
-                  <a:srgbClr val="D73A49"/>
-                </a:solidFill>
-                <a:latin typeface="SFMono-Regular"/>
-              </a:rPr>
-              <a:t>)</a:t>
-            </a:r>
-          </a:p>
-          <a:p>
-            <a:pPr>
-              <a:lnSpc>
-                <a:spcPct val="100000"/>
-              </a:lnSpc>
-            </a:pPr>
-            <a:r>
-              <a:rPr lang="en-US" sz="1600" spc="-1" dirty="0">
-                <a:solidFill>
-                  <a:srgbClr val="D73A49"/>
-                </a:solidFill>
-                <a:latin typeface="SFMono-Regular"/>
-              </a:rPr>
-              <a:t>	}</a:t>
-            </a:r>
-          </a:p>
-          <a:p>
-            <a:pPr>
-              <a:lnSpc>
-                <a:spcPct val="100000"/>
-              </a:lnSpc>
-            </a:pPr>
-            <a:r>
-              <a:rPr lang="en-US" sz="1600" spc="-1" dirty="0">
-                <a:solidFill>
-                  <a:srgbClr val="D73A49"/>
-                </a:solidFill>
-                <a:latin typeface="SFMono-Regular"/>
-              </a:rPr>
-              <a:t>	</a:t>
-            </a:r>
-            <a:r>
-              <a:rPr lang="en-US" sz="1600" spc="-1" dirty="0" err="1">
-                <a:solidFill>
-                  <a:srgbClr val="D73A49"/>
-                </a:solidFill>
-                <a:latin typeface="SFMono-Regular"/>
-              </a:rPr>
-              <a:t>wg.Wait</a:t>
-            </a:r>
-            <a:r>
-              <a:rPr lang="en-US" sz="1600" spc="-1" dirty="0">
-                <a:solidFill>
-                  <a:srgbClr val="D73A49"/>
-                </a:solidFill>
-                <a:latin typeface="SFMono-Regular"/>
-              </a:rPr>
-              <a:t>() // wait until all nodes have voted</a:t>
-            </a:r>
-          </a:p>
-        </p:txBody>
-      </p:sp>
-      <p:sp>
-        <p:nvSpPr>
-          <p:cNvPr id="5" name="CustomShape 2">
-            <a:extLst>
-              <a:ext uri="{FF2B5EF4-FFF2-40B4-BE49-F238E27FC236}">
-                <a16:creationId xmlns:a16="http://schemas.microsoft.com/office/drawing/2014/main" id="{0BE8C24D-712A-4453-A75F-E620CD9105FC}"/>
-              </a:ext>
-            </a:extLst>
-          </p:cNvPr>
-          <p:cNvSpPr/>
-          <p:nvPr/>
-        </p:nvSpPr>
-        <p:spPr>
-          <a:xfrm>
-            <a:off x="6178237" y="1237127"/>
-            <a:ext cx="5712310" cy="5357309"/>
-          </a:xfrm>
-          <a:prstGeom prst="rect">
-            <a:avLst/>
-          </a:prstGeom>
-          <a:solidFill>
-            <a:srgbClr val="F6F8FA"/>
-          </a:solidFill>
-          <a:ln>
-            <a:noFill/>
-          </a:ln>
-        </p:spPr>
-        <p:style>
-          <a:lnRef idx="0">
-            <a:scrgbClr r="0" g="0" b="0"/>
-          </a:lnRef>
-          <a:fillRef idx="0">
-            <a:scrgbClr r="0" g="0" b="0"/>
-          </a:fillRef>
-          <a:effectRef idx="0">
-            <a:scrgbClr r="0" g="0" b="0"/>
-          </a:effectRef>
-          <a:fontRef idx="minor"/>
-        </p:style>
-        <p:txBody>
-          <a:bodyPr tIns="0" bIns="0" anchor="ctr"/>
-          <a:lstStyle/>
-          <a:p>
-            <a:pPr>
-              <a:lnSpc>
-                <a:spcPct val="100000"/>
-              </a:lnSpc>
-            </a:pPr>
-            <a:r>
-              <a:rPr lang="en-US" sz="1600" spc="-1" dirty="0">
-                <a:solidFill>
-                  <a:srgbClr val="D73A49"/>
-                </a:solidFill>
-                <a:latin typeface="SFMono-Regular"/>
-              </a:rPr>
-              <a:t>def </a:t>
-            </a:r>
-            <a:r>
-              <a:rPr lang="en-US" sz="1600" spc="-1" dirty="0" err="1">
-                <a:solidFill>
-                  <a:srgbClr val="D73A49"/>
-                </a:solidFill>
-                <a:latin typeface="SFMono-Regular"/>
-              </a:rPr>
-              <a:t>execute_election</a:t>
-            </a:r>
-            <a:r>
-              <a:rPr lang="en-US" sz="1600" spc="-1" dirty="0">
-                <a:solidFill>
-                  <a:srgbClr val="D73A49"/>
-                </a:solidFill>
-                <a:latin typeface="SFMono-Regular"/>
-              </a:rPr>
-              <a:t>(self):</a:t>
-            </a:r>
-          </a:p>
-          <a:p>
-            <a:pPr>
-              <a:lnSpc>
-                <a:spcPct val="100000"/>
-              </a:lnSpc>
-            </a:pPr>
-            <a:r>
-              <a:rPr lang="en-US" sz="1600" spc="-1" dirty="0">
-                <a:solidFill>
-                  <a:srgbClr val="D73A49"/>
-                </a:solidFill>
-                <a:latin typeface="SFMono-Regular"/>
-              </a:rPr>
-              <a:t>        print("-&gt; Election")</a:t>
-            </a:r>
-          </a:p>
-          <a:p>
-            <a:pPr>
-              <a:lnSpc>
-                <a:spcPct val="100000"/>
-              </a:lnSpc>
-            </a:pPr>
-            <a:r>
-              <a:rPr lang="en-US" sz="1600" spc="-1" dirty="0">
-                <a:solidFill>
-                  <a:srgbClr val="D73A49"/>
-                </a:solidFill>
-                <a:latin typeface="SFMono-Regular"/>
-              </a:rPr>
-              <a:t>        </a:t>
-            </a:r>
-            <a:r>
-              <a:rPr lang="en-US" sz="1600" spc="-1" dirty="0" err="1">
-                <a:solidFill>
-                  <a:srgbClr val="D73A49"/>
-                </a:solidFill>
-                <a:latin typeface="SFMono-Regular"/>
-              </a:rPr>
-              <a:t>self.votedFor</a:t>
-            </a:r>
-            <a:r>
-              <a:rPr lang="en-US" sz="1600" spc="-1" dirty="0">
-                <a:solidFill>
-                  <a:srgbClr val="D73A49"/>
-                </a:solidFill>
-                <a:latin typeface="SFMono-Regular"/>
-              </a:rPr>
-              <a:t> = self.id  # votes for itself</a:t>
-            </a:r>
-          </a:p>
-          <a:p>
-            <a:pPr>
-              <a:lnSpc>
-                <a:spcPct val="100000"/>
-              </a:lnSpc>
-            </a:pPr>
-            <a:endParaRPr lang="en-US" sz="1600" spc="-1" dirty="0">
-              <a:solidFill>
-                <a:srgbClr val="D73A49"/>
-              </a:solidFill>
-              <a:latin typeface="SFMono-Regular"/>
-            </a:endParaRPr>
-          </a:p>
-          <a:p>
-            <a:pPr>
-              <a:lnSpc>
-                <a:spcPct val="100000"/>
-              </a:lnSpc>
-            </a:pPr>
-            <a:r>
-              <a:rPr lang="en-US" sz="1600" spc="-1" dirty="0">
-                <a:solidFill>
-                  <a:srgbClr val="D73A49"/>
-                </a:solidFill>
-                <a:latin typeface="SFMono-Regular"/>
-              </a:rPr>
-              <a:t>        </a:t>
-            </a:r>
-            <a:r>
-              <a:rPr lang="en-US" sz="1600" spc="-1" dirty="0" err="1">
-                <a:solidFill>
-                  <a:srgbClr val="D73A49"/>
-                </a:solidFill>
-                <a:latin typeface="SFMono-Regular"/>
-              </a:rPr>
-              <a:t>wg</a:t>
-            </a:r>
-            <a:r>
-              <a:rPr lang="en-US" sz="1600" spc="-1" dirty="0">
-                <a:solidFill>
-                  <a:srgbClr val="D73A49"/>
-                </a:solidFill>
-                <a:latin typeface="SFMono-Regular"/>
-              </a:rPr>
-              <a:t> = </a:t>
-            </a:r>
-            <a:r>
-              <a:rPr lang="en-US" sz="1600" spc="-1" dirty="0" err="1">
-                <a:solidFill>
-                  <a:srgbClr val="D73A49"/>
-                </a:solidFill>
-                <a:latin typeface="SFMono-Regular"/>
-              </a:rPr>
-              <a:t>WaitGroup</a:t>
-            </a:r>
-            <a:r>
-              <a:rPr lang="en-US" sz="1600" spc="-1" dirty="0">
-                <a:solidFill>
-                  <a:srgbClr val="D73A49"/>
-                </a:solidFill>
-                <a:latin typeface="SFMono-Regular"/>
-              </a:rPr>
-              <a:t>()</a:t>
-            </a:r>
-          </a:p>
-          <a:p>
-            <a:pPr>
-              <a:lnSpc>
-                <a:spcPct val="100000"/>
-              </a:lnSpc>
-            </a:pPr>
-            <a:r>
-              <a:rPr lang="en-US" sz="1600" spc="-1" dirty="0">
-                <a:solidFill>
-                  <a:srgbClr val="D73A49"/>
-                </a:solidFill>
-                <a:latin typeface="SFMono-Regular"/>
-              </a:rPr>
-              <a:t>        nodes = </a:t>
-            </a:r>
-            <a:r>
-              <a:rPr lang="en-US" sz="1600" spc="-1" dirty="0" err="1">
-                <a:solidFill>
-                  <a:srgbClr val="D73A49"/>
-                </a:solidFill>
-                <a:latin typeface="SFMono-Regular"/>
-              </a:rPr>
-              <a:t>self.cluster.get_remote_followers</a:t>
-            </a:r>
-            <a:r>
-              <a:rPr lang="en-US" sz="1600" spc="-1" dirty="0">
-                <a:solidFill>
-                  <a:srgbClr val="D73A49"/>
-                </a:solidFill>
-                <a:latin typeface="SFMono-Regular"/>
-              </a:rPr>
-              <a:t>(self.id)</a:t>
-            </a:r>
-          </a:p>
-          <a:p>
-            <a:pPr>
-              <a:lnSpc>
-                <a:spcPct val="100000"/>
-              </a:lnSpc>
-            </a:pPr>
-            <a:r>
-              <a:rPr lang="en-US" sz="1600" spc="-1" dirty="0">
-                <a:solidFill>
-                  <a:srgbClr val="D73A49"/>
-                </a:solidFill>
-                <a:latin typeface="SFMono-Regular"/>
-              </a:rPr>
-              <a:t>        votes = []</a:t>
-            </a:r>
-          </a:p>
-          <a:p>
-            <a:pPr>
-              <a:lnSpc>
-                <a:spcPct val="100000"/>
-              </a:lnSpc>
-            </a:pPr>
-            <a:r>
-              <a:rPr lang="en-US" sz="1600" spc="-1" dirty="0">
-                <a:solidFill>
-                  <a:srgbClr val="D73A49"/>
-                </a:solidFill>
-                <a:latin typeface="SFMono-Regular"/>
-              </a:rPr>
-              <a:t>        </a:t>
-            </a:r>
-            <a:r>
-              <a:rPr lang="en-US" sz="1600" spc="-1" dirty="0" err="1">
-                <a:solidFill>
-                  <a:srgbClr val="D73A49"/>
-                </a:solidFill>
-                <a:latin typeface="SFMono-Regular"/>
-              </a:rPr>
-              <a:t>wg.add</a:t>
-            </a:r>
-            <a:r>
-              <a:rPr lang="en-US" sz="1600" spc="-1" dirty="0">
-                <a:solidFill>
-                  <a:srgbClr val="D73A49"/>
-                </a:solidFill>
-                <a:latin typeface="SFMono-Regular"/>
-              </a:rPr>
-              <a:t>(</a:t>
-            </a:r>
-            <a:r>
-              <a:rPr lang="en-US" sz="1600" spc="-1" dirty="0" err="1">
-                <a:solidFill>
-                  <a:srgbClr val="D73A49"/>
-                </a:solidFill>
-                <a:latin typeface="SFMono-Regular"/>
-              </a:rPr>
-              <a:t>len</a:t>
-            </a:r>
-            <a:r>
-              <a:rPr lang="en-US" sz="1600" spc="-1" dirty="0">
-                <a:solidFill>
-                  <a:srgbClr val="D73A49"/>
-                </a:solidFill>
-                <a:latin typeface="SFMono-Regular"/>
-              </a:rPr>
-              <a:t>(nodes))</a:t>
-            </a:r>
-          </a:p>
-          <a:p>
-            <a:pPr>
-              <a:lnSpc>
-                <a:spcPct val="100000"/>
-              </a:lnSpc>
-            </a:pPr>
-            <a:endParaRPr lang="en-US" sz="1600" spc="-1" dirty="0">
-              <a:solidFill>
-                <a:srgbClr val="D73A49"/>
-              </a:solidFill>
-              <a:latin typeface="SFMono-Regular"/>
-            </a:endParaRPr>
-          </a:p>
-          <a:p>
-            <a:pPr>
-              <a:lnSpc>
-                <a:spcPct val="100000"/>
-              </a:lnSpc>
-            </a:pPr>
-            <a:r>
-              <a:rPr lang="en-US" sz="1600" spc="-1" dirty="0">
-                <a:solidFill>
-                  <a:srgbClr val="D73A49"/>
-                </a:solidFill>
-                <a:latin typeface="SFMono-Regular"/>
-              </a:rPr>
-              <a:t>        def </a:t>
-            </a:r>
-            <a:r>
-              <a:rPr lang="en-US" sz="1600" spc="-1" dirty="0" err="1">
-                <a:solidFill>
-                  <a:srgbClr val="D73A49"/>
-                </a:solidFill>
-                <a:latin typeface="SFMono-Regular"/>
-              </a:rPr>
-              <a:t>request_votes</a:t>
-            </a:r>
-            <a:r>
-              <a:rPr lang="en-US" sz="1600" spc="-1" dirty="0">
-                <a:solidFill>
-                  <a:srgbClr val="D73A49"/>
-                </a:solidFill>
-                <a:latin typeface="SFMono-Regular"/>
-              </a:rPr>
-              <a:t>():</a:t>
-            </a:r>
-          </a:p>
-          <a:p>
-            <a:pPr>
-              <a:lnSpc>
-                <a:spcPct val="100000"/>
-              </a:lnSpc>
-            </a:pPr>
-            <a:r>
-              <a:rPr lang="en-US" sz="1600" spc="-1" dirty="0">
-                <a:solidFill>
-                  <a:srgbClr val="D73A49"/>
-                </a:solidFill>
-                <a:latin typeface="SFMono-Regular"/>
-              </a:rPr>
-              <a:t>            	term, ok = </a:t>
-            </a:r>
-            <a:r>
-              <a:rPr lang="en-US" sz="1600" spc="-1" dirty="0" err="1">
-                <a:solidFill>
-                  <a:srgbClr val="D73A49"/>
-                </a:solidFill>
-                <a:latin typeface="SFMono-Regular"/>
-              </a:rPr>
-              <a:t>node.request_vote</a:t>
-            </a:r>
-            <a:r>
-              <a:rPr lang="en-US" sz="1600" spc="-1" dirty="0">
-                <a:solidFill>
-                  <a:srgbClr val="D73A49"/>
-                </a:solidFill>
-                <a:latin typeface="SFMono-Regular"/>
-              </a:rPr>
-              <a:t>(</a:t>
-            </a:r>
-            <a:r>
-              <a:rPr lang="en-US" sz="1600" spc="-1" dirty="0" err="1">
-                <a:solidFill>
-                  <a:srgbClr val="D73A49"/>
-                </a:solidFill>
-                <a:latin typeface="SFMono-Regular"/>
-              </a:rPr>
-              <a:t>self.current_term</a:t>
-            </a:r>
-            <a:r>
-              <a:rPr lang="en-US" sz="1600" spc="-1" dirty="0">
-                <a:solidFill>
-                  <a:srgbClr val="D73A49"/>
-                </a:solidFill>
-                <a:latin typeface="SFMono-Regular"/>
-              </a:rPr>
-              <a:t>, </a:t>
-            </a:r>
-          </a:p>
-          <a:p>
-            <a:pPr>
-              <a:lnSpc>
-                <a:spcPct val="100000"/>
-              </a:lnSpc>
-            </a:pPr>
-            <a:r>
-              <a:rPr lang="en-US" sz="1600" spc="-1" dirty="0">
-                <a:solidFill>
-                  <a:srgbClr val="D73A49"/>
-                </a:solidFill>
-                <a:latin typeface="SFMono-Regular"/>
-              </a:rPr>
-              <a:t>		self.id, 0, 0)</a:t>
-            </a:r>
-          </a:p>
-          <a:p>
-            <a:pPr>
-              <a:lnSpc>
-                <a:spcPct val="100000"/>
-              </a:lnSpc>
-            </a:pPr>
-            <a:r>
-              <a:rPr lang="en-US" sz="1600" spc="-1" dirty="0">
-                <a:solidFill>
-                  <a:srgbClr val="D73A49"/>
-                </a:solidFill>
-                <a:latin typeface="SFMono-Regular"/>
-              </a:rPr>
-              <a:t>           	 if term &gt; </a:t>
-            </a:r>
-            <a:r>
-              <a:rPr lang="en-US" sz="1600" spc="-1" dirty="0" err="1">
-                <a:solidFill>
-                  <a:srgbClr val="D73A49"/>
-                </a:solidFill>
-                <a:latin typeface="SFMono-Regular"/>
-              </a:rPr>
-              <a:t>self.current_term</a:t>
-            </a:r>
-            <a:r>
-              <a:rPr lang="en-US" sz="1600" spc="-1" dirty="0">
-                <a:solidFill>
-                  <a:srgbClr val="D73A49"/>
-                </a:solidFill>
-                <a:latin typeface="SFMono-Regular"/>
-              </a:rPr>
-              <a:t>:</a:t>
-            </a:r>
-          </a:p>
-          <a:p>
-            <a:pPr>
-              <a:lnSpc>
-                <a:spcPct val="100000"/>
-              </a:lnSpc>
-            </a:pPr>
-            <a:r>
-              <a:rPr lang="en-US" sz="1600" spc="-1" dirty="0">
-                <a:solidFill>
-                  <a:srgbClr val="D73A49"/>
-                </a:solidFill>
-                <a:latin typeface="SFMono-Regular"/>
-              </a:rPr>
-              <a:t>		pass</a:t>
-            </a:r>
-          </a:p>
-          <a:p>
-            <a:pPr>
-              <a:lnSpc>
-                <a:spcPct val="100000"/>
-              </a:lnSpc>
-            </a:pPr>
-            <a:r>
-              <a:rPr lang="en-US" sz="1600" spc="-1" dirty="0">
-                <a:solidFill>
-                  <a:srgbClr val="D73A49"/>
-                </a:solidFill>
-                <a:latin typeface="SFMono-Regular"/>
-              </a:rPr>
-              <a:t>            	</a:t>
-            </a:r>
-            <a:r>
-              <a:rPr lang="en-US" sz="1600" spc="-1" dirty="0" err="1">
-                <a:solidFill>
-                  <a:srgbClr val="D73A49"/>
-                </a:solidFill>
-                <a:latin typeface="SFMono-Regular"/>
-              </a:rPr>
-              <a:t>votes.append</a:t>
-            </a:r>
-            <a:r>
-              <a:rPr lang="en-US" sz="1600" spc="-1" dirty="0">
-                <a:solidFill>
-                  <a:srgbClr val="D73A49"/>
-                </a:solidFill>
-                <a:latin typeface="SFMono-Regular"/>
-              </a:rPr>
-              <a:t>(ok)</a:t>
-            </a:r>
-          </a:p>
-          <a:p>
-            <a:pPr>
-              <a:lnSpc>
-                <a:spcPct val="100000"/>
-              </a:lnSpc>
-            </a:pPr>
-            <a:r>
-              <a:rPr lang="en-US" sz="1600" spc="-1" dirty="0">
-                <a:solidFill>
-                  <a:srgbClr val="D73A49"/>
-                </a:solidFill>
-                <a:latin typeface="SFMono-Regular"/>
-              </a:rPr>
-              <a:t>            	</a:t>
-            </a:r>
-            <a:r>
-              <a:rPr lang="en-US" sz="1600" spc="-1" dirty="0" err="1">
-                <a:solidFill>
-                  <a:srgbClr val="D73A49"/>
-                </a:solidFill>
-                <a:latin typeface="SFMono-Regular"/>
-              </a:rPr>
-              <a:t>wg.done</a:t>
-            </a:r>
-            <a:r>
-              <a:rPr lang="en-US" sz="1600" spc="-1" dirty="0">
-                <a:solidFill>
-                  <a:srgbClr val="D73A49"/>
-                </a:solidFill>
-                <a:latin typeface="SFMono-Regular"/>
-              </a:rPr>
-              <a:t>()</a:t>
-            </a:r>
-          </a:p>
-          <a:p>
-            <a:pPr>
-              <a:lnSpc>
-                <a:spcPct val="100000"/>
-              </a:lnSpc>
-            </a:pPr>
-            <a:endParaRPr lang="en-US" sz="1600" spc="-1" dirty="0">
-              <a:solidFill>
-                <a:srgbClr val="D73A49"/>
-              </a:solidFill>
-              <a:latin typeface="SFMono-Regular"/>
-            </a:endParaRPr>
-          </a:p>
-          <a:p>
-            <a:pPr>
-              <a:lnSpc>
-                <a:spcPct val="100000"/>
-              </a:lnSpc>
-            </a:pPr>
-            <a:r>
-              <a:rPr lang="en-US" sz="1600" spc="-1" dirty="0">
-                <a:solidFill>
-                  <a:srgbClr val="D73A49"/>
-                </a:solidFill>
-                <a:latin typeface="SFMono-Regular"/>
-              </a:rPr>
-              <a:t>        for </a:t>
-            </a:r>
-            <a:r>
-              <a:rPr lang="en-US" sz="1600" spc="-1" dirty="0" err="1">
-                <a:solidFill>
-                  <a:srgbClr val="D73A49"/>
-                </a:solidFill>
-                <a:latin typeface="SFMono-Regular"/>
-              </a:rPr>
-              <a:t>i</a:t>
-            </a:r>
-            <a:r>
-              <a:rPr lang="en-US" sz="1600" spc="-1" dirty="0">
-                <a:solidFill>
-                  <a:srgbClr val="D73A49"/>
-                </a:solidFill>
-                <a:latin typeface="SFMono-Regular"/>
-              </a:rPr>
-              <a:t>, node in enumerate(nodes):</a:t>
-            </a:r>
-          </a:p>
-          <a:p>
-            <a:pPr>
-              <a:lnSpc>
-                <a:spcPct val="100000"/>
-              </a:lnSpc>
-            </a:pPr>
-            <a:r>
-              <a:rPr lang="en-US" sz="1600" spc="-1" dirty="0">
-                <a:solidFill>
-                  <a:srgbClr val="D73A49"/>
-                </a:solidFill>
-                <a:latin typeface="SFMono-Regular"/>
-              </a:rPr>
-              <a:t>           	Thread(target=</a:t>
-            </a:r>
-            <a:r>
-              <a:rPr lang="en-US" sz="1600" spc="-1" dirty="0" err="1">
-                <a:solidFill>
-                  <a:srgbClr val="D73A49"/>
-                </a:solidFill>
-                <a:latin typeface="SFMono-Regular"/>
-              </a:rPr>
-              <a:t>request_votes</a:t>
-            </a:r>
-            <a:r>
-              <a:rPr lang="en-US" sz="1600" spc="-1" dirty="0">
-                <a:solidFill>
-                  <a:srgbClr val="D73A49"/>
-                </a:solidFill>
-                <a:latin typeface="SFMono-Regular"/>
-              </a:rPr>
-              <a:t>).start()</a:t>
-            </a:r>
-          </a:p>
-          <a:p>
-            <a:pPr>
-              <a:lnSpc>
-                <a:spcPct val="100000"/>
-              </a:lnSpc>
-            </a:pPr>
-            <a:endParaRPr lang="en-US" sz="1600" spc="-1" dirty="0">
-              <a:solidFill>
-                <a:srgbClr val="D73A49"/>
-              </a:solidFill>
-              <a:latin typeface="SFMono-Regular"/>
-            </a:endParaRPr>
-          </a:p>
-          <a:p>
-            <a:pPr>
-              <a:lnSpc>
-                <a:spcPct val="100000"/>
-              </a:lnSpc>
-            </a:pPr>
-            <a:r>
-              <a:rPr lang="en-US" sz="1600" spc="-1" dirty="0">
-                <a:solidFill>
-                  <a:srgbClr val="D73A49"/>
-                </a:solidFill>
-                <a:latin typeface="SFMono-Regular"/>
-              </a:rPr>
-              <a:t>        </a:t>
-            </a:r>
-            <a:r>
-              <a:rPr lang="en-US" sz="1600" spc="-1" dirty="0" err="1">
-                <a:solidFill>
-                  <a:srgbClr val="D73A49"/>
-                </a:solidFill>
-                <a:latin typeface="SFMono-Regular"/>
-              </a:rPr>
-              <a:t>wg.wait</a:t>
-            </a:r>
-            <a:r>
-              <a:rPr lang="en-US" sz="1600" spc="-1" dirty="0">
-                <a:solidFill>
-                  <a:srgbClr val="D73A49"/>
-                </a:solidFill>
-                <a:latin typeface="SFMono-Regular"/>
-              </a:rPr>
-              <a:t>()</a:t>
+              <a:rPr lang="en-US" sz="2400" b="0" strike="noStrike" spc="-1" dirty="0">
+                <a:solidFill>
+                  <a:srgbClr val="FFFFFF"/>
+                </a:solidFill>
+                <a:latin typeface="Tahoma" panose="020B0604030504040204" pitchFamily="34" charset="0"/>
+                <a:ea typeface="Tahoma" panose="020B0604030504040204" pitchFamily="34" charset="0"/>
+                <a:cs typeface="Tahoma" panose="020B0604030504040204" pitchFamily="34" charset="0"/>
+              </a:rPr>
+              <a:t>Node checks if the majority voted for it</a:t>
             </a:r>
           </a:p>
         </p:txBody>
@@ -22115,60 +21337,14 @@
       </p:grpSpPr>
       <p:sp>
         <p:nvSpPr>
-          <p:cNvPr id="233" name="TextShape 1"/>
-          <p:cNvSpPr txBox="1"/>
-          <p:nvPr/>
-        </p:nvSpPr>
-        <p:spPr>
-          <a:xfrm>
-            <a:off x="1143000" y="0"/>
-            <a:ext cx="9905760" cy="1478160"/>
-          </a:xfrm>
-          <a:prstGeom prst="rect">
-            <a:avLst/>
-          </a:prstGeom>
-          <a:noFill/>
-          <a:ln>
-            <a:noFill/>
-          </a:ln>
-        </p:spPr>
-        <p:txBody>
-          <a:bodyPr anchor="ctr"/>
-          <a:lstStyle/>
-          <a:p>
-            <a:pPr>
-              <a:lnSpc>
-                <a:spcPct val="90000"/>
-              </a:lnSpc>
-            </a:pPr>
-            <a:r>
-              <a:rPr lang="de-DE" sz="3600" b="0" strike="noStrike" cap="all" spc="-1">
-                <a:solidFill>
-                  <a:srgbClr val="FFFFFF"/>
-                </a:solidFill>
-                <a:latin typeface="Tw Cen MT"/>
-              </a:rPr>
-              <a:t>Parallel programming in Python</a:t>
-            </a:r>
-            <a:endParaRPr lang="de-DE" sz="3600" b="0" strike="noStrike" spc="-1">
-              <a:solidFill>
-                <a:srgbClr val="FFFFFF"/>
-              </a:solidFill>
-              <a:latin typeface="Tw Cen MT"/>
-            </a:endParaRPr>
-          </a:p>
-        </p:txBody>
-      </p:sp>
-      <p:sp>
-        <p:nvSpPr>
           <p:cNvPr id="234" name="CustomShape 2"/>
           <p:cNvSpPr/>
           <p:nvPr/>
         </p:nvSpPr>
         <p:spPr>
           <a:xfrm>
-            <a:off x="355002" y="2019939"/>
-            <a:ext cx="5608319" cy="3755668"/>
+            <a:off x="6271708" y="1226371"/>
+            <a:ext cx="5712311" cy="5357309"/>
           </a:xfrm>
           <a:prstGeom prst="rect">
             <a:avLst/>
@@ -22208,7 +21384,7 @@
                 </a:solidFill>
                 <a:latin typeface="SFMono-Regular"/>
               </a:rPr>
-              <a:t>nbrOfVotes</a:t>
+              <a:t>func</a:t>
             </a:r>
             <a:r>
               <a:rPr lang="en-US" sz="1600" spc="-1" dirty="0">
@@ -22217,7 +21393,25 @@
                 </a:solidFill>
                 <a:latin typeface="SFMono-Regular"/>
               </a:rPr>
-              <a:t> := 1 // master votes for itself!</a:t>
+              <a:t> (n *Node) </a:t>
+            </a:r>
+            <a:r>
+              <a:rPr lang="en-US" sz="1600" spc="-1" dirty="0" err="1">
+                <a:solidFill>
+                  <a:srgbClr val="D73A49"/>
+                </a:solidFill>
+                <a:latin typeface="SFMono-Regular"/>
+              </a:rPr>
+              <a:t>executeElection</a:t>
+            </a:r>
+            <a:r>
+              <a:rPr lang="en-US" sz="1600" spc="-1" dirty="0">
+                <a:solidFill>
+                  <a:srgbClr val="D73A49"/>
+                </a:solidFill>
+                <a:latin typeface="SFMono-Regular"/>
+              </a:rPr>
+              <a:t>() bool {</a:t>
             </a:r>
           </a:p>
           <a:p>
@@ -22233,7 +21427,7 @@
                 </a:solidFill>
                 <a:latin typeface="SFMono-Regular"/>
               </a:rPr>
-              <a:t>	for _, vote := range votes {</a:t>
+              <a:t>	n.log("-&gt; Election")</a:t>
             </a:r>
           </a:p>
           <a:p>
@@ -22249,15 +21443,17 @@
                 </a:solidFill>
                 <a:latin typeface="SFMono-Regular"/>
               </a:rPr>
-              <a:t>		if vote {</a:t>
-            </a:r>
-          </a:p>
-          <a:p>
-            <a:pPr>
-              <a:lnSpc>
-                <a:spcPct val="100000"/>
-              </a:lnSpc>
-            </a:pPr>
+              <a:t>	</a:t>
+            </a:r>
+            <a:r>
+              <a:rPr lang="en-US" sz="1600" spc="-1" dirty="0" err="1">
+                <a:solidFill>
+                  <a:srgbClr val="D73A49"/>
+                </a:solidFill>
+                <a:latin typeface="SFMono-Regular"/>
+              </a:rPr>
+              <a:t>n.votedFor</a:t>
+            </a:r>
             <a:r>
               <a:rPr lang="en-US" sz="1600" spc="-1" dirty="0">
                 <a:solidFill>
@@ -22265,7 +21461,7 @@
                 </a:solidFill>
                 <a:latin typeface="SFMono-Regular"/>
               </a:rPr>
-              <a:t>			</a:t>
+              <a:t> = &amp;n.id // vote for </a:t>
             </a:r>
             <a:r>
               <a:rPr lang="en-US" sz="1600" spc="-1" dirty="0" err="1">
@@ -22274,169 +21470,14 @@
                 </a:solidFill>
                 <a:latin typeface="SFMono-Regular"/>
               </a:rPr>
-              <a:t>nbrOfVotes</a:t>
-            </a:r>
-            <a:r>
-              <a:rPr lang="en-US" sz="1600" spc="-1" dirty="0">
-                <a:solidFill>
-                  <a:srgbClr val="D73A49"/>
-                </a:solidFill>
-                <a:latin typeface="SFMono-Regular"/>
-              </a:rPr>
-              <a:t>++</a:t>
-            </a:r>
-          </a:p>
-          <a:p>
-            <a:pPr>
-              <a:lnSpc>
-                <a:spcPct val="100000"/>
-              </a:lnSpc>
-            </a:pPr>
-            <a:r>
-              <a:rPr lang="en-US" sz="1600" spc="-1" dirty="0">
-                <a:solidFill>
-                  <a:srgbClr val="D73A49"/>
-                </a:solidFill>
-                <a:latin typeface="SFMono-Regular"/>
-              </a:rPr>
-              <a:t>		}</a:t>
-            </a:r>
-          </a:p>
-          <a:p>
-            <a:pPr>
-              <a:lnSpc>
-                <a:spcPct val="100000"/>
-              </a:lnSpc>
-            </a:pPr>
-            <a:r>
-              <a:rPr lang="en-US" sz="1600" spc="-1" dirty="0">
-                <a:solidFill>
-                  <a:srgbClr val="D73A49"/>
-                </a:solidFill>
-                <a:latin typeface="SFMono-Regular"/>
-              </a:rPr>
-              <a:t>	}</a:t>
-            </a:r>
-          </a:p>
-          <a:p>
-            <a:pPr>
-              <a:lnSpc>
-                <a:spcPct val="100000"/>
-              </a:lnSpc>
-            </a:pPr>
-            <a:r>
-              <a:rPr lang="en-US" sz="1600" spc="-1" dirty="0">
-                <a:solidFill>
-                  <a:srgbClr val="D73A49"/>
-                </a:solidFill>
-                <a:latin typeface="SFMono-Regular"/>
-              </a:rPr>
-              <a:t>	// If more than 50% respond with true - 	</a:t>
-            </a:r>
-          </a:p>
-          <a:p>
-            <a:pPr>
-              <a:lnSpc>
-                <a:spcPct val="100000"/>
-              </a:lnSpc>
-            </a:pPr>
-            <a:r>
-              <a:rPr lang="en-US" sz="1600" spc="-1" dirty="0">
-                <a:solidFill>
-                  <a:srgbClr val="D73A49"/>
-                </a:solidFill>
-                <a:latin typeface="SFMono-Regular"/>
-              </a:rPr>
-              <a:t>	// The election was won!</a:t>
-            </a:r>
-          </a:p>
-          <a:p>
-            <a:pPr>
-              <a:lnSpc>
-                <a:spcPct val="100000"/>
-              </a:lnSpc>
-            </a:pPr>
-            <a:r>
-              <a:rPr lang="en-US" sz="1600" spc="-1" dirty="0">
-                <a:solidFill>
-                  <a:srgbClr val="D73A49"/>
-                </a:solidFill>
-                <a:latin typeface="SFMono-Regular"/>
-              </a:rPr>
-              <a:t>	</a:t>
-            </a:r>
-            <a:r>
-              <a:rPr lang="en-US" sz="1600" spc="-1" dirty="0" err="1">
-                <a:solidFill>
-                  <a:srgbClr val="D73A49"/>
-                </a:solidFill>
-                <a:latin typeface="SFMono-Regular"/>
-              </a:rPr>
-              <a:t>electionWon</a:t>
-            </a:r>
-            <a:r>
-              <a:rPr lang="en-US" sz="1600" spc="-1" dirty="0">
-                <a:solidFill>
-                  <a:srgbClr val="D73A49"/>
-                </a:solidFill>
-                <a:latin typeface="SFMono-Regular"/>
-              </a:rPr>
-              <a:t> := </a:t>
-            </a:r>
-            <a:r>
-              <a:rPr lang="en-US" sz="1600" spc="-1" dirty="0" err="1">
-                <a:solidFill>
-                  <a:srgbClr val="D73A49"/>
-                </a:solidFill>
-                <a:latin typeface="SFMono-Regular"/>
-              </a:rPr>
-              <a:t>nbrOfVotes</a:t>
-            </a:r>
-            <a:r>
-              <a:rPr lang="en-US" sz="1600" spc="-1" dirty="0">
-                <a:solidFill>
-                  <a:srgbClr val="D73A49"/>
-                </a:solidFill>
-                <a:latin typeface="SFMono-Regular"/>
-              </a:rPr>
-              <a:t> &gt;= 	</a:t>
-            </a:r>
-            <a:r>
-              <a:rPr lang="en-US" sz="1600" spc="-1" dirty="0" err="1">
-                <a:solidFill>
-                  <a:srgbClr val="D73A49"/>
-                </a:solidFill>
-                <a:latin typeface="SFMono-Regular"/>
-              </a:rPr>
-              <a:t>len</a:t>
-            </a:r>
-            <a:r>
-              <a:rPr lang="en-US" sz="1600" spc="-1" dirty="0">
-                <a:solidFill>
-                  <a:srgbClr val="D73A49"/>
-                </a:solidFill>
-                <a:latin typeface="SFMono-Regular"/>
-              </a:rPr>
-              <a:t>(</a:t>
-            </a:r>
-            <a:r>
-              <a:rPr lang="en-US" sz="1600" spc="-1" dirty="0" err="1">
-                <a:solidFill>
-                  <a:srgbClr val="D73A49"/>
-                </a:solidFill>
-                <a:latin typeface="SFMono-Regular"/>
-              </a:rPr>
-              <a:t>n.cluster.allNodes</a:t>
-            </a:r>
-            <a:r>
-              <a:rPr lang="en-US" sz="1600" spc="-1" dirty="0">
-                <a:solidFill>
-                  <a:srgbClr val="D73A49"/>
-                </a:solidFill>
-                <a:latin typeface="SFMono-Regular"/>
-              </a:rPr>
-              <a:t>)/2+1</a:t>
-            </a:r>
+              <a:t>ourself</a:t>
+            </a:r>
+            <a:endParaRPr lang="en-US" sz="1600" spc="-1" dirty="0">
+              <a:solidFill>
+                <a:srgbClr val="D73A49"/>
+              </a:solidFill>
+              <a:latin typeface="SFMono-Regular"/>
+            </a:endParaRPr>
           </a:p>
           <a:p>
             <a:pPr>
@@ -22464,7 +21505,7 @@
                 </a:solidFill>
                 <a:latin typeface="SFMono-Regular"/>
               </a:rPr>
-              <a:t>	n.log(</a:t>
+              <a:t>	var </a:t>
             </a:r>
             <a:r>
               <a:rPr lang="en-US" sz="1600" spc="-1" dirty="0" err="1">
@@ -22473,7 +21514,7 @@
                 </a:solidFill>
                 <a:latin typeface="SFMono-Regular"/>
               </a:rPr>
-              <a:t>fmt.Sprintf</a:t>
+              <a:t>wg</a:t>
             </a:r>
             <a:r>
               <a:rPr lang="en-US" sz="1600" spc="-1" dirty="0">
@@ -22482,7 +21523,7 @@
                 </a:solidFill>
                 <a:latin typeface="SFMono-Regular"/>
               </a:rPr>
-              <a:t>("&lt;- Election: %v", </a:t>
+              <a:t> </a:t>
             </a:r>
             <a:r>
               <a:rPr lang="en-US" sz="1600" spc="-1" dirty="0" err="1">
@@ -22491,8 +21532,21 @@
                 </a:solidFill>
                 <a:latin typeface="SFMono-Regular"/>
               </a:rPr>
-              <a:t>electionWon</a:t>
-            </a:r>
+              <a:t>sync.WaitGroup</a:t>
+            </a:r>
+            <a:endParaRPr lang="en-US" sz="1600" spc="-1" dirty="0">
+              <a:solidFill>
+                <a:srgbClr val="D73A49"/>
+              </a:solidFill>
+              <a:latin typeface="SFMono-Regular"/>
+            </a:endParaRPr>
+          </a:p>
+          <a:p>
+            <a:pPr>
+              <a:lnSpc>
+                <a:spcPct val="100000"/>
+              </a:lnSpc>
+            </a:pPr>
             <a:r>
               <a:rPr lang="en-US" sz="1600" spc="-1" dirty="0">
                 <a:solidFill>
@@ -22500,7 +21554,111 @@
                 </a:solidFill>
                 <a:latin typeface="SFMono-Regular"/>
               </a:rPr>
-              <a:t>))</a:t>
+              <a:t>	nodes := </a:t>
+            </a:r>
+            <a:r>
+              <a:rPr lang="en-US" sz="1600" spc="-1" dirty="0" err="1">
+                <a:solidFill>
+                  <a:srgbClr val="D73A49"/>
+                </a:solidFill>
+                <a:latin typeface="SFMono-Regular"/>
+              </a:rPr>
+              <a:t>n.cluster.GetRemoteFollowers</a:t>
+            </a:r>
+            <a:r>
+              <a:rPr lang="en-US" sz="1600" spc="-1" dirty="0">
+                <a:solidFill>
+                  <a:srgbClr val="D73A49"/>
+                </a:solidFill>
+                <a:latin typeface="SFMono-Regular"/>
+              </a:rPr>
+              <a:t>(n.id)</a:t>
+            </a:r>
+          </a:p>
+          <a:p>
+            <a:pPr>
+              <a:lnSpc>
+                <a:spcPct val="100000"/>
+              </a:lnSpc>
+            </a:pPr>
+            <a:r>
+              <a:rPr lang="en-US" sz="1600" spc="-1" dirty="0">
+                <a:solidFill>
+                  <a:srgbClr val="D73A49"/>
+                </a:solidFill>
+                <a:latin typeface="SFMono-Regular"/>
+              </a:rPr>
+              <a:t>	votes := make([]bool, </a:t>
+            </a:r>
+            <a:r>
+              <a:rPr lang="en-US" sz="1600" spc="-1" dirty="0" err="1">
+                <a:solidFill>
+                  <a:srgbClr val="D73A49"/>
+                </a:solidFill>
+                <a:latin typeface="SFMono-Regular"/>
+              </a:rPr>
+              <a:t>len</a:t>
+            </a:r>
+            <a:r>
+              <a:rPr lang="en-US" sz="1600" spc="-1" dirty="0">
+                <a:solidFill>
+                  <a:srgbClr val="D73A49"/>
+                </a:solidFill>
+                <a:latin typeface="SFMono-Regular"/>
+              </a:rPr>
+              <a:t>(nodes))</a:t>
+            </a:r>
+          </a:p>
+          <a:p>
+            <a:pPr>
+              <a:lnSpc>
+                <a:spcPct val="100000"/>
+              </a:lnSpc>
+            </a:pPr>
+            <a:r>
+              <a:rPr lang="en-US" sz="1600" spc="-1" dirty="0">
+                <a:solidFill>
+                  <a:srgbClr val="D73A49"/>
+                </a:solidFill>
+                <a:latin typeface="SFMono-Regular"/>
+              </a:rPr>
+              <a:t>	</a:t>
+            </a:r>
+            <a:r>
+              <a:rPr lang="en-US" sz="1600" spc="-1" dirty="0" err="1">
+                <a:solidFill>
+                  <a:srgbClr val="D73A49"/>
+                </a:solidFill>
+                <a:latin typeface="SFMono-Regular"/>
+              </a:rPr>
+              <a:t>wg.Add</a:t>
+            </a:r>
+            <a:r>
+              <a:rPr lang="en-US" sz="1600" spc="-1" dirty="0">
+                <a:solidFill>
+                  <a:srgbClr val="D73A49"/>
+                </a:solidFill>
+                <a:latin typeface="SFMono-Regular"/>
+              </a:rPr>
+              <a:t>(</a:t>
+            </a:r>
+            <a:r>
+              <a:rPr lang="en-US" sz="1600" spc="-1" dirty="0" err="1">
+                <a:solidFill>
+                  <a:srgbClr val="D73A49"/>
+                </a:solidFill>
+                <a:latin typeface="SFMono-Regular"/>
+              </a:rPr>
+              <a:t>len</a:t>
+            </a:r>
+            <a:r>
+              <a:rPr lang="en-US" sz="1600" spc="-1" dirty="0">
+                <a:solidFill>
+                  <a:srgbClr val="D73A49"/>
+                </a:solidFill>
+                <a:latin typeface="SFMono-Regular"/>
+              </a:rPr>
+              <a:t>(nodes))</a:t>
             </a:r>
           </a:p>
           <a:p>
@@ -22529,7 +21687,7 @@
                 </a:solidFill>
                 <a:latin typeface="SFMono-Regular"/>
               </a:rPr>
-              <a:t>	return </a:t>
+              <a:t>	for </a:t>
             </a:r>
             <a:r>
               <a:rPr lang="en-US" sz="1600" spc="-1" dirty="0" err="1">
@@ -22538,7 +21696,251 @@
                 </a:solidFill>
                 <a:latin typeface="SFMono-Regular"/>
               </a:rPr>
-              <a:t>electionWon</a:t>
+              <a:t>i</a:t>
+            </a:r>
+            <a:r>
+              <a:rPr lang="en-US" sz="1600" spc="-1" dirty="0">
+                <a:solidFill>
+                  <a:srgbClr val="D73A49"/>
+                </a:solidFill>
+                <a:latin typeface="SFMono-Regular"/>
+              </a:rPr>
+              <a:t>, </a:t>
+            </a:r>
+            <a:r>
+              <a:rPr lang="en-US" sz="1600" spc="-1" dirty="0" err="1">
+                <a:solidFill>
+                  <a:srgbClr val="D73A49"/>
+                </a:solidFill>
+                <a:latin typeface="SFMono-Regular"/>
+              </a:rPr>
+              <a:t>rpcIf</a:t>
+            </a:r>
+            <a:r>
+              <a:rPr lang="en-US" sz="1600" spc="-1" dirty="0">
+                <a:solidFill>
+                  <a:srgbClr val="D73A49"/>
+                </a:solidFill>
+                <a:latin typeface="SFMono-Regular"/>
+              </a:rPr>
+              <a:t> := range nodes {</a:t>
+            </a:r>
+          </a:p>
+          <a:p>
+            <a:pPr>
+              <a:lnSpc>
+                <a:spcPct val="100000"/>
+              </a:lnSpc>
+            </a:pPr>
+            <a:r>
+              <a:rPr lang="en-US" sz="1600" spc="-1" dirty="0">
+                <a:solidFill>
+                  <a:srgbClr val="D73A49"/>
+                </a:solidFill>
+                <a:latin typeface="SFMono-Regular"/>
+              </a:rPr>
+              <a:t>	        go </a:t>
+            </a:r>
+            <a:r>
+              <a:rPr lang="en-US" sz="1600" spc="-1" dirty="0" err="1">
+                <a:solidFill>
+                  <a:srgbClr val="D73A49"/>
+                </a:solidFill>
+                <a:latin typeface="SFMono-Regular"/>
+              </a:rPr>
+              <a:t>func</a:t>
+            </a:r>
+            <a:r>
+              <a:rPr lang="en-US" sz="1600" spc="-1" dirty="0">
+                <a:solidFill>
+                  <a:srgbClr val="D73A49"/>
+                </a:solidFill>
+                <a:latin typeface="SFMono-Regular"/>
+              </a:rPr>
+              <a:t>(w *</a:t>
+            </a:r>
+            <a:r>
+              <a:rPr lang="en-US" sz="1600" spc="-1" dirty="0" err="1">
+                <a:solidFill>
+                  <a:srgbClr val="D73A49"/>
+                </a:solidFill>
+                <a:latin typeface="SFMono-Regular"/>
+              </a:rPr>
+              <a:t>sync.WaitGroup</a:t>
+            </a:r>
+            <a:r>
+              <a:rPr lang="en-US" sz="1600" spc="-1" dirty="0">
+                <a:solidFill>
+                  <a:srgbClr val="D73A49"/>
+                </a:solidFill>
+                <a:latin typeface="SFMono-Regular"/>
+              </a:rPr>
+              <a:t>, </a:t>
+            </a:r>
+            <a:r>
+              <a:rPr lang="en-US" sz="1600" spc="-1" dirty="0" err="1">
+                <a:solidFill>
+                  <a:srgbClr val="D73A49"/>
+                </a:solidFill>
+                <a:latin typeface="SFMono-Regular"/>
+              </a:rPr>
+              <a:t>i</a:t>
+            </a:r>
+            <a:r>
+              <a:rPr lang="en-US" sz="1600" spc="-1" dirty="0">
+                <a:solidFill>
+                  <a:srgbClr val="D73A49"/>
+                </a:solidFill>
+                <a:latin typeface="SFMono-Regular"/>
+              </a:rPr>
+              <a:t> int, </a:t>
+            </a:r>
+            <a:r>
+              <a:rPr lang="en-US" sz="1600" spc="-1" dirty="0" err="1">
+                <a:solidFill>
+                  <a:srgbClr val="D73A49"/>
+                </a:solidFill>
+                <a:latin typeface="SFMono-Regular"/>
+              </a:rPr>
+              <a:t>rpcIf</a:t>
+            </a:r>
+            <a:r>
+              <a:rPr lang="en-US" sz="1600" spc="-1" dirty="0">
+                <a:solidFill>
+                  <a:srgbClr val="D73A49"/>
+                </a:solidFill>
+                <a:latin typeface="SFMono-Regular"/>
+              </a:rPr>
+              <a:t> </a:t>
+            </a:r>
+            <a:r>
+              <a:rPr lang="en-US" sz="1600" spc="-1" dirty="0" err="1">
+                <a:solidFill>
+                  <a:srgbClr val="D73A49"/>
+                </a:solidFill>
+                <a:latin typeface="SFMono-Regular"/>
+              </a:rPr>
+              <a:t>NodeRPC</a:t>
+            </a:r>
+            <a:r>
+              <a:rPr lang="en-US" sz="1600" spc="-1" dirty="0">
+                <a:solidFill>
+                  <a:srgbClr val="D73A49"/>
+                </a:solidFill>
+                <a:latin typeface="SFMono-Regular"/>
+              </a:rPr>
+              <a:t>) {</a:t>
+            </a:r>
+          </a:p>
+          <a:p>
+            <a:pPr>
+              <a:lnSpc>
+                <a:spcPct val="100000"/>
+              </a:lnSpc>
+            </a:pPr>
+            <a:r>
+              <a:rPr lang="en-US" sz="1600" spc="-1" dirty="0">
+                <a:solidFill>
+                  <a:srgbClr val="D73A49"/>
+                </a:solidFill>
+                <a:latin typeface="SFMono-Regular"/>
+              </a:rPr>
+              <a:t>			term, ok := 				</a:t>
+            </a:r>
+            <a:r>
+              <a:rPr lang="en-US" sz="1600" spc="-1" dirty="0" err="1">
+                <a:solidFill>
+                  <a:srgbClr val="D73A49"/>
+                </a:solidFill>
+                <a:latin typeface="SFMono-Regular"/>
+              </a:rPr>
+              <a:t>rpcIf.RequestVote</a:t>
+            </a:r>
+            <a:r>
+              <a:rPr lang="en-US" sz="1600" spc="-1" dirty="0">
+                <a:solidFill>
+                  <a:srgbClr val="D73A49"/>
+                </a:solidFill>
+                <a:latin typeface="SFMono-Regular"/>
+              </a:rPr>
+              <a:t>(</a:t>
+            </a:r>
+            <a:r>
+              <a:rPr lang="en-US" sz="1600" spc="-1" dirty="0" err="1">
+                <a:solidFill>
+                  <a:srgbClr val="D73A49"/>
+                </a:solidFill>
+                <a:latin typeface="SFMono-Regular"/>
+              </a:rPr>
+              <a:t>n.currentTerm</a:t>
+            </a:r>
+            <a:r>
+              <a:rPr lang="en-US" sz="1600" spc="-1" dirty="0">
+                <a:solidFill>
+                  <a:srgbClr val="D73A49"/>
+                </a:solidFill>
+                <a:latin typeface="SFMono-Regular"/>
+              </a:rPr>
+              <a:t>, n.id, 0, 0)</a:t>
+            </a:r>
+          </a:p>
+          <a:p>
+            <a:pPr>
+              <a:lnSpc>
+                <a:spcPct val="100000"/>
+              </a:lnSpc>
+            </a:pPr>
+            <a:r>
+              <a:rPr lang="en-US" sz="1600" spc="-1" dirty="0">
+                <a:solidFill>
+                  <a:srgbClr val="D73A49"/>
+                </a:solidFill>
+                <a:latin typeface="SFMono-Regular"/>
+              </a:rPr>
+              <a:t>			if term &gt; </a:t>
+            </a:r>
+            <a:r>
+              <a:rPr lang="en-US" sz="1600" spc="-1" dirty="0" err="1">
+                <a:solidFill>
+                  <a:srgbClr val="D73A49"/>
+                </a:solidFill>
+                <a:latin typeface="SFMono-Regular"/>
+              </a:rPr>
+              <a:t>n.currentTerm</a:t>
+            </a:r>
+            <a:r>
+              <a:rPr lang="en-US" sz="1600" spc="-1" dirty="0">
+                <a:solidFill>
+                  <a:srgbClr val="D73A49"/>
+                </a:solidFill>
+                <a:latin typeface="SFMono-Regular"/>
+              </a:rPr>
+              <a:t> {</a:t>
+            </a:r>
+          </a:p>
+          <a:p>
+            <a:pPr>
+              <a:lnSpc>
+                <a:spcPct val="100000"/>
+              </a:lnSpc>
+            </a:pPr>
+            <a:r>
+              <a:rPr lang="en-US" sz="1600" spc="-1" dirty="0">
+                <a:solidFill>
+                  <a:srgbClr val="D73A49"/>
+                </a:solidFill>
+                <a:latin typeface="SFMono-Regular"/>
+              </a:rPr>
+              <a:t>				// </a:t>
+            </a:r>
+            <a:r>
+              <a:rPr lang="en-US" sz="1600" spc="-1" dirty="0" err="1">
+                <a:solidFill>
+                  <a:srgbClr val="D73A49"/>
+                </a:solidFill>
+                <a:latin typeface="SFMono-Regular"/>
+              </a:rPr>
+              <a:t>todo</a:t>
             </a:r>
             <a:endParaRPr lang="en-US" sz="1600" spc="-1" dirty="0">
               <a:solidFill>
@@ -22560,11 +21962,196 @@
                 </a:solidFill>
                 <a:latin typeface="SFMono-Regular"/>
               </a:rPr>
-              <a:t>}</a:t>
-            </a:r>
-            <a:endParaRPr lang="zxx" sz="1600" b="0" strike="noStrike" spc="-1" dirty="0">
-              <a:latin typeface="Arial"/>
-            </a:endParaRPr>
+              <a:t>			}</a:t>
+            </a:r>
+          </a:p>
+          <a:p>
+            <a:pPr>
+              <a:lnSpc>
+                <a:spcPct val="100000"/>
+              </a:lnSpc>
+            </a:pPr>
+            <a:r>
+              <a:rPr lang="en-US" sz="1600" spc="-1" dirty="0">
+                <a:solidFill>
+                  <a:srgbClr val="D73A49"/>
+                </a:solidFill>
+                <a:latin typeface="SFMono-Regular"/>
+              </a:rPr>
+              <a:t>			votes[</a:t>
+            </a:r>
+            <a:r>
+              <a:rPr lang="en-US" sz="1600" spc="-1" dirty="0" err="1">
+                <a:solidFill>
+                  <a:srgbClr val="D73A49"/>
+                </a:solidFill>
+                <a:latin typeface="SFMono-Regular"/>
+              </a:rPr>
+              <a:t>i</a:t>
+            </a:r>
+            <a:r>
+              <a:rPr lang="en-US" sz="1600" spc="-1" dirty="0">
+                <a:solidFill>
+                  <a:srgbClr val="D73A49"/>
+                </a:solidFill>
+                <a:latin typeface="SFMono-Regular"/>
+              </a:rPr>
+              <a:t>] = ok</a:t>
+            </a:r>
+          </a:p>
+          <a:p>
+            <a:pPr>
+              <a:lnSpc>
+                <a:spcPct val="100000"/>
+              </a:lnSpc>
+            </a:pPr>
+            <a:r>
+              <a:rPr lang="en-US" sz="1600" spc="-1" dirty="0">
+                <a:solidFill>
+                  <a:srgbClr val="D73A49"/>
+                </a:solidFill>
+                <a:latin typeface="SFMono-Regular"/>
+              </a:rPr>
+              <a:t>			</a:t>
+            </a:r>
+            <a:r>
+              <a:rPr lang="en-US" sz="1600" spc="-1" dirty="0" err="1">
+                <a:solidFill>
+                  <a:srgbClr val="D73A49"/>
+                </a:solidFill>
+                <a:latin typeface="SFMono-Regular"/>
+              </a:rPr>
+              <a:t>w.Done</a:t>
+            </a:r>
+            <a:r>
+              <a:rPr lang="en-US" sz="1600" spc="-1" dirty="0">
+                <a:solidFill>
+                  <a:srgbClr val="D73A49"/>
+                </a:solidFill>
+                <a:latin typeface="SFMono-Regular"/>
+              </a:rPr>
+              <a:t>()</a:t>
+            </a:r>
+          </a:p>
+          <a:p>
+            <a:pPr>
+              <a:lnSpc>
+                <a:spcPct val="100000"/>
+              </a:lnSpc>
+            </a:pPr>
+            <a:r>
+              <a:rPr lang="en-US" sz="1600" spc="-1" dirty="0">
+                <a:solidFill>
+                  <a:srgbClr val="D73A49"/>
+                </a:solidFill>
+                <a:latin typeface="SFMono-Regular"/>
+              </a:rPr>
+              <a:t>	         }(&amp;</a:t>
+            </a:r>
+            <a:r>
+              <a:rPr lang="en-US" sz="1600" spc="-1" dirty="0" err="1">
+                <a:solidFill>
+                  <a:srgbClr val="D73A49"/>
+                </a:solidFill>
+                <a:latin typeface="SFMono-Regular"/>
+              </a:rPr>
+              <a:t>wg</a:t>
+            </a:r>
+            <a:r>
+              <a:rPr lang="en-US" sz="1600" spc="-1" dirty="0">
+                <a:solidFill>
+                  <a:srgbClr val="D73A49"/>
+                </a:solidFill>
+                <a:latin typeface="SFMono-Regular"/>
+              </a:rPr>
+              <a:t>, </a:t>
+            </a:r>
+            <a:r>
+              <a:rPr lang="en-US" sz="1600" spc="-1" dirty="0" err="1">
+                <a:solidFill>
+                  <a:srgbClr val="D73A49"/>
+                </a:solidFill>
+                <a:latin typeface="SFMono-Regular"/>
+              </a:rPr>
+              <a:t>i</a:t>
+            </a:r>
+            <a:r>
+              <a:rPr lang="en-US" sz="1600" spc="-1" dirty="0">
+                <a:solidFill>
+                  <a:srgbClr val="D73A49"/>
+                </a:solidFill>
+                <a:latin typeface="SFMono-Regular"/>
+              </a:rPr>
+              <a:t>, </a:t>
+            </a:r>
+            <a:r>
+              <a:rPr lang="en-US" sz="1600" spc="-1" dirty="0" err="1">
+                <a:solidFill>
+                  <a:srgbClr val="D73A49"/>
+                </a:solidFill>
+                <a:latin typeface="SFMono-Regular"/>
+              </a:rPr>
+              <a:t>rpcIf</a:t>
+            </a:r>
+            <a:r>
+              <a:rPr lang="en-US" sz="1600" spc="-1" dirty="0">
+                <a:solidFill>
+                  <a:srgbClr val="D73A49"/>
+                </a:solidFill>
+                <a:latin typeface="SFMono-Regular"/>
+              </a:rPr>
+              <a:t>)</a:t>
+            </a:r>
+          </a:p>
+          <a:p>
+            <a:pPr>
+              <a:lnSpc>
+                <a:spcPct val="100000"/>
+              </a:lnSpc>
+            </a:pPr>
+            <a:r>
+              <a:rPr lang="en-US" sz="1600" spc="-1" dirty="0">
+                <a:solidFill>
+                  <a:srgbClr val="D73A49"/>
+                </a:solidFill>
+                <a:latin typeface="SFMono-Regular"/>
+              </a:rPr>
+              <a:t>	}</a:t>
+            </a:r>
+          </a:p>
+          <a:p>
+            <a:pPr>
+              <a:lnSpc>
+                <a:spcPct val="100000"/>
+              </a:lnSpc>
+            </a:pPr>
+            <a:r>
+              <a:rPr lang="en-US" sz="1600" spc="-1" dirty="0">
+                <a:solidFill>
+                  <a:srgbClr val="D73A49"/>
+                </a:solidFill>
+                <a:latin typeface="SFMono-Regular"/>
+              </a:rPr>
+              <a:t>	</a:t>
+            </a:r>
+            <a:r>
+              <a:rPr lang="en-US" sz="1600" spc="-1" dirty="0" err="1">
+                <a:solidFill>
+                  <a:srgbClr val="D73A49"/>
+                </a:solidFill>
+                <a:latin typeface="SFMono-Regular"/>
+              </a:rPr>
+              <a:t>wg.Wait</a:t>
+            </a:r>
+            <a:r>
+              <a:rPr lang="en-US" sz="1600" spc="-1" dirty="0">
+                <a:solidFill>
+                  <a:srgbClr val="D73A49"/>
+                </a:solidFill>
+                <a:latin typeface="SFMono-Regular"/>
+              </a:rPr>
+              <a:t>() // wait until all nodes have voted</a:t>
+            </a:r>
           </a:p>
         </p:txBody>
       </p:sp>
@@ -22573,7 +22160,7 @@
           <p:cNvPr id="5" name="CustomShape 2">
             <a:extLst>
               <a:ext uri="{FF2B5EF4-FFF2-40B4-BE49-F238E27FC236}">
-                <a16:creationId xmlns:a16="http://schemas.microsoft.com/office/drawing/2014/main" id="{24EAF39D-AD7E-4A1D-86F9-AC7B33DC9EC5}"/>
+                <a16:creationId xmlns:a16="http://schemas.microsoft.com/office/drawing/2014/main" id="{0BE8C24D-712A-4453-A75F-E620CD9105FC}"/>
               </a:ext>
             </a:extLst>
           </p:cNvPr>
@@ -22582,8 +22169,8 @@
         </p:nvSpPr>
         <p:spPr>
           <a:xfrm>
-            <a:off x="6228678" y="2019939"/>
-            <a:ext cx="5608319" cy="3755668"/>
+            <a:off x="207983" y="1226370"/>
+            <a:ext cx="5712310" cy="5357309"/>
           </a:xfrm>
           <a:prstGeom prst="rect">
             <a:avLst/>
@@ -22617,13 +22204,22 @@
               </a:lnSpc>
             </a:pPr>
             <a:r>
+              <a:rPr lang="en-US" sz="1600" spc="-1" dirty="0">
+                <a:solidFill>
+                  <a:srgbClr val="D73A49"/>
+                </a:solidFill>
+                <a:latin typeface="SFMono-Regular"/>
+              </a:rPr>
+              <a:t>def </a:t>
+            </a:r>
+            <a:r>
               <a:rPr lang="en-US" sz="1600" spc="-1" dirty="0" err="1">
                 <a:solidFill>
                   <a:srgbClr val="D73A49"/>
                 </a:solidFill>
                 <a:latin typeface="SFMono-Regular"/>
               </a:rPr>
-              <a:t>number_of_votes</a:t>
+              <a:t>execute_election</a:t>
             </a:r>
             <a:r>
               <a:rPr lang="en-US" sz="1600" spc="-1" dirty="0">
@@ -22632,7 +22228,7 @@
                 </a:solidFill>
                 <a:latin typeface="SFMono-Regular"/>
               </a:rPr>
-              <a:t> = 1  # Master votes for himself</a:t>
+              <a:t>(self):</a:t>
             </a:r>
           </a:p>
           <a:p>
@@ -22648,7 +22244,7 @@
                 </a:solidFill>
                 <a:latin typeface="SFMono-Regular"/>
               </a:rPr>
-              <a:t>        for vote in votes:</a:t>
+              <a:t>        print("-&gt; Election")</a:t>
             </a:r>
           </a:p>
           <a:p>
@@ -22664,15 +22260,17 @@
                 </a:solidFill>
                 <a:latin typeface="SFMono-Regular"/>
               </a:rPr>
-              <a:t>            	if vote:  </a:t>
-            </a:r>
-          </a:p>
-          <a:p>
-            <a:pPr>
-              <a:lnSpc>
-                <a:spcPct val="100000"/>
-              </a:lnSpc>
-            </a:pPr>
+              <a:t>        </a:t>
+            </a:r>
+            <a:r>
+              <a:rPr lang="en-US" sz="1600" spc="-1" dirty="0" err="1">
+                <a:solidFill>
+                  <a:srgbClr val="D73A49"/>
+                </a:solidFill>
+                <a:latin typeface="SFMono-Regular"/>
+              </a:rPr>
+              <a:t>self.votedFor</a:t>
+            </a:r>
             <a:r>
               <a:rPr lang="en-US" sz="1600" spc="-1" dirty="0">
                 <a:solidFill>
@@ -22680,41 +22278,7 @@
                 </a:solidFill>
                 <a:latin typeface="SFMono-Regular"/>
               </a:rPr>
-              <a:t>		# if the person voted for me:</a:t>
-            </a:r>
-          </a:p>
-          <a:p>
-            <a:pPr>
-              <a:lnSpc>
-                <a:spcPct val="100000"/>
-              </a:lnSpc>
-            </a:pPr>
-            <a:r>
-              <a:rPr lang="en-US" sz="1600" spc="-1" dirty="0">
-                <a:solidFill>
-                  <a:srgbClr val="D73A49"/>
-                </a:solidFill>
-                <a:latin typeface="SFMono-Regular"/>
-              </a:rPr>
-              <a:t>                		</a:t>
-            </a:r>
-            <a:r>
-              <a:rPr lang="en-US" sz="1600" spc="-1" dirty="0" err="1">
-                <a:solidFill>
-                  <a:srgbClr val="D73A49"/>
-                </a:solidFill>
-                <a:latin typeface="SFMono-Regular"/>
-              </a:rPr>
-              <a:t>number_of_votes</a:t>
-            </a:r>
-            <a:r>
-              <a:rPr lang="en-US" sz="1600" spc="-1" dirty="0">
-                <a:solidFill>
-                  <a:srgbClr val="D73A49"/>
-                </a:solidFill>
-                <a:latin typeface="SFMono-Regular"/>
-              </a:rPr>
-              <a:t> += 1</a:t>
+              <a:t> = self.id  # votes for itself</a:t>
             </a:r>
           </a:p>
           <a:p>
@@ -22743,7 +22307,43 @@
                 </a:solidFill>
                 <a:latin typeface="SFMono-Regular"/>
               </a:rPr>
-              <a:t>        # check if over half of the cluster is alive and                </a:t>
+              <a:t>        </a:t>
+            </a:r>
+            <a:r>
+              <a:rPr lang="en-US" sz="1600" spc="-1" dirty="0" err="1">
+                <a:solidFill>
+                  <a:srgbClr val="D73A49"/>
+                </a:solidFill>
+                <a:latin typeface="SFMono-Regular"/>
+              </a:rPr>
+              <a:t>wg</a:t>
+            </a:r>
+            <a:r>
+              <a:rPr lang="en-US" sz="1600" spc="-1" dirty="0">
+                <a:solidFill>
+                  <a:srgbClr val="D73A49"/>
+                </a:solidFill>
+                <a:latin typeface="SFMono-Regular"/>
+              </a:rPr>
+              <a:t> = </a:t>
+            </a:r>
+            <a:r>
+              <a:rPr lang="en-US" sz="1600" spc="-1" dirty="0" err="1">
+                <a:solidFill>
+                  <a:srgbClr val="D73A49"/>
+                </a:solidFill>
+                <a:latin typeface="SFMono-Regular"/>
+              </a:rPr>
+              <a:t>WaitGroup</a:t>
+            </a:r>
+            <a:r>
+              <a:rPr lang="en-US" sz="1600" spc="-1" dirty="0">
+                <a:solidFill>
+                  <a:srgbClr val="D73A49"/>
+                </a:solidFill>
+                <a:latin typeface="SFMono-Regular"/>
+              </a:rPr>
+              <a:t>()</a:t>
             </a:r>
           </a:p>
           <a:p>
@@ -22759,7 +22359,25 @@
                 </a:solidFill>
                 <a:latin typeface="SFMono-Regular"/>
               </a:rPr>
-              <a:t>        # about to have a new master</a:t>
+              <a:t>        nodes = </a:t>
+            </a:r>
+            <a:r>
+              <a:rPr lang="en-US" sz="1600" spc="-1" dirty="0" err="1">
+                <a:solidFill>
+                  <a:srgbClr val="D73A49"/>
+                </a:solidFill>
+                <a:latin typeface="SFMono-Regular"/>
+              </a:rPr>
+              <a:t>self.cluster.get_remote_followers</a:t>
+            </a:r>
+            <a:r>
+              <a:rPr lang="en-US" sz="1600" spc="-1" dirty="0">
+                <a:solidFill>
+                  <a:srgbClr val="D73A49"/>
+                </a:solidFill>
+                <a:latin typeface="SFMono-Regular"/>
+              </a:rPr>
+              <a:t>(self.id)</a:t>
             </a:r>
           </a:p>
           <a:p>
@@ -22775,6 +22393,22 @@
                 </a:solidFill>
                 <a:latin typeface="SFMono-Regular"/>
               </a:rPr>
+              <a:t>        votes = []</a:t>
+            </a:r>
+          </a:p>
+          <a:p>
+            <a:pPr>
+              <a:lnSpc>
+                <a:spcPct val="100000"/>
+              </a:lnSpc>
+            </a:pPr>
+            <a:r>
+              <a:rPr lang="en-US" sz="1600" spc="-1" dirty="0">
+                <a:solidFill>
+                  <a:srgbClr val="D73A49"/>
+                </a:solidFill>
+                <a:latin typeface="SFMono-Regular"/>
+              </a:rPr>
               <a:t>        </a:t>
             </a:r>
             <a:r>
@@ -22784,7 +22418,7 @@
                 </a:solidFill>
                 <a:latin typeface="SFMono-Regular"/>
               </a:rPr>
-              <a:t>election_won</a:t>
+              <a:t>wg.add</a:t>
             </a:r>
             <a:r>
               <a:rPr lang="en-US" sz="1600" spc="-1" dirty="0">
@@ -22793,7 +22427,7 @@
                 </a:solidFill>
                 <a:latin typeface="SFMono-Regular"/>
               </a:rPr>
-              <a:t> = </a:t>
+              <a:t>(</a:t>
             </a:r>
             <a:r>
               <a:rPr lang="en-US" sz="1600" spc="-1" dirty="0" err="1">
@@ -22802,7 +22436,7 @@
                 </a:solidFill>
                 <a:latin typeface="SFMono-Regular"/>
               </a:rPr>
-              <a:t>number_of_votes</a:t>
+              <a:t>len</a:t>
             </a:r>
             <a:r>
               <a:rPr lang="en-US" sz="1600" spc="-1" dirty="0">
@@ -22811,43 +22445,7 @@
                 </a:solidFill>
                 <a:latin typeface="SFMono-Regular"/>
               </a:rPr>
-              <a:t> &gt; 	</a:t>
-            </a:r>
-            <a:r>
-              <a:rPr lang="en-US" sz="1600" spc="-1" dirty="0" err="1">
-                <a:solidFill>
-                  <a:srgbClr val="D73A49"/>
-                </a:solidFill>
-                <a:latin typeface="SFMono-Regular"/>
-              </a:rPr>
-              <a:t>len</a:t>
-            </a:r>
-            <a:r>
-              <a:rPr lang="en-US" sz="1600" spc="-1" dirty="0">
-                <a:solidFill>
-                  <a:srgbClr val="D73A49"/>
-                </a:solidFill>
-                <a:latin typeface="SFMono-Regular"/>
-              </a:rPr>
-              <a:t>(</a:t>
-            </a:r>
-            <a:r>
-              <a:rPr lang="en-US" sz="1600" spc="-1" dirty="0" err="1">
-                <a:solidFill>
-                  <a:srgbClr val="D73A49"/>
-                </a:solidFill>
-                <a:latin typeface="SFMono-Regular"/>
-              </a:rPr>
-              <a:t>self.cluster.allNodes</a:t>
-            </a:r>
-            <a:r>
-              <a:rPr lang="en-US" sz="1600" spc="-1" dirty="0">
-                <a:solidFill>
-                  <a:srgbClr val="D73A49"/>
-                </a:solidFill>
-                <a:latin typeface="SFMono-Regular"/>
-              </a:rPr>
-              <a:t>) / 2</a:t>
+              <a:t>(nodes))</a:t>
             </a:r>
           </a:p>
           <a:p>
@@ -22876,7 +22474,7 @@
                 </a:solidFill>
                 <a:latin typeface="SFMono-Regular"/>
               </a:rPr>
-              <a:t>        print('&lt;- Election:' + str(</a:t>
+              <a:t>        def </a:t>
             </a:r>
             <a:r>
               <a:rPr lang="en-US" sz="1600" spc="-1" dirty="0" err="1">
@@ -22885,7 +22483,7 @@
                 </a:solidFill>
                 <a:latin typeface="SFMono-Regular"/>
               </a:rPr>
-              <a:t>election_won</a:t>
+              <a:t>request_votes</a:t>
             </a:r>
             <a:r>
               <a:rPr lang="en-US" sz="1600" spc="-1" dirty="0">
@@ -22894,7 +22492,193 @@
                 </a:solidFill>
                 <a:latin typeface="SFMono-Regular"/>
               </a:rPr>
-              <a:t>))</a:t>
+              <a:t>():</a:t>
+            </a:r>
+          </a:p>
+          <a:p>
+            <a:pPr>
+              <a:lnSpc>
+                <a:spcPct val="100000"/>
+              </a:lnSpc>
+            </a:pPr>
+            <a:r>
+              <a:rPr lang="en-US" sz="1600" spc="-1" dirty="0">
+                <a:solidFill>
+                  <a:srgbClr val="D73A49"/>
+                </a:solidFill>
+                <a:latin typeface="SFMono-Regular"/>
+              </a:rPr>
+              <a:t>            	term, ok = </a:t>
+            </a:r>
+            <a:r>
+              <a:rPr lang="en-US" sz="1600" spc="-1" dirty="0" err="1">
+                <a:solidFill>
+                  <a:srgbClr val="D73A49"/>
+                </a:solidFill>
+                <a:latin typeface="SFMono-Regular"/>
+              </a:rPr>
+              <a:t>node.request_vote</a:t>
+            </a:r>
+            <a:r>
+              <a:rPr lang="en-US" sz="1600" spc="-1" dirty="0">
+                <a:solidFill>
+                  <a:srgbClr val="D73A49"/>
+                </a:solidFill>
+                <a:latin typeface="SFMono-Regular"/>
+              </a:rPr>
+              <a:t>(</a:t>
+            </a:r>
+            <a:r>
+              <a:rPr lang="en-US" sz="1600" spc="-1" dirty="0" err="1">
+                <a:solidFill>
+                  <a:srgbClr val="D73A49"/>
+                </a:solidFill>
+                <a:latin typeface="SFMono-Regular"/>
+              </a:rPr>
+              <a:t>self.current_term</a:t>
+            </a:r>
+            <a:r>
+              <a:rPr lang="en-US" sz="1600" spc="-1" dirty="0">
+                <a:solidFill>
+                  <a:srgbClr val="D73A49"/>
+                </a:solidFill>
+                <a:latin typeface="SFMono-Regular"/>
+              </a:rPr>
+              <a:t>, </a:t>
+            </a:r>
+          </a:p>
+          <a:p>
+            <a:pPr>
+              <a:lnSpc>
+                <a:spcPct val="100000"/>
+              </a:lnSpc>
+            </a:pPr>
+            <a:r>
+              <a:rPr lang="en-US" sz="1600" spc="-1" dirty="0">
+                <a:solidFill>
+                  <a:srgbClr val="D73A49"/>
+                </a:solidFill>
+                <a:latin typeface="SFMono-Regular"/>
+              </a:rPr>
+              <a:t>		self.id, 0, 0)</a:t>
+            </a:r>
+          </a:p>
+          <a:p>
+            <a:pPr>
+              <a:lnSpc>
+                <a:spcPct val="100000"/>
+              </a:lnSpc>
+            </a:pPr>
+            <a:r>
+              <a:rPr lang="en-US" sz="1600" spc="-1" dirty="0">
+                <a:solidFill>
+                  <a:srgbClr val="D73A49"/>
+                </a:solidFill>
+                <a:latin typeface="SFMono-Regular"/>
+              </a:rPr>
+              <a:t>           	 if term &gt; </a:t>
+            </a:r>
+            <a:r>
+              <a:rPr lang="en-US" sz="1600" spc="-1" dirty="0" err="1">
+                <a:solidFill>
+                  <a:srgbClr val="D73A49"/>
+                </a:solidFill>
+                <a:latin typeface="SFMono-Regular"/>
+              </a:rPr>
+              <a:t>self.current_term</a:t>
+            </a:r>
+            <a:r>
+              <a:rPr lang="en-US" sz="1600" spc="-1" dirty="0">
+                <a:solidFill>
+                  <a:srgbClr val="D73A49"/>
+                </a:solidFill>
+                <a:latin typeface="SFMono-Regular"/>
+              </a:rPr>
+              <a:t>:</a:t>
+            </a:r>
+          </a:p>
+          <a:p>
+            <a:pPr>
+              <a:lnSpc>
+                <a:spcPct val="100000"/>
+              </a:lnSpc>
+            </a:pPr>
+            <a:r>
+              <a:rPr lang="en-US" sz="1600" spc="-1" dirty="0">
+                <a:solidFill>
+                  <a:srgbClr val="D73A49"/>
+                </a:solidFill>
+                <a:latin typeface="SFMono-Regular"/>
+              </a:rPr>
+              <a:t>		pass</a:t>
+            </a:r>
+          </a:p>
+          <a:p>
+            <a:pPr>
+              <a:lnSpc>
+                <a:spcPct val="100000"/>
+              </a:lnSpc>
+            </a:pPr>
+            <a:r>
+              <a:rPr lang="en-US" sz="1600" spc="-1" dirty="0">
+                <a:solidFill>
+                  <a:srgbClr val="D73A49"/>
+                </a:solidFill>
+                <a:latin typeface="SFMono-Regular"/>
+              </a:rPr>
+              <a:t>            	</a:t>
+            </a:r>
+            <a:r>
+              <a:rPr lang="en-US" sz="1600" spc="-1" dirty="0" err="1">
+                <a:solidFill>
+                  <a:srgbClr val="D73A49"/>
+                </a:solidFill>
+                <a:latin typeface="SFMono-Regular"/>
+              </a:rPr>
+              <a:t>votes.append</a:t>
+            </a:r>
+            <a:r>
+              <a:rPr lang="en-US" sz="1600" spc="-1" dirty="0">
+                <a:solidFill>
+                  <a:srgbClr val="D73A49"/>
+                </a:solidFill>
+                <a:latin typeface="SFMono-Regular"/>
+              </a:rPr>
+              <a:t>(ok)</a:t>
+            </a:r>
+          </a:p>
+          <a:p>
+            <a:pPr>
+              <a:lnSpc>
+                <a:spcPct val="100000"/>
+              </a:lnSpc>
+            </a:pPr>
+            <a:r>
+              <a:rPr lang="en-US" sz="1600" spc="-1" dirty="0">
+                <a:solidFill>
+                  <a:srgbClr val="D73A49"/>
+                </a:solidFill>
+                <a:latin typeface="SFMono-Regular"/>
+              </a:rPr>
+              <a:t>            	</a:t>
+            </a:r>
+            <a:r>
+              <a:rPr lang="en-US" sz="1600" spc="-1" dirty="0" err="1">
+                <a:solidFill>
+                  <a:srgbClr val="D73A49"/>
+                </a:solidFill>
+                <a:latin typeface="SFMono-Regular"/>
+              </a:rPr>
+              <a:t>wg.done</a:t>
+            </a:r>
+            <a:r>
+              <a:rPr lang="en-US" sz="1600" spc="-1" dirty="0">
+                <a:solidFill>
+                  <a:srgbClr val="D73A49"/>
+                </a:solidFill>
+                <a:latin typeface="SFMono-Regular"/>
+              </a:rPr>
+              <a:t>()</a:t>
             </a:r>
           </a:p>
           <a:p>
@@ -22923,7 +22707,7 @@
                 </a:solidFill>
                 <a:latin typeface="SFMono-Regular"/>
               </a:rPr>
-              <a:t>        return </a:t>
+              <a:t>        for </a:t>
             </a:r>
             <a:r>
               <a:rPr lang="en-US" sz="1600" spc="-1" dirty="0" err="1">
@@ -22932,10 +22716,201 @@
                 </a:solidFill>
                 <a:latin typeface="SFMono-Regular"/>
               </a:rPr>
-              <a:t>election_won</a:t>
-            </a:r>
-            <a:endParaRPr lang="zxx" sz="1600" b="0" strike="noStrike" spc="-1" dirty="0">
-              <a:latin typeface="Arial"/>
+              <a:t>i</a:t>
+            </a:r>
+            <a:r>
+              <a:rPr lang="en-US" sz="1600" spc="-1" dirty="0">
+                <a:solidFill>
+                  <a:srgbClr val="D73A49"/>
+                </a:solidFill>
+                <a:latin typeface="SFMono-Regular"/>
+              </a:rPr>
+              <a:t>, node in enumerate(nodes):</a:t>
+            </a:r>
+          </a:p>
+          <a:p>
+            <a:pPr>
+              <a:lnSpc>
+                <a:spcPct val="100000"/>
+              </a:lnSpc>
+            </a:pPr>
+            <a:r>
+              <a:rPr lang="en-US" sz="1600" spc="-1" dirty="0">
+                <a:solidFill>
+                  <a:srgbClr val="D73A49"/>
+                </a:solidFill>
+                <a:latin typeface="SFMono-Regular"/>
+              </a:rPr>
+              <a:t>           	Thread(target=</a:t>
+            </a:r>
+            <a:r>
+              <a:rPr lang="en-US" sz="1600" spc="-1" dirty="0" err="1">
+                <a:solidFill>
+                  <a:srgbClr val="D73A49"/>
+                </a:solidFill>
+                <a:latin typeface="SFMono-Regular"/>
+              </a:rPr>
+              <a:t>request_votes</a:t>
+            </a:r>
+            <a:r>
+              <a:rPr lang="en-US" sz="1600" spc="-1" dirty="0">
+                <a:solidFill>
+                  <a:srgbClr val="D73A49"/>
+                </a:solidFill>
+                <a:latin typeface="SFMono-Regular"/>
+              </a:rPr>
+              <a:t>).start()</a:t>
+            </a:r>
+          </a:p>
+          <a:p>
+            <a:pPr>
+              <a:lnSpc>
+                <a:spcPct val="100000"/>
+              </a:lnSpc>
+            </a:pPr>
+            <a:endParaRPr lang="en-US" sz="1600" spc="-1" dirty="0">
+              <a:solidFill>
+                <a:srgbClr val="D73A49"/>
+              </a:solidFill>
+              <a:latin typeface="SFMono-Regular"/>
+            </a:endParaRPr>
+          </a:p>
+          <a:p>
+            <a:pPr>
+              <a:lnSpc>
+                <a:spcPct val="100000"/>
+              </a:lnSpc>
+            </a:pPr>
+            <a:r>
+              <a:rPr lang="en-US" sz="1600" spc="-1" dirty="0">
+                <a:solidFill>
+                  <a:srgbClr val="D73A49"/>
+                </a:solidFill>
+                <a:latin typeface="SFMono-Regular"/>
+              </a:rPr>
+              <a:t>        </a:t>
+            </a:r>
+            <a:r>
+              <a:rPr lang="en-US" sz="1600" spc="-1" dirty="0" err="1">
+                <a:solidFill>
+                  <a:srgbClr val="D73A49"/>
+                </a:solidFill>
+                <a:latin typeface="SFMono-Regular"/>
+              </a:rPr>
+              <a:t>wg.wait</a:t>
+            </a:r>
+            <a:r>
+              <a:rPr lang="en-US" sz="1600" spc="-1" dirty="0">
+                <a:solidFill>
+                  <a:srgbClr val="D73A49"/>
+                </a:solidFill>
+                <a:latin typeface="SFMono-Regular"/>
+              </a:rPr>
+              <a:t>()</a:t>
+            </a:r>
+          </a:p>
+        </p:txBody>
+      </p:sp>
+      <p:sp>
+        <p:nvSpPr>
+          <p:cNvPr id="6" name="TextShape 1">
+            <a:extLst>
+              <a:ext uri="{FF2B5EF4-FFF2-40B4-BE49-F238E27FC236}">
+                <a16:creationId xmlns:a16="http://schemas.microsoft.com/office/drawing/2014/main" id="{91EF19EC-7356-478A-B55B-17EF284E14EB}"/>
+              </a:ext>
+            </a:extLst>
+          </p:cNvPr>
+          <p:cNvSpPr txBox="1"/>
+          <p:nvPr/>
+        </p:nvSpPr>
+        <p:spPr>
+          <a:xfrm>
+            <a:off x="2824782" y="-37652"/>
+            <a:ext cx="4332642" cy="1478160"/>
+          </a:xfrm>
+          <a:prstGeom prst="rect">
+            <a:avLst/>
+          </a:prstGeom>
+          <a:noFill/>
+          <a:ln>
+            <a:noFill/>
+          </a:ln>
+        </p:spPr>
+        <p:txBody>
+          <a:bodyPr anchor="ctr"/>
+          <a:lstStyle/>
+          <a:p>
+            <a:pPr>
+              <a:lnSpc>
+                <a:spcPct val="90000"/>
+              </a:lnSpc>
+            </a:pPr>
+            <a:r>
+              <a:rPr lang="de-DE" sz="3600" b="0" strike="noStrike" cap="all" spc="-1" dirty="0">
+                <a:solidFill>
+                  <a:srgbClr val="FFFFFF"/>
+                </a:solidFill>
+                <a:latin typeface="Tw Cen MT"/>
+              </a:rPr>
+              <a:t>Python</a:t>
+            </a:r>
+            <a:endParaRPr lang="de-DE" sz="3600" b="0" strike="noStrike" spc="-1" dirty="0">
+              <a:solidFill>
+                <a:srgbClr val="FFFFFF"/>
+              </a:solidFill>
+              <a:latin typeface="Tw Cen MT"/>
+            </a:endParaRPr>
+          </a:p>
+        </p:txBody>
+      </p:sp>
+      <p:sp>
+        <p:nvSpPr>
+          <p:cNvPr id="7" name="TextShape 1">
+            <a:extLst>
+              <a:ext uri="{FF2B5EF4-FFF2-40B4-BE49-F238E27FC236}">
+                <a16:creationId xmlns:a16="http://schemas.microsoft.com/office/drawing/2014/main" id="{51A54E04-273D-4233-9186-D6C172BE2CB2}"/>
+              </a:ext>
+            </a:extLst>
+          </p:cNvPr>
+          <p:cNvSpPr txBox="1"/>
+          <p:nvPr/>
+        </p:nvSpPr>
+        <p:spPr>
+          <a:xfrm>
+            <a:off x="7859358" y="-37652"/>
+            <a:ext cx="4332642" cy="1478160"/>
+          </a:xfrm>
+          <a:prstGeom prst="rect">
+            <a:avLst/>
+          </a:prstGeom>
+          <a:noFill/>
+          <a:ln>
+            <a:noFill/>
+          </a:ln>
+        </p:spPr>
+        <p:txBody>
+          <a:bodyPr anchor="ctr"/>
+          <a:lstStyle/>
+          <a:p>
+            <a:pPr>
+              <a:lnSpc>
+                <a:spcPct val="90000"/>
+              </a:lnSpc>
+            </a:pPr>
+            <a:r>
+              <a:rPr lang="de-DE" sz="3600" b="0" strike="noStrike" cap="all" spc="-1" dirty="0">
+                <a:solidFill>
+                  <a:srgbClr val="FFFFFF"/>
+                </a:solidFill>
+                <a:latin typeface="Tw Cen MT"/>
+              </a:rPr>
+              <a:t>Go</a:t>
+            </a:r>
+            <a:endParaRPr lang="de-DE" sz="3600" b="0" strike="noStrike" spc="-1" dirty="0">
+              <a:solidFill>
+                <a:srgbClr val="FFFFFF"/>
+              </a:solidFill>
+              <a:latin typeface="Tw Cen MT"/>
             </a:endParaRPr>
           </a:p>
         </p:txBody>
@@ -22943,13 +22918,137 @@
     </p:spTree>
     <p:extLst>
       <p:ext uri="{BB962C8B-B14F-4D97-AF65-F5344CB8AC3E}">
-        <p14:creationId xmlns:p14="http://schemas.microsoft.com/office/powerpoint/2010/main" val="2908513205"/>
+        <p14:creationId xmlns:p14="http://schemas.microsoft.com/office/powerpoint/2010/main" val="2256894290"/>
       </p:ext>
     </p:extLst>
   </p:cSld>
   <p:clrMapOvr>
     <a:masterClrMapping/>
   </p:clrMapOvr>
+  <p:timing>
+    <p:tnLst>
+      <p:par>
+        <p:cTn id="1" dur="indefinite" restart="never" nodeType="tmRoot">
+          <p:childTnLst>
+            <p:seq concurrent="1" nextAc="seek">
+              <p:cTn id="2" dur="indefinite" nodeType="mainSeq">
+                <p:childTnLst>
+                  <p:par>
+                    <p:cTn id="3" fill="hold">
+                      <p:stCondLst>
+                        <p:cond delay="indefinite"/>
+                      </p:stCondLst>
+                      <p:childTnLst>
+                        <p:par>
+                          <p:cTn id="4" fill="hold">
+                            <p:stCondLst>
+                              <p:cond delay="0"/>
+                            </p:stCondLst>
+                            <p:childTnLst>
+                              <p:par>
+                                <p:cTn id="5" presetID="1" presetClass="entr" presetSubtype="0" fill="hold" grpId="0" nodeType="clickEffect">
+                                  <p:stCondLst>
+                                    <p:cond delay="0"/>
+                                  </p:stCondLst>
+                                  <p:childTnLst>
+                                    <p:set>
+                                      <p:cBhvr>
+                                        <p:cTn id="6" dur="1" fill="hold">
+                                          <p:stCondLst>
+                                            <p:cond delay="0"/>
+                                          </p:stCondLst>
+                                        </p:cTn>
+                                        <p:tgtEl>
+                                          <p:spTgt spid="5"/>
+                                        </p:tgtEl>
+                                        <p:attrNameLst>
+                                          <p:attrName>style.visibility</p:attrName>
+                                        </p:attrNameLst>
+                                      </p:cBhvr>
+                                      <p:to>
+                                        <p:strVal val="visible"/>
+                                      </p:to>
+                                    </p:set>
+                                  </p:childTnLst>
+                                </p:cTn>
+                              </p:par>
+                            </p:childTnLst>
+                          </p:cTn>
+                        </p:par>
+                      </p:childTnLst>
+                    </p:cTn>
+                  </p:par>
+                  <p:par>
+                    <p:cTn id="7" fill="hold">
+                      <p:stCondLst>
+                        <p:cond delay="indefinite"/>
+                      </p:stCondLst>
+                      <p:childTnLst>
+                        <p:par>
+                          <p:cTn id="8" fill="hold">
+                            <p:stCondLst>
+                              <p:cond delay="0"/>
+                            </p:stCondLst>
+                            <p:childTnLst>
+                              <p:par>
+                                <p:cTn id="9" presetID="1" presetClass="entr" presetSubtype="0" fill="hold" grpId="0" nodeType="clickEffect">
+                                  <p:stCondLst>
+                                    <p:cond delay="0"/>
+                                  </p:stCondLst>
+                                  <p:childTnLst>
+                                    <p:set>
+                                      <p:cBhvr>
+                                        <p:cTn id="10" dur="1" fill="hold">
+                                          <p:stCondLst>
+                                            <p:cond delay="0"/>
+                                          </p:stCondLst>
+                                        </p:cTn>
+                                        <p:tgtEl>
+                                          <p:spTgt spid="234"/>
+                                        </p:tgtEl>
+                                        <p:attrNameLst>
+                                          <p:attrName>style.visibility</p:attrName>
+                                        </p:attrNameLst>
+                                      </p:cBhvr>
+                                      <p:to>
+                                        <p:strVal val="visible"/>
+                                      </p:to>
+                                    </p:set>
+                                  </p:childTnLst>
+                                </p:cTn>
+                              </p:par>
+                            </p:childTnLst>
+                          </p:cTn>
+                        </p:par>
+                      </p:childTnLst>
+                    </p:cTn>
+                  </p:par>
+                </p:childTnLst>
+              </p:cTn>
+              <p:prevCondLst>
+                <p:cond evt="onPrev" delay="0">
+                  <p:tgtEl>
+                    <p:sldTgt/>
+                  </p:tgtEl>
+                </p:cond>
+              </p:prevCondLst>
+              <p:nextCondLst>
+                <p:cond evt="onNext" delay="0">
+                  <p:tgtEl>
+                    <p:sldTgt/>
+                  </p:tgtEl>
+                </p:cond>
+              </p:nextCondLst>
+            </p:seq>
+          </p:childTnLst>
+        </p:cTn>
+      </p:par>
+    </p:tnLst>
+    <p:bldLst>
+      <p:bldP spid="234" grpId="0" animBg="1"/>
+      <p:bldP spid="5" grpId="0" animBg="1"/>
+    </p:bldLst>
+  </p:timing>
 </p:sld>
 </file>
 

--- a/Comparing Raft algorithm in go and Python.pptx
+++ b/Comparing Raft algorithm in go and Python.pptx
@@ -65,19 +65,14 @@
         <p:txBody>
           <a:bodyPr lIns="0" rIns="0" tIns="0" bIns="0" anchor="ctr"/>
           <a:p>
-            <a:r>
-              <a:rPr b="0" lang="de-DE" sz="1800" spc="-1" strike="noStrike">
-                <a:solidFill>
-                  <a:srgbClr val="000000"/>
-                </a:solidFill>
+            <a:pPr algn="ctr"/>
+            <a:r>
+              <a:rPr b="0" lang="zxx" sz="4400" spc="-1" strike="noStrike">
                 <a:latin typeface="Arial"/>
               </a:rPr>
               <a:t>Click to move the slide</a:t>
             </a:r>
-            <a:endParaRPr b="0" lang="de-DE" sz="1800" spc="-1" strike="noStrike">
-              <a:solidFill>
-                <a:srgbClr val="000000"/>
-              </a:solidFill>
+            <a:endParaRPr b="0" lang="zxx" sz="4400" spc="-1" strike="noStrike">
               <a:latin typeface="Arial"/>
             </a:endParaRPr>
           </a:p>
@@ -243,7 +238,7 @@
           <a:bodyPr lIns="0" rIns="0" tIns="0" bIns="0" anchor="b"/>
           <a:p>
             <a:pPr algn="r"/>
-            <a:fld id="{EF481220-9871-4AB3-8D2D-AB660C06E423}" type="slidenum">
+            <a:fld id="{0B5A81C5-51E7-4708-B08F-EEF8DC84221A}" type="slidenum">
               <a:rPr b="0" lang="zxx" sz="1400" spc="-1" strike="noStrike">
                 <a:latin typeface="Times New Roman"/>
               </a:rPr>
@@ -291,7 +286,7 @@
         <p:spPr>
           <a:xfrm>
             <a:off x="685800" y="1143000"/>
-            <a:ext cx="5486040" cy="3085920"/>
+            <a:ext cx="5485320" cy="3085200"/>
           </a:xfrm>
           <a:prstGeom prst="rect">
             <a:avLst/>
@@ -311,7 +306,7 @@
         <p:spPr>
           <a:xfrm>
             <a:off x="685800" y="4400640"/>
-            <a:ext cx="5485680" cy="3599640"/>
+            <a:ext cx="5484960" cy="3598920"/>
           </a:xfrm>
           <a:prstGeom prst="rect">
             <a:avLst/>
@@ -320,7 +315,7 @@
         <p:txBody>
           <a:bodyPr lIns="0" rIns="0" tIns="0" bIns="0"/>
           <a:p>
-            <a:pPr marL="216000" indent="-216000">
+            <a:pPr marL="216000" indent="-215280">
               <a:lnSpc>
                 <a:spcPct val="100000"/>
               </a:lnSpc>
@@ -336,7 +331,7 @@
             </a:endParaRPr>
           </a:p>
           <a:p>
-            <a:pPr marL="216000" indent="-216000">
+            <a:pPr marL="216000" indent="-215280">
               <a:lnSpc>
                 <a:spcPct val="100000"/>
               </a:lnSpc>
@@ -362,7 +357,7 @@
         <p:spPr>
           <a:xfrm>
             <a:off x="3884760" y="8685360"/>
-            <a:ext cx="2971080" cy="457920"/>
+            <a:ext cx="2970360" cy="457200"/>
           </a:xfrm>
           <a:prstGeom prst="rect">
             <a:avLst/>
@@ -386,7 +381,7 @@
                 <a:spcPct val="100000"/>
               </a:lnSpc>
             </a:pPr>
-            <a:fld id="{74AD11F5-E49D-4227-8FE0-1BD6334DF9AA}" type="slidenum">
+            <a:fld id="{27D9217A-27AA-45C2-BEF7-BC64B91E8A90}" type="slidenum">
               <a:rPr b="0" lang="zxx" sz="1200" spc="-1" strike="noStrike">
                 <a:solidFill>
                   <a:srgbClr val="000000"/>
@@ -437,7 +432,7 @@
         <p:spPr>
           <a:xfrm>
             <a:off x="217440" y="812880"/>
-            <a:ext cx="7124400" cy="4008240"/>
+            <a:ext cx="7123680" cy="4007520"/>
           </a:xfrm>
           <a:prstGeom prst="rect">
             <a:avLst/>
@@ -457,7 +452,7 @@
         <p:spPr>
           <a:xfrm>
             <a:off x="756000" y="5078520"/>
-            <a:ext cx="6047280" cy="4810680"/>
+            <a:ext cx="6046560" cy="4809960"/>
           </a:xfrm>
           <a:prstGeom prst="rect">
             <a:avLst/>
@@ -474,14 +469,14 @@
       </p:sp>
       <p:sp>
         <p:nvSpPr>
-          <p:cNvPr id="281" name="TextShape 3"/>
-          <p:cNvSpPr txBox="1"/>
+          <p:cNvPr id="281" name="CustomShape 3"/>
+          <p:cNvSpPr/>
           <p:nvPr/>
         </p:nvSpPr>
         <p:spPr>
           <a:xfrm>
             <a:off x="4278960" y="10157400"/>
-            <a:ext cx="3280320" cy="533880"/>
+            <a:ext cx="3279600" cy="533160"/>
           </a:xfrm>
           <a:prstGeom prst="rect">
             <a:avLst/>
@@ -491,6 +486,12 @@
             <a:noFill/>
           </a:ln>
         </p:spPr>
+        <p:style>
+          <a:lnRef idx="0"/>
+          <a:fillRef idx="0"/>
+          <a:effectRef idx="0"/>
+          <a:fontRef idx="minor"/>
+        </p:style>
         <p:txBody>
           <a:bodyPr lIns="0" rIns="0" tIns="0" bIns="0" anchor="b"/>
           <a:p>
@@ -499,7 +500,7 @@
                 <a:spcPct val="100000"/>
               </a:lnSpc>
             </a:pPr>
-            <a:fld id="{2CD5B3AC-6F75-452D-85DE-DABB8A1FD76E}" type="slidenum">
+            <a:fld id="{F274403A-E13D-4C2C-8339-91146BB48F37}" type="slidenum">
               <a:rPr b="0" lang="zxx" sz="1400" spc="-1" strike="noStrike">
                 <a:solidFill>
                   <a:srgbClr val="000000"/>
@@ -507,10 +508,10 @@
                 <a:latin typeface="Times New Roman"/>
                 <a:ea typeface="+mn-ea"/>
               </a:rPr>
-              <a:t>&lt;number&gt;</a:t>
+              <a:t>1</a:t>
             </a:fld>
             <a:endParaRPr b="0" lang="zxx" sz="1400" spc="-1" strike="noStrike">
-              <a:latin typeface="Times New Roman"/>
+              <a:latin typeface="Arial"/>
             </a:endParaRPr>
           </a:p>
         </p:txBody>
@@ -550,7 +551,7 @@
         <p:spPr>
           <a:xfrm>
             <a:off x="685800" y="1143000"/>
-            <a:ext cx="5486040" cy="3085920"/>
+            <a:ext cx="5485320" cy="3085200"/>
           </a:xfrm>
           <a:prstGeom prst="rect">
             <a:avLst/>
@@ -570,7 +571,7 @@
         <p:spPr>
           <a:xfrm>
             <a:off x="685800" y="4400640"/>
-            <a:ext cx="5485680" cy="3599640"/>
+            <a:ext cx="5484960" cy="3598920"/>
           </a:xfrm>
           <a:prstGeom prst="rect">
             <a:avLst/>
@@ -594,7 +595,7 @@
         <p:spPr>
           <a:xfrm>
             <a:off x="3884760" y="8685360"/>
-            <a:ext cx="2971080" cy="457920"/>
+            <a:ext cx="2970360" cy="457200"/>
           </a:xfrm>
           <a:prstGeom prst="rect">
             <a:avLst/>
@@ -618,7 +619,7 @@
                 <a:spcPct val="100000"/>
               </a:lnSpc>
             </a:pPr>
-            <a:fld id="{92A6C02C-CBE9-4904-95EF-144E87D22B5A}" type="slidenum">
+            <a:fld id="{10903520-063B-46F4-A7F1-A2AF880CEA2C}" type="slidenum">
               <a:rPr b="0" lang="zxx" sz="1200" spc="-1" strike="noStrike">
                 <a:solidFill>
                   <a:srgbClr val="000000"/>
@@ -669,7 +670,7 @@
         <p:spPr>
           <a:xfrm>
             <a:off x="217440" y="812880"/>
-            <a:ext cx="7124400" cy="4008240"/>
+            <a:ext cx="7123680" cy="4007520"/>
           </a:xfrm>
           <a:prstGeom prst="rect">
             <a:avLst/>
@@ -689,7 +690,7 @@
         <p:spPr>
           <a:xfrm>
             <a:off x="756000" y="5078520"/>
-            <a:ext cx="6047280" cy="4810680"/>
+            <a:ext cx="6046560" cy="4809960"/>
           </a:xfrm>
           <a:prstGeom prst="rect">
             <a:avLst/>
@@ -698,7 +699,7 @@
         <p:txBody>
           <a:bodyPr lIns="0" rIns="0" tIns="0" bIns="0"/>
           <a:p>
-            <a:pPr marL="216000" indent="-216000">
+            <a:pPr marL="216000" indent="-215280">
               <a:lnSpc>
                 <a:spcPct val="100000"/>
               </a:lnSpc>
@@ -714,7 +715,7 @@
             </a:endParaRPr>
           </a:p>
           <a:p>
-            <a:pPr marL="216000" indent="-216000">
+            <a:pPr marL="216000" indent="-215280">
               <a:lnSpc>
                 <a:spcPct val="100000"/>
               </a:lnSpc>
@@ -730,7 +731,7 @@
             </a:endParaRPr>
           </a:p>
           <a:p>
-            <a:pPr marL="216000" indent="-216000">
+            <a:pPr marL="216000" indent="-215280">
               <a:lnSpc>
                 <a:spcPct val="100000"/>
               </a:lnSpc>
@@ -746,7 +747,7 @@
             </a:endParaRPr>
           </a:p>
           <a:p>
-            <a:pPr marL="216000" indent="-216000">
+            <a:pPr marL="216000" indent="-215280">
               <a:lnSpc>
                 <a:spcPct val="100000"/>
               </a:lnSpc>
@@ -765,14 +766,14 @@
       </p:sp>
       <p:sp>
         <p:nvSpPr>
-          <p:cNvPr id="257" name="TextShape 3"/>
-          <p:cNvSpPr txBox="1"/>
+          <p:cNvPr id="257" name="CustomShape 3"/>
+          <p:cNvSpPr/>
           <p:nvPr/>
         </p:nvSpPr>
         <p:spPr>
           <a:xfrm>
             <a:off x="4278960" y="10157400"/>
-            <a:ext cx="3280320" cy="533880"/>
+            <a:ext cx="3279600" cy="533160"/>
           </a:xfrm>
           <a:prstGeom prst="rect">
             <a:avLst/>
@@ -782,6 +783,12 @@
             <a:noFill/>
           </a:ln>
         </p:spPr>
+        <p:style>
+          <a:lnRef idx="0"/>
+          <a:fillRef idx="0"/>
+          <a:effectRef idx="0"/>
+          <a:fontRef idx="minor"/>
+        </p:style>
         <p:txBody>
           <a:bodyPr lIns="0" rIns="0" tIns="0" bIns="0" anchor="b"/>
           <a:p>
@@ -790,7 +797,7 @@
                 <a:spcPct val="100000"/>
               </a:lnSpc>
             </a:pPr>
-            <a:fld id="{A3D5CF2C-3810-4951-8C98-B7C140CB1C66}" type="slidenum">
+            <a:fld id="{8370D417-F0AB-4EDC-9D03-0AEAAD7C8B09}" type="slidenum">
               <a:rPr b="0" lang="zxx" sz="1400" spc="-1" strike="noStrike">
                 <a:solidFill>
                   <a:srgbClr val="000000"/>
@@ -801,7 +808,7 @@
               <a:t>1</a:t>
             </a:fld>
             <a:endParaRPr b="0" lang="zxx" sz="1400" spc="-1" strike="noStrike">
-              <a:latin typeface="Times New Roman"/>
+              <a:latin typeface="Arial"/>
             </a:endParaRPr>
           </a:p>
         </p:txBody>
@@ -841,7 +848,7 @@
         <p:spPr>
           <a:xfrm>
             <a:off x="217440" y="812880"/>
-            <a:ext cx="7124400" cy="4008240"/>
+            <a:ext cx="7123680" cy="4007520"/>
           </a:xfrm>
           <a:prstGeom prst="rect">
             <a:avLst/>
@@ -861,7 +868,7 @@
         <p:spPr>
           <a:xfrm>
             <a:off x="756000" y="5078520"/>
-            <a:ext cx="6047280" cy="4810680"/>
+            <a:ext cx="6046560" cy="4809960"/>
           </a:xfrm>
           <a:prstGeom prst="rect">
             <a:avLst/>
@@ -870,7 +877,7 @@
         <p:txBody>
           <a:bodyPr lIns="0" rIns="0" tIns="0" bIns="0"/>
           <a:p>
-            <a:pPr marL="216000" indent="-216000">
+            <a:pPr marL="216000" indent="-215280">
               <a:lnSpc>
                 <a:spcPct val="100000"/>
               </a:lnSpc>
@@ -889,14 +896,14 @@
       </p:sp>
       <p:sp>
         <p:nvSpPr>
-          <p:cNvPr id="260" name="TextShape 3"/>
-          <p:cNvSpPr txBox="1"/>
+          <p:cNvPr id="260" name="CustomShape 3"/>
+          <p:cNvSpPr/>
           <p:nvPr/>
         </p:nvSpPr>
         <p:spPr>
           <a:xfrm>
             <a:off x="4278960" y="10157400"/>
-            <a:ext cx="3280320" cy="533880"/>
+            <a:ext cx="3279600" cy="533160"/>
           </a:xfrm>
           <a:prstGeom prst="rect">
             <a:avLst/>
@@ -906,6 +913,12 @@
             <a:noFill/>
           </a:ln>
         </p:spPr>
+        <p:style>
+          <a:lnRef idx="0"/>
+          <a:fillRef idx="0"/>
+          <a:effectRef idx="0"/>
+          <a:fontRef idx="minor"/>
+        </p:style>
         <p:txBody>
           <a:bodyPr lIns="0" rIns="0" tIns="0" bIns="0" anchor="b"/>
           <a:p>
@@ -914,7 +927,7 @@
                 <a:spcPct val="100000"/>
               </a:lnSpc>
             </a:pPr>
-            <a:fld id="{BC9289E1-4A61-4B4C-8C9C-FFC10AAAD873}" type="slidenum">
+            <a:fld id="{8FF21A9A-951E-447E-B4DC-11DEE5FC17B5}" type="slidenum">
               <a:rPr b="0" lang="zxx" sz="1400" spc="-1" strike="noStrike">
                 <a:solidFill>
                   <a:srgbClr val="000000"/>
@@ -925,7 +938,7 @@
               <a:t>1</a:t>
             </a:fld>
             <a:endParaRPr b="0" lang="zxx" sz="1400" spc="-1" strike="noStrike">
-              <a:latin typeface="Times New Roman"/>
+              <a:latin typeface="Arial"/>
             </a:endParaRPr>
           </a:p>
         </p:txBody>
@@ -965,7 +978,7 @@
         <p:spPr>
           <a:xfrm>
             <a:off x="217440" y="812880"/>
-            <a:ext cx="7124400" cy="4008240"/>
+            <a:ext cx="7123680" cy="4007520"/>
           </a:xfrm>
           <a:prstGeom prst="rect">
             <a:avLst/>
@@ -985,7 +998,7 @@
         <p:spPr>
           <a:xfrm>
             <a:off x="756000" y="5078520"/>
-            <a:ext cx="6047280" cy="4810680"/>
+            <a:ext cx="6046560" cy="4809960"/>
           </a:xfrm>
           <a:prstGeom prst="rect">
             <a:avLst/>
@@ -994,7 +1007,7 @@
         <p:txBody>
           <a:bodyPr lIns="0" rIns="0" tIns="0" bIns="0"/>
           <a:p>
-            <a:pPr marL="216000" indent="-216000">
+            <a:pPr marL="216000" indent="-215280">
               <a:lnSpc>
                 <a:spcPct val="100000"/>
               </a:lnSpc>
@@ -1010,7 +1023,7 @@
             </a:endParaRPr>
           </a:p>
           <a:p>
-            <a:pPr marL="171360" indent="-171000">
+            <a:pPr marL="171360" indent="-170280">
               <a:lnSpc>
                 <a:spcPct val="100000"/>
               </a:lnSpc>
@@ -1031,7 +1044,7 @@
             </a:endParaRPr>
           </a:p>
           <a:p>
-            <a:pPr marL="171360" indent="-171000">
+            <a:pPr marL="171360" indent="-170280">
               <a:lnSpc>
                 <a:spcPct val="100000"/>
               </a:lnSpc>
@@ -1055,14 +1068,14 @@
       </p:sp>
       <p:sp>
         <p:nvSpPr>
-          <p:cNvPr id="263" name="TextShape 3"/>
-          <p:cNvSpPr txBox="1"/>
+          <p:cNvPr id="263" name="CustomShape 3"/>
+          <p:cNvSpPr/>
           <p:nvPr/>
         </p:nvSpPr>
         <p:spPr>
           <a:xfrm>
             <a:off x="4278960" y="10157400"/>
-            <a:ext cx="3280320" cy="533880"/>
+            <a:ext cx="3279600" cy="533160"/>
           </a:xfrm>
           <a:prstGeom prst="rect">
             <a:avLst/>
@@ -1072,6 +1085,12 @@
             <a:noFill/>
           </a:ln>
         </p:spPr>
+        <p:style>
+          <a:lnRef idx="0"/>
+          <a:fillRef idx="0"/>
+          <a:effectRef idx="0"/>
+          <a:fontRef idx="minor"/>
+        </p:style>
         <p:txBody>
           <a:bodyPr lIns="0" rIns="0" tIns="0" bIns="0" anchor="b"/>
           <a:p>
@@ -1080,7 +1099,7 @@
                 <a:spcPct val="100000"/>
               </a:lnSpc>
             </a:pPr>
-            <a:fld id="{202087D6-1353-437A-AE7C-E26834A6A8CB}" type="slidenum">
+            <a:fld id="{455F9EC8-2166-41C5-8CD1-A7607A536FFB}" type="slidenum">
               <a:rPr b="0" lang="zxx" sz="1400" spc="-1" strike="noStrike">
                 <a:solidFill>
                   <a:srgbClr val="000000"/>
@@ -1091,7 +1110,7 @@
               <a:t>1</a:t>
             </a:fld>
             <a:endParaRPr b="0" lang="zxx" sz="1400" spc="-1" strike="noStrike">
-              <a:latin typeface="Times New Roman"/>
+              <a:latin typeface="Arial"/>
             </a:endParaRPr>
           </a:p>
         </p:txBody>
@@ -1131,7 +1150,7 @@
         <p:spPr>
           <a:xfrm>
             <a:off x="217440" y="812880"/>
-            <a:ext cx="7124400" cy="4008240"/>
+            <a:ext cx="7123680" cy="4007520"/>
           </a:xfrm>
           <a:prstGeom prst="rect">
             <a:avLst/>
@@ -1151,7 +1170,7 @@
         <p:spPr>
           <a:xfrm>
             <a:off x="756000" y="5078520"/>
-            <a:ext cx="6047280" cy="4810680"/>
+            <a:ext cx="6046560" cy="4809960"/>
           </a:xfrm>
           <a:prstGeom prst="rect">
             <a:avLst/>
@@ -1168,14 +1187,14 @@
       </p:sp>
       <p:sp>
         <p:nvSpPr>
-          <p:cNvPr id="266" name="TextShape 3"/>
-          <p:cNvSpPr txBox="1"/>
+          <p:cNvPr id="266" name="CustomShape 3"/>
+          <p:cNvSpPr/>
           <p:nvPr/>
         </p:nvSpPr>
         <p:spPr>
           <a:xfrm>
             <a:off x="4278960" y="10157400"/>
-            <a:ext cx="3280320" cy="533880"/>
+            <a:ext cx="3279600" cy="533160"/>
           </a:xfrm>
           <a:prstGeom prst="rect">
             <a:avLst/>
@@ -1185,6 +1204,12 @@
             <a:noFill/>
           </a:ln>
         </p:spPr>
+        <p:style>
+          <a:lnRef idx="0"/>
+          <a:fillRef idx="0"/>
+          <a:effectRef idx="0"/>
+          <a:fontRef idx="minor"/>
+        </p:style>
         <p:txBody>
           <a:bodyPr lIns="0" rIns="0" tIns="0" bIns="0" anchor="b"/>
           <a:p>
@@ -1193,7 +1218,7 @@
                 <a:spcPct val="100000"/>
               </a:lnSpc>
             </a:pPr>
-            <a:fld id="{B8A30AEB-F6BB-4D96-9217-07A71E4BB938}" type="slidenum">
+            <a:fld id="{C7BF6FC2-46ED-4D34-AFB8-4966D30CF8E3}" type="slidenum">
               <a:rPr b="0" lang="zxx" sz="1400" spc="-1" strike="noStrike">
                 <a:solidFill>
                   <a:srgbClr val="000000"/>
@@ -1204,7 +1229,7 @@
               <a:t>1</a:t>
             </a:fld>
             <a:endParaRPr b="0" lang="zxx" sz="1400" spc="-1" strike="noStrike">
-              <a:latin typeface="Times New Roman"/>
+              <a:latin typeface="Arial"/>
             </a:endParaRPr>
           </a:p>
         </p:txBody>
@@ -1244,7 +1269,7 @@
         <p:spPr>
           <a:xfrm>
             <a:off x="217440" y="812880"/>
-            <a:ext cx="7124400" cy="4008240"/>
+            <a:ext cx="7123680" cy="4007520"/>
           </a:xfrm>
           <a:prstGeom prst="rect">
             <a:avLst/>
@@ -1264,7 +1289,7 @@
         <p:spPr>
           <a:xfrm>
             <a:off x="756000" y="5078520"/>
-            <a:ext cx="6047280" cy="4810680"/>
+            <a:ext cx="6046560" cy="4809960"/>
           </a:xfrm>
           <a:prstGeom prst="rect">
             <a:avLst/>
@@ -1281,14 +1306,14 @@
       </p:sp>
       <p:sp>
         <p:nvSpPr>
-          <p:cNvPr id="269" name="TextShape 3"/>
-          <p:cNvSpPr txBox="1"/>
+          <p:cNvPr id="269" name="CustomShape 3"/>
+          <p:cNvSpPr/>
           <p:nvPr/>
         </p:nvSpPr>
         <p:spPr>
           <a:xfrm>
             <a:off x="4278960" y="10157400"/>
-            <a:ext cx="3280320" cy="533880"/>
+            <a:ext cx="3279600" cy="533160"/>
           </a:xfrm>
           <a:prstGeom prst="rect">
             <a:avLst/>
@@ -1298,6 +1323,12 @@
             <a:noFill/>
           </a:ln>
         </p:spPr>
+        <p:style>
+          <a:lnRef idx="0"/>
+          <a:fillRef idx="0"/>
+          <a:effectRef idx="0"/>
+          <a:fontRef idx="minor"/>
+        </p:style>
         <p:txBody>
           <a:bodyPr lIns="0" rIns="0" tIns="0" bIns="0" anchor="b"/>
           <a:p>
@@ -1306,7 +1337,7 @@
                 <a:spcPct val="100000"/>
               </a:lnSpc>
             </a:pPr>
-            <a:fld id="{6EF66075-8932-4AB2-869D-4D0F8D24E524}" type="slidenum">
+            <a:fld id="{9B05BF10-F548-419D-9C28-1B13D62CF218}" type="slidenum">
               <a:rPr b="0" lang="zxx" sz="1400" spc="-1" strike="noStrike">
                 <a:solidFill>
                   <a:srgbClr val="000000"/>
@@ -1317,7 +1348,7 @@
               <a:t>1</a:t>
             </a:fld>
             <a:endParaRPr b="0" lang="zxx" sz="1400" spc="-1" strike="noStrike">
-              <a:latin typeface="Times New Roman"/>
+              <a:latin typeface="Arial"/>
             </a:endParaRPr>
           </a:p>
         </p:txBody>
@@ -1357,7 +1388,7 @@
         <p:spPr>
           <a:xfrm>
             <a:off x="217440" y="812880"/>
-            <a:ext cx="7124400" cy="4008240"/>
+            <a:ext cx="7123680" cy="4007520"/>
           </a:xfrm>
           <a:prstGeom prst="rect">
             <a:avLst/>
@@ -1377,7 +1408,7 @@
         <p:spPr>
           <a:xfrm>
             <a:off x="756000" y="5078520"/>
-            <a:ext cx="6047280" cy="4810680"/>
+            <a:ext cx="6046560" cy="4809960"/>
           </a:xfrm>
           <a:prstGeom prst="rect">
             <a:avLst/>
@@ -1386,7 +1417,7 @@
         <p:txBody>
           <a:bodyPr lIns="0" rIns="0" tIns="0" bIns="0"/>
           <a:p>
-            <a:pPr marL="171360" indent="-171000">
+            <a:pPr marL="171360" indent="-170280">
               <a:lnSpc>
                 <a:spcPct val="100000"/>
               </a:lnSpc>
@@ -1407,7 +1438,7 @@
             </a:endParaRPr>
           </a:p>
           <a:p>
-            <a:pPr marL="171360" indent="-171000">
+            <a:pPr marL="171360" indent="-170280">
               <a:lnSpc>
                 <a:spcPct val="100000"/>
               </a:lnSpc>
@@ -1428,7 +1459,7 @@
             </a:endParaRPr>
           </a:p>
           <a:p>
-            <a:pPr marL="171360" indent="-171000">
+            <a:pPr marL="171360" indent="-170280">
               <a:lnSpc>
                 <a:spcPct val="100000"/>
               </a:lnSpc>
@@ -1449,7 +1480,7 @@
             </a:endParaRPr>
           </a:p>
           <a:p>
-            <a:pPr marL="171360" indent="-171000">
+            <a:pPr marL="171360" indent="-170280">
               <a:lnSpc>
                 <a:spcPct val="100000"/>
               </a:lnSpc>
@@ -1473,14 +1504,14 @@
       </p:sp>
       <p:sp>
         <p:nvSpPr>
-          <p:cNvPr id="272" name="TextShape 3"/>
-          <p:cNvSpPr txBox="1"/>
+          <p:cNvPr id="272" name="CustomShape 3"/>
+          <p:cNvSpPr/>
           <p:nvPr/>
         </p:nvSpPr>
         <p:spPr>
           <a:xfrm>
             <a:off x="4278960" y="10157400"/>
-            <a:ext cx="3280320" cy="533880"/>
+            <a:ext cx="3279600" cy="533160"/>
           </a:xfrm>
           <a:prstGeom prst="rect">
             <a:avLst/>
@@ -1490,6 +1521,12 @@
             <a:noFill/>
           </a:ln>
         </p:spPr>
+        <p:style>
+          <a:lnRef idx="0"/>
+          <a:fillRef idx="0"/>
+          <a:effectRef idx="0"/>
+          <a:fontRef idx="minor"/>
+        </p:style>
         <p:txBody>
           <a:bodyPr lIns="0" rIns="0" tIns="0" bIns="0" anchor="b"/>
           <a:p>
@@ -1498,7 +1535,7 @@
                 <a:spcPct val="100000"/>
               </a:lnSpc>
             </a:pPr>
-            <a:fld id="{7421D977-402B-4D8E-B293-38726F8CC675}" type="slidenum">
+            <a:fld id="{606CB651-0576-401E-93C8-08F1BD139EC4}" type="slidenum">
               <a:rPr b="0" lang="zxx" sz="1400" spc="-1" strike="noStrike">
                 <a:solidFill>
                   <a:srgbClr val="000000"/>
@@ -1509,7 +1546,7 @@
               <a:t>1</a:t>
             </a:fld>
             <a:endParaRPr b="0" lang="zxx" sz="1400" spc="-1" strike="noStrike">
-              <a:latin typeface="Times New Roman"/>
+              <a:latin typeface="Arial"/>
             </a:endParaRPr>
           </a:p>
         </p:txBody>
@@ -1549,7 +1586,7 @@
         <p:spPr>
           <a:xfrm>
             <a:off x="217440" y="812880"/>
-            <a:ext cx="7124400" cy="4008240"/>
+            <a:ext cx="7123680" cy="4007520"/>
           </a:xfrm>
           <a:prstGeom prst="rect">
             <a:avLst/>
@@ -1569,7 +1606,7 @@
         <p:spPr>
           <a:xfrm>
             <a:off x="756000" y="5078520"/>
-            <a:ext cx="6047280" cy="4810680"/>
+            <a:ext cx="6046560" cy="4809960"/>
           </a:xfrm>
           <a:prstGeom prst="rect">
             <a:avLst/>
@@ -1586,14 +1623,14 @@
       </p:sp>
       <p:sp>
         <p:nvSpPr>
-          <p:cNvPr id="275" name="TextShape 3"/>
-          <p:cNvSpPr txBox="1"/>
+          <p:cNvPr id="275" name="CustomShape 3"/>
+          <p:cNvSpPr/>
           <p:nvPr/>
         </p:nvSpPr>
         <p:spPr>
           <a:xfrm>
             <a:off x="4278960" y="10157400"/>
-            <a:ext cx="3280320" cy="533880"/>
+            <a:ext cx="3279600" cy="533160"/>
           </a:xfrm>
           <a:prstGeom prst="rect">
             <a:avLst/>
@@ -1603,6 +1640,12 @@
             <a:noFill/>
           </a:ln>
         </p:spPr>
+        <p:style>
+          <a:lnRef idx="0"/>
+          <a:fillRef idx="0"/>
+          <a:effectRef idx="0"/>
+          <a:fontRef idx="minor"/>
+        </p:style>
         <p:txBody>
           <a:bodyPr lIns="0" rIns="0" tIns="0" bIns="0" anchor="b"/>
           <a:p>
@@ -1611,7 +1654,7 @@
                 <a:spcPct val="100000"/>
               </a:lnSpc>
             </a:pPr>
-            <a:fld id="{317CB910-1095-4EA0-9121-97E635C50D4E}" type="slidenum">
+            <a:fld id="{3DC5E871-5013-40BD-AB27-EEEADD11BCBA}" type="slidenum">
               <a:rPr b="0" lang="zxx" sz="1400" spc="-1" strike="noStrike">
                 <a:solidFill>
                   <a:srgbClr val="000000"/>
@@ -1622,7 +1665,7 @@
               <a:t>1</a:t>
             </a:fld>
             <a:endParaRPr b="0" lang="zxx" sz="1400" spc="-1" strike="noStrike">
-              <a:latin typeface="Times New Roman"/>
+              <a:latin typeface="Arial"/>
             </a:endParaRPr>
           </a:p>
         </p:txBody>
@@ -1662,7 +1705,7 @@
         <p:spPr>
           <a:xfrm>
             <a:off x="217440" y="812880"/>
-            <a:ext cx="7124400" cy="4008240"/>
+            <a:ext cx="7123680" cy="4007520"/>
           </a:xfrm>
           <a:prstGeom prst="rect">
             <a:avLst/>
@@ -1682,7 +1725,7 @@
         <p:spPr>
           <a:xfrm>
             <a:off x="756000" y="5078520"/>
-            <a:ext cx="6047280" cy="4810680"/>
+            <a:ext cx="6046560" cy="4809960"/>
           </a:xfrm>
           <a:prstGeom prst="rect">
             <a:avLst/>
@@ -1699,14 +1742,14 @@
       </p:sp>
       <p:sp>
         <p:nvSpPr>
-          <p:cNvPr id="278" name="TextShape 3"/>
-          <p:cNvSpPr txBox="1"/>
+          <p:cNvPr id="278" name="CustomShape 3"/>
+          <p:cNvSpPr/>
           <p:nvPr/>
         </p:nvSpPr>
         <p:spPr>
           <a:xfrm>
             <a:off x="4278960" y="10157400"/>
-            <a:ext cx="3280320" cy="533880"/>
+            <a:ext cx="3279600" cy="533160"/>
           </a:xfrm>
           <a:prstGeom prst="rect">
             <a:avLst/>
@@ -1716,6 +1759,12 @@
             <a:noFill/>
           </a:ln>
         </p:spPr>
+        <p:style>
+          <a:lnRef idx="0"/>
+          <a:fillRef idx="0"/>
+          <a:effectRef idx="0"/>
+          <a:fontRef idx="minor"/>
+        </p:style>
         <p:txBody>
           <a:bodyPr lIns="0" rIns="0" tIns="0" bIns="0" anchor="b"/>
           <a:p>
@@ -1724,7 +1773,7 @@
                 <a:spcPct val="100000"/>
               </a:lnSpc>
             </a:pPr>
-            <a:fld id="{6FB03C21-5375-4CCC-B8AE-E97CEE2E1533}" type="slidenum">
+            <a:fld id="{D6AE7C0E-A065-464B-9620-3E1692C82162}" type="slidenum">
               <a:rPr b="0" lang="zxx" sz="1400" spc="-1" strike="noStrike">
                 <a:solidFill>
                   <a:srgbClr val="000000"/>
@@ -1735,7 +1784,7 @@
               <a:t>1</a:t>
             </a:fld>
             <a:endParaRPr b="0" lang="zxx" sz="1400" spc="-1" strike="noStrike">
-              <a:latin typeface="Times New Roman"/>
+              <a:latin typeface="Arial"/>
             </a:endParaRPr>
           </a:p>
         </p:txBody>
@@ -1806,10 +1855,8 @@
         <p:txBody>
           <a:bodyPr lIns="0" rIns="0" tIns="0" bIns="0" anchor="ctr"/>
           <a:p>
-            <a:endParaRPr b="0" lang="de-DE" sz="1800" spc="-1" strike="noStrike">
-              <a:solidFill>
-                <a:srgbClr val="000000"/>
-              </a:solidFill>
+            <a:pPr algn="ctr"/>
+            <a:endParaRPr b="0" lang="zxx" sz="4400" spc="-1" strike="noStrike">
               <a:latin typeface="Arial"/>
             </a:endParaRPr>
           </a:p>
@@ -1839,10 +1886,7 @@
             <a:normAutofit/>
           </a:bodyPr>
           <a:p>
-            <a:endParaRPr b="0" lang="de-DE" sz="2800" spc="-1" strike="noStrike">
-              <a:solidFill>
-                <a:srgbClr val="000000"/>
-              </a:solidFill>
+            <a:endParaRPr b="0" lang="zxx" sz="3200" spc="-1" strike="noStrike">
               <a:latin typeface="Arial"/>
             </a:endParaRPr>
           </a:p>
@@ -1872,10 +1916,7 @@
             <a:normAutofit/>
           </a:bodyPr>
           <a:p>
-            <a:endParaRPr b="0" lang="de-DE" sz="2800" spc="-1" strike="noStrike">
-              <a:solidFill>
-                <a:srgbClr val="000000"/>
-              </a:solidFill>
+            <a:endParaRPr b="0" lang="zxx" sz="3200" spc="-1" strike="noStrike">
               <a:latin typeface="Arial"/>
             </a:endParaRPr>
           </a:p>
@@ -1925,10 +1966,8 @@
         <p:txBody>
           <a:bodyPr lIns="0" rIns="0" tIns="0" bIns="0" anchor="ctr"/>
           <a:p>
-            <a:endParaRPr b="0" lang="de-DE" sz="1800" spc="-1" strike="noStrike">
-              <a:solidFill>
-                <a:srgbClr val="000000"/>
-              </a:solidFill>
+            <a:pPr algn="ctr"/>
+            <a:endParaRPr b="0" lang="zxx" sz="4400" spc="-1" strike="noStrike">
               <a:latin typeface="Arial"/>
             </a:endParaRPr>
           </a:p>
@@ -1958,10 +1997,7 @@
             <a:normAutofit/>
           </a:bodyPr>
           <a:p>
-            <a:endParaRPr b="0" lang="de-DE" sz="2800" spc="-1" strike="noStrike">
-              <a:solidFill>
-                <a:srgbClr val="000000"/>
-              </a:solidFill>
+            <a:endParaRPr b="0" lang="zxx" sz="3200" spc="-1" strike="noStrike">
               <a:latin typeface="Arial"/>
             </a:endParaRPr>
           </a:p>
@@ -1991,10 +2027,7 @@
             <a:normAutofit/>
           </a:bodyPr>
           <a:p>
-            <a:endParaRPr b="0" lang="de-DE" sz="2800" spc="-1" strike="noStrike">
-              <a:solidFill>
-                <a:srgbClr val="000000"/>
-              </a:solidFill>
+            <a:endParaRPr b="0" lang="zxx" sz="3200" spc="-1" strike="noStrike">
               <a:latin typeface="Arial"/>
             </a:endParaRPr>
           </a:p>
@@ -2024,10 +2057,7 @@
             <a:normAutofit/>
           </a:bodyPr>
           <a:p>
-            <a:endParaRPr b="0" lang="de-DE" sz="2800" spc="-1" strike="noStrike">
-              <a:solidFill>
-                <a:srgbClr val="000000"/>
-              </a:solidFill>
+            <a:endParaRPr b="0" lang="zxx" sz="3200" spc="-1" strike="noStrike">
               <a:latin typeface="Arial"/>
             </a:endParaRPr>
           </a:p>
@@ -2057,10 +2087,7 @@
             <a:normAutofit/>
           </a:bodyPr>
           <a:p>
-            <a:endParaRPr b="0" lang="de-DE" sz="2800" spc="-1" strike="noStrike">
-              <a:solidFill>
-                <a:srgbClr val="000000"/>
-              </a:solidFill>
+            <a:endParaRPr b="0" lang="zxx" sz="3200" spc="-1" strike="noStrike">
               <a:latin typeface="Arial"/>
             </a:endParaRPr>
           </a:p>
@@ -2110,10 +2137,8 @@
         <p:txBody>
           <a:bodyPr lIns="0" rIns="0" tIns="0" bIns="0" anchor="ctr"/>
           <a:p>
-            <a:endParaRPr b="0" lang="de-DE" sz="1800" spc="-1" strike="noStrike">
-              <a:solidFill>
-                <a:srgbClr val="000000"/>
-              </a:solidFill>
+            <a:pPr algn="ctr"/>
+            <a:endParaRPr b="0" lang="zxx" sz="4400" spc="-1" strike="noStrike">
               <a:latin typeface="Arial"/>
             </a:endParaRPr>
           </a:p>
@@ -2143,10 +2168,7 @@
             <a:normAutofit/>
           </a:bodyPr>
           <a:p>
-            <a:endParaRPr b="0" lang="de-DE" sz="2800" spc="-1" strike="noStrike">
-              <a:solidFill>
-                <a:srgbClr val="000000"/>
-              </a:solidFill>
+            <a:endParaRPr b="0" lang="zxx" sz="3200" spc="-1" strike="noStrike">
               <a:latin typeface="Arial"/>
             </a:endParaRPr>
           </a:p>
@@ -2176,10 +2198,7 @@
             <a:normAutofit/>
           </a:bodyPr>
           <a:p>
-            <a:endParaRPr b="0" lang="de-DE" sz="2800" spc="-1" strike="noStrike">
-              <a:solidFill>
-                <a:srgbClr val="000000"/>
-              </a:solidFill>
+            <a:endParaRPr b="0" lang="zxx" sz="3200" spc="-1" strike="noStrike">
               <a:latin typeface="Arial"/>
             </a:endParaRPr>
           </a:p>
@@ -2209,10 +2228,7 @@
             <a:normAutofit/>
           </a:bodyPr>
           <a:p>
-            <a:endParaRPr b="0" lang="de-DE" sz="2800" spc="-1" strike="noStrike">
-              <a:solidFill>
-                <a:srgbClr val="000000"/>
-              </a:solidFill>
+            <a:endParaRPr b="0" lang="zxx" sz="3200" spc="-1" strike="noStrike">
               <a:latin typeface="Arial"/>
             </a:endParaRPr>
           </a:p>
@@ -2242,10 +2258,7 @@
             <a:normAutofit/>
           </a:bodyPr>
           <a:p>
-            <a:endParaRPr b="0" lang="de-DE" sz="2800" spc="-1" strike="noStrike">
-              <a:solidFill>
-                <a:srgbClr val="000000"/>
-              </a:solidFill>
+            <a:endParaRPr b="0" lang="zxx" sz="3200" spc="-1" strike="noStrike">
               <a:latin typeface="Arial"/>
             </a:endParaRPr>
           </a:p>
@@ -2275,10 +2288,7 @@
             <a:normAutofit/>
           </a:bodyPr>
           <a:p>
-            <a:endParaRPr b="0" lang="de-DE" sz="2800" spc="-1" strike="noStrike">
-              <a:solidFill>
-                <a:srgbClr val="000000"/>
-              </a:solidFill>
+            <a:endParaRPr b="0" lang="zxx" sz="3200" spc="-1" strike="noStrike">
               <a:latin typeface="Arial"/>
             </a:endParaRPr>
           </a:p>
@@ -2308,10 +2318,7 @@
             <a:normAutofit/>
           </a:bodyPr>
           <a:p>
-            <a:endParaRPr b="0" lang="de-DE" sz="2800" spc="-1" strike="noStrike">
-              <a:solidFill>
-                <a:srgbClr val="000000"/>
-              </a:solidFill>
+            <a:endParaRPr b="0" lang="zxx" sz="3200" spc="-1" strike="noStrike">
               <a:latin typeface="Arial"/>
             </a:endParaRPr>
           </a:p>
@@ -2383,10 +2390,8 @@
         <p:txBody>
           <a:bodyPr lIns="0" rIns="0" tIns="0" bIns="0" anchor="ctr"/>
           <a:p>
-            <a:endParaRPr b="0" lang="de-DE" sz="1800" spc="-1" strike="noStrike">
-              <a:solidFill>
-                <a:srgbClr val="000000"/>
-              </a:solidFill>
+            <a:pPr algn="ctr"/>
+            <a:endParaRPr b="0" lang="zxx" sz="4400" spc="-1" strike="noStrike">
               <a:latin typeface="Arial"/>
             </a:endParaRPr>
           </a:p>
@@ -2465,10 +2470,8 @@
         <p:txBody>
           <a:bodyPr lIns="0" rIns="0" tIns="0" bIns="0" anchor="ctr"/>
           <a:p>
-            <a:endParaRPr b="0" lang="de-DE" sz="1800" spc="-1" strike="noStrike">
-              <a:solidFill>
-                <a:srgbClr val="000000"/>
-              </a:solidFill>
+            <a:pPr algn="ctr"/>
+            <a:endParaRPr b="0" lang="zxx" sz="4400" spc="-1" strike="noStrike">
               <a:latin typeface="Arial"/>
             </a:endParaRPr>
           </a:p>
@@ -2498,10 +2501,7 @@
             <a:normAutofit/>
           </a:bodyPr>
           <a:p>
-            <a:endParaRPr b="0" lang="de-DE" sz="2800" spc="-1" strike="noStrike">
-              <a:solidFill>
-                <a:srgbClr val="000000"/>
-              </a:solidFill>
+            <a:endParaRPr b="0" lang="zxx" sz="3200" spc="-1" strike="noStrike">
               <a:latin typeface="Arial"/>
             </a:endParaRPr>
           </a:p>
@@ -2551,10 +2551,8 @@
         <p:txBody>
           <a:bodyPr lIns="0" rIns="0" tIns="0" bIns="0" anchor="ctr"/>
           <a:p>
-            <a:endParaRPr b="0" lang="de-DE" sz="1800" spc="-1" strike="noStrike">
-              <a:solidFill>
-                <a:srgbClr val="000000"/>
-              </a:solidFill>
+            <a:pPr algn="ctr"/>
+            <a:endParaRPr b="0" lang="zxx" sz="4400" spc="-1" strike="noStrike">
               <a:latin typeface="Arial"/>
             </a:endParaRPr>
           </a:p>
@@ -2584,10 +2582,7 @@
             <a:normAutofit/>
           </a:bodyPr>
           <a:p>
-            <a:endParaRPr b="0" lang="de-DE" sz="2800" spc="-1" strike="noStrike">
-              <a:solidFill>
-                <a:srgbClr val="000000"/>
-              </a:solidFill>
+            <a:endParaRPr b="0" lang="zxx" sz="3200" spc="-1" strike="noStrike">
               <a:latin typeface="Arial"/>
             </a:endParaRPr>
           </a:p>
@@ -2617,10 +2612,7 @@
             <a:normAutofit/>
           </a:bodyPr>
           <a:p>
-            <a:endParaRPr b="0" lang="de-DE" sz="2800" spc="-1" strike="noStrike">
-              <a:solidFill>
-                <a:srgbClr val="000000"/>
-              </a:solidFill>
+            <a:endParaRPr b="0" lang="zxx" sz="3200" spc="-1" strike="noStrike">
               <a:latin typeface="Arial"/>
             </a:endParaRPr>
           </a:p>
@@ -2670,10 +2662,8 @@
         <p:txBody>
           <a:bodyPr lIns="0" rIns="0" tIns="0" bIns="0" anchor="ctr"/>
           <a:p>
-            <a:endParaRPr b="0" lang="de-DE" sz="1800" spc="-1" strike="noStrike">
-              <a:solidFill>
-                <a:srgbClr val="000000"/>
-              </a:solidFill>
+            <a:pPr algn="ctr"/>
+            <a:endParaRPr b="0" lang="zxx" sz="4400" spc="-1" strike="noStrike">
               <a:latin typeface="Arial"/>
             </a:endParaRPr>
           </a:p>
@@ -2774,10 +2764,8 @@
         <p:txBody>
           <a:bodyPr lIns="0" rIns="0" tIns="0" bIns="0" anchor="ctr"/>
           <a:p>
-            <a:endParaRPr b="0" lang="de-DE" sz="1800" spc="-1" strike="noStrike">
-              <a:solidFill>
-                <a:srgbClr val="000000"/>
-              </a:solidFill>
+            <a:pPr algn="ctr"/>
+            <a:endParaRPr b="0" lang="zxx" sz="4400" spc="-1" strike="noStrike">
               <a:latin typeface="Arial"/>
             </a:endParaRPr>
           </a:p>
@@ -2807,10 +2795,7 @@
             <a:normAutofit/>
           </a:bodyPr>
           <a:p>
-            <a:endParaRPr b="0" lang="de-DE" sz="2800" spc="-1" strike="noStrike">
-              <a:solidFill>
-                <a:srgbClr val="000000"/>
-              </a:solidFill>
+            <a:endParaRPr b="0" lang="zxx" sz="3200" spc="-1" strike="noStrike">
               <a:latin typeface="Arial"/>
             </a:endParaRPr>
           </a:p>
@@ -2840,10 +2825,7 @@
             <a:normAutofit/>
           </a:bodyPr>
           <a:p>
-            <a:endParaRPr b="0" lang="de-DE" sz="2800" spc="-1" strike="noStrike">
-              <a:solidFill>
-                <a:srgbClr val="000000"/>
-              </a:solidFill>
+            <a:endParaRPr b="0" lang="zxx" sz="3200" spc="-1" strike="noStrike">
               <a:latin typeface="Arial"/>
             </a:endParaRPr>
           </a:p>
@@ -2873,10 +2855,7 @@
             <a:normAutofit/>
           </a:bodyPr>
           <a:p>
-            <a:endParaRPr b="0" lang="de-DE" sz="2800" spc="-1" strike="noStrike">
-              <a:solidFill>
-                <a:srgbClr val="000000"/>
-              </a:solidFill>
+            <a:endParaRPr b="0" lang="zxx" sz="3200" spc="-1" strike="noStrike">
               <a:latin typeface="Arial"/>
             </a:endParaRPr>
           </a:p>
@@ -2926,10 +2905,8 @@
         <p:txBody>
           <a:bodyPr lIns="0" rIns="0" tIns="0" bIns="0" anchor="ctr"/>
           <a:p>
-            <a:endParaRPr b="0" lang="de-DE" sz="1800" spc="-1" strike="noStrike">
-              <a:solidFill>
-                <a:srgbClr val="000000"/>
-              </a:solidFill>
+            <a:pPr algn="ctr"/>
+            <a:endParaRPr b="0" lang="zxx" sz="4400" spc="-1" strike="noStrike">
               <a:latin typeface="Arial"/>
             </a:endParaRPr>
           </a:p>
@@ -3008,10 +2985,8 @@
         <p:txBody>
           <a:bodyPr lIns="0" rIns="0" tIns="0" bIns="0" anchor="ctr"/>
           <a:p>
-            <a:endParaRPr b="0" lang="de-DE" sz="1800" spc="-1" strike="noStrike">
-              <a:solidFill>
-                <a:srgbClr val="000000"/>
-              </a:solidFill>
+            <a:pPr algn="ctr"/>
+            <a:endParaRPr b="0" lang="zxx" sz="4400" spc="-1" strike="noStrike">
               <a:latin typeface="Arial"/>
             </a:endParaRPr>
           </a:p>
@@ -3041,10 +3016,7 @@
             <a:normAutofit/>
           </a:bodyPr>
           <a:p>
-            <a:endParaRPr b="0" lang="de-DE" sz="2800" spc="-1" strike="noStrike">
-              <a:solidFill>
-                <a:srgbClr val="000000"/>
-              </a:solidFill>
+            <a:endParaRPr b="0" lang="zxx" sz="3200" spc="-1" strike="noStrike">
               <a:latin typeface="Arial"/>
             </a:endParaRPr>
           </a:p>
@@ -3074,10 +3046,7 @@
             <a:normAutofit/>
           </a:bodyPr>
           <a:p>
-            <a:endParaRPr b="0" lang="de-DE" sz="2800" spc="-1" strike="noStrike">
-              <a:solidFill>
-                <a:srgbClr val="000000"/>
-              </a:solidFill>
+            <a:endParaRPr b="0" lang="zxx" sz="3200" spc="-1" strike="noStrike">
               <a:latin typeface="Arial"/>
             </a:endParaRPr>
           </a:p>
@@ -3107,10 +3076,7 @@
             <a:normAutofit/>
           </a:bodyPr>
           <a:p>
-            <a:endParaRPr b="0" lang="de-DE" sz="2800" spc="-1" strike="noStrike">
-              <a:solidFill>
-                <a:srgbClr val="000000"/>
-              </a:solidFill>
+            <a:endParaRPr b="0" lang="zxx" sz="3200" spc="-1" strike="noStrike">
               <a:latin typeface="Arial"/>
             </a:endParaRPr>
           </a:p>
@@ -3160,10 +3126,8 @@
         <p:txBody>
           <a:bodyPr lIns="0" rIns="0" tIns="0" bIns="0" anchor="ctr"/>
           <a:p>
-            <a:endParaRPr b="0" lang="de-DE" sz="1800" spc="-1" strike="noStrike">
-              <a:solidFill>
-                <a:srgbClr val="000000"/>
-              </a:solidFill>
+            <a:pPr algn="ctr"/>
+            <a:endParaRPr b="0" lang="zxx" sz="4400" spc="-1" strike="noStrike">
               <a:latin typeface="Arial"/>
             </a:endParaRPr>
           </a:p>
@@ -3193,10 +3157,7 @@
             <a:normAutofit/>
           </a:bodyPr>
           <a:p>
-            <a:endParaRPr b="0" lang="de-DE" sz="2800" spc="-1" strike="noStrike">
-              <a:solidFill>
-                <a:srgbClr val="000000"/>
-              </a:solidFill>
+            <a:endParaRPr b="0" lang="zxx" sz="3200" spc="-1" strike="noStrike">
               <a:latin typeface="Arial"/>
             </a:endParaRPr>
           </a:p>
@@ -3226,10 +3187,7 @@
             <a:normAutofit/>
           </a:bodyPr>
           <a:p>
-            <a:endParaRPr b="0" lang="de-DE" sz="2800" spc="-1" strike="noStrike">
-              <a:solidFill>
-                <a:srgbClr val="000000"/>
-              </a:solidFill>
+            <a:endParaRPr b="0" lang="zxx" sz="3200" spc="-1" strike="noStrike">
               <a:latin typeface="Arial"/>
             </a:endParaRPr>
           </a:p>
@@ -3259,10 +3217,7 @@
             <a:normAutofit/>
           </a:bodyPr>
           <a:p>
-            <a:endParaRPr b="0" lang="de-DE" sz="2800" spc="-1" strike="noStrike">
-              <a:solidFill>
-                <a:srgbClr val="000000"/>
-              </a:solidFill>
+            <a:endParaRPr b="0" lang="zxx" sz="3200" spc="-1" strike="noStrike">
               <a:latin typeface="Arial"/>
             </a:endParaRPr>
           </a:p>
@@ -3312,10 +3267,8 @@
         <p:txBody>
           <a:bodyPr lIns="0" rIns="0" tIns="0" bIns="0" anchor="ctr"/>
           <a:p>
-            <a:endParaRPr b="0" lang="de-DE" sz="1800" spc="-1" strike="noStrike">
-              <a:solidFill>
-                <a:srgbClr val="000000"/>
-              </a:solidFill>
+            <a:pPr algn="ctr"/>
+            <a:endParaRPr b="0" lang="zxx" sz="4400" spc="-1" strike="noStrike">
               <a:latin typeface="Arial"/>
             </a:endParaRPr>
           </a:p>
@@ -3345,10 +3298,7 @@
             <a:normAutofit/>
           </a:bodyPr>
           <a:p>
-            <a:endParaRPr b="0" lang="de-DE" sz="2800" spc="-1" strike="noStrike">
-              <a:solidFill>
-                <a:srgbClr val="000000"/>
-              </a:solidFill>
+            <a:endParaRPr b="0" lang="zxx" sz="3200" spc="-1" strike="noStrike">
               <a:latin typeface="Arial"/>
             </a:endParaRPr>
           </a:p>
@@ -3378,10 +3328,7 @@
             <a:normAutofit/>
           </a:bodyPr>
           <a:p>
-            <a:endParaRPr b="0" lang="de-DE" sz="2800" spc="-1" strike="noStrike">
-              <a:solidFill>
-                <a:srgbClr val="000000"/>
-              </a:solidFill>
+            <a:endParaRPr b="0" lang="zxx" sz="3200" spc="-1" strike="noStrike">
               <a:latin typeface="Arial"/>
             </a:endParaRPr>
           </a:p>
@@ -3431,10 +3378,8 @@
         <p:txBody>
           <a:bodyPr lIns="0" rIns="0" tIns="0" bIns="0" anchor="ctr"/>
           <a:p>
-            <a:endParaRPr b="0" lang="de-DE" sz="1800" spc="-1" strike="noStrike">
-              <a:solidFill>
-                <a:srgbClr val="000000"/>
-              </a:solidFill>
+            <a:pPr algn="ctr"/>
+            <a:endParaRPr b="0" lang="zxx" sz="4400" spc="-1" strike="noStrike">
               <a:latin typeface="Arial"/>
             </a:endParaRPr>
           </a:p>
@@ -3464,10 +3409,7 @@
             <a:normAutofit/>
           </a:bodyPr>
           <a:p>
-            <a:endParaRPr b="0" lang="de-DE" sz="2800" spc="-1" strike="noStrike">
-              <a:solidFill>
-                <a:srgbClr val="000000"/>
-              </a:solidFill>
+            <a:endParaRPr b="0" lang="zxx" sz="3200" spc="-1" strike="noStrike">
               <a:latin typeface="Arial"/>
             </a:endParaRPr>
           </a:p>
@@ -3497,10 +3439,7 @@
             <a:normAutofit/>
           </a:bodyPr>
           <a:p>
-            <a:endParaRPr b="0" lang="de-DE" sz="2800" spc="-1" strike="noStrike">
-              <a:solidFill>
-                <a:srgbClr val="000000"/>
-              </a:solidFill>
+            <a:endParaRPr b="0" lang="zxx" sz="3200" spc="-1" strike="noStrike">
               <a:latin typeface="Arial"/>
             </a:endParaRPr>
           </a:p>
@@ -3530,10 +3469,7 @@
             <a:normAutofit/>
           </a:bodyPr>
           <a:p>
-            <a:endParaRPr b="0" lang="de-DE" sz="2800" spc="-1" strike="noStrike">
-              <a:solidFill>
-                <a:srgbClr val="000000"/>
-              </a:solidFill>
+            <a:endParaRPr b="0" lang="zxx" sz="3200" spc="-1" strike="noStrike">
               <a:latin typeface="Arial"/>
             </a:endParaRPr>
           </a:p>
@@ -3563,10 +3499,7 @@
             <a:normAutofit/>
           </a:bodyPr>
           <a:p>
-            <a:endParaRPr b="0" lang="de-DE" sz="2800" spc="-1" strike="noStrike">
-              <a:solidFill>
-                <a:srgbClr val="000000"/>
-              </a:solidFill>
+            <a:endParaRPr b="0" lang="zxx" sz="3200" spc="-1" strike="noStrike">
               <a:latin typeface="Arial"/>
             </a:endParaRPr>
           </a:p>
@@ -3616,10 +3549,8 @@
         <p:txBody>
           <a:bodyPr lIns="0" rIns="0" tIns="0" bIns="0" anchor="ctr"/>
           <a:p>
-            <a:endParaRPr b="0" lang="de-DE" sz="1800" spc="-1" strike="noStrike">
-              <a:solidFill>
-                <a:srgbClr val="000000"/>
-              </a:solidFill>
+            <a:pPr algn="ctr"/>
+            <a:endParaRPr b="0" lang="zxx" sz="4400" spc="-1" strike="noStrike">
               <a:latin typeface="Arial"/>
             </a:endParaRPr>
           </a:p>
@@ -3649,10 +3580,7 @@
             <a:normAutofit/>
           </a:bodyPr>
           <a:p>
-            <a:endParaRPr b="0" lang="de-DE" sz="2800" spc="-1" strike="noStrike">
-              <a:solidFill>
-                <a:srgbClr val="000000"/>
-              </a:solidFill>
+            <a:endParaRPr b="0" lang="zxx" sz="3200" spc="-1" strike="noStrike">
               <a:latin typeface="Arial"/>
             </a:endParaRPr>
           </a:p>
@@ -3682,10 +3610,7 @@
             <a:normAutofit/>
           </a:bodyPr>
           <a:p>
-            <a:endParaRPr b="0" lang="de-DE" sz="2800" spc="-1" strike="noStrike">
-              <a:solidFill>
-                <a:srgbClr val="000000"/>
-              </a:solidFill>
+            <a:endParaRPr b="0" lang="zxx" sz="3200" spc="-1" strike="noStrike">
               <a:latin typeface="Arial"/>
             </a:endParaRPr>
           </a:p>
@@ -3715,10 +3640,7 @@
             <a:normAutofit/>
           </a:bodyPr>
           <a:p>
-            <a:endParaRPr b="0" lang="de-DE" sz="2800" spc="-1" strike="noStrike">
-              <a:solidFill>
-                <a:srgbClr val="000000"/>
-              </a:solidFill>
+            <a:endParaRPr b="0" lang="zxx" sz="3200" spc="-1" strike="noStrike">
               <a:latin typeface="Arial"/>
             </a:endParaRPr>
           </a:p>
@@ -3748,10 +3670,7 @@
             <a:normAutofit/>
           </a:bodyPr>
           <a:p>
-            <a:endParaRPr b="0" lang="de-DE" sz="2800" spc="-1" strike="noStrike">
-              <a:solidFill>
-                <a:srgbClr val="000000"/>
-              </a:solidFill>
+            <a:endParaRPr b="0" lang="zxx" sz="3200" spc="-1" strike="noStrike">
               <a:latin typeface="Arial"/>
             </a:endParaRPr>
           </a:p>
@@ -3781,10 +3700,7 @@
             <a:normAutofit/>
           </a:bodyPr>
           <a:p>
-            <a:endParaRPr b="0" lang="de-DE" sz="2800" spc="-1" strike="noStrike">
-              <a:solidFill>
-                <a:srgbClr val="000000"/>
-              </a:solidFill>
+            <a:endParaRPr b="0" lang="zxx" sz="3200" spc="-1" strike="noStrike">
               <a:latin typeface="Arial"/>
             </a:endParaRPr>
           </a:p>
@@ -3814,10 +3730,7 @@
             <a:normAutofit/>
           </a:bodyPr>
           <a:p>
-            <a:endParaRPr b="0" lang="de-DE" sz="2800" spc="-1" strike="noStrike">
-              <a:solidFill>
-                <a:srgbClr val="000000"/>
-              </a:solidFill>
+            <a:endParaRPr b="0" lang="zxx" sz="3200" spc="-1" strike="noStrike">
               <a:latin typeface="Arial"/>
             </a:endParaRPr>
           </a:p>
@@ -3867,10 +3780,8 @@
         <p:txBody>
           <a:bodyPr lIns="0" rIns="0" tIns="0" bIns="0" anchor="ctr"/>
           <a:p>
-            <a:endParaRPr b="0" lang="de-DE" sz="1800" spc="-1" strike="noStrike">
-              <a:solidFill>
-                <a:srgbClr val="000000"/>
-              </a:solidFill>
+            <a:pPr algn="ctr"/>
+            <a:endParaRPr b="0" lang="zxx" sz="4400" spc="-1" strike="noStrike">
               <a:latin typeface="Arial"/>
             </a:endParaRPr>
           </a:p>
@@ -3900,10 +3811,7 @@
             <a:normAutofit/>
           </a:bodyPr>
           <a:p>
-            <a:endParaRPr b="0" lang="de-DE" sz="2800" spc="-1" strike="noStrike">
-              <a:solidFill>
-                <a:srgbClr val="000000"/>
-              </a:solidFill>
+            <a:endParaRPr b="0" lang="zxx" sz="3200" spc="-1" strike="noStrike">
               <a:latin typeface="Arial"/>
             </a:endParaRPr>
           </a:p>
@@ -3953,10 +3861,8 @@
         <p:txBody>
           <a:bodyPr lIns="0" rIns="0" tIns="0" bIns="0" anchor="ctr"/>
           <a:p>
-            <a:endParaRPr b="0" lang="de-DE" sz="1800" spc="-1" strike="noStrike">
-              <a:solidFill>
-                <a:srgbClr val="000000"/>
-              </a:solidFill>
+            <a:pPr algn="ctr"/>
+            <a:endParaRPr b="0" lang="zxx" sz="4400" spc="-1" strike="noStrike">
               <a:latin typeface="Arial"/>
             </a:endParaRPr>
           </a:p>
@@ -3986,10 +3892,7 @@
             <a:normAutofit/>
           </a:bodyPr>
           <a:p>
-            <a:endParaRPr b="0" lang="de-DE" sz="2800" spc="-1" strike="noStrike">
-              <a:solidFill>
-                <a:srgbClr val="000000"/>
-              </a:solidFill>
+            <a:endParaRPr b="0" lang="zxx" sz="3200" spc="-1" strike="noStrike">
               <a:latin typeface="Arial"/>
             </a:endParaRPr>
           </a:p>
@@ -4019,10 +3922,7 @@
             <a:normAutofit/>
           </a:bodyPr>
           <a:p>
-            <a:endParaRPr b="0" lang="de-DE" sz="2800" spc="-1" strike="noStrike">
-              <a:solidFill>
-                <a:srgbClr val="000000"/>
-              </a:solidFill>
+            <a:endParaRPr b="0" lang="zxx" sz="3200" spc="-1" strike="noStrike">
               <a:latin typeface="Arial"/>
             </a:endParaRPr>
           </a:p>
@@ -4072,10 +3972,8 @@
         <p:txBody>
           <a:bodyPr lIns="0" rIns="0" tIns="0" bIns="0" anchor="ctr"/>
           <a:p>
-            <a:endParaRPr b="0" lang="de-DE" sz="1800" spc="-1" strike="noStrike">
-              <a:solidFill>
-                <a:srgbClr val="000000"/>
-              </a:solidFill>
+            <a:pPr algn="ctr"/>
+            <a:endParaRPr b="0" lang="zxx" sz="4400" spc="-1" strike="noStrike">
               <a:latin typeface="Arial"/>
             </a:endParaRPr>
           </a:p>
@@ -4176,10 +4074,8 @@
         <p:txBody>
           <a:bodyPr lIns="0" rIns="0" tIns="0" bIns="0" anchor="ctr"/>
           <a:p>
-            <a:endParaRPr b="0" lang="de-DE" sz="1800" spc="-1" strike="noStrike">
-              <a:solidFill>
-                <a:srgbClr val="000000"/>
-              </a:solidFill>
+            <a:pPr algn="ctr"/>
+            <a:endParaRPr b="0" lang="zxx" sz="4400" spc="-1" strike="noStrike">
               <a:latin typeface="Arial"/>
             </a:endParaRPr>
           </a:p>
@@ -4209,10 +4105,7 @@
             <a:normAutofit/>
           </a:bodyPr>
           <a:p>
-            <a:endParaRPr b="0" lang="de-DE" sz="2800" spc="-1" strike="noStrike">
-              <a:solidFill>
-                <a:srgbClr val="000000"/>
-              </a:solidFill>
+            <a:endParaRPr b="0" lang="zxx" sz="3200" spc="-1" strike="noStrike">
               <a:latin typeface="Arial"/>
             </a:endParaRPr>
           </a:p>
@@ -4242,10 +4135,7 @@
             <a:normAutofit/>
           </a:bodyPr>
           <a:p>
-            <a:endParaRPr b="0" lang="de-DE" sz="2800" spc="-1" strike="noStrike">
-              <a:solidFill>
-                <a:srgbClr val="000000"/>
-              </a:solidFill>
+            <a:endParaRPr b="0" lang="zxx" sz="3200" spc="-1" strike="noStrike">
               <a:latin typeface="Arial"/>
             </a:endParaRPr>
           </a:p>
@@ -4275,10 +4165,7 @@
             <a:normAutofit/>
           </a:bodyPr>
           <a:p>
-            <a:endParaRPr b="0" lang="de-DE" sz="2800" spc="-1" strike="noStrike">
-              <a:solidFill>
-                <a:srgbClr val="000000"/>
-              </a:solidFill>
+            <a:endParaRPr b="0" lang="zxx" sz="3200" spc="-1" strike="noStrike">
               <a:latin typeface="Arial"/>
             </a:endParaRPr>
           </a:p>
@@ -4328,10 +4215,8 @@
         <p:txBody>
           <a:bodyPr lIns="0" rIns="0" tIns="0" bIns="0" anchor="ctr"/>
           <a:p>
-            <a:endParaRPr b="0" lang="de-DE" sz="1800" spc="-1" strike="noStrike">
-              <a:solidFill>
-                <a:srgbClr val="000000"/>
-              </a:solidFill>
+            <a:pPr algn="ctr"/>
+            <a:endParaRPr b="0" lang="zxx" sz="4400" spc="-1" strike="noStrike">
               <a:latin typeface="Arial"/>
             </a:endParaRPr>
           </a:p>
@@ -4361,10 +4246,7 @@
             <a:normAutofit/>
           </a:bodyPr>
           <a:p>
-            <a:endParaRPr b="0" lang="de-DE" sz="2800" spc="-1" strike="noStrike">
-              <a:solidFill>
-                <a:srgbClr val="000000"/>
-              </a:solidFill>
+            <a:endParaRPr b="0" lang="zxx" sz="3200" spc="-1" strike="noStrike">
               <a:latin typeface="Arial"/>
             </a:endParaRPr>
           </a:p>
@@ -4394,10 +4276,7 @@
             <a:normAutofit/>
           </a:bodyPr>
           <a:p>
-            <a:endParaRPr b="0" lang="de-DE" sz="2800" spc="-1" strike="noStrike">
-              <a:solidFill>
-                <a:srgbClr val="000000"/>
-              </a:solidFill>
+            <a:endParaRPr b="0" lang="zxx" sz="3200" spc="-1" strike="noStrike">
               <a:latin typeface="Arial"/>
             </a:endParaRPr>
           </a:p>
@@ -4427,10 +4306,7 @@
             <a:normAutofit/>
           </a:bodyPr>
           <a:p>
-            <a:endParaRPr b="0" lang="de-DE" sz="2800" spc="-1" strike="noStrike">
-              <a:solidFill>
-                <a:srgbClr val="000000"/>
-              </a:solidFill>
+            <a:endParaRPr b="0" lang="zxx" sz="3200" spc="-1" strike="noStrike">
               <a:latin typeface="Arial"/>
             </a:endParaRPr>
           </a:p>
@@ -4480,10 +4356,8 @@
         <p:txBody>
           <a:bodyPr lIns="0" rIns="0" tIns="0" bIns="0" anchor="ctr"/>
           <a:p>
-            <a:endParaRPr b="0" lang="de-DE" sz="1800" spc="-1" strike="noStrike">
-              <a:solidFill>
-                <a:srgbClr val="000000"/>
-              </a:solidFill>
+            <a:pPr algn="ctr"/>
+            <a:endParaRPr b="0" lang="zxx" sz="4400" spc="-1" strike="noStrike">
               <a:latin typeface="Arial"/>
             </a:endParaRPr>
           </a:p>
@@ -4513,10 +4387,7 @@
             <a:normAutofit/>
           </a:bodyPr>
           <a:p>
-            <a:endParaRPr b="0" lang="de-DE" sz="2800" spc="-1" strike="noStrike">
-              <a:solidFill>
-                <a:srgbClr val="000000"/>
-              </a:solidFill>
+            <a:endParaRPr b="0" lang="zxx" sz="3200" spc="-1" strike="noStrike">
               <a:latin typeface="Arial"/>
             </a:endParaRPr>
           </a:p>
@@ -4546,10 +4417,7 @@
             <a:normAutofit/>
           </a:bodyPr>
           <a:p>
-            <a:endParaRPr b="0" lang="de-DE" sz="2800" spc="-1" strike="noStrike">
-              <a:solidFill>
-                <a:srgbClr val="000000"/>
-              </a:solidFill>
+            <a:endParaRPr b="0" lang="zxx" sz="3200" spc="-1" strike="noStrike">
               <a:latin typeface="Arial"/>
             </a:endParaRPr>
           </a:p>
@@ -4579,10 +4447,7 @@
             <a:normAutofit/>
           </a:bodyPr>
           <a:p>
-            <a:endParaRPr b="0" lang="de-DE" sz="2800" spc="-1" strike="noStrike">
-              <a:solidFill>
-                <a:srgbClr val="000000"/>
-              </a:solidFill>
+            <a:endParaRPr b="0" lang="zxx" sz="3200" spc="-1" strike="noStrike">
               <a:latin typeface="Arial"/>
             </a:endParaRPr>
           </a:p>
@@ -4633,7 +4498,7 @@
         <p:spPr>
           <a:xfrm>
             <a:off x="0" y="0"/>
-            <a:ext cx="12191400" cy="6857280"/>
+            <a:ext cx="12190680" cy="6856560"/>
           </a:xfrm>
           <a:prstGeom prst="rect">
             <a:avLst/>
@@ -4652,9 +4517,9 @@
         <p:grpSpPr>
           <a:xfrm>
             <a:off x="-14400" y="0"/>
-            <a:ext cx="12053160" cy="6857280"/>
+            <a:ext cx="12052440" cy="6856560"/>
             <a:chOff x="-14400" y="0"/>
-            <a:chExt cx="12053160" cy="6857280"/>
+            <a:chExt cx="12052440" cy="6856560"/>
           </a:xfrm>
         </p:grpSpPr>
         <p:grpSp>
@@ -4666,9 +4531,9 @@
           <p:grpSpPr>
             <a:xfrm>
               <a:off x="-14400" y="0"/>
-              <a:ext cx="1220400" cy="6857280"/>
+              <a:ext cx="1219680" cy="6856560"/>
               <a:chOff x="-14400" y="0"/>
-              <a:chExt cx="1220400" cy="6857280"/>
+              <a:chExt cx="1219680" cy="6856560"/>
             </a:xfrm>
           </p:grpSpPr>
           <p:sp>
@@ -4680,7 +4545,7 @@
             <p:spPr>
               <a:xfrm>
                 <a:off x="114480" y="4680"/>
-                <a:ext cx="23040" cy="2180520"/>
+                <a:ext cx="22320" cy="2179800"/>
               </a:xfrm>
               <a:prstGeom prst="rect">
                 <a:avLst/>
@@ -4706,7 +4571,7 @@
             <p:spPr>
               <a:xfrm>
                 <a:off x="33480" y="2176560"/>
-                <a:ext cx="189720" cy="189720"/>
+                <a:ext cx="189000" cy="189000"/>
               </a:xfrm>
               <a:custGeom>
                 <a:avLst/>
@@ -4787,7 +4652,7 @@
             <p:spPr>
               <a:xfrm>
                 <a:off x="28440" y="4021200"/>
-                <a:ext cx="189720" cy="188280"/>
+                <a:ext cx="189000" cy="187560"/>
               </a:xfrm>
               <a:custGeom>
                 <a:avLst/>
@@ -4868,7 +4733,7 @@
             <p:spPr>
               <a:xfrm>
                 <a:off x="200160" y="4680"/>
-                <a:ext cx="369000" cy="1810440"/>
+                <a:ext cx="368280" cy="1809720"/>
               </a:xfrm>
               <a:custGeom>
                 <a:avLst/>
@@ -4923,7 +4788,7 @@
             <p:spPr>
               <a:xfrm>
                 <a:off x="503280" y="1801800"/>
-                <a:ext cx="189720" cy="188280"/>
+                <a:ext cx="189000" cy="187560"/>
               </a:xfrm>
               <a:custGeom>
                 <a:avLst/>
@@ -5004,7 +4869,7 @@
             <p:spPr>
               <a:xfrm>
                 <a:off x="285840" y="4680"/>
-                <a:ext cx="369000" cy="1429560"/>
+                <a:ext cx="368280" cy="1428840"/>
               </a:xfrm>
               <a:custGeom>
                 <a:avLst/>
@@ -5059,7 +4924,7 @@
             <p:spPr>
               <a:xfrm>
                 <a:off x="546120" y="0"/>
-                <a:ext cx="151560" cy="912240"/>
+                <a:ext cx="150840" cy="911520"/>
               </a:xfrm>
               <a:custGeom>
                 <a:avLst/>
@@ -5114,7 +4979,7 @@
             <p:spPr>
               <a:xfrm>
                 <a:off x="588960" y="1420920"/>
-                <a:ext cx="189720" cy="189720"/>
+                <a:ext cx="189000" cy="189000"/>
               </a:xfrm>
               <a:custGeom>
                 <a:avLst/>
@@ -5195,7 +5060,7 @@
             <p:spPr>
               <a:xfrm>
                 <a:off x="588960" y="903240"/>
-                <a:ext cx="189720" cy="189720"/>
+                <a:ext cx="189000" cy="189000"/>
               </a:xfrm>
               <a:custGeom>
                 <a:avLst/>
@@ -5276,7 +5141,7 @@
             <p:spPr>
               <a:xfrm>
                 <a:off x="641520" y="0"/>
-                <a:ext cx="421560" cy="526320"/>
+                <a:ext cx="420840" cy="525600"/>
               </a:xfrm>
               <a:custGeom>
                 <a:avLst/>
@@ -5331,7 +5196,7 @@
             <p:spPr>
               <a:xfrm>
                 <a:off x="1020600" y="488880"/>
-                <a:ext cx="161280" cy="146880"/>
+                <a:ext cx="160560" cy="146160"/>
               </a:xfrm>
               <a:custGeom>
                 <a:avLst/>
@@ -5431,7 +5296,7 @@
             </p:nvSpPr>
             <p:spPr>
               <a:xfrm>
-                <a:off x="-4680" y="9360"/>
+                <a:off x="-4320" y="9000"/>
                 <a:ext cx="360" cy="360"/>
               </a:xfrm>
               <a:prstGeom prst="line">
@@ -5459,7 +5324,7 @@
             <p:spPr>
               <a:xfrm>
                 <a:off x="9360" y="1801800"/>
-                <a:ext cx="123120" cy="126360"/>
+                <a:ext cx="122400" cy="125640"/>
               </a:xfrm>
               <a:custGeom>
                 <a:avLst/>
@@ -5508,7 +5373,7 @@
             <p:spPr>
               <a:xfrm>
                 <a:off x="-9360" y="3549600"/>
-                <a:ext cx="146880" cy="480240"/>
+                <a:ext cx="146160" cy="479520"/>
               </a:xfrm>
               <a:custGeom>
                 <a:avLst/>
@@ -5563,7 +5428,7 @@
             <p:spPr>
               <a:xfrm>
                 <a:off x="128520" y="1382760"/>
-                <a:ext cx="142200" cy="475560"/>
+                <a:ext cx="141480" cy="474840"/>
               </a:xfrm>
               <a:custGeom>
                 <a:avLst/>
@@ -5618,7 +5483,7 @@
             <p:spPr>
               <a:xfrm>
                 <a:off x="204840" y="1849320"/>
-                <a:ext cx="113760" cy="107280"/>
+                <a:ext cx="113040" cy="106560"/>
               </a:xfrm>
               <a:custGeom>
                 <a:avLst/>
@@ -5699,7 +5564,7 @@
             <p:spPr>
               <a:xfrm>
                 <a:off x="133200" y="4662360"/>
-                <a:ext cx="23040" cy="2180520"/>
+                <a:ext cx="22320" cy="2179800"/>
               </a:xfrm>
               <a:prstGeom prst="rect">
                 <a:avLst/>
@@ -5725,7 +5590,7 @@
             <p:spPr>
               <a:xfrm>
                 <a:off x="223920" y="5041800"/>
-                <a:ext cx="369000" cy="1801080"/>
+                <a:ext cx="368280" cy="1800360"/>
               </a:xfrm>
               <a:custGeom>
                 <a:avLst/>
@@ -5783,7 +5648,7 @@
             <p:spPr>
               <a:xfrm>
                 <a:off x="52560" y="4481640"/>
-                <a:ext cx="189720" cy="189720"/>
+                <a:ext cx="189000" cy="189000"/>
               </a:xfrm>
               <a:custGeom>
                 <a:avLst/>
@@ -5864,7 +5729,7 @@
             <p:spPr>
               <a:xfrm>
                 <a:off x="-14400" y="5627520"/>
-                <a:ext cx="84960" cy="1215360"/>
+                <a:ext cx="84240" cy="1214640"/>
               </a:xfrm>
               <a:custGeom>
                 <a:avLst/>
@@ -5919,7 +5784,7 @@
             <p:spPr>
               <a:xfrm>
                 <a:off x="527040" y="4867200"/>
-                <a:ext cx="189720" cy="188280"/>
+                <a:ext cx="189000" cy="187560"/>
               </a:xfrm>
               <a:custGeom>
                 <a:avLst/>
@@ -6000,7 +5865,7 @@
             <p:spPr>
               <a:xfrm>
                 <a:off x="309600" y="5423040"/>
-                <a:ext cx="374040" cy="1424880"/>
+                <a:ext cx="373320" cy="1424160"/>
               </a:xfrm>
               <a:custGeom>
                 <a:avLst/>
@@ -6058,7 +5923,7 @@
             <p:spPr>
               <a:xfrm>
                 <a:off x="569880" y="5945040"/>
-                <a:ext cx="151560" cy="912240"/>
+                <a:ext cx="150840" cy="911520"/>
               </a:xfrm>
               <a:custGeom>
                 <a:avLst/>
@@ -6113,7 +5978,7 @@
             <p:spPr>
               <a:xfrm>
                 <a:off x="612720" y="5246640"/>
-                <a:ext cx="189720" cy="189720"/>
+                <a:ext cx="189000" cy="189000"/>
               </a:xfrm>
               <a:custGeom>
                 <a:avLst/>
@@ -6194,7 +6059,7 @@
             <p:spPr>
               <a:xfrm>
                 <a:off x="612720" y="5764320"/>
-                <a:ext cx="189720" cy="189720"/>
+                <a:ext cx="189000" cy="189000"/>
               </a:xfrm>
               <a:custGeom>
                 <a:avLst/>
@@ -6275,7 +6140,7 @@
             <p:spPr>
               <a:xfrm>
                 <a:off x="669960" y="6330960"/>
-                <a:ext cx="416880" cy="516960"/>
+                <a:ext cx="416160" cy="516240"/>
               </a:xfrm>
               <a:custGeom>
                 <a:avLst/>
@@ -6333,7 +6198,7 @@
             <p:spPr>
               <a:xfrm>
                 <a:off x="1049400" y="6221520"/>
-                <a:ext cx="156600" cy="146880"/>
+                <a:ext cx="155880" cy="146160"/>
               </a:xfrm>
               <a:custGeom>
                 <a:avLst/>
@@ -6445,9 +6310,9 @@
           <p:grpSpPr>
             <a:xfrm>
               <a:off x="11364840" y="0"/>
-              <a:ext cx="673920" cy="6847920"/>
+              <a:ext cx="673200" cy="6847200"/>
               <a:chOff x="11364840" y="0"/>
-              <a:chExt cx="673920" cy="6847920"/>
+              <a:chExt cx="673200" cy="6847200"/>
             </a:xfrm>
           </p:grpSpPr>
           <p:sp>
@@ -6459,7 +6324,7 @@
             <p:spPr>
               <a:xfrm>
                 <a:off x="11484000" y="0"/>
-                <a:ext cx="416880" cy="511920"/>
+                <a:ext cx="416160" cy="511200"/>
               </a:xfrm>
               <a:custGeom>
                 <a:avLst/>
@@ -6517,7 +6382,7 @@
             <p:spPr>
               <a:xfrm>
                 <a:off x="11364840" y="474840"/>
-                <a:ext cx="156600" cy="151560"/>
+                <a:ext cx="155880" cy="150840"/>
               </a:xfrm>
               <a:custGeom>
                 <a:avLst/>
@@ -6623,7 +6488,7 @@
             <p:spPr>
               <a:xfrm>
                 <a:off x="11631600" y="1539720"/>
-                <a:ext cx="188280" cy="189720"/>
+                <a:ext cx="187560" cy="189000"/>
               </a:xfrm>
               <a:custGeom>
                 <a:avLst/>
@@ -6704,7 +6569,7 @@
             <p:spPr>
               <a:xfrm>
                 <a:off x="11531520" y="5694480"/>
-                <a:ext cx="297720" cy="1153440"/>
+                <a:ext cx="297000" cy="1152720"/>
               </a:xfrm>
               <a:custGeom>
                 <a:avLst/>
@@ -6762,7 +6627,7 @@
             <p:spPr>
               <a:xfrm>
                 <a:off x="11773080" y="5551560"/>
-                <a:ext cx="156600" cy="154800"/>
+                <a:ext cx="155880" cy="154080"/>
               </a:xfrm>
               <a:custGeom>
                 <a:avLst/>
@@ -6843,7 +6708,7 @@
             <p:spPr>
               <a:xfrm>
                 <a:off x="11711160" y="4680"/>
-                <a:ext cx="304200" cy="1544040"/>
+                <a:ext cx="303480" cy="1543320"/>
               </a:xfrm>
               <a:custGeom>
                 <a:avLst/>
@@ -6904,7 +6769,7 @@
             <p:spPr>
               <a:xfrm>
                 <a:off x="11636280" y="4867200"/>
-                <a:ext cx="188280" cy="188280"/>
+                <a:ext cx="187560" cy="187560"/>
               </a:xfrm>
               <a:custGeom>
                 <a:avLst/>
@@ -6985,7 +6850,7 @@
             <p:spPr>
               <a:xfrm>
                 <a:off x="11441160" y="5046840"/>
-                <a:ext cx="307080" cy="1801080"/>
+                <a:ext cx="306360" cy="1800360"/>
               </a:xfrm>
               <a:custGeom>
                 <a:avLst/>
@@ -7046,7 +6911,7 @@
             <p:spPr>
               <a:xfrm>
                 <a:off x="11849040" y="6416640"/>
-                <a:ext cx="189720" cy="188280"/>
+                <a:ext cx="189000" cy="187560"/>
               </a:xfrm>
               <a:custGeom>
                 <a:avLst/>
@@ -7127,7 +6992,7 @@
             <p:spPr>
               <a:xfrm>
                 <a:off x="11939760" y="6595920"/>
-                <a:ext cx="23040" cy="251640"/>
+                <a:ext cx="22320" cy="250920"/>
               </a:xfrm>
               <a:prstGeom prst="rect">
                 <a:avLst/>
@@ -7159,7 +7024,7 @@
         <p:spPr>
           <a:xfrm>
             <a:off x="0" y="0"/>
-            <a:ext cx="12191400" cy="6857280"/>
+            <a:ext cx="12190680" cy="6856560"/>
           </a:xfrm>
           <a:prstGeom prst="rect">
             <a:avLst/>
@@ -7178,9 +7043,9 @@
         <p:grpSpPr>
           <a:xfrm>
             <a:off x="0" y="0"/>
-            <a:ext cx="2304360" cy="6857280"/>
+            <a:ext cx="2303640" cy="6856560"/>
             <a:chOff x="0" y="0"/>
-            <a:chExt cx="2304360" cy="6857280"/>
+            <a:chExt cx="2303640" cy="6856560"/>
           </a:xfrm>
         </p:grpSpPr>
         <p:sp>
@@ -7192,7 +7057,7 @@
           <p:spPr>
             <a:xfrm>
               <a:off x="1209600" y="4680"/>
-              <a:ext cx="23040" cy="2180520"/>
+              <a:ext cx="22320" cy="2179800"/>
             </a:xfrm>
             <a:prstGeom prst="rect">
               <a:avLst/>
@@ -7230,7 +7095,7 @@
           <p:spPr>
             <a:xfrm>
               <a:off x="1128600" y="2176560"/>
-              <a:ext cx="189720" cy="189720"/>
+              <a:ext cx="189000" cy="189000"/>
             </a:xfrm>
             <a:custGeom>
               <a:avLst/>
@@ -7323,7 +7188,7 @@
           <p:spPr>
             <a:xfrm>
               <a:off x="1123920" y="4021200"/>
-              <a:ext cx="189720" cy="188280"/>
+              <a:ext cx="189000" cy="187560"/>
             </a:xfrm>
             <a:custGeom>
               <a:avLst/>
@@ -7416,7 +7281,7 @@
           <p:spPr>
             <a:xfrm>
               <a:off x="414360" y="9360"/>
-              <a:ext cx="27720" cy="4480920"/>
+              <a:ext cx="27000" cy="4480200"/>
             </a:xfrm>
             <a:prstGeom prst="rect">
               <a:avLst/>
@@ -7454,7 +7319,7 @@
           <p:spPr>
             <a:xfrm>
               <a:off x="333360" y="4481640"/>
-              <a:ext cx="189720" cy="189720"/>
+              <a:ext cx="189000" cy="189000"/>
             </a:xfrm>
             <a:custGeom>
               <a:avLst/>
@@ -7547,7 +7412,7 @@
           <p:spPr>
             <a:xfrm>
               <a:off x="190440" y="9360"/>
-              <a:ext cx="151560" cy="907200"/>
+              <a:ext cx="150840" cy="906480"/>
             </a:xfrm>
             <a:custGeom>
               <a:avLst/>
@@ -7614,7 +7479,7 @@
           <p:spPr>
             <a:xfrm>
               <a:off x="1290600" y="14400"/>
-              <a:ext cx="375480" cy="1801080"/>
+              <a:ext cx="374760" cy="1800360"/>
             </a:xfrm>
             <a:custGeom>
               <a:avLst/>
@@ -7681,7 +7546,7 @@
           <p:spPr>
             <a:xfrm>
               <a:off x="1600200" y="1801800"/>
-              <a:ext cx="189720" cy="188280"/>
+              <a:ext cx="189000" cy="187560"/>
             </a:xfrm>
             <a:custGeom>
               <a:avLst/>
@@ -7774,7 +7639,7 @@
           <p:spPr>
             <a:xfrm>
               <a:off x="1380960" y="9360"/>
-              <a:ext cx="370800" cy="1424880"/>
+              <a:ext cx="370080" cy="1424160"/>
             </a:xfrm>
             <a:custGeom>
               <a:avLst/>
@@ -7841,7 +7706,7 @@
           <p:spPr>
             <a:xfrm>
               <a:off x="1643040" y="0"/>
-              <a:ext cx="151560" cy="912240"/>
+              <a:ext cx="150840" cy="911520"/>
             </a:xfrm>
             <a:custGeom>
               <a:avLst/>
@@ -7908,7 +7773,7 @@
           <p:spPr>
             <a:xfrm>
               <a:off x="1685880" y="1420920"/>
-              <a:ext cx="189720" cy="189720"/>
+              <a:ext cx="189000" cy="189000"/>
             </a:xfrm>
             <a:custGeom>
               <a:avLst/>
@@ -8001,7 +7866,7 @@
           <p:spPr>
             <a:xfrm>
               <a:off x="1685880" y="903240"/>
-              <a:ext cx="189720" cy="189720"/>
+              <a:ext cx="189000" cy="189000"/>
             </a:xfrm>
             <a:custGeom>
               <a:avLst/>
@@ -8094,7 +7959,7 @@
           <p:spPr>
             <a:xfrm>
               <a:off x="1743120" y="4680"/>
-              <a:ext cx="418320" cy="521640"/>
+              <a:ext cx="417600" cy="520920"/>
             </a:xfrm>
             <a:custGeom>
               <a:avLst/>
@@ -8161,7 +8026,7 @@
           <p:spPr>
             <a:xfrm>
               <a:off x="2119320" y="488880"/>
-              <a:ext cx="161280" cy="146880"/>
+              <a:ext cx="160560" cy="146160"/>
             </a:xfrm>
             <a:custGeom>
               <a:avLst/>
@@ -8274,7 +8139,7 @@
           <p:spPr>
             <a:xfrm>
               <a:off x="952560" y="4680"/>
-              <a:ext cx="151560" cy="907200"/>
+              <a:ext cx="150840" cy="906480"/>
             </a:xfrm>
             <a:custGeom>
               <a:avLst/>
@@ -8341,7 +8206,7 @@
           <p:spPr>
             <a:xfrm>
               <a:off x="866880" y="903240"/>
-              <a:ext cx="189720" cy="189720"/>
+              <a:ext cx="189000" cy="189000"/>
             </a:xfrm>
             <a:custGeom>
               <a:avLst/>
@@ -8434,7 +8299,7 @@
           <p:spPr>
             <a:xfrm>
               <a:off x="890640" y="1554120"/>
-              <a:ext cx="189720" cy="189720"/>
+              <a:ext cx="189000" cy="189000"/>
             </a:xfrm>
             <a:custGeom>
               <a:avLst/>
@@ -8527,7 +8392,7 @@
           <p:spPr>
             <a:xfrm>
               <a:off x="738360" y="5622840"/>
-              <a:ext cx="337320" cy="1215360"/>
+              <a:ext cx="336600" cy="1214640"/>
             </a:xfrm>
             <a:custGeom>
               <a:avLst/>
@@ -8594,7 +8459,7 @@
           <p:spPr>
             <a:xfrm>
               <a:off x="647640" y="5479920"/>
-              <a:ext cx="156600" cy="156600"/>
+              <a:ext cx="155880" cy="155880"/>
             </a:xfrm>
             <a:custGeom>
               <a:avLst/>
@@ -8687,7 +8552,7 @@
           <p:spPr>
             <a:xfrm>
               <a:off x="66600" y="903240"/>
-              <a:ext cx="189720" cy="189720"/>
+              <a:ext cx="189000" cy="189000"/>
             </a:xfrm>
             <a:custGeom>
               <a:avLst/>
@@ -8780,7 +8645,7 @@
           <p:spPr>
             <a:xfrm>
               <a:off x="0" y="3897360"/>
-              <a:ext cx="132480" cy="266040"/>
+              <a:ext cx="131760" cy="265320"/>
             </a:xfrm>
             <a:custGeom>
               <a:avLst/>
@@ -8841,7 +8706,7 @@
           <p:spPr>
             <a:xfrm>
               <a:off x="66600" y="4149720"/>
-              <a:ext cx="189720" cy="188280"/>
+              <a:ext cx="189000" cy="187560"/>
             </a:xfrm>
             <a:custGeom>
               <a:avLst/>
@@ -8934,7 +8799,7 @@
           <p:spPr>
             <a:xfrm>
               <a:off x="0" y="1644480"/>
-              <a:ext cx="132480" cy="269280"/>
+              <a:ext cx="131760" cy="268560"/>
             </a:xfrm>
             <a:custGeom>
               <a:avLst/>
@@ -8995,7 +8860,7 @@
           <p:spPr>
             <a:xfrm>
               <a:off x="66600" y="1468440"/>
-              <a:ext cx="189720" cy="189720"/>
+              <a:ext cx="189000" cy="189000"/>
             </a:xfrm>
             <a:custGeom>
               <a:avLst/>
@@ -9088,7 +8953,7 @@
           <p:spPr>
             <a:xfrm>
               <a:off x="695160" y="4680"/>
-              <a:ext cx="308880" cy="1558080"/>
+              <a:ext cx="308160" cy="1557360"/>
             </a:xfrm>
             <a:custGeom>
               <a:avLst/>
@@ -9161,7 +9026,7 @@
           <p:spPr>
             <a:xfrm>
               <a:off x="57240" y="4881600"/>
-              <a:ext cx="189720" cy="188280"/>
+              <a:ext cx="189000" cy="187560"/>
             </a:xfrm>
             <a:custGeom>
               <a:avLst/>
@@ -9254,7 +9119,7 @@
           <p:spPr>
             <a:xfrm>
               <a:off x="138240" y="5060880"/>
-              <a:ext cx="304200" cy="1777320"/>
+              <a:ext cx="303480" cy="1776600"/>
             </a:xfrm>
             <a:custGeom>
               <a:avLst/>
@@ -9327,7 +9192,7 @@
           <p:spPr>
             <a:xfrm>
               <a:off x="561960" y="6431040"/>
-              <a:ext cx="189720" cy="188280"/>
+              <a:ext cx="189000" cy="187560"/>
             </a:xfrm>
             <a:custGeom>
               <a:avLst/>
@@ -9420,7 +9285,7 @@
           <p:spPr>
             <a:xfrm>
               <a:off x="642960" y="6610320"/>
-              <a:ext cx="23040" cy="242280"/>
+              <a:ext cx="22320" cy="241560"/>
             </a:xfrm>
             <a:prstGeom prst="rect">
               <a:avLst/>
@@ -9458,7 +9323,7 @@
           <p:spPr>
             <a:xfrm>
               <a:off x="76320" y="6431040"/>
-              <a:ext cx="189720" cy="188280"/>
+              <a:ext cx="189000" cy="187560"/>
             </a:xfrm>
             <a:custGeom>
               <a:avLst/>
@@ -9551,7 +9416,7 @@
           <p:spPr>
             <a:xfrm>
               <a:off x="0" y="5978520"/>
-              <a:ext cx="189720" cy="461160"/>
+              <a:ext cx="189000" cy="460440"/>
             </a:xfrm>
             <a:custGeom>
               <a:avLst/>
@@ -9618,7 +9483,7 @@
           <p:spPr>
             <a:xfrm>
               <a:off x="1014480" y="1801800"/>
-              <a:ext cx="213480" cy="754920"/>
+              <a:ext cx="212760" cy="754200"/>
             </a:xfrm>
             <a:custGeom>
               <a:avLst/>
@@ -9685,7 +9550,7 @@
           <p:spPr>
             <a:xfrm>
               <a:off x="938160" y="2548080"/>
-              <a:ext cx="165960" cy="159480"/>
+              <a:ext cx="165240" cy="158760"/>
             </a:xfrm>
             <a:custGeom>
               <a:avLst/>
@@ -9778,7 +9643,7 @@
           <p:spPr>
             <a:xfrm>
               <a:off x="595440" y="4680"/>
-              <a:ext cx="637560" cy="4025160"/>
+              <a:ext cx="636840" cy="4024440"/>
             </a:xfrm>
             <a:custGeom>
               <a:avLst/>
@@ -9851,7 +9716,7 @@
           <p:spPr>
             <a:xfrm>
               <a:off x="1224000" y="1382760"/>
-              <a:ext cx="142200" cy="475560"/>
+              <a:ext cx="141480" cy="474840"/>
             </a:xfrm>
             <a:custGeom>
               <a:avLst/>
@@ -9918,7 +9783,7 @@
           <p:spPr>
             <a:xfrm>
               <a:off x="1300320" y="1849320"/>
-              <a:ext cx="108720" cy="107280"/>
+              <a:ext cx="108000" cy="106560"/>
             </a:xfrm>
             <a:custGeom>
               <a:avLst/>
@@ -10011,7 +9876,7 @@
           <p:spPr>
             <a:xfrm>
               <a:off x="281160" y="3417840"/>
-              <a:ext cx="142200" cy="474120"/>
+              <a:ext cx="141480" cy="473400"/>
             </a:xfrm>
             <a:custGeom>
               <a:avLst/>
@@ -10078,7 +9943,7 @@
           <p:spPr>
             <a:xfrm>
               <a:off x="237960" y="3882960"/>
-              <a:ext cx="108720" cy="108720"/>
+              <a:ext cx="108000" cy="108000"/>
             </a:xfrm>
             <a:custGeom>
               <a:avLst/>
@@ -10171,7 +10036,7 @@
           <p:spPr>
             <a:xfrm>
               <a:off x="4680" y="2166840"/>
-              <a:ext cx="113760" cy="451800"/>
+              <a:ext cx="113040" cy="451080"/>
             </a:xfrm>
             <a:custGeom>
               <a:avLst/>
@@ -10238,7 +10103,7 @@
           <p:spPr>
             <a:xfrm>
               <a:off x="52560" y="2066760"/>
-              <a:ext cx="108720" cy="108720"/>
+              <a:ext cx="108000" cy="108000"/>
             </a:xfrm>
             <a:custGeom>
               <a:avLst/>
@@ -10331,7 +10196,7 @@
           <p:spPr>
             <a:xfrm>
               <a:off x="1228680" y="4662360"/>
-              <a:ext cx="23040" cy="2180520"/>
+              <a:ext cx="22320" cy="2179800"/>
             </a:xfrm>
             <a:prstGeom prst="rect">
               <a:avLst/>
@@ -10369,7 +10234,7 @@
           <p:spPr>
             <a:xfrm>
               <a:off x="1319040" y="5041800"/>
-              <a:ext cx="370800" cy="1801080"/>
+              <a:ext cx="370080" cy="1800360"/>
             </a:xfrm>
             <a:custGeom>
               <a:avLst/>
@@ -10439,7 +10304,7 @@
           <p:spPr>
             <a:xfrm>
               <a:off x="1147680" y="4481640"/>
-              <a:ext cx="189720" cy="189720"/>
+              <a:ext cx="189000" cy="189000"/>
             </a:xfrm>
             <a:custGeom>
               <a:avLst/>
@@ -10532,7 +10397,7 @@
           <p:spPr>
             <a:xfrm>
               <a:off x="819000" y="3983040"/>
-              <a:ext cx="347040" cy="2859840"/>
+              <a:ext cx="346320" cy="2859120"/>
             </a:xfrm>
             <a:custGeom>
               <a:avLst/>
@@ -10599,7 +10464,7 @@
           <p:spPr>
             <a:xfrm>
               <a:off x="728640" y="3807000"/>
-              <a:ext cx="189720" cy="189720"/>
+              <a:ext cx="189000" cy="189000"/>
             </a:xfrm>
             <a:custGeom>
               <a:avLst/>
@@ -10692,7 +10557,7 @@
           <p:spPr>
             <a:xfrm>
               <a:off x="1623960" y="4867200"/>
-              <a:ext cx="189720" cy="188280"/>
+              <a:ext cx="189000" cy="187560"/>
             </a:xfrm>
             <a:custGeom>
               <a:avLst/>
@@ -10785,7 +10650,7 @@
           <p:spPr>
             <a:xfrm>
               <a:off x="1405080" y="5423040"/>
-              <a:ext cx="370800" cy="1424880"/>
+              <a:ext cx="370080" cy="1424160"/>
             </a:xfrm>
             <a:custGeom>
               <a:avLst/>
@@ -10855,7 +10720,7 @@
           <p:spPr>
             <a:xfrm>
               <a:off x="1666800" y="5945040"/>
-              <a:ext cx="151560" cy="912240"/>
+              <a:ext cx="150840" cy="911520"/>
             </a:xfrm>
             <a:custGeom>
               <a:avLst/>
@@ -10922,7 +10787,7 @@
           <p:spPr>
             <a:xfrm>
               <a:off x="1709640" y="5246640"/>
-              <a:ext cx="189720" cy="189720"/>
+              <a:ext cx="189000" cy="189000"/>
             </a:xfrm>
             <a:custGeom>
               <a:avLst/>
@@ -11015,7 +10880,7 @@
           <p:spPr>
             <a:xfrm>
               <a:off x="1709640" y="5764320"/>
-              <a:ext cx="189720" cy="189720"/>
+              <a:ext cx="189000" cy="189000"/>
             </a:xfrm>
             <a:custGeom>
               <a:avLst/>
@@ -11108,7 +10973,7 @@
           <p:spPr>
             <a:xfrm>
               <a:off x="1766880" y="6330960"/>
-              <a:ext cx="418320" cy="526320"/>
+              <a:ext cx="417600" cy="525600"/>
             </a:xfrm>
             <a:custGeom>
               <a:avLst/>
@@ -11175,7 +11040,7 @@
           <p:spPr>
             <a:xfrm>
               <a:off x="2147760" y="6221520"/>
-              <a:ext cx="156600" cy="146880"/>
+              <a:ext cx="155880" cy="146160"/>
             </a:xfrm>
             <a:custGeom>
               <a:avLst/>
@@ -11298,7 +11163,7 @@
           <p:spPr>
             <a:xfrm>
               <a:off x="504720" y="9360"/>
-              <a:ext cx="232560" cy="5103000"/>
+              <a:ext cx="231840" cy="5102280"/>
             </a:xfrm>
             <a:custGeom>
               <a:avLst/>
@@ -11371,7 +11236,7 @@
           <p:spPr>
             <a:xfrm>
               <a:off x="633240" y="5103720"/>
-              <a:ext cx="185040" cy="185040"/>
+              <a:ext cx="184320" cy="184320"/>
             </a:xfrm>
             <a:custGeom>
               <a:avLst/>
@@ -11468,8 +11333,8 @@
         </p:nvSpPr>
         <p:spPr>
           <a:xfrm>
-            <a:off x="1141560" y="618480"/>
-            <a:ext cx="9905400" cy="1477800"/>
+            <a:off x="609480" y="273600"/>
+            <a:ext cx="10972440" cy="1144800"/>
           </a:xfrm>
           <a:prstGeom prst="rect">
             <a:avLst/>
@@ -11478,19 +11343,14 @@
         <p:txBody>
           <a:bodyPr lIns="0" rIns="0" tIns="0" bIns="0" anchor="ctr"/>
           <a:p>
-            <a:r>
-              <a:rPr b="0" lang="de-DE" sz="4400" spc="-1" strike="noStrike">
-                <a:solidFill>
-                  <a:srgbClr val="000000"/>
-                </a:solidFill>
+            <a:pPr algn="ctr"/>
+            <a:r>
+              <a:rPr b="0" lang="zxx" sz="4400" spc="-1" strike="noStrike">
                 <a:latin typeface="Arial"/>
               </a:rPr>
               <a:t>Click to edit the title text format</a:t>
             </a:r>
-            <a:endParaRPr b="0" lang="de-DE" sz="4400" spc="-1" strike="noStrike">
-              <a:solidFill>
-                <a:srgbClr val="000000"/>
-              </a:solidFill>
+            <a:endParaRPr b="0" lang="zxx" sz="4400" spc="-1" strike="noStrike">
               <a:latin typeface="Arial"/>
             </a:endParaRPr>
           </a:p>
@@ -11532,18 +11392,12 @@
               <a:buChar char=""/>
             </a:pPr>
             <a:r>
-              <a:rPr b="0" lang="de-DE" sz="2800" spc="-1" strike="noStrike">
-                <a:solidFill>
-                  <a:srgbClr val="000000"/>
-                </a:solidFill>
+              <a:rPr b="0" lang="zxx" sz="3200" spc="-1" strike="noStrike">
                 <a:latin typeface="Arial"/>
               </a:rPr>
               <a:t>Click to edit the outline text format</a:t>
             </a:r>
-            <a:endParaRPr b="0" lang="de-DE" sz="2800" spc="-1" strike="noStrike">
-              <a:solidFill>
-                <a:srgbClr val="000000"/>
-              </a:solidFill>
+            <a:endParaRPr b="0" lang="zxx" sz="3200" spc="-1" strike="noStrike">
               <a:latin typeface="Arial"/>
             </a:endParaRPr>
           </a:p>
@@ -11560,18 +11414,12 @@
               <a:buChar char=""/>
             </a:pPr>
             <a:r>
-              <a:rPr b="0" lang="de-DE" sz="2000" spc="-1" strike="noStrike">
-                <a:solidFill>
-                  <a:srgbClr val="000000"/>
-                </a:solidFill>
+              <a:rPr b="0" lang="zxx" sz="2800" spc="-1" strike="noStrike">
                 <a:latin typeface="Arial"/>
               </a:rPr>
               <a:t>Second Outline Level</a:t>
             </a:r>
-            <a:endParaRPr b="0" lang="de-DE" sz="2000" spc="-1" strike="noStrike">
-              <a:solidFill>
-                <a:srgbClr val="000000"/>
-              </a:solidFill>
+            <a:endParaRPr b="0" lang="zxx" sz="2800" spc="-1" strike="noStrike">
               <a:latin typeface="Arial"/>
             </a:endParaRPr>
           </a:p>
@@ -11588,18 +11436,12 @@
               <a:buChar char=""/>
             </a:pPr>
             <a:r>
-              <a:rPr b="0" lang="de-DE" sz="1800" spc="-1" strike="noStrike">
-                <a:solidFill>
-                  <a:srgbClr val="000000"/>
-                </a:solidFill>
+              <a:rPr b="0" lang="zxx" sz="2400" spc="-1" strike="noStrike">
                 <a:latin typeface="Arial"/>
               </a:rPr>
               <a:t>Third Outline Level</a:t>
             </a:r>
-            <a:endParaRPr b="0" lang="de-DE" sz="1800" spc="-1" strike="noStrike">
-              <a:solidFill>
-                <a:srgbClr val="000000"/>
-              </a:solidFill>
+            <a:endParaRPr b="0" lang="zxx" sz="2400" spc="-1" strike="noStrike">
               <a:latin typeface="Arial"/>
             </a:endParaRPr>
           </a:p>
@@ -11616,18 +11458,12 @@
               <a:buChar char=""/>
             </a:pPr>
             <a:r>
-              <a:rPr b="0" lang="de-DE" sz="1800" spc="-1" strike="noStrike">
-                <a:solidFill>
-                  <a:srgbClr val="000000"/>
-                </a:solidFill>
+              <a:rPr b="0" lang="zxx" sz="2000" spc="-1" strike="noStrike">
                 <a:latin typeface="Arial"/>
               </a:rPr>
               <a:t>Fourth Outline Level</a:t>
             </a:r>
-            <a:endParaRPr b="0" lang="de-DE" sz="1800" spc="-1" strike="noStrike">
-              <a:solidFill>
-                <a:srgbClr val="000000"/>
-              </a:solidFill>
+            <a:endParaRPr b="0" lang="zxx" sz="2000" spc="-1" strike="noStrike">
               <a:latin typeface="Arial"/>
             </a:endParaRPr>
           </a:p>
@@ -11644,18 +11480,12 @@
               <a:buChar char=""/>
             </a:pPr>
             <a:r>
-              <a:rPr b="0" lang="de-DE" sz="2000" spc="-1" strike="noStrike">
-                <a:solidFill>
-                  <a:srgbClr val="000000"/>
-                </a:solidFill>
+              <a:rPr b="0" lang="zxx" sz="2000" spc="-1" strike="noStrike">
                 <a:latin typeface="Arial"/>
               </a:rPr>
               <a:t>Fifth Outline Level</a:t>
             </a:r>
-            <a:endParaRPr b="0" lang="de-DE" sz="2000" spc="-1" strike="noStrike">
-              <a:solidFill>
-                <a:srgbClr val="000000"/>
-              </a:solidFill>
+            <a:endParaRPr b="0" lang="zxx" sz="2000" spc="-1" strike="noStrike">
               <a:latin typeface="Arial"/>
             </a:endParaRPr>
           </a:p>
@@ -11672,18 +11502,12 @@
               <a:buChar char=""/>
             </a:pPr>
             <a:r>
-              <a:rPr b="0" lang="de-DE" sz="2000" spc="-1" strike="noStrike">
-                <a:solidFill>
-                  <a:srgbClr val="000000"/>
-                </a:solidFill>
+              <a:rPr b="0" lang="zxx" sz="2000" spc="-1" strike="noStrike">
                 <a:latin typeface="Arial"/>
               </a:rPr>
               <a:t>Sixth Outline Level</a:t>
             </a:r>
-            <a:endParaRPr b="0" lang="de-DE" sz="2000" spc="-1" strike="noStrike">
-              <a:solidFill>
-                <a:srgbClr val="000000"/>
-              </a:solidFill>
+            <a:endParaRPr b="0" lang="zxx" sz="2000" spc="-1" strike="noStrike">
               <a:latin typeface="Arial"/>
             </a:endParaRPr>
           </a:p>
@@ -11700,18 +11524,12 @@
               <a:buChar char=""/>
             </a:pPr>
             <a:r>
-              <a:rPr b="0" lang="de-DE" sz="2000" spc="-1" strike="noStrike">
-                <a:solidFill>
-                  <a:srgbClr val="000000"/>
-                </a:solidFill>
+              <a:rPr b="0" lang="zxx" sz="2000" spc="-1" strike="noStrike">
                 <a:latin typeface="Arial"/>
               </a:rPr>
               <a:t>Seventh Outline Level</a:t>
             </a:r>
-            <a:endParaRPr b="0" lang="de-DE" sz="2000" spc="-1" strike="noStrike">
-              <a:solidFill>
-                <a:srgbClr val="000000"/>
-              </a:solidFill>
+            <a:endParaRPr b="0" lang="zxx" sz="2000" spc="-1" strike="noStrike">
               <a:latin typeface="Arial"/>
             </a:endParaRPr>
           </a:p>
@@ -11777,7 +11595,7 @@
         <p:spPr>
           <a:xfrm>
             <a:off x="0" y="0"/>
-            <a:ext cx="12191400" cy="6857280"/>
+            <a:ext cx="12190680" cy="6856560"/>
           </a:xfrm>
           <a:prstGeom prst="rect">
             <a:avLst/>
@@ -11796,9 +11614,9 @@
         <p:grpSpPr>
           <a:xfrm>
             <a:off x="-14400" y="0"/>
-            <a:ext cx="12053160" cy="6857280"/>
+            <a:ext cx="12052440" cy="6856560"/>
             <a:chOff x="-14400" y="0"/>
-            <a:chExt cx="12053160" cy="6857280"/>
+            <a:chExt cx="12052440" cy="6856560"/>
           </a:xfrm>
         </p:grpSpPr>
         <p:grpSp>
@@ -11810,9 +11628,9 @@
           <p:grpSpPr>
             <a:xfrm>
               <a:off x="-14400" y="0"/>
-              <a:ext cx="1220400" cy="6857280"/>
+              <a:ext cx="1219680" cy="6856560"/>
               <a:chOff x="-14400" y="0"/>
-              <a:chExt cx="1220400" cy="6857280"/>
+              <a:chExt cx="1219680" cy="6856560"/>
             </a:xfrm>
           </p:grpSpPr>
           <p:sp>
@@ -11824,7 +11642,7 @@
             <p:spPr>
               <a:xfrm>
                 <a:off x="114480" y="4680"/>
-                <a:ext cx="23040" cy="2180520"/>
+                <a:ext cx="22320" cy="2179800"/>
               </a:xfrm>
               <a:prstGeom prst="rect">
                 <a:avLst/>
@@ -11850,7 +11668,7 @@
             <p:spPr>
               <a:xfrm>
                 <a:off x="33480" y="2176560"/>
-                <a:ext cx="189720" cy="189720"/>
+                <a:ext cx="189000" cy="189000"/>
               </a:xfrm>
               <a:custGeom>
                 <a:avLst/>
@@ -11931,7 +11749,7 @@
             <p:spPr>
               <a:xfrm>
                 <a:off x="28440" y="4021200"/>
-                <a:ext cx="189720" cy="188280"/>
+                <a:ext cx="189000" cy="187560"/>
               </a:xfrm>
               <a:custGeom>
                 <a:avLst/>
@@ -12012,7 +11830,7 @@
             <p:spPr>
               <a:xfrm>
                 <a:off x="200160" y="4680"/>
-                <a:ext cx="369000" cy="1810440"/>
+                <a:ext cx="368280" cy="1809720"/>
               </a:xfrm>
               <a:custGeom>
                 <a:avLst/>
@@ -12067,7 +11885,7 @@
             <p:spPr>
               <a:xfrm>
                 <a:off x="503280" y="1801800"/>
-                <a:ext cx="189720" cy="188280"/>
+                <a:ext cx="189000" cy="187560"/>
               </a:xfrm>
               <a:custGeom>
                 <a:avLst/>
@@ -12148,7 +11966,7 @@
             <p:spPr>
               <a:xfrm>
                 <a:off x="285840" y="4680"/>
-                <a:ext cx="369000" cy="1429560"/>
+                <a:ext cx="368280" cy="1428840"/>
               </a:xfrm>
               <a:custGeom>
                 <a:avLst/>
@@ -12203,7 +12021,7 @@
             <p:spPr>
               <a:xfrm>
                 <a:off x="546120" y="0"/>
-                <a:ext cx="151560" cy="912240"/>
+                <a:ext cx="150840" cy="911520"/>
               </a:xfrm>
               <a:custGeom>
                 <a:avLst/>
@@ -12258,7 +12076,7 @@
             <p:spPr>
               <a:xfrm>
                 <a:off x="588960" y="1420920"/>
-                <a:ext cx="189720" cy="189720"/>
+                <a:ext cx="189000" cy="189000"/>
               </a:xfrm>
               <a:custGeom>
                 <a:avLst/>
@@ -12339,7 +12157,7 @@
             <p:spPr>
               <a:xfrm>
                 <a:off x="588960" y="903240"/>
-                <a:ext cx="189720" cy="189720"/>
+                <a:ext cx="189000" cy="189000"/>
               </a:xfrm>
               <a:custGeom>
                 <a:avLst/>
@@ -12420,7 +12238,7 @@
             <p:spPr>
               <a:xfrm>
                 <a:off x="641520" y="0"/>
-                <a:ext cx="421560" cy="526320"/>
+                <a:ext cx="420840" cy="525600"/>
               </a:xfrm>
               <a:custGeom>
                 <a:avLst/>
@@ -12475,7 +12293,7 @@
             <p:spPr>
               <a:xfrm>
                 <a:off x="1020600" y="488880"/>
-                <a:ext cx="161280" cy="146880"/>
+                <a:ext cx="160560" cy="146160"/>
               </a:xfrm>
               <a:custGeom>
                 <a:avLst/>
@@ -12575,7 +12393,7 @@
             </p:nvSpPr>
             <p:spPr>
               <a:xfrm>
-                <a:off x="-4680" y="9360"/>
+                <a:off x="-4320" y="9000"/>
                 <a:ext cx="360" cy="360"/>
               </a:xfrm>
               <a:prstGeom prst="line">
@@ -12603,7 +12421,7 @@
             <p:spPr>
               <a:xfrm>
                 <a:off x="9360" y="1801800"/>
-                <a:ext cx="123120" cy="126360"/>
+                <a:ext cx="122400" cy="125640"/>
               </a:xfrm>
               <a:custGeom>
                 <a:avLst/>
@@ -12652,7 +12470,7 @@
             <p:spPr>
               <a:xfrm>
                 <a:off x="-9360" y="3549600"/>
-                <a:ext cx="146880" cy="480240"/>
+                <a:ext cx="146160" cy="479520"/>
               </a:xfrm>
               <a:custGeom>
                 <a:avLst/>
@@ -12707,7 +12525,7 @@
             <p:spPr>
               <a:xfrm>
                 <a:off x="128520" y="1382760"/>
-                <a:ext cx="142200" cy="475560"/>
+                <a:ext cx="141480" cy="474840"/>
               </a:xfrm>
               <a:custGeom>
                 <a:avLst/>
@@ -12762,7 +12580,7 @@
             <p:spPr>
               <a:xfrm>
                 <a:off x="204840" y="1849320"/>
-                <a:ext cx="113760" cy="107280"/>
+                <a:ext cx="113040" cy="106560"/>
               </a:xfrm>
               <a:custGeom>
                 <a:avLst/>
@@ -12843,7 +12661,7 @@
             <p:spPr>
               <a:xfrm>
                 <a:off x="133200" y="4662360"/>
-                <a:ext cx="23040" cy="2180520"/>
+                <a:ext cx="22320" cy="2179800"/>
               </a:xfrm>
               <a:prstGeom prst="rect">
                 <a:avLst/>
@@ -12869,7 +12687,7 @@
             <p:spPr>
               <a:xfrm>
                 <a:off x="223920" y="5041800"/>
-                <a:ext cx="369000" cy="1801080"/>
+                <a:ext cx="368280" cy="1800360"/>
               </a:xfrm>
               <a:custGeom>
                 <a:avLst/>
@@ -12927,7 +12745,7 @@
             <p:spPr>
               <a:xfrm>
                 <a:off x="52560" y="4481640"/>
-                <a:ext cx="189720" cy="189720"/>
+                <a:ext cx="189000" cy="189000"/>
               </a:xfrm>
               <a:custGeom>
                 <a:avLst/>
@@ -13008,7 +12826,7 @@
             <p:spPr>
               <a:xfrm>
                 <a:off x="-14400" y="5627520"/>
-                <a:ext cx="84960" cy="1215360"/>
+                <a:ext cx="84240" cy="1214640"/>
               </a:xfrm>
               <a:custGeom>
                 <a:avLst/>
@@ -13063,7 +12881,7 @@
             <p:spPr>
               <a:xfrm>
                 <a:off x="527040" y="4867200"/>
-                <a:ext cx="189720" cy="188280"/>
+                <a:ext cx="189000" cy="187560"/>
               </a:xfrm>
               <a:custGeom>
                 <a:avLst/>
@@ -13144,7 +12962,7 @@
             <p:spPr>
               <a:xfrm>
                 <a:off x="309600" y="5423040"/>
-                <a:ext cx="374040" cy="1424880"/>
+                <a:ext cx="373320" cy="1424160"/>
               </a:xfrm>
               <a:custGeom>
                 <a:avLst/>
@@ -13202,7 +13020,7 @@
             <p:spPr>
               <a:xfrm>
                 <a:off x="569880" y="5945040"/>
-                <a:ext cx="151560" cy="912240"/>
+                <a:ext cx="150840" cy="911520"/>
               </a:xfrm>
               <a:custGeom>
                 <a:avLst/>
@@ -13257,7 +13075,7 @@
             <p:spPr>
               <a:xfrm>
                 <a:off x="612720" y="5246640"/>
-                <a:ext cx="189720" cy="189720"/>
+                <a:ext cx="189000" cy="189000"/>
               </a:xfrm>
               <a:custGeom>
                 <a:avLst/>
@@ -13338,7 +13156,7 @@
             <p:spPr>
               <a:xfrm>
                 <a:off x="612720" y="5764320"/>
-                <a:ext cx="189720" cy="189720"/>
+                <a:ext cx="189000" cy="189000"/>
               </a:xfrm>
               <a:custGeom>
                 <a:avLst/>
@@ -13419,7 +13237,7 @@
             <p:spPr>
               <a:xfrm>
                 <a:off x="669960" y="6330960"/>
-                <a:ext cx="416880" cy="516960"/>
+                <a:ext cx="416160" cy="516240"/>
               </a:xfrm>
               <a:custGeom>
                 <a:avLst/>
@@ -13477,7 +13295,7 @@
             <p:spPr>
               <a:xfrm>
                 <a:off x="1049400" y="6221520"/>
-                <a:ext cx="156600" cy="146880"/>
+                <a:ext cx="155880" cy="146160"/>
               </a:xfrm>
               <a:custGeom>
                 <a:avLst/>
@@ -13589,9 +13407,9 @@
           <p:grpSpPr>
             <a:xfrm>
               <a:off x="11364840" y="0"/>
-              <a:ext cx="673920" cy="6847920"/>
+              <a:ext cx="673200" cy="6847200"/>
               <a:chOff x="11364840" y="0"/>
-              <a:chExt cx="673920" cy="6847920"/>
+              <a:chExt cx="673200" cy="6847200"/>
             </a:xfrm>
           </p:grpSpPr>
           <p:sp>
@@ -13603,7 +13421,7 @@
             <p:spPr>
               <a:xfrm>
                 <a:off x="11484000" y="0"/>
-                <a:ext cx="416880" cy="511920"/>
+                <a:ext cx="416160" cy="511200"/>
               </a:xfrm>
               <a:custGeom>
                 <a:avLst/>
@@ -13661,7 +13479,7 @@
             <p:spPr>
               <a:xfrm>
                 <a:off x="11364840" y="474840"/>
-                <a:ext cx="156600" cy="151560"/>
+                <a:ext cx="155880" cy="150840"/>
               </a:xfrm>
               <a:custGeom>
                 <a:avLst/>
@@ -13767,7 +13585,7 @@
             <p:spPr>
               <a:xfrm>
                 <a:off x="11631600" y="1539720"/>
-                <a:ext cx="188280" cy="189720"/>
+                <a:ext cx="187560" cy="189000"/>
               </a:xfrm>
               <a:custGeom>
                 <a:avLst/>
@@ -13848,7 +13666,7 @@
             <p:spPr>
               <a:xfrm>
                 <a:off x="11531520" y="5694480"/>
-                <a:ext cx="297720" cy="1153440"/>
+                <a:ext cx="297000" cy="1152720"/>
               </a:xfrm>
               <a:custGeom>
                 <a:avLst/>
@@ -13906,7 +13724,7 @@
             <p:spPr>
               <a:xfrm>
                 <a:off x="11773080" y="5551560"/>
-                <a:ext cx="156600" cy="154800"/>
+                <a:ext cx="155880" cy="154080"/>
               </a:xfrm>
               <a:custGeom>
                 <a:avLst/>
@@ -13987,7 +13805,7 @@
             <p:spPr>
               <a:xfrm>
                 <a:off x="11711160" y="4680"/>
-                <a:ext cx="304200" cy="1544040"/>
+                <a:ext cx="303480" cy="1543320"/>
               </a:xfrm>
               <a:custGeom>
                 <a:avLst/>
@@ -14048,7 +13866,7 @@
             <p:spPr>
               <a:xfrm>
                 <a:off x="11636280" y="4867200"/>
-                <a:ext cx="188280" cy="188280"/>
+                <a:ext cx="187560" cy="187560"/>
               </a:xfrm>
               <a:custGeom>
                 <a:avLst/>
@@ -14129,7 +13947,7 @@
             <p:spPr>
               <a:xfrm>
                 <a:off x="11441160" y="5046840"/>
-                <a:ext cx="307080" cy="1801080"/>
+                <a:ext cx="306360" cy="1800360"/>
               </a:xfrm>
               <a:custGeom>
                 <a:avLst/>
@@ -14190,7 +14008,7 @@
             <p:spPr>
               <a:xfrm>
                 <a:off x="11849040" y="6416640"/>
-                <a:ext cx="189720" cy="188280"/>
+                <a:ext cx="189000" cy="187560"/>
               </a:xfrm>
               <a:custGeom>
                 <a:avLst/>
@@ -14271,7 +14089,7 @@
             <p:spPr>
               <a:xfrm>
                 <a:off x="11939760" y="6595920"/>
-                <a:ext cx="23040" cy="251640"/>
+                <a:ext cx="22320" cy="250920"/>
               </a:xfrm>
               <a:prstGeom prst="rect">
                 <a:avLst/>
@@ -14312,19 +14130,14 @@
         <p:txBody>
           <a:bodyPr lIns="0" rIns="0" tIns="0" bIns="0" anchor="ctr"/>
           <a:p>
-            <a:r>
-              <a:rPr b="0" lang="de-DE" sz="1800" spc="-1" strike="noStrike">
-                <a:solidFill>
-                  <a:srgbClr val="000000"/>
-                </a:solidFill>
+            <a:pPr algn="ctr"/>
+            <a:r>
+              <a:rPr b="0" lang="zxx" sz="4400" spc="-1" strike="noStrike">
                 <a:latin typeface="Arial"/>
               </a:rPr>
               <a:t>Click to edit the title text format</a:t>
             </a:r>
-            <a:endParaRPr b="0" lang="de-DE" sz="1800" spc="-1" strike="noStrike">
-              <a:solidFill>
-                <a:srgbClr val="000000"/>
-              </a:solidFill>
+            <a:endParaRPr b="0" lang="zxx" sz="4400" spc="-1" strike="noStrike">
               <a:latin typeface="Arial"/>
             </a:endParaRPr>
           </a:p>
@@ -14366,18 +14179,12 @@
               <a:buChar char=""/>
             </a:pPr>
             <a:r>
-              <a:rPr b="0" lang="de-DE" sz="2800" spc="-1" strike="noStrike">
-                <a:solidFill>
-                  <a:srgbClr val="000000"/>
-                </a:solidFill>
+              <a:rPr b="0" lang="zxx" sz="3200" spc="-1" strike="noStrike">
                 <a:latin typeface="Arial"/>
               </a:rPr>
               <a:t>Click to edit the outline text format</a:t>
             </a:r>
-            <a:endParaRPr b="0" lang="de-DE" sz="2800" spc="-1" strike="noStrike">
-              <a:solidFill>
-                <a:srgbClr val="000000"/>
-              </a:solidFill>
+            <a:endParaRPr b="0" lang="zxx" sz="3200" spc="-1" strike="noStrike">
               <a:latin typeface="Arial"/>
             </a:endParaRPr>
           </a:p>
@@ -14394,18 +14201,12 @@
               <a:buChar char=""/>
             </a:pPr>
             <a:r>
-              <a:rPr b="0" lang="de-DE" sz="2000" spc="-1" strike="noStrike">
-                <a:solidFill>
-                  <a:srgbClr val="000000"/>
-                </a:solidFill>
+              <a:rPr b="0" lang="zxx" sz="2800" spc="-1" strike="noStrike">
                 <a:latin typeface="Arial"/>
               </a:rPr>
               <a:t>Second Outline Level</a:t>
             </a:r>
-            <a:endParaRPr b="0" lang="de-DE" sz="2000" spc="-1" strike="noStrike">
-              <a:solidFill>
-                <a:srgbClr val="000000"/>
-              </a:solidFill>
+            <a:endParaRPr b="0" lang="zxx" sz="2800" spc="-1" strike="noStrike">
               <a:latin typeface="Arial"/>
             </a:endParaRPr>
           </a:p>
@@ -14422,18 +14223,12 @@
               <a:buChar char=""/>
             </a:pPr>
             <a:r>
-              <a:rPr b="0" lang="de-DE" sz="1800" spc="-1" strike="noStrike">
-                <a:solidFill>
-                  <a:srgbClr val="000000"/>
-                </a:solidFill>
+              <a:rPr b="0" lang="zxx" sz="2400" spc="-1" strike="noStrike">
                 <a:latin typeface="Arial"/>
               </a:rPr>
               <a:t>Third Outline Level</a:t>
             </a:r>
-            <a:endParaRPr b="0" lang="de-DE" sz="1800" spc="-1" strike="noStrike">
-              <a:solidFill>
-                <a:srgbClr val="000000"/>
-              </a:solidFill>
+            <a:endParaRPr b="0" lang="zxx" sz="2400" spc="-1" strike="noStrike">
               <a:latin typeface="Arial"/>
             </a:endParaRPr>
           </a:p>
@@ -14450,18 +14245,12 @@
               <a:buChar char=""/>
             </a:pPr>
             <a:r>
-              <a:rPr b="0" lang="de-DE" sz="1800" spc="-1" strike="noStrike">
-                <a:solidFill>
-                  <a:srgbClr val="000000"/>
-                </a:solidFill>
+              <a:rPr b="0" lang="zxx" sz="2000" spc="-1" strike="noStrike">
                 <a:latin typeface="Arial"/>
               </a:rPr>
               <a:t>Fourth Outline Level</a:t>
             </a:r>
-            <a:endParaRPr b="0" lang="de-DE" sz="1800" spc="-1" strike="noStrike">
-              <a:solidFill>
-                <a:srgbClr val="000000"/>
-              </a:solidFill>
+            <a:endParaRPr b="0" lang="zxx" sz="2000" spc="-1" strike="noStrike">
               <a:latin typeface="Arial"/>
             </a:endParaRPr>
           </a:p>
@@ -14478,18 +14267,12 @@
               <a:buChar char=""/>
             </a:pPr>
             <a:r>
-              <a:rPr b="0" lang="de-DE" sz="2000" spc="-1" strike="noStrike">
-                <a:solidFill>
-                  <a:srgbClr val="000000"/>
-                </a:solidFill>
+              <a:rPr b="0" lang="zxx" sz="2000" spc="-1" strike="noStrike">
                 <a:latin typeface="Arial"/>
               </a:rPr>
               <a:t>Fifth Outline Level</a:t>
             </a:r>
-            <a:endParaRPr b="0" lang="de-DE" sz="2000" spc="-1" strike="noStrike">
-              <a:solidFill>
-                <a:srgbClr val="000000"/>
-              </a:solidFill>
+            <a:endParaRPr b="0" lang="zxx" sz="2000" spc="-1" strike="noStrike">
               <a:latin typeface="Arial"/>
             </a:endParaRPr>
           </a:p>
@@ -14506,18 +14289,12 @@
               <a:buChar char=""/>
             </a:pPr>
             <a:r>
-              <a:rPr b="0" lang="de-DE" sz="2000" spc="-1" strike="noStrike">
-                <a:solidFill>
-                  <a:srgbClr val="000000"/>
-                </a:solidFill>
+              <a:rPr b="0" lang="zxx" sz="2000" spc="-1" strike="noStrike">
                 <a:latin typeface="Arial"/>
               </a:rPr>
               <a:t>Sixth Outline Level</a:t>
             </a:r>
-            <a:endParaRPr b="0" lang="de-DE" sz="2000" spc="-1" strike="noStrike">
-              <a:solidFill>
-                <a:srgbClr val="000000"/>
-              </a:solidFill>
+            <a:endParaRPr b="0" lang="zxx" sz="2000" spc="-1" strike="noStrike">
               <a:latin typeface="Arial"/>
             </a:endParaRPr>
           </a:p>
@@ -14534,18 +14311,12 @@
               <a:buChar char=""/>
             </a:pPr>
             <a:r>
-              <a:rPr b="0" lang="de-DE" sz="2000" spc="-1" strike="noStrike">
-                <a:solidFill>
-                  <a:srgbClr val="000000"/>
-                </a:solidFill>
+              <a:rPr b="0" lang="zxx" sz="2000" spc="-1" strike="noStrike">
                 <a:latin typeface="Arial"/>
               </a:rPr>
               <a:t>Seventh Outline Level</a:t>
             </a:r>
-            <a:endParaRPr b="0" lang="de-DE" sz="2000" spc="-1" strike="noStrike">
-              <a:solidFill>
-                <a:srgbClr val="000000"/>
-              </a:solidFill>
+            <a:endParaRPr b="0" lang="zxx" sz="2000" spc="-1" strike="noStrike">
               <a:latin typeface="Arial"/>
             </a:endParaRPr>
           </a:p>
@@ -14597,7 +14368,7 @@
         <p:spPr>
           <a:xfrm>
             <a:off x="1700280" y="2235240"/>
-            <a:ext cx="8790840" cy="2386800"/>
+            <a:ext cx="8790120" cy="2386080"/>
           </a:xfrm>
           <a:prstGeom prst="rect">
             <a:avLst/>
@@ -14641,14 +14412,14 @@
       </p:sp>
       <p:sp>
         <p:nvSpPr>
-          <p:cNvPr id="221" name="TextShape 2"/>
-          <p:cNvSpPr txBox="1"/>
+          <p:cNvPr id="221" name="CustomShape 2"/>
+          <p:cNvSpPr/>
           <p:nvPr/>
         </p:nvSpPr>
         <p:spPr>
           <a:xfrm>
             <a:off x="7040880" y="5120640"/>
-            <a:ext cx="2194560" cy="346320"/>
+            <a:ext cx="2193840" cy="345600"/>
           </a:xfrm>
           <a:prstGeom prst="rect">
             <a:avLst/>
@@ -14658,12 +14429,27 @@
             <a:noFill/>
           </a:ln>
         </p:spPr>
+        <p:style>
+          <a:lnRef idx="0"/>
+          <a:fillRef idx="0"/>
+          <a:effectRef idx="0"/>
+          <a:fontRef idx="minor"/>
+        </p:style>
         <p:txBody>
           <a:bodyPr lIns="90000" rIns="90000" tIns="45000" bIns="45000"/>
           <a:p>
+            <a:pPr>
+              <a:lnSpc>
+                <a:spcPct val="100000"/>
+              </a:lnSpc>
+            </a:pPr>
             <a:r>
               <a:rPr b="0" lang="zxx" sz="1800" spc="-1" strike="noStrike">
+                <a:solidFill>
+                  <a:srgbClr val="000000"/>
+                </a:solidFill>
                 <a:latin typeface="Arial"/>
+                <a:ea typeface="DejaVu Sans"/>
               </a:rPr>
               <a:t>by Lukas Kiederle</a:t>
             </a:r>
@@ -14731,7 +14517,7 @@
         <p:spPr>
           <a:xfrm>
             <a:off x="6232320" y="2062800"/>
-            <a:ext cx="5608080" cy="3972240"/>
+            <a:ext cx="5607360" cy="3971520"/>
           </a:xfrm>
           <a:prstGeom prst="rect">
             <a:avLst/>
@@ -15242,7 +15028,7 @@
         <p:spPr>
           <a:xfrm>
             <a:off x="351360" y="2062800"/>
-            <a:ext cx="5608080" cy="3972240"/>
+            <a:ext cx="5607360" cy="3971520"/>
           </a:xfrm>
           <a:prstGeom prst="rect">
             <a:avLst/>
@@ -15693,7 +15479,7 @@
         <p:spPr>
           <a:xfrm>
             <a:off x="2824920" y="-37800"/>
-            <a:ext cx="4332240" cy="1477800"/>
+            <a:ext cx="4331520" cy="1477080"/>
           </a:xfrm>
           <a:prstGeom prst="rect">
             <a:avLst/>
@@ -15742,7 +15528,7 @@
         <p:spPr>
           <a:xfrm>
             <a:off x="7859520" y="-37800"/>
-            <a:ext cx="4332240" cy="1477800"/>
+            <a:ext cx="4331520" cy="1477080"/>
           </a:xfrm>
           <a:prstGeom prst="rect">
             <a:avLst/>
@@ -15933,7 +15719,7 @@
         <p:spPr>
           <a:xfrm>
             <a:off x="1141560" y="0"/>
-            <a:ext cx="9905400" cy="1477800"/>
+            <a:ext cx="9904680" cy="1477080"/>
           </a:xfrm>
           <a:prstGeom prst="rect">
             <a:avLst/>
@@ -15984,7 +15770,7 @@
         <p:spPr>
           <a:xfrm>
             <a:off x="1141560" y="1260000"/>
-            <a:ext cx="9905400" cy="3540960"/>
+            <a:ext cx="9904680" cy="3540240"/>
           </a:xfrm>
           <a:prstGeom prst="rect">
             <a:avLst/>
@@ -16028,7 +15814,7 @@
             </a:endParaRPr>
           </a:p>
           <a:p>
-            <a:pPr marL="228600" indent="-227880">
+            <a:pPr marL="228600" indent="-227160">
               <a:lnSpc>
                 <a:spcPct val="120000"/>
               </a:lnSpc>
@@ -16057,7 +15843,7 @@
             </a:endParaRPr>
           </a:p>
           <a:p>
-            <a:pPr marL="228600" indent="-227880">
+            <a:pPr marL="228600" indent="-227160">
               <a:lnSpc>
                 <a:spcPct val="120000"/>
               </a:lnSpc>
@@ -16096,7 +15882,7 @@
         <p:spPr>
           <a:xfrm>
             <a:off x="6854040" y="3429000"/>
-            <a:ext cx="4785480" cy="3540960"/>
+            <a:ext cx="4784760" cy="3540240"/>
           </a:xfrm>
           <a:prstGeom prst="rect">
             <a:avLst/>
@@ -16140,7 +15926,7 @@
             </a:endParaRPr>
           </a:p>
           <a:p>
-            <a:pPr marL="228600" indent="-227880">
+            <a:pPr marL="228600" indent="-227160">
               <a:lnSpc>
                 <a:spcPct val="120000"/>
               </a:lnSpc>
@@ -16222,7 +16008,7 @@
         <p:spPr>
           <a:xfrm>
             <a:off x="967320" y="3429000"/>
-            <a:ext cx="5126760" cy="3540960"/>
+            <a:ext cx="5126040" cy="3540240"/>
           </a:xfrm>
           <a:prstGeom prst="rect">
             <a:avLst/>
@@ -16266,7 +16052,7 @@
             </a:endParaRPr>
           </a:p>
           <a:p>
-            <a:pPr marL="228600" indent="-227880">
+            <a:pPr marL="228600" indent="-227160">
               <a:lnSpc>
                 <a:spcPct val="120000"/>
               </a:lnSpc>
@@ -16295,7 +16081,7 @@
             </a:endParaRPr>
           </a:p>
           <a:p>
-            <a:pPr marL="228600" indent="-227880">
+            <a:pPr marL="228600" indent="-227160">
               <a:lnSpc>
                 <a:spcPct val="120000"/>
               </a:lnSpc>
@@ -16574,7 +16360,7 @@
         <p:spPr>
           <a:xfrm>
             <a:off x="1141560" y="0"/>
-            <a:ext cx="9905400" cy="1477800"/>
+            <a:ext cx="9904680" cy="1477080"/>
           </a:xfrm>
           <a:prstGeom prst="rect">
             <a:avLst/>
@@ -16623,7 +16409,7 @@
         <p:spPr>
           <a:xfrm>
             <a:off x="1141560" y="2249640"/>
-            <a:ext cx="9905400" cy="3540960"/>
+            <a:ext cx="9904680" cy="3540240"/>
           </a:xfrm>
           <a:prstGeom prst="rect">
             <a:avLst/>
@@ -16642,7 +16428,7 @@
         <p:txBody>
           <a:bodyPr lIns="90000" rIns="90000" tIns="45000" bIns="45000"/>
           <a:p>
-            <a:pPr marL="228600" indent="-227880">
+            <a:pPr marL="228600" indent="-227160">
               <a:lnSpc>
                 <a:spcPct val="120000"/>
               </a:lnSpc>
@@ -16671,7 +16457,7 @@
             </a:endParaRPr>
           </a:p>
           <a:p>
-            <a:pPr lvl="1" marL="685800" indent="-227880">
+            <a:pPr lvl="1" marL="685800" indent="-227160">
               <a:lnSpc>
                 <a:spcPct val="120000"/>
               </a:lnSpc>
@@ -16700,7 +16486,7 @@
             </a:endParaRPr>
           </a:p>
           <a:p>
-            <a:pPr lvl="1" marL="685800" indent="-227880">
+            <a:pPr lvl="1" marL="685800" indent="-227160">
               <a:lnSpc>
                 <a:spcPct val="120000"/>
               </a:lnSpc>
@@ -16889,7 +16675,7 @@
         <p:spPr>
           <a:xfrm>
             <a:off x="1143000" y="0"/>
-            <a:ext cx="9905400" cy="1477800"/>
+            <a:ext cx="9904680" cy="1477080"/>
           </a:xfrm>
           <a:prstGeom prst="rect">
             <a:avLst/>
@@ -16938,7 +16724,7 @@
         <p:spPr>
           <a:xfrm>
             <a:off x="1141560" y="2250000"/>
-            <a:ext cx="9905400" cy="3540960"/>
+            <a:ext cx="9904680" cy="3540240"/>
           </a:xfrm>
           <a:prstGeom prst="rect">
             <a:avLst/>
@@ -16957,7 +16743,7 @@
         <p:txBody>
           <a:bodyPr lIns="90000" rIns="90000" tIns="45000" bIns="45000"/>
           <a:p>
-            <a:pPr marL="228600" indent="-227880">
+            <a:pPr marL="228600" indent="-227160">
               <a:lnSpc>
                 <a:spcPct val="120000"/>
               </a:lnSpc>
@@ -16986,7 +16772,7 @@
             </a:endParaRPr>
           </a:p>
           <a:p>
-            <a:pPr lvl="1" marL="864000" indent="-323640">
+            <a:pPr lvl="1" marL="864000" indent="-322920">
               <a:lnSpc>
                 <a:spcPct val="100000"/>
               </a:lnSpc>
@@ -17015,7 +16801,7 @@
             </a:endParaRPr>
           </a:p>
           <a:p>
-            <a:pPr lvl="1" marL="864000" indent="-323640">
+            <a:pPr lvl="1" marL="864000" indent="-322920">
               <a:lnSpc>
                 <a:spcPct val="100000"/>
               </a:lnSpc>
@@ -17044,7 +16830,7 @@
             </a:endParaRPr>
           </a:p>
           <a:p>
-            <a:pPr marL="228600" indent="-227880">
+            <a:pPr marL="228600" indent="-227160">
               <a:lnSpc>
                 <a:spcPct val="120000"/>
               </a:lnSpc>
@@ -17073,7 +16859,7 @@
             </a:endParaRPr>
           </a:p>
           <a:p>
-            <a:pPr lvl="1" marL="864000" indent="-323640">
+            <a:pPr lvl="1" marL="864000" indent="-322920">
               <a:lnSpc>
                 <a:spcPct val="100000"/>
               </a:lnSpc>
@@ -17360,7 +17146,7 @@
         <p:spPr>
           <a:xfrm>
             <a:off x="1143000" y="0"/>
-            <a:ext cx="9905400" cy="1477800"/>
+            <a:ext cx="9904680" cy="1477080"/>
           </a:xfrm>
           <a:prstGeom prst="rect">
             <a:avLst/>
@@ -17409,7 +17195,7 @@
         <p:spPr>
           <a:xfrm>
             <a:off x="640800" y="2409480"/>
-            <a:ext cx="10978920" cy="3407400"/>
+            <a:ext cx="10978200" cy="3406680"/>
           </a:xfrm>
           <a:prstGeom prst="rect">
             <a:avLst/>
@@ -17859,7 +17645,7 @@
         <p:spPr>
           <a:xfrm>
             <a:off x="1143000" y="0"/>
-            <a:ext cx="9905400" cy="1477800"/>
+            <a:ext cx="9904680" cy="1477080"/>
           </a:xfrm>
           <a:prstGeom prst="rect">
             <a:avLst/>
@@ -17908,7 +17694,7 @@
         <p:spPr>
           <a:xfrm>
             <a:off x="1041480" y="2194560"/>
-            <a:ext cx="4390920" cy="2468880"/>
+            <a:ext cx="4390200" cy="2468160"/>
           </a:xfrm>
           <a:prstGeom prst="rect">
             <a:avLst/>
@@ -18149,7 +17935,7 @@
         <p:spPr>
           <a:xfrm>
             <a:off x="6207120" y="2199240"/>
-            <a:ext cx="4390920" cy="2458440"/>
+            <a:ext cx="4390200" cy="2457720"/>
           </a:xfrm>
           <a:prstGeom prst="rect">
             <a:avLst/>
@@ -18477,7 +18263,7 @@
         <p:spPr>
           <a:xfrm>
             <a:off x="1143000" y="0"/>
-            <a:ext cx="9905400" cy="1477800"/>
+            <a:ext cx="9904680" cy="1477080"/>
           </a:xfrm>
           <a:prstGeom prst="rect">
             <a:avLst/>
@@ -18526,7 +18312,7 @@
         <p:spPr>
           <a:xfrm>
             <a:off x="1143000" y="1269000"/>
-            <a:ext cx="6211080" cy="5406120"/>
+            <a:ext cx="6210360" cy="5405400"/>
           </a:xfrm>
           <a:prstGeom prst="rect">
             <a:avLst/>
@@ -19037,7 +18823,7 @@
         <p:spPr>
           <a:xfrm>
             <a:off x="9129600" y="2956320"/>
-            <a:ext cx="1154520" cy="945360"/>
+            <a:ext cx="1153800" cy="944640"/>
           </a:xfrm>
           <a:prstGeom prst="rect">
             <a:avLst/>
@@ -19225,7 +19011,7 @@
         <p:spPr>
           <a:xfrm>
             <a:off x="1141560" y="0"/>
-            <a:ext cx="9905400" cy="1477800"/>
+            <a:ext cx="9904680" cy="1477080"/>
           </a:xfrm>
           <a:prstGeom prst="rect">
             <a:avLst/>
@@ -19274,7 +19060,7 @@
         <p:spPr>
           <a:xfrm>
             <a:off x="1141560" y="2249640"/>
-            <a:ext cx="9905400" cy="3540960"/>
+            <a:ext cx="9904680" cy="3540240"/>
           </a:xfrm>
           <a:prstGeom prst="rect">
             <a:avLst/>
@@ -19293,7 +19079,7 @@
         <p:txBody>
           <a:bodyPr lIns="90000" rIns="90000" tIns="45000" bIns="45000"/>
           <a:p>
-            <a:pPr marL="228600" indent="-227880">
+            <a:pPr marL="228600" indent="-227160">
               <a:lnSpc>
                 <a:spcPct val="120000"/>
               </a:lnSpc>
@@ -19322,7 +19108,7 @@
             </a:endParaRPr>
           </a:p>
           <a:p>
-            <a:pPr marL="228600" indent="-227880">
+            <a:pPr marL="228600" indent="-227160">
               <a:lnSpc>
                 <a:spcPct val="120000"/>
               </a:lnSpc>
@@ -19344,7 +19130,7 @@
                 <a:latin typeface="Tw Cen MT"/>
                 <a:ea typeface="DejaVu Sans"/>
               </a:rPr>
-              <a:t>With/lock Statements</a:t>
+              <a:t>With/defer statements</a:t>
             </a:r>
             <a:endParaRPr b="0" lang="zxx" sz="2400" spc="-1" strike="noStrike">
               <a:latin typeface="Arial"/>
@@ -19361,7 +19147,7 @@
         <p:spPr>
           <a:xfrm>
             <a:off x="1141560" y="3454560"/>
-            <a:ext cx="4365000" cy="751680"/>
+            <a:ext cx="4364280" cy="750960"/>
           </a:xfrm>
           <a:prstGeom prst="rect">
             <a:avLst/>
@@ -19472,7 +19258,7 @@
         <p:spPr>
           <a:xfrm>
             <a:off x="6681960" y="3454560"/>
-            <a:ext cx="4365000" cy="751680"/>
+            <a:ext cx="4364280" cy="750960"/>
           </a:xfrm>
           <a:prstGeom prst="rect">
             <a:avLst/>
@@ -19687,7 +19473,7 @@
         <p:spPr>
           <a:xfrm>
             <a:off x="1143000" y="0"/>
-            <a:ext cx="9905400" cy="1477800"/>
+            <a:ext cx="9904680" cy="1477080"/>
           </a:xfrm>
           <a:prstGeom prst="rect">
             <a:avLst/>
@@ -19756,7 +19542,7 @@
         <p:spPr>
           <a:xfrm>
             <a:off x="1141560" y="2249640"/>
-            <a:ext cx="9905400" cy="3540960"/>
+            <a:ext cx="9904680" cy="3540240"/>
           </a:xfrm>
           <a:prstGeom prst="rect">
             <a:avLst/>
@@ -19775,7 +19561,7 @@
         <p:txBody>
           <a:bodyPr lIns="90000" rIns="90000" tIns="45000" bIns="45000"/>
           <a:p>
-            <a:pPr marL="228600" indent="-227880">
+            <a:pPr marL="228600" indent="-227160">
               <a:lnSpc>
                 <a:spcPct val="120000"/>
               </a:lnSpc>
@@ -19804,7 +19590,7 @@
             </a:endParaRPr>
           </a:p>
           <a:p>
-            <a:pPr marL="228600" indent="-227880">
+            <a:pPr marL="228600" indent="-227160">
               <a:lnSpc>
                 <a:spcPct val="120000"/>
               </a:lnSpc>
@@ -19892,7 +19678,7 @@
         <p:spPr>
           <a:xfrm>
             <a:off x="6271560" y="1226520"/>
-            <a:ext cx="5712120" cy="5448600"/>
+            <a:ext cx="5711400" cy="5447880"/>
           </a:xfrm>
           <a:prstGeom prst="rect">
             <a:avLst/>
@@ -20188,6 +19974,36 @@
               </a:rPr>
               <a:t>        </a:t>
             </a:r>
+            <a:endParaRPr b="0" lang="zxx" sz="1600" spc="-1" strike="noStrike">
+              <a:latin typeface="Arial"/>
+            </a:endParaRPr>
+          </a:p>
+          <a:p>
+            <a:pPr>
+              <a:lnSpc>
+                <a:spcPct val="100000"/>
+              </a:lnSpc>
+            </a:pPr>
+            <a:r>
+              <a:rPr b="0" lang="zxx" sz="1600" spc="-1" strike="noStrike">
+                <a:solidFill>
+                  <a:srgbClr val="d73a49"/>
+                </a:solidFill>
+                <a:latin typeface="SFMono-Regular"/>
+                <a:ea typeface="DejaVu Sans"/>
+              </a:rPr>
+              <a:t>	</a:t>
+            </a:r>
+            <a:r>
+              <a:rPr b="0" lang="zxx" sz="1600" spc="-1" strike="noStrike">
+                <a:solidFill>
+                  <a:srgbClr val="d73a49"/>
+                </a:solidFill>
+                <a:latin typeface="SFMono-Regular"/>
+                <a:ea typeface="DejaVu Sans"/>
+              </a:rPr>
+              <a:t>	</a:t>
+            </a:r>
             <a:r>
               <a:rPr b="0" lang="zxx" sz="1600" spc="-1" strike="noStrike">
                 <a:solidFill>
@@ -20306,117 +20122,7 @@
                 <a:latin typeface="SFMono-Regular"/>
                 <a:ea typeface="DejaVu Sans"/>
               </a:rPr>
-              <a:t>term, ok := </a:t>
-            </a:r>
-            <a:r>
-              <a:rPr b="0" lang="zxx" sz="1600" spc="-1" strike="noStrike">
-                <a:solidFill>
-                  <a:srgbClr val="d73a49"/>
-                </a:solidFill>
-                <a:latin typeface="SFMono-Regular"/>
-                <a:ea typeface="DejaVu Sans"/>
-              </a:rPr>
-              <a:t>	</a:t>
-            </a:r>
-            <a:r>
-              <a:rPr b="0" lang="zxx" sz="1600" spc="-1" strike="noStrike">
-                <a:solidFill>
-                  <a:srgbClr val="d73a49"/>
-                </a:solidFill>
-                <a:latin typeface="SFMono-Regular"/>
-                <a:ea typeface="DejaVu Sans"/>
-              </a:rPr>
-              <a:t>	</a:t>
-            </a:r>
-            <a:r>
-              <a:rPr b="0" lang="zxx" sz="1600" spc="-1" strike="noStrike">
-                <a:solidFill>
-                  <a:srgbClr val="d73a49"/>
-                </a:solidFill>
-                <a:latin typeface="SFMono-Regular"/>
-                <a:ea typeface="DejaVu Sans"/>
-              </a:rPr>
-              <a:t>	</a:t>
-            </a:r>
-            <a:r>
-              <a:rPr b="0" lang="zxx" sz="1600" spc="-1" strike="noStrike">
-                <a:solidFill>
-                  <a:srgbClr val="d73a49"/>
-                </a:solidFill>
-                <a:latin typeface="SFMono-Regular"/>
-                <a:ea typeface="DejaVu Sans"/>
-              </a:rPr>
-              <a:t>	</a:t>
-            </a:r>
-            <a:r>
-              <a:rPr b="0" lang="zxx" sz="1600" spc="-1" strike="noStrike">
-                <a:solidFill>
-                  <a:srgbClr val="d73a49"/>
-                </a:solidFill>
-                <a:latin typeface="SFMono-Regular"/>
-                <a:ea typeface="DejaVu Sans"/>
-              </a:rPr>
-              <a:t>	</a:t>
-            </a:r>
-            <a:r>
-              <a:rPr b="0" lang="zxx" sz="1600" spc="-1" strike="noStrike">
-                <a:solidFill>
-                  <a:srgbClr val="d73a49"/>
-                </a:solidFill>
-                <a:latin typeface="SFMono-Regular"/>
-                <a:ea typeface="DejaVu Sans"/>
-              </a:rPr>
-              <a:t>	</a:t>
-            </a:r>
-            <a:r>
-              <a:rPr b="0" lang="zxx" sz="1600" spc="-1" strike="noStrike">
-                <a:solidFill>
-                  <a:srgbClr val="d73a49"/>
-                </a:solidFill>
-                <a:latin typeface="SFMono-Regular"/>
-                <a:ea typeface="DejaVu Sans"/>
-              </a:rPr>
-              <a:t>	</a:t>
-            </a:r>
-            <a:r>
-              <a:rPr b="0" lang="zxx" sz="1600" spc="-1" strike="noStrike">
-                <a:solidFill>
-                  <a:srgbClr val="d73a49"/>
-                </a:solidFill>
-                <a:latin typeface="SFMono-Regular"/>
-                <a:ea typeface="DejaVu Sans"/>
-              </a:rPr>
-              <a:t>	</a:t>
-            </a:r>
-            <a:r>
-              <a:rPr b="0" lang="zxx" sz="1600" spc="-1" strike="noStrike">
-                <a:solidFill>
-                  <a:srgbClr val="d73a49"/>
-                </a:solidFill>
-                <a:latin typeface="SFMono-Regular"/>
-                <a:ea typeface="DejaVu Sans"/>
-              </a:rPr>
-              <a:t>	</a:t>
-            </a:r>
-            <a:r>
-              <a:rPr b="0" lang="zxx" sz="1600" spc="-1" strike="noStrike">
-                <a:solidFill>
-                  <a:srgbClr val="d73a49"/>
-                </a:solidFill>
-                <a:latin typeface="SFMono-Regular"/>
-                <a:ea typeface="DejaVu Sans"/>
-              </a:rPr>
-              <a:t>	</a:t>
-            </a:r>
-            <a:r>
-              <a:rPr b="0" lang="zxx" sz="1600" spc="-1" strike="noStrike">
-                <a:solidFill>
-                  <a:srgbClr val="d73a49"/>
-                </a:solidFill>
-                <a:latin typeface="SFMono-Regular"/>
-                <a:ea typeface="DejaVu Sans"/>
-              </a:rPr>
-              <a:t>rpcIf.RequestVote(n.currentTerm, n.id, 0, 0)</a:t>
+              <a:t>ok := rpcIf.RequestVote(n.id, 0, 0)</a:t>
             </a:r>
             <a:endParaRPr b="0" lang="zxx" sz="1600" spc="-1" strike="noStrike">
               <a:latin typeface="Arial"/>
@@ -20643,7 +20349,7 @@
         <p:spPr>
           <a:xfrm>
             <a:off x="208080" y="1226520"/>
-            <a:ext cx="5712120" cy="5448600"/>
+            <a:ext cx="5711400" cy="5447880"/>
           </a:xfrm>
           <a:prstGeom prst="rect">
             <a:avLst/>
@@ -20939,26 +20645,6 @@
               </a:rPr>
               <a:t>	</a:t>
             </a:r>
-            <a:r>
-              <a:rPr b="0" lang="zxx" sz="1600" spc="-1" strike="noStrike">
-                <a:solidFill>
-                  <a:srgbClr val="d73a49"/>
-                </a:solidFill>
-                <a:latin typeface="SFMono-Regular"/>
-                <a:ea typeface="DejaVu Sans"/>
-              </a:rPr>
-              <a:t>term, ok = </a:t>
-            </a:r>
-            <a:r>
-              <a:rPr b="0" lang="zxx" sz="1600" spc="-1" strike="noStrike">
-                <a:solidFill>
-                  <a:srgbClr val="d73a49"/>
-                </a:solidFill>
-                <a:latin typeface="SFMono-Regular"/>
-                <a:ea typeface="DejaVu Sans"/>
-              </a:rPr>
-              <a:t>	</a:t>
-            </a:r>
             <a:endParaRPr b="0" lang="zxx" sz="1600" spc="-1" strike="noStrike">
               <a:latin typeface="Arial"/>
             </a:endParaRPr>
@@ -20997,67 +20683,7 @@
                 <a:latin typeface="SFMono-Regular"/>
                 <a:ea typeface="DejaVu Sans"/>
               </a:rPr>
-              <a:t>	</a:t>
-            </a:r>
-            <a:r>
-              <a:rPr b="0" lang="zxx" sz="1600" spc="-1" strike="noStrike">
-                <a:solidFill>
-                  <a:srgbClr val="d73a49"/>
-                </a:solidFill>
-                <a:latin typeface="SFMono-Regular"/>
-                <a:ea typeface="DejaVu Sans"/>
-              </a:rPr>
-              <a:t>node.request_vote(self.current_term, </a:t>
-            </a:r>
-            <a:endParaRPr b="0" lang="zxx" sz="1600" spc="-1" strike="noStrike">
-              <a:latin typeface="Arial"/>
-            </a:endParaRPr>
-          </a:p>
-          <a:p>
-            <a:pPr>
-              <a:lnSpc>
-                <a:spcPct val="100000"/>
-              </a:lnSpc>
-            </a:pPr>
-            <a:r>
-              <a:rPr b="0" lang="zxx" sz="1600" spc="-1" strike="noStrike">
-                <a:solidFill>
-                  <a:srgbClr val="d73a49"/>
-                </a:solidFill>
-                <a:latin typeface="SFMono-Regular"/>
-                <a:ea typeface="DejaVu Sans"/>
-              </a:rPr>
-              <a:t>	</a:t>
-            </a:r>
-            <a:r>
-              <a:rPr b="0" lang="zxx" sz="1600" spc="-1" strike="noStrike">
-                <a:solidFill>
-                  <a:srgbClr val="d73a49"/>
-                </a:solidFill>
-                <a:latin typeface="SFMono-Regular"/>
-                <a:ea typeface="DejaVu Sans"/>
-              </a:rPr>
-              <a:t>	</a:t>
-            </a:r>
-            <a:r>
-              <a:rPr b="0" lang="zxx" sz="1600" spc="-1" strike="noStrike">
-                <a:solidFill>
-                  <a:srgbClr val="d73a49"/>
-                </a:solidFill>
-                <a:latin typeface="SFMono-Regular"/>
-                <a:ea typeface="DejaVu Sans"/>
-              </a:rPr>
-              <a:t>	</a:t>
-            </a:r>
-            <a:r>
-              <a:rPr b="0" lang="zxx" sz="1600" spc="-1" strike="noStrike">
-                <a:solidFill>
-                  <a:srgbClr val="d73a49"/>
-                </a:solidFill>
-                <a:latin typeface="SFMono-Regular"/>
-                <a:ea typeface="DejaVu Sans"/>
-              </a:rPr>
-              <a:t>self.id, 0, 0)</a:t>
+              <a:t>ok = node.request_vote(self.id, 0, 0)</a:t>
             </a:r>
             <a:endParaRPr b="0" lang="zxx" sz="1600" spc="-1" strike="noStrike">
               <a:latin typeface="Arial"/>
@@ -21314,7 +20940,7 @@
         <p:spPr>
           <a:xfrm>
             <a:off x="2824920" y="-37800"/>
-            <a:ext cx="4332240" cy="1477800"/>
+            <a:ext cx="4331520" cy="1477080"/>
           </a:xfrm>
           <a:prstGeom prst="rect">
             <a:avLst/>
@@ -21363,7 +20989,7 @@
         <p:spPr>
           <a:xfrm>
             <a:off x="7859520" y="-37800"/>
-            <a:ext cx="4332240" cy="1477800"/>
+            <a:ext cx="4331520" cy="1477080"/>
           </a:xfrm>
           <a:prstGeom prst="rect">
             <a:avLst/>
